--- a/iot_pres.pptx
+++ b/iot_pres.pptx
@@ -109,6 +109,11 @@
       </a:defRPr>
     </a:lvl9pPr>
   </p:defaultTextStyle>
+  <p:extLst>
+    <p:ext uri="{EFAFB233-063F-42B5-8137-9DF3F51BA10A}">
+      <p15:sldGuideLst xmlns:p15="http://schemas.microsoft.com/office/powerpoint/2012/main"/>
+    </p:ext>
+  </p:extLst>
 </p:presentation>
 </file>
 
@@ -4153,6 +4158,437 @@
   <p:clrMapOvr>
     <a:masterClrMapping/>
   </p:clrMapOvr>
+  <mc:AlternateContent xmlns:mc="http://schemas.openxmlformats.org/markup-compatibility/2006">
+    <mc:Choice xmlns:p14="http://schemas.microsoft.com/office/powerpoint/2010/main" Requires="p14">
+      <p:transition spd="slow" p14:dur="2500" advClick="0">
+        <p14:reveal/>
+      </p:transition>
+    </mc:Choice>
+    <mc:Fallback>
+      <p:transition spd="slow" advClick="0">
+        <p:fade/>
+      </p:transition>
+    </mc:Fallback>
+  </mc:AlternateContent>
+  <p:timing>
+    <p:tnLst>
+      <p:par>
+        <p:cTn id="1" dur="indefinite" restart="never" nodeType="tmRoot">
+          <p:childTnLst>
+            <p:seq concurrent="1" nextAc="seek">
+              <p:cTn id="2" dur="indefinite" nodeType="mainSeq">
+                <p:childTnLst>
+                  <p:par>
+                    <p:cTn id="3" fill="hold">
+                      <p:stCondLst>
+                        <p:cond delay="indefinite"/>
+                        <p:cond evt="onBegin" delay="0">
+                          <p:tn val="2"/>
+                        </p:cond>
+                      </p:stCondLst>
+                      <p:childTnLst>
+                        <p:par>
+                          <p:cTn id="4" fill="hold">
+                            <p:stCondLst>
+                              <p:cond delay="0"/>
+                            </p:stCondLst>
+                            <p:childTnLst>
+                              <p:par>
+                                <p:cTn id="5" presetID="10" presetClass="entr" presetSubtype="0" fill="hold" grpId="0" nodeType="afterEffect">
+                                  <p:stCondLst>
+                                    <p:cond delay="0"/>
+                                  </p:stCondLst>
+                                  <p:childTnLst>
+                                    <p:set>
+                                      <p:cBhvr>
+                                        <p:cTn id="6" dur="1" fill="hold">
+                                          <p:stCondLst>
+                                            <p:cond delay="0"/>
+                                          </p:stCondLst>
+                                        </p:cTn>
+                                        <p:tgtEl>
+                                          <p:spTgt spid="82"/>
+                                        </p:tgtEl>
+                                        <p:attrNameLst>
+                                          <p:attrName>style.visibility</p:attrName>
+                                        </p:attrNameLst>
+                                      </p:cBhvr>
+                                      <p:to>
+                                        <p:strVal val="visible"/>
+                                      </p:to>
+                                    </p:set>
+                                    <p:animEffect transition="in" filter="fade">
+                                      <p:cBhvr>
+                                        <p:cTn id="7" dur="750"/>
+                                        <p:tgtEl>
+                                          <p:spTgt spid="82"/>
+                                        </p:tgtEl>
+                                      </p:cBhvr>
+                                    </p:animEffect>
+                                  </p:childTnLst>
+                                </p:cTn>
+                              </p:par>
+                            </p:childTnLst>
+                          </p:cTn>
+                        </p:par>
+                        <p:par>
+                          <p:cTn id="8" fill="hold">
+                            <p:stCondLst>
+                              <p:cond delay="750"/>
+                            </p:stCondLst>
+                            <p:childTnLst>
+                              <p:par>
+                                <p:cTn id="9" presetID="2" presetClass="entr" presetSubtype="4" fill="hold" grpId="0" nodeType="afterEffect">
+                                  <p:stCondLst>
+                                    <p:cond delay="0"/>
+                                  </p:stCondLst>
+                                  <p:childTnLst>
+                                    <p:set>
+                                      <p:cBhvr>
+                                        <p:cTn id="10" dur="1" fill="hold">
+                                          <p:stCondLst>
+                                            <p:cond delay="0"/>
+                                          </p:stCondLst>
+                                        </p:cTn>
+                                        <p:tgtEl>
+                                          <p:spTgt spid="83">
+                                            <p:txEl>
+                                              <p:pRg st="0" end="0"/>
+                                            </p:txEl>
+                                          </p:spTgt>
+                                        </p:tgtEl>
+                                        <p:attrNameLst>
+                                          <p:attrName>style.visibility</p:attrName>
+                                        </p:attrNameLst>
+                                      </p:cBhvr>
+                                      <p:to>
+                                        <p:strVal val="visible"/>
+                                      </p:to>
+                                    </p:set>
+                                    <p:anim calcmode="lin" valueType="num">
+                                      <p:cBhvr additive="base">
+                                        <p:cTn id="11" dur="750" fill="hold"/>
+                                        <p:tgtEl>
+                                          <p:spTgt spid="83">
+                                            <p:txEl>
+                                              <p:pRg st="0" end="0"/>
+                                            </p:txEl>
+                                          </p:spTgt>
+                                        </p:tgtEl>
+                                        <p:attrNameLst>
+                                          <p:attrName>ppt_x</p:attrName>
+                                        </p:attrNameLst>
+                                      </p:cBhvr>
+                                      <p:tavLst>
+                                        <p:tav tm="0">
+                                          <p:val>
+                                            <p:strVal val="#ppt_x"/>
+                                          </p:val>
+                                        </p:tav>
+                                        <p:tav tm="100000">
+                                          <p:val>
+                                            <p:strVal val="#ppt_x"/>
+                                          </p:val>
+                                        </p:tav>
+                                      </p:tavLst>
+                                    </p:anim>
+                                    <p:anim calcmode="lin" valueType="num">
+                                      <p:cBhvr additive="base">
+                                        <p:cTn id="12" dur="750" fill="hold"/>
+                                        <p:tgtEl>
+                                          <p:spTgt spid="83">
+                                            <p:txEl>
+                                              <p:pRg st="0" end="0"/>
+                                            </p:txEl>
+                                          </p:spTgt>
+                                        </p:tgtEl>
+                                        <p:attrNameLst>
+                                          <p:attrName>ppt_y</p:attrName>
+                                        </p:attrNameLst>
+                                      </p:cBhvr>
+                                      <p:tavLst>
+                                        <p:tav tm="0">
+                                          <p:val>
+                                            <p:strVal val="1+#ppt_h/2"/>
+                                          </p:val>
+                                        </p:tav>
+                                        <p:tav tm="100000">
+                                          <p:val>
+                                            <p:strVal val="#ppt_y"/>
+                                          </p:val>
+                                        </p:tav>
+                                      </p:tavLst>
+                                    </p:anim>
+                                  </p:childTnLst>
+                                </p:cTn>
+                              </p:par>
+                            </p:childTnLst>
+                          </p:cTn>
+                        </p:par>
+                        <p:par>
+                          <p:cTn id="13" fill="hold">
+                            <p:stCondLst>
+                              <p:cond delay="1500"/>
+                            </p:stCondLst>
+                            <p:childTnLst>
+                              <p:par>
+                                <p:cTn id="14" presetID="2" presetClass="entr" presetSubtype="4" fill="hold" grpId="0" nodeType="afterEffect">
+                                  <p:stCondLst>
+                                    <p:cond delay="0"/>
+                                  </p:stCondLst>
+                                  <p:childTnLst>
+                                    <p:set>
+                                      <p:cBhvr>
+                                        <p:cTn id="15" dur="1" fill="hold">
+                                          <p:stCondLst>
+                                            <p:cond delay="0"/>
+                                          </p:stCondLst>
+                                        </p:cTn>
+                                        <p:tgtEl>
+                                          <p:spTgt spid="83">
+                                            <p:txEl>
+                                              <p:pRg st="1" end="1"/>
+                                            </p:txEl>
+                                          </p:spTgt>
+                                        </p:tgtEl>
+                                        <p:attrNameLst>
+                                          <p:attrName>style.visibility</p:attrName>
+                                        </p:attrNameLst>
+                                      </p:cBhvr>
+                                      <p:to>
+                                        <p:strVal val="visible"/>
+                                      </p:to>
+                                    </p:set>
+                                    <p:anim calcmode="lin" valueType="num">
+                                      <p:cBhvr additive="base">
+                                        <p:cTn id="16" dur="750" fill="hold"/>
+                                        <p:tgtEl>
+                                          <p:spTgt spid="83">
+                                            <p:txEl>
+                                              <p:pRg st="1" end="1"/>
+                                            </p:txEl>
+                                          </p:spTgt>
+                                        </p:tgtEl>
+                                        <p:attrNameLst>
+                                          <p:attrName>ppt_x</p:attrName>
+                                        </p:attrNameLst>
+                                      </p:cBhvr>
+                                      <p:tavLst>
+                                        <p:tav tm="0">
+                                          <p:val>
+                                            <p:strVal val="#ppt_x"/>
+                                          </p:val>
+                                        </p:tav>
+                                        <p:tav tm="100000">
+                                          <p:val>
+                                            <p:strVal val="#ppt_x"/>
+                                          </p:val>
+                                        </p:tav>
+                                      </p:tavLst>
+                                    </p:anim>
+                                    <p:anim calcmode="lin" valueType="num">
+                                      <p:cBhvr additive="base">
+                                        <p:cTn id="17" dur="750" fill="hold"/>
+                                        <p:tgtEl>
+                                          <p:spTgt spid="83">
+                                            <p:txEl>
+                                              <p:pRg st="1" end="1"/>
+                                            </p:txEl>
+                                          </p:spTgt>
+                                        </p:tgtEl>
+                                        <p:attrNameLst>
+                                          <p:attrName>ppt_y</p:attrName>
+                                        </p:attrNameLst>
+                                      </p:cBhvr>
+                                      <p:tavLst>
+                                        <p:tav tm="0">
+                                          <p:val>
+                                            <p:strVal val="1+#ppt_h/2"/>
+                                          </p:val>
+                                        </p:tav>
+                                        <p:tav tm="100000">
+                                          <p:val>
+                                            <p:strVal val="#ppt_y"/>
+                                          </p:val>
+                                        </p:tav>
+                                      </p:tavLst>
+                                    </p:anim>
+                                  </p:childTnLst>
+                                </p:cTn>
+                              </p:par>
+                            </p:childTnLst>
+                          </p:cTn>
+                        </p:par>
+                      </p:childTnLst>
+                    </p:cTn>
+                  </p:par>
+                  <p:par>
+                    <p:cTn id="18" fill="hold">
+                      <p:stCondLst>
+                        <p:cond delay="indefinite"/>
+                      </p:stCondLst>
+                      <p:childTnLst>
+                        <p:par>
+                          <p:cTn id="19" fill="hold">
+                            <p:stCondLst>
+                              <p:cond delay="0"/>
+                            </p:stCondLst>
+                            <p:childTnLst>
+                              <p:par>
+                                <p:cTn id="20" presetID="10" presetClass="exit" presetSubtype="0" fill="hold" grpId="1" nodeType="clickEffect">
+                                  <p:stCondLst>
+                                    <p:cond delay="0"/>
+                                  </p:stCondLst>
+                                  <p:childTnLst>
+                                    <p:animEffect transition="out" filter="fade">
+                                      <p:cBhvr>
+                                        <p:cTn id="21" dur="500"/>
+                                        <p:tgtEl>
+                                          <p:spTgt spid="82"/>
+                                        </p:tgtEl>
+                                      </p:cBhvr>
+                                    </p:animEffect>
+                                    <p:set>
+                                      <p:cBhvr>
+                                        <p:cTn id="22" dur="1" fill="hold">
+                                          <p:stCondLst>
+                                            <p:cond delay="499"/>
+                                          </p:stCondLst>
+                                        </p:cTn>
+                                        <p:tgtEl>
+                                          <p:spTgt spid="82"/>
+                                        </p:tgtEl>
+                                        <p:attrNameLst>
+                                          <p:attrName>style.visibility</p:attrName>
+                                        </p:attrNameLst>
+                                      </p:cBhvr>
+                                      <p:to>
+                                        <p:strVal val="hidden"/>
+                                      </p:to>
+                                    </p:set>
+                                  </p:childTnLst>
+                                </p:cTn>
+                              </p:par>
+                              <p:par>
+                                <p:cTn id="23" presetID="10" presetClass="exit" presetSubtype="0" fill="hold" grpId="1" nodeType="withEffect">
+                                  <p:stCondLst>
+                                    <p:cond delay="0"/>
+                                  </p:stCondLst>
+                                  <p:childTnLst>
+                                    <p:animEffect transition="out" filter="fade">
+                                      <p:cBhvr>
+                                        <p:cTn id="24" dur="500"/>
+                                        <p:tgtEl>
+                                          <p:spTgt spid="83">
+                                            <p:txEl>
+                                              <p:pRg st="0" end="0"/>
+                                            </p:txEl>
+                                          </p:spTgt>
+                                        </p:tgtEl>
+                                      </p:cBhvr>
+                                    </p:animEffect>
+                                    <p:set>
+                                      <p:cBhvr>
+                                        <p:cTn id="25" dur="1" fill="hold">
+                                          <p:stCondLst>
+                                            <p:cond delay="499"/>
+                                          </p:stCondLst>
+                                        </p:cTn>
+                                        <p:tgtEl>
+                                          <p:spTgt spid="83">
+                                            <p:txEl>
+                                              <p:pRg st="0" end="0"/>
+                                            </p:txEl>
+                                          </p:spTgt>
+                                        </p:tgtEl>
+                                        <p:attrNameLst>
+                                          <p:attrName>style.visibility</p:attrName>
+                                        </p:attrNameLst>
+                                      </p:cBhvr>
+                                      <p:to>
+                                        <p:strVal val="hidden"/>
+                                      </p:to>
+                                    </p:set>
+                                  </p:childTnLst>
+                                </p:cTn>
+                              </p:par>
+                              <p:par>
+                                <p:cTn id="26" presetID="10" presetClass="exit" presetSubtype="0" fill="hold" grpId="1" nodeType="withEffect">
+                                  <p:stCondLst>
+                                    <p:cond delay="0"/>
+                                  </p:stCondLst>
+                                  <p:childTnLst>
+                                    <p:animEffect transition="out" filter="fade">
+                                      <p:cBhvr>
+                                        <p:cTn id="27" dur="500"/>
+                                        <p:tgtEl>
+                                          <p:spTgt spid="83">
+                                            <p:txEl>
+                                              <p:pRg st="1" end="1"/>
+                                            </p:txEl>
+                                          </p:spTgt>
+                                        </p:tgtEl>
+                                      </p:cBhvr>
+                                    </p:animEffect>
+                                    <p:set>
+                                      <p:cBhvr>
+                                        <p:cTn id="28" dur="1" fill="hold">
+                                          <p:stCondLst>
+                                            <p:cond delay="499"/>
+                                          </p:stCondLst>
+                                        </p:cTn>
+                                        <p:tgtEl>
+                                          <p:spTgt spid="83">
+                                            <p:txEl>
+                                              <p:pRg st="1" end="1"/>
+                                            </p:txEl>
+                                          </p:spTgt>
+                                        </p:tgtEl>
+                                        <p:attrNameLst>
+                                          <p:attrName>style.visibility</p:attrName>
+                                        </p:attrNameLst>
+                                      </p:cBhvr>
+                                      <p:to>
+                                        <p:strVal val="hidden"/>
+                                      </p:to>
+                                    </p:set>
+                                  </p:childTnLst>
+                                </p:cTn>
+                              </p:par>
+                            </p:childTnLst>
+                          </p:cTn>
+                        </p:par>
+                      </p:childTnLst>
+                    </p:cTn>
+                  </p:par>
+                </p:childTnLst>
+              </p:cTn>
+              <p:prevCondLst>
+                <p:cond evt="onPrev" delay="0">
+                  <p:tgtEl>
+                    <p:sldTgt/>
+                  </p:tgtEl>
+                </p:cond>
+              </p:prevCondLst>
+              <p:nextCondLst>
+                <p:cond evt="onNext" delay="0">
+                  <p:tgtEl>
+                    <p:sldTgt/>
+                  </p:tgtEl>
+                </p:cond>
+              </p:nextCondLst>
+            </p:seq>
+          </p:childTnLst>
+        </p:cTn>
+      </p:par>
+    </p:tnLst>
+    <p:bldLst>
+      <p:bldP spid="83" grpId="0" uiExpand="1" build="p"/>
+      <p:bldP spid="83" grpId="1" build="p"/>
+      <p:bldP spid="82" grpId="0"/>
+      <p:bldP spid="82" grpId="1"/>
+    </p:bldLst>
+  </p:timing>
 </p:sld>
 </file>
 
@@ -4783,6 +5219,493 @@
   <p:clrMapOvr>
     <a:masterClrMapping/>
   </p:clrMapOvr>
+  <mc:AlternateContent xmlns:mc="http://schemas.openxmlformats.org/markup-compatibility/2006">
+    <mc:Choice xmlns:p14="http://schemas.microsoft.com/office/powerpoint/2010/main" Requires="p14">
+      <p:transition spd="med" p14:dur="700" advClick="0">
+        <p:fade/>
+      </p:transition>
+    </mc:Choice>
+    <mc:Fallback>
+      <p:transition spd="med" advClick="0">
+        <p:fade/>
+      </p:transition>
+    </mc:Fallback>
+  </mc:AlternateContent>
+  <p:timing>
+    <p:tnLst>
+      <p:par>
+        <p:cTn id="1" dur="indefinite" restart="never" nodeType="tmRoot">
+          <p:childTnLst>
+            <p:seq concurrent="1" nextAc="seek">
+              <p:cTn id="2" dur="indefinite" nodeType="mainSeq">
+                <p:childTnLst>
+                  <p:par>
+                    <p:cTn id="3" fill="hold">
+                      <p:stCondLst>
+                        <p:cond delay="indefinite"/>
+                        <p:cond evt="onBegin" delay="0">
+                          <p:tn val="2"/>
+                        </p:cond>
+                      </p:stCondLst>
+                      <p:childTnLst>
+                        <p:par>
+                          <p:cTn id="4" fill="hold">
+                            <p:stCondLst>
+                              <p:cond delay="0"/>
+                            </p:stCondLst>
+                            <p:childTnLst>
+                              <p:par>
+                                <p:cTn id="5" presetID="42" presetClass="entr" presetSubtype="0" fill="hold" grpId="0" nodeType="afterEffect">
+                                  <p:stCondLst>
+                                    <p:cond delay="0"/>
+                                  </p:stCondLst>
+                                  <p:childTnLst>
+                                    <p:set>
+                                      <p:cBhvr>
+                                        <p:cTn id="6" dur="1" fill="hold">
+                                          <p:stCondLst>
+                                            <p:cond delay="0"/>
+                                          </p:stCondLst>
+                                        </p:cTn>
+                                        <p:tgtEl>
+                                          <p:spTgt spid="84"/>
+                                        </p:tgtEl>
+                                        <p:attrNameLst>
+                                          <p:attrName>style.visibility</p:attrName>
+                                        </p:attrNameLst>
+                                      </p:cBhvr>
+                                      <p:to>
+                                        <p:strVal val="visible"/>
+                                      </p:to>
+                                    </p:set>
+                                    <p:animEffect transition="in" filter="fade">
+                                      <p:cBhvr>
+                                        <p:cTn id="7" dur="750"/>
+                                        <p:tgtEl>
+                                          <p:spTgt spid="84"/>
+                                        </p:tgtEl>
+                                      </p:cBhvr>
+                                    </p:animEffect>
+                                    <p:anim calcmode="lin" valueType="num">
+                                      <p:cBhvr>
+                                        <p:cTn id="8" dur="750" fill="hold"/>
+                                        <p:tgtEl>
+                                          <p:spTgt spid="84"/>
+                                        </p:tgtEl>
+                                        <p:attrNameLst>
+                                          <p:attrName>ppt_x</p:attrName>
+                                        </p:attrNameLst>
+                                      </p:cBhvr>
+                                      <p:tavLst>
+                                        <p:tav tm="0">
+                                          <p:val>
+                                            <p:strVal val="#ppt_x"/>
+                                          </p:val>
+                                        </p:tav>
+                                        <p:tav tm="100000">
+                                          <p:val>
+                                            <p:strVal val="#ppt_x"/>
+                                          </p:val>
+                                        </p:tav>
+                                      </p:tavLst>
+                                    </p:anim>
+                                    <p:anim calcmode="lin" valueType="num">
+                                      <p:cBhvr>
+                                        <p:cTn id="9" dur="750" fill="hold"/>
+                                        <p:tgtEl>
+                                          <p:spTgt spid="84"/>
+                                        </p:tgtEl>
+                                        <p:attrNameLst>
+                                          <p:attrName>ppt_y</p:attrName>
+                                        </p:attrNameLst>
+                                      </p:cBhvr>
+                                      <p:tavLst>
+                                        <p:tav tm="0">
+                                          <p:val>
+                                            <p:strVal val="#ppt_y+.1"/>
+                                          </p:val>
+                                        </p:tav>
+                                        <p:tav tm="100000">
+                                          <p:val>
+                                            <p:strVal val="#ppt_y"/>
+                                          </p:val>
+                                        </p:tav>
+                                      </p:tavLst>
+                                    </p:anim>
+                                  </p:childTnLst>
+                                </p:cTn>
+                              </p:par>
+                            </p:childTnLst>
+                          </p:cTn>
+                        </p:par>
+                        <p:par>
+                          <p:cTn id="10" fill="hold">
+                            <p:stCondLst>
+                              <p:cond delay="750"/>
+                            </p:stCondLst>
+                            <p:childTnLst>
+                              <p:par>
+                                <p:cTn id="11" presetID="10" presetClass="entr" presetSubtype="0" fill="hold" nodeType="afterEffect">
+                                  <p:stCondLst>
+                                    <p:cond delay="0"/>
+                                  </p:stCondLst>
+                                  <p:childTnLst>
+                                    <p:set>
+                                      <p:cBhvr>
+                                        <p:cTn id="12" dur="1" fill="hold">
+                                          <p:stCondLst>
+                                            <p:cond delay="0"/>
+                                          </p:stCondLst>
+                                        </p:cTn>
+                                        <p:tgtEl>
+                                          <p:spTgt spid="85">
+                                            <p:txEl>
+                                              <p:pRg st="0" end="0"/>
+                                            </p:txEl>
+                                          </p:spTgt>
+                                        </p:tgtEl>
+                                        <p:attrNameLst>
+                                          <p:attrName>style.visibility</p:attrName>
+                                        </p:attrNameLst>
+                                      </p:cBhvr>
+                                      <p:to>
+                                        <p:strVal val="visible"/>
+                                      </p:to>
+                                    </p:set>
+                                    <p:animEffect transition="in" filter="fade">
+                                      <p:cBhvr>
+                                        <p:cTn id="13" dur="500"/>
+                                        <p:tgtEl>
+                                          <p:spTgt spid="85">
+                                            <p:txEl>
+                                              <p:pRg st="0" end="0"/>
+                                            </p:txEl>
+                                          </p:spTgt>
+                                        </p:tgtEl>
+                                      </p:cBhvr>
+                                    </p:animEffect>
+                                  </p:childTnLst>
+                                </p:cTn>
+                              </p:par>
+                            </p:childTnLst>
+                          </p:cTn>
+                        </p:par>
+                        <p:par>
+                          <p:cTn id="14" fill="hold">
+                            <p:stCondLst>
+                              <p:cond delay="1250"/>
+                            </p:stCondLst>
+                            <p:childTnLst>
+                              <p:par>
+                                <p:cTn id="15" presetID="10" presetClass="entr" presetSubtype="0" fill="hold" nodeType="afterEffect">
+                                  <p:stCondLst>
+                                    <p:cond delay="0"/>
+                                  </p:stCondLst>
+                                  <p:childTnLst>
+                                    <p:set>
+                                      <p:cBhvr>
+                                        <p:cTn id="16" dur="1" fill="hold">
+                                          <p:stCondLst>
+                                            <p:cond delay="0"/>
+                                          </p:stCondLst>
+                                        </p:cTn>
+                                        <p:tgtEl>
+                                          <p:spTgt spid="85">
+                                            <p:txEl>
+                                              <p:pRg st="1" end="1"/>
+                                            </p:txEl>
+                                          </p:spTgt>
+                                        </p:tgtEl>
+                                        <p:attrNameLst>
+                                          <p:attrName>style.visibility</p:attrName>
+                                        </p:attrNameLst>
+                                      </p:cBhvr>
+                                      <p:to>
+                                        <p:strVal val="visible"/>
+                                      </p:to>
+                                    </p:set>
+                                    <p:animEffect transition="in" filter="fade">
+                                      <p:cBhvr>
+                                        <p:cTn id="17" dur="500"/>
+                                        <p:tgtEl>
+                                          <p:spTgt spid="85">
+                                            <p:txEl>
+                                              <p:pRg st="1" end="1"/>
+                                            </p:txEl>
+                                          </p:spTgt>
+                                        </p:tgtEl>
+                                      </p:cBhvr>
+                                    </p:animEffect>
+                                  </p:childTnLst>
+                                </p:cTn>
+                              </p:par>
+                            </p:childTnLst>
+                          </p:cTn>
+                        </p:par>
+                        <p:par>
+                          <p:cTn id="18" fill="hold">
+                            <p:stCondLst>
+                              <p:cond delay="1750"/>
+                            </p:stCondLst>
+                            <p:childTnLst>
+                              <p:par>
+                                <p:cTn id="19" presetID="10" presetClass="entr" presetSubtype="0" fill="hold" nodeType="afterEffect">
+                                  <p:stCondLst>
+                                    <p:cond delay="0"/>
+                                  </p:stCondLst>
+                                  <p:childTnLst>
+                                    <p:set>
+                                      <p:cBhvr>
+                                        <p:cTn id="20" dur="1" fill="hold">
+                                          <p:stCondLst>
+                                            <p:cond delay="0"/>
+                                          </p:stCondLst>
+                                        </p:cTn>
+                                        <p:tgtEl>
+                                          <p:spTgt spid="85">
+                                            <p:txEl>
+                                              <p:pRg st="2" end="2"/>
+                                            </p:txEl>
+                                          </p:spTgt>
+                                        </p:tgtEl>
+                                        <p:attrNameLst>
+                                          <p:attrName>style.visibility</p:attrName>
+                                        </p:attrNameLst>
+                                      </p:cBhvr>
+                                      <p:to>
+                                        <p:strVal val="visible"/>
+                                      </p:to>
+                                    </p:set>
+                                    <p:animEffect transition="in" filter="fade">
+                                      <p:cBhvr>
+                                        <p:cTn id="21" dur="500"/>
+                                        <p:tgtEl>
+                                          <p:spTgt spid="85">
+                                            <p:txEl>
+                                              <p:pRg st="2" end="2"/>
+                                            </p:txEl>
+                                          </p:spTgt>
+                                        </p:tgtEl>
+                                      </p:cBhvr>
+                                    </p:animEffect>
+                                  </p:childTnLst>
+                                </p:cTn>
+                              </p:par>
+                            </p:childTnLst>
+                          </p:cTn>
+                        </p:par>
+                      </p:childTnLst>
+                    </p:cTn>
+                  </p:par>
+                  <p:par>
+                    <p:cTn id="22" fill="hold">
+                      <p:stCondLst>
+                        <p:cond delay="indefinite"/>
+                      </p:stCondLst>
+                      <p:childTnLst>
+                        <p:par>
+                          <p:cTn id="23" fill="hold">
+                            <p:stCondLst>
+                              <p:cond delay="0"/>
+                            </p:stCondLst>
+                            <p:childTnLst>
+                              <p:par>
+                                <p:cTn id="24" presetID="10" presetClass="exit" presetSubtype="0" fill="hold" grpId="1" nodeType="clickEffect">
+                                  <p:stCondLst>
+                                    <p:cond delay="0"/>
+                                  </p:stCondLst>
+                                  <p:childTnLst>
+                                    <p:animEffect transition="out" filter="fade">
+                                      <p:cBhvr>
+                                        <p:cTn id="25" dur="500"/>
+                                        <p:tgtEl>
+                                          <p:spTgt spid="84"/>
+                                        </p:tgtEl>
+                                      </p:cBhvr>
+                                    </p:animEffect>
+                                    <p:set>
+                                      <p:cBhvr>
+                                        <p:cTn id="26" dur="1" fill="hold">
+                                          <p:stCondLst>
+                                            <p:cond delay="499"/>
+                                          </p:stCondLst>
+                                        </p:cTn>
+                                        <p:tgtEl>
+                                          <p:spTgt spid="84"/>
+                                        </p:tgtEl>
+                                        <p:attrNameLst>
+                                          <p:attrName>style.visibility</p:attrName>
+                                        </p:attrNameLst>
+                                      </p:cBhvr>
+                                      <p:to>
+                                        <p:strVal val="hidden"/>
+                                      </p:to>
+                                    </p:set>
+                                  </p:childTnLst>
+                                </p:cTn>
+                              </p:par>
+                              <p:par>
+                                <p:cTn id="27" presetID="10" presetClass="exit" presetSubtype="0" fill="hold" grpId="0" nodeType="withEffect">
+                                  <p:stCondLst>
+                                    <p:cond delay="0"/>
+                                  </p:stCondLst>
+                                  <p:childTnLst>
+                                    <p:animEffect transition="out" filter="fade">
+                                      <p:cBhvr>
+                                        <p:cTn id="28" dur="500"/>
+                                        <p:tgtEl>
+                                          <p:spTgt spid="85">
+                                            <p:txEl>
+                                              <p:pRg st="0" end="0"/>
+                                            </p:txEl>
+                                          </p:spTgt>
+                                        </p:tgtEl>
+                                      </p:cBhvr>
+                                    </p:animEffect>
+                                    <p:set>
+                                      <p:cBhvr>
+                                        <p:cTn id="29" dur="1" fill="hold">
+                                          <p:stCondLst>
+                                            <p:cond delay="499"/>
+                                          </p:stCondLst>
+                                        </p:cTn>
+                                        <p:tgtEl>
+                                          <p:spTgt spid="85">
+                                            <p:txEl>
+                                              <p:pRg st="0" end="0"/>
+                                            </p:txEl>
+                                          </p:spTgt>
+                                        </p:tgtEl>
+                                        <p:attrNameLst>
+                                          <p:attrName>style.visibility</p:attrName>
+                                        </p:attrNameLst>
+                                      </p:cBhvr>
+                                      <p:to>
+                                        <p:strVal val="hidden"/>
+                                      </p:to>
+                                    </p:set>
+                                  </p:childTnLst>
+                                </p:cTn>
+                              </p:par>
+                              <p:par>
+                                <p:cTn id="30" presetID="10" presetClass="exit" presetSubtype="0" fill="hold" grpId="0" nodeType="withEffect">
+                                  <p:stCondLst>
+                                    <p:cond delay="0"/>
+                                  </p:stCondLst>
+                                  <p:childTnLst>
+                                    <p:animEffect transition="out" filter="fade">
+                                      <p:cBhvr>
+                                        <p:cTn id="31" dur="500"/>
+                                        <p:tgtEl>
+                                          <p:spTgt spid="85">
+                                            <p:txEl>
+                                              <p:pRg st="1" end="1"/>
+                                            </p:txEl>
+                                          </p:spTgt>
+                                        </p:tgtEl>
+                                      </p:cBhvr>
+                                    </p:animEffect>
+                                    <p:set>
+                                      <p:cBhvr>
+                                        <p:cTn id="32" dur="1" fill="hold">
+                                          <p:stCondLst>
+                                            <p:cond delay="499"/>
+                                          </p:stCondLst>
+                                        </p:cTn>
+                                        <p:tgtEl>
+                                          <p:spTgt spid="85">
+                                            <p:txEl>
+                                              <p:pRg st="1" end="1"/>
+                                            </p:txEl>
+                                          </p:spTgt>
+                                        </p:tgtEl>
+                                        <p:attrNameLst>
+                                          <p:attrName>style.visibility</p:attrName>
+                                        </p:attrNameLst>
+                                      </p:cBhvr>
+                                      <p:to>
+                                        <p:strVal val="hidden"/>
+                                      </p:to>
+                                    </p:set>
+                                  </p:childTnLst>
+                                </p:cTn>
+                              </p:par>
+                              <p:par>
+                                <p:cTn id="33" presetID="10" presetClass="exit" presetSubtype="0" fill="hold" grpId="0" nodeType="withEffect">
+                                  <p:stCondLst>
+                                    <p:cond delay="0"/>
+                                  </p:stCondLst>
+                                  <p:childTnLst>
+                                    <p:animEffect transition="out" filter="fade">
+                                      <p:cBhvr>
+                                        <p:cTn id="34" dur="500"/>
+                                        <p:tgtEl>
+                                          <p:spTgt spid="85">
+                                            <p:txEl>
+                                              <p:pRg st="2" end="2"/>
+                                            </p:txEl>
+                                          </p:spTgt>
+                                        </p:tgtEl>
+                                      </p:cBhvr>
+                                    </p:animEffect>
+                                    <p:set>
+                                      <p:cBhvr>
+                                        <p:cTn id="35" dur="1" fill="hold">
+                                          <p:stCondLst>
+                                            <p:cond delay="499"/>
+                                          </p:stCondLst>
+                                        </p:cTn>
+                                        <p:tgtEl>
+                                          <p:spTgt spid="85">
+                                            <p:txEl>
+                                              <p:pRg st="2" end="2"/>
+                                            </p:txEl>
+                                          </p:spTgt>
+                                        </p:tgtEl>
+                                        <p:attrNameLst>
+                                          <p:attrName>style.visibility</p:attrName>
+                                        </p:attrNameLst>
+                                      </p:cBhvr>
+                                      <p:to>
+                                        <p:strVal val="hidden"/>
+                                      </p:to>
+                                    </p:set>
+                                  </p:childTnLst>
+                                </p:cTn>
+                              </p:par>
+                            </p:childTnLst>
+                          </p:cTn>
+                        </p:par>
+                      </p:childTnLst>
+                    </p:cTn>
+                  </p:par>
+                </p:childTnLst>
+              </p:cTn>
+              <p:prevCondLst>
+                <p:cond evt="onPrev" delay="0">
+                  <p:tgtEl>
+                    <p:sldTgt/>
+                  </p:tgtEl>
+                </p:cond>
+              </p:prevCondLst>
+              <p:nextCondLst>
+                <p:cond evt="onNext" delay="0">
+                  <p:tgtEl>
+                    <p:sldTgt/>
+                  </p:tgtEl>
+                </p:cond>
+              </p:nextCondLst>
+            </p:seq>
+          </p:childTnLst>
+        </p:cTn>
+      </p:par>
+    </p:tnLst>
+    <p:bldLst>
+      <p:bldP spid="84" grpId="0"/>
+      <p:bldP spid="84" grpId="1"/>
+      <p:bldP spid="85" grpId="0" uiExpand="1" build="p"/>
+    </p:bldLst>
+  </p:timing>
 </p:sld>
 </file>
 
@@ -5655,6 +6578,1681 @@
   <p:clrMapOvr>
     <a:masterClrMapping/>
   </p:clrMapOvr>
+  <p:timing>
+    <p:tnLst>
+      <p:par>
+        <p:cTn id="1" dur="indefinite" restart="never" nodeType="tmRoot">
+          <p:childTnLst>
+            <p:seq concurrent="1" nextAc="seek">
+              <p:cTn id="2" dur="indefinite" nodeType="mainSeq">
+                <p:childTnLst>
+                  <p:par>
+                    <p:cTn id="3" fill="hold">
+                      <p:stCondLst>
+                        <p:cond delay="indefinite"/>
+                        <p:cond evt="onBegin" delay="0">
+                          <p:tn val="2"/>
+                        </p:cond>
+                      </p:stCondLst>
+                      <p:childTnLst>
+                        <p:par>
+                          <p:cTn id="4" fill="hold">
+                            <p:stCondLst>
+                              <p:cond delay="0"/>
+                            </p:stCondLst>
+                            <p:childTnLst>
+                              <p:par>
+                                <p:cTn id="5" presetID="42" presetClass="entr" presetSubtype="0" fill="hold" grpId="0" nodeType="afterEffect">
+                                  <p:stCondLst>
+                                    <p:cond delay="0"/>
+                                  </p:stCondLst>
+                                  <p:childTnLst>
+                                    <p:set>
+                                      <p:cBhvr>
+                                        <p:cTn id="6" dur="1" fill="hold">
+                                          <p:stCondLst>
+                                            <p:cond delay="0"/>
+                                          </p:stCondLst>
+                                        </p:cTn>
+                                        <p:tgtEl>
+                                          <p:spTgt spid="88"/>
+                                        </p:tgtEl>
+                                        <p:attrNameLst>
+                                          <p:attrName>style.visibility</p:attrName>
+                                        </p:attrNameLst>
+                                      </p:cBhvr>
+                                      <p:to>
+                                        <p:strVal val="visible"/>
+                                      </p:to>
+                                    </p:set>
+                                    <p:animEffect transition="in" filter="fade">
+                                      <p:cBhvr>
+                                        <p:cTn id="7" dur="750"/>
+                                        <p:tgtEl>
+                                          <p:spTgt spid="88"/>
+                                        </p:tgtEl>
+                                      </p:cBhvr>
+                                    </p:animEffect>
+                                    <p:anim calcmode="lin" valueType="num">
+                                      <p:cBhvr>
+                                        <p:cTn id="8" dur="750" fill="hold"/>
+                                        <p:tgtEl>
+                                          <p:spTgt spid="88"/>
+                                        </p:tgtEl>
+                                        <p:attrNameLst>
+                                          <p:attrName>ppt_x</p:attrName>
+                                        </p:attrNameLst>
+                                      </p:cBhvr>
+                                      <p:tavLst>
+                                        <p:tav tm="0">
+                                          <p:val>
+                                            <p:strVal val="#ppt_x"/>
+                                          </p:val>
+                                        </p:tav>
+                                        <p:tav tm="100000">
+                                          <p:val>
+                                            <p:strVal val="#ppt_x"/>
+                                          </p:val>
+                                        </p:tav>
+                                      </p:tavLst>
+                                    </p:anim>
+                                    <p:anim calcmode="lin" valueType="num">
+                                      <p:cBhvr>
+                                        <p:cTn id="9" dur="750" fill="hold"/>
+                                        <p:tgtEl>
+                                          <p:spTgt spid="88"/>
+                                        </p:tgtEl>
+                                        <p:attrNameLst>
+                                          <p:attrName>ppt_y</p:attrName>
+                                        </p:attrNameLst>
+                                      </p:cBhvr>
+                                      <p:tavLst>
+                                        <p:tav tm="0">
+                                          <p:val>
+                                            <p:strVal val="#ppt_y+.1"/>
+                                          </p:val>
+                                        </p:tav>
+                                        <p:tav tm="100000">
+                                          <p:val>
+                                            <p:strVal val="#ppt_y"/>
+                                          </p:val>
+                                        </p:tav>
+                                      </p:tavLst>
+                                    </p:anim>
+                                  </p:childTnLst>
+                                </p:cTn>
+                              </p:par>
+                            </p:childTnLst>
+                          </p:cTn>
+                        </p:par>
+                      </p:childTnLst>
+                    </p:cTn>
+                  </p:par>
+                  <p:par>
+                    <p:cTn id="10" fill="hold">
+                      <p:stCondLst>
+                        <p:cond delay="indefinite"/>
+                      </p:stCondLst>
+                      <p:childTnLst>
+                        <p:par>
+                          <p:cTn id="11" fill="hold">
+                            <p:stCondLst>
+                              <p:cond delay="0"/>
+                            </p:stCondLst>
+                            <p:childTnLst>
+                              <p:par>
+                                <p:cTn id="12" presetID="10" presetClass="entr" presetSubtype="0" fill="hold" nodeType="clickEffect">
+                                  <p:stCondLst>
+                                    <p:cond delay="0"/>
+                                  </p:stCondLst>
+                                  <p:childTnLst>
+                                    <p:set>
+                                      <p:cBhvr>
+                                        <p:cTn id="13" dur="1" fill="hold">
+                                          <p:stCondLst>
+                                            <p:cond delay="0"/>
+                                          </p:stCondLst>
+                                        </p:cTn>
+                                        <p:tgtEl>
+                                          <p:spTgt spid="89">
+                                            <p:txEl>
+                                              <p:pRg st="0" end="0"/>
+                                            </p:txEl>
+                                          </p:spTgt>
+                                        </p:tgtEl>
+                                        <p:attrNameLst>
+                                          <p:attrName>style.visibility</p:attrName>
+                                        </p:attrNameLst>
+                                      </p:cBhvr>
+                                      <p:to>
+                                        <p:strVal val="visible"/>
+                                      </p:to>
+                                    </p:set>
+                                    <p:animEffect transition="in" filter="fade">
+                                      <p:cBhvr>
+                                        <p:cTn id="14" dur="500"/>
+                                        <p:tgtEl>
+                                          <p:spTgt spid="89">
+                                            <p:txEl>
+                                              <p:pRg st="0" end="0"/>
+                                            </p:txEl>
+                                          </p:spTgt>
+                                        </p:tgtEl>
+                                      </p:cBhvr>
+                                    </p:animEffect>
+                                  </p:childTnLst>
+                                </p:cTn>
+                              </p:par>
+                            </p:childTnLst>
+                          </p:cTn>
+                        </p:par>
+                        <p:par>
+                          <p:cTn id="15" fill="hold">
+                            <p:stCondLst>
+                              <p:cond delay="500"/>
+                            </p:stCondLst>
+                            <p:childTnLst>
+                              <p:par>
+                                <p:cTn id="16" presetID="10" presetClass="entr" presetSubtype="0" fill="hold" nodeType="afterEffect">
+                                  <p:stCondLst>
+                                    <p:cond delay="0"/>
+                                  </p:stCondLst>
+                                  <p:childTnLst>
+                                    <p:set>
+                                      <p:cBhvr>
+                                        <p:cTn id="17" dur="1" fill="hold">
+                                          <p:stCondLst>
+                                            <p:cond delay="0"/>
+                                          </p:stCondLst>
+                                        </p:cTn>
+                                        <p:tgtEl>
+                                          <p:spTgt spid="89">
+                                            <p:txEl>
+                                              <p:pRg st="1" end="1"/>
+                                            </p:txEl>
+                                          </p:spTgt>
+                                        </p:tgtEl>
+                                        <p:attrNameLst>
+                                          <p:attrName>style.visibility</p:attrName>
+                                        </p:attrNameLst>
+                                      </p:cBhvr>
+                                      <p:to>
+                                        <p:strVal val="visible"/>
+                                      </p:to>
+                                    </p:set>
+                                    <p:animEffect transition="in" filter="fade">
+                                      <p:cBhvr>
+                                        <p:cTn id="18" dur="500"/>
+                                        <p:tgtEl>
+                                          <p:spTgt spid="89">
+                                            <p:txEl>
+                                              <p:pRg st="1" end="1"/>
+                                            </p:txEl>
+                                          </p:spTgt>
+                                        </p:tgtEl>
+                                      </p:cBhvr>
+                                    </p:animEffect>
+                                  </p:childTnLst>
+                                </p:cTn>
+                              </p:par>
+                            </p:childTnLst>
+                          </p:cTn>
+                        </p:par>
+                        <p:par>
+                          <p:cTn id="19" fill="hold">
+                            <p:stCondLst>
+                              <p:cond delay="1000"/>
+                            </p:stCondLst>
+                            <p:childTnLst>
+                              <p:par>
+                                <p:cTn id="20" presetID="10" presetClass="entr" presetSubtype="0" fill="hold" nodeType="afterEffect">
+                                  <p:stCondLst>
+                                    <p:cond delay="0"/>
+                                  </p:stCondLst>
+                                  <p:childTnLst>
+                                    <p:set>
+                                      <p:cBhvr>
+                                        <p:cTn id="21" dur="1" fill="hold">
+                                          <p:stCondLst>
+                                            <p:cond delay="0"/>
+                                          </p:stCondLst>
+                                        </p:cTn>
+                                        <p:tgtEl>
+                                          <p:spTgt spid="89">
+                                            <p:txEl>
+                                              <p:pRg st="2" end="2"/>
+                                            </p:txEl>
+                                          </p:spTgt>
+                                        </p:tgtEl>
+                                        <p:attrNameLst>
+                                          <p:attrName>style.visibility</p:attrName>
+                                        </p:attrNameLst>
+                                      </p:cBhvr>
+                                      <p:to>
+                                        <p:strVal val="visible"/>
+                                      </p:to>
+                                    </p:set>
+                                    <p:animEffect transition="in" filter="fade">
+                                      <p:cBhvr>
+                                        <p:cTn id="22" dur="500"/>
+                                        <p:tgtEl>
+                                          <p:spTgt spid="89">
+                                            <p:txEl>
+                                              <p:pRg st="2" end="2"/>
+                                            </p:txEl>
+                                          </p:spTgt>
+                                        </p:tgtEl>
+                                      </p:cBhvr>
+                                    </p:animEffect>
+                                  </p:childTnLst>
+                                </p:cTn>
+                              </p:par>
+                            </p:childTnLst>
+                          </p:cTn>
+                        </p:par>
+                        <p:par>
+                          <p:cTn id="23" fill="hold">
+                            <p:stCondLst>
+                              <p:cond delay="1500"/>
+                            </p:stCondLst>
+                            <p:childTnLst>
+                              <p:par>
+                                <p:cTn id="24" presetID="10" presetClass="entr" presetSubtype="0" fill="hold" nodeType="afterEffect">
+                                  <p:stCondLst>
+                                    <p:cond delay="0"/>
+                                  </p:stCondLst>
+                                  <p:childTnLst>
+                                    <p:set>
+                                      <p:cBhvr>
+                                        <p:cTn id="25" dur="1" fill="hold">
+                                          <p:stCondLst>
+                                            <p:cond delay="0"/>
+                                          </p:stCondLst>
+                                        </p:cTn>
+                                        <p:tgtEl>
+                                          <p:spTgt spid="89">
+                                            <p:txEl>
+                                              <p:pRg st="3" end="3"/>
+                                            </p:txEl>
+                                          </p:spTgt>
+                                        </p:tgtEl>
+                                        <p:attrNameLst>
+                                          <p:attrName>style.visibility</p:attrName>
+                                        </p:attrNameLst>
+                                      </p:cBhvr>
+                                      <p:to>
+                                        <p:strVal val="visible"/>
+                                      </p:to>
+                                    </p:set>
+                                    <p:animEffect transition="in" filter="fade">
+                                      <p:cBhvr>
+                                        <p:cTn id="26" dur="500"/>
+                                        <p:tgtEl>
+                                          <p:spTgt spid="89">
+                                            <p:txEl>
+                                              <p:pRg st="3" end="3"/>
+                                            </p:txEl>
+                                          </p:spTgt>
+                                        </p:tgtEl>
+                                      </p:cBhvr>
+                                    </p:animEffect>
+                                  </p:childTnLst>
+                                </p:cTn>
+                              </p:par>
+                            </p:childTnLst>
+                          </p:cTn>
+                        </p:par>
+                      </p:childTnLst>
+                    </p:cTn>
+                  </p:par>
+                  <p:par>
+                    <p:cTn id="27" fill="hold">
+                      <p:stCondLst>
+                        <p:cond delay="indefinite"/>
+                      </p:stCondLst>
+                      <p:childTnLst>
+                        <p:par>
+                          <p:cTn id="28" fill="hold">
+                            <p:stCondLst>
+                              <p:cond delay="0"/>
+                            </p:stCondLst>
+                            <p:childTnLst>
+                              <p:par>
+                                <p:cTn id="29" presetID="10" presetClass="entr" presetSubtype="0" fill="hold" nodeType="clickEffect">
+                                  <p:stCondLst>
+                                    <p:cond delay="0"/>
+                                  </p:stCondLst>
+                                  <p:childTnLst>
+                                    <p:set>
+                                      <p:cBhvr>
+                                        <p:cTn id="30" dur="1" fill="hold">
+                                          <p:stCondLst>
+                                            <p:cond delay="0"/>
+                                          </p:stCondLst>
+                                        </p:cTn>
+                                        <p:tgtEl>
+                                          <p:spTgt spid="89">
+                                            <p:txEl>
+                                              <p:pRg st="5" end="5"/>
+                                            </p:txEl>
+                                          </p:spTgt>
+                                        </p:tgtEl>
+                                        <p:attrNameLst>
+                                          <p:attrName>style.visibility</p:attrName>
+                                        </p:attrNameLst>
+                                      </p:cBhvr>
+                                      <p:to>
+                                        <p:strVal val="visible"/>
+                                      </p:to>
+                                    </p:set>
+                                    <p:animEffect transition="in" filter="fade">
+                                      <p:cBhvr>
+                                        <p:cTn id="31" dur="500"/>
+                                        <p:tgtEl>
+                                          <p:spTgt spid="89">
+                                            <p:txEl>
+                                              <p:pRg st="5" end="5"/>
+                                            </p:txEl>
+                                          </p:spTgt>
+                                        </p:tgtEl>
+                                      </p:cBhvr>
+                                    </p:animEffect>
+                                  </p:childTnLst>
+                                </p:cTn>
+                              </p:par>
+                            </p:childTnLst>
+                          </p:cTn>
+                        </p:par>
+                        <p:par>
+                          <p:cTn id="32" fill="hold">
+                            <p:stCondLst>
+                              <p:cond delay="500"/>
+                            </p:stCondLst>
+                            <p:childTnLst>
+                              <p:par>
+                                <p:cTn id="33" presetID="10" presetClass="entr" presetSubtype="0" fill="hold" nodeType="afterEffect">
+                                  <p:stCondLst>
+                                    <p:cond delay="0"/>
+                                  </p:stCondLst>
+                                  <p:childTnLst>
+                                    <p:set>
+                                      <p:cBhvr>
+                                        <p:cTn id="34" dur="1" fill="hold">
+                                          <p:stCondLst>
+                                            <p:cond delay="0"/>
+                                          </p:stCondLst>
+                                        </p:cTn>
+                                        <p:tgtEl>
+                                          <p:spTgt spid="89">
+                                            <p:txEl>
+                                              <p:pRg st="6" end="6"/>
+                                            </p:txEl>
+                                          </p:spTgt>
+                                        </p:tgtEl>
+                                        <p:attrNameLst>
+                                          <p:attrName>style.visibility</p:attrName>
+                                        </p:attrNameLst>
+                                      </p:cBhvr>
+                                      <p:to>
+                                        <p:strVal val="visible"/>
+                                      </p:to>
+                                    </p:set>
+                                    <p:animEffect transition="in" filter="fade">
+                                      <p:cBhvr>
+                                        <p:cTn id="35" dur="750"/>
+                                        <p:tgtEl>
+                                          <p:spTgt spid="89">
+                                            <p:txEl>
+                                              <p:pRg st="6" end="6"/>
+                                            </p:txEl>
+                                          </p:spTgt>
+                                        </p:tgtEl>
+                                      </p:cBhvr>
+                                    </p:animEffect>
+                                  </p:childTnLst>
+                                </p:cTn>
+                              </p:par>
+                              <p:par>
+                                <p:cTn id="36" presetID="10" presetClass="entr" presetSubtype="0" fill="hold" nodeType="withEffect">
+                                  <p:stCondLst>
+                                    <p:cond delay="0"/>
+                                  </p:stCondLst>
+                                  <p:childTnLst>
+                                    <p:set>
+                                      <p:cBhvr>
+                                        <p:cTn id="37" dur="1" fill="hold">
+                                          <p:stCondLst>
+                                            <p:cond delay="0"/>
+                                          </p:stCondLst>
+                                        </p:cTn>
+                                        <p:tgtEl>
+                                          <p:spTgt spid="1026"/>
+                                        </p:tgtEl>
+                                        <p:attrNameLst>
+                                          <p:attrName>style.visibility</p:attrName>
+                                        </p:attrNameLst>
+                                      </p:cBhvr>
+                                      <p:to>
+                                        <p:strVal val="visible"/>
+                                      </p:to>
+                                    </p:set>
+                                    <p:animEffect transition="in" filter="fade">
+                                      <p:cBhvr>
+                                        <p:cTn id="38" dur="500"/>
+                                        <p:tgtEl>
+                                          <p:spTgt spid="1026"/>
+                                        </p:tgtEl>
+                                      </p:cBhvr>
+                                    </p:animEffect>
+                                  </p:childTnLst>
+                                </p:cTn>
+                              </p:par>
+                            </p:childTnLst>
+                          </p:cTn>
+                        </p:par>
+                        <p:par>
+                          <p:cTn id="39" fill="hold">
+                            <p:stCondLst>
+                              <p:cond delay="1250"/>
+                            </p:stCondLst>
+                            <p:childTnLst>
+                              <p:par>
+                                <p:cTn id="40" presetID="10" presetClass="entr" presetSubtype="0" fill="hold" nodeType="afterEffect">
+                                  <p:stCondLst>
+                                    <p:cond delay="0"/>
+                                  </p:stCondLst>
+                                  <p:childTnLst>
+                                    <p:set>
+                                      <p:cBhvr>
+                                        <p:cTn id="41" dur="1" fill="hold">
+                                          <p:stCondLst>
+                                            <p:cond delay="0"/>
+                                          </p:stCondLst>
+                                        </p:cTn>
+                                        <p:tgtEl>
+                                          <p:spTgt spid="89">
+                                            <p:txEl>
+                                              <p:pRg st="7" end="7"/>
+                                            </p:txEl>
+                                          </p:spTgt>
+                                        </p:tgtEl>
+                                        <p:attrNameLst>
+                                          <p:attrName>style.visibility</p:attrName>
+                                        </p:attrNameLst>
+                                      </p:cBhvr>
+                                      <p:to>
+                                        <p:strVal val="visible"/>
+                                      </p:to>
+                                    </p:set>
+                                    <p:animEffect transition="in" filter="fade">
+                                      <p:cBhvr>
+                                        <p:cTn id="42" dur="750"/>
+                                        <p:tgtEl>
+                                          <p:spTgt spid="89">
+                                            <p:txEl>
+                                              <p:pRg st="7" end="7"/>
+                                            </p:txEl>
+                                          </p:spTgt>
+                                        </p:tgtEl>
+                                      </p:cBhvr>
+                                    </p:animEffect>
+                                  </p:childTnLst>
+                                </p:cTn>
+                              </p:par>
+                            </p:childTnLst>
+                          </p:cTn>
+                        </p:par>
+                        <p:par>
+                          <p:cTn id="43" fill="hold">
+                            <p:stCondLst>
+                              <p:cond delay="2000"/>
+                            </p:stCondLst>
+                            <p:childTnLst>
+                              <p:par>
+                                <p:cTn id="44" presetID="10" presetClass="entr" presetSubtype="0" fill="hold" nodeType="afterEffect">
+                                  <p:stCondLst>
+                                    <p:cond delay="0"/>
+                                  </p:stCondLst>
+                                  <p:childTnLst>
+                                    <p:set>
+                                      <p:cBhvr>
+                                        <p:cTn id="45" dur="1" fill="hold">
+                                          <p:stCondLst>
+                                            <p:cond delay="0"/>
+                                          </p:stCondLst>
+                                        </p:cTn>
+                                        <p:tgtEl>
+                                          <p:spTgt spid="89">
+                                            <p:txEl>
+                                              <p:pRg st="8" end="8"/>
+                                            </p:txEl>
+                                          </p:spTgt>
+                                        </p:tgtEl>
+                                        <p:attrNameLst>
+                                          <p:attrName>style.visibility</p:attrName>
+                                        </p:attrNameLst>
+                                      </p:cBhvr>
+                                      <p:to>
+                                        <p:strVal val="visible"/>
+                                      </p:to>
+                                    </p:set>
+                                    <p:animEffect transition="in" filter="fade">
+                                      <p:cBhvr>
+                                        <p:cTn id="46" dur="750"/>
+                                        <p:tgtEl>
+                                          <p:spTgt spid="89">
+                                            <p:txEl>
+                                              <p:pRg st="8" end="8"/>
+                                            </p:txEl>
+                                          </p:spTgt>
+                                        </p:tgtEl>
+                                      </p:cBhvr>
+                                    </p:animEffect>
+                                  </p:childTnLst>
+                                </p:cTn>
+                              </p:par>
+                              <p:par>
+                                <p:cTn id="47" presetID="10" presetClass="entr" presetSubtype="0" fill="hold" nodeType="withEffect">
+                                  <p:stCondLst>
+                                    <p:cond delay="0"/>
+                                  </p:stCondLst>
+                                  <p:childTnLst>
+                                    <p:set>
+                                      <p:cBhvr>
+                                        <p:cTn id="48" dur="1" fill="hold">
+                                          <p:stCondLst>
+                                            <p:cond delay="0"/>
+                                          </p:stCondLst>
+                                        </p:cTn>
+                                        <p:tgtEl>
+                                          <p:spTgt spid="10"/>
+                                        </p:tgtEl>
+                                        <p:attrNameLst>
+                                          <p:attrName>style.visibility</p:attrName>
+                                        </p:attrNameLst>
+                                      </p:cBhvr>
+                                      <p:to>
+                                        <p:strVal val="visible"/>
+                                      </p:to>
+                                    </p:set>
+                                    <p:animEffect transition="in" filter="fade">
+                                      <p:cBhvr>
+                                        <p:cTn id="49" dur="500"/>
+                                        <p:tgtEl>
+                                          <p:spTgt spid="10"/>
+                                        </p:tgtEl>
+                                      </p:cBhvr>
+                                    </p:animEffect>
+                                  </p:childTnLst>
+                                </p:cTn>
+                              </p:par>
+                            </p:childTnLst>
+                          </p:cTn>
+                        </p:par>
+                        <p:par>
+                          <p:cTn id="50" fill="hold">
+                            <p:stCondLst>
+                              <p:cond delay="2750"/>
+                            </p:stCondLst>
+                            <p:childTnLst>
+                              <p:par>
+                                <p:cTn id="51" presetID="10" presetClass="entr" presetSubtype="0" fill="hold" nodeType="afterEffect">
+                                  <p:stCondLst>
+                                    <p:cond delay="0"/>
+                                  </p:stCondLst>
+                                  <p:childTnLst>
+                                    <p:set>
+                                      <p:cBhvr>
+                                        <p:cTn id="52" dur="1" fill="hold">
+                                          <p:stCondLst>
+                                            <p:cond delay="0"/>
+                                          </p:stCondLst>
+                                        </p:cTn>
+                                        <p:tgtEl>
+                                          <p:spTgt spid="3"/>
+                                        </p:tgtEl>
+                                        <p:attrNameLst>
+                                          <p:attrName>style.visibility</p:attrName>
+                                        </p:attrNameLst>
+                                      </p:cBhvr>
+                                      <p:to>
+                                        <p:strVal val="visible"/>
+                                      </p:to>
+                                    </p:set>
+                                    <p:animEffect transition="in" filter="fade">
+                                      <p:cBhvr>
+                                        <p:cTn id="53" dur="500"/>
+                                        <p:tgtEl>
+                                          <p:spTgt spid="3"/>
+                                        </p:tgtEl>
+                                      </p:cBhvr>
+                                    </p:animEffect>
+                                  </p:childTnLst>
+                                </p:cTn>
+                              </p:par>
+                            </p:childTnLst>
+                          </p:cTn>
+                        </p:par>
+                        <p:par>
+                          <p:cTn id="54" fill="hold">
+                            <p:stCondLst>
+                              <p:cond delay="3250"/>
+                            </p:stCondLst>
+                            <p:childTnLst>
+                              <p:par>
+                                <p:cTn id="55" presetID="10" presetClass="entr" presetSubtype="0" fill="hold" nodeType="afterEffect">
+                                  <p:stCondLst>
+                                    <p:cond delay="0"/>
+                                  </p:stCondLst>
+                                  <p:childTnLst>
+                                    <p:set>
+                                      <p:cBhvr>
+                                        <p:cTn id="56" dur="1" fill="hold">
+                                          <p:stCondLst>
+                                            <p:cond delay="0"/>
+                                          </p:stCondLst>
+                                        </p:cTn>
+                                        <p:tgtEl>
+                                          <p:spTgt spid="89">
+                                            <p:txEl>
+                                              <p:pRg st="9" end="9"/>
+                                            </p:txEl>
+                                          </p:spTgt>
+                                        </p:tgtEl>
+                                        <p:attrNameLst>
+                                          <p:attrName>style.visibility</p:attrName>
+                                        </p:attrNameLst>
+                                      </p:cBhvr>
+                                      <p:to>
+                                        <p:strVal val="visible"/>
+                                      </p:to>
+                                    </p:set>
+                                    <p:animEffect transition="in" filter="fade">
+                                      <p:cBhvr>
+                                        <p:cTn id="57" dur="750"/>
+                                        <p:tgtEl>
+                                          <p:spTgt spid="89">
+                                            <p:txEl>
+                                              <p:pRg st="9" end="9"/>
+                                            </p:txEl>
+                                          </p:spTgt>
+                                        </p:tgtEl>
+                                      </p:cBhvr>
+                                    </p:animEffect>
+                                  </p:childTnLst>
+                                </p:cTn>
+                              </p:par>
+                              <p:par>
+                                <p:cTn id="58" presetID="10" presetClass="entr" presetSubtype="0" fill="hold" nodeType="withEffect">
+                                  <p:stCondLst>
+                                    <p:cond delay="0"/>
+                                  </p:stCondLst>
+                                  <p:childTnLst>
+                                    <p:set>
+                                      <p:cBhvr>
+                                        <p:cTn id="59" dur="1" fill="hold">
+                                          <p:stCondLst>
+                                            <p:cond delay="0"/>
+                                          </p:stCondLst>
+                                        </p:cTn>
+                                        <p:tgtEl>
+                                          <p:spTgt spid="8"/>
+                                        </p:tgtEl>
+                                        <p:attrNameLst>
+                                          <p:attrName>style.visibility</p:attrName>
+                                        </p:attrNameLst>
+                                      </p:cBhvr>
+                                      <p:to>
+                                        <p:strVal val="visible"/>
+                                      </p:to>
+                                    </p:set>
+                                    <p:animEffect transition="in" filter="fade">
+                                      <p:cBhvr>
+                                        <p:cTn id="60" dur="500"/>
+                                        <p:tgtEl>
+                                          <p:spTgt spid="8"/>
+                                        </p:tgtEl>
+                                      </p:cBhvr>
+                                    </p:animEffect>
+                                  </p:childTnLst>
+                                </p:cTn>
+                              </p:par>
+                            </p:childTnLst>
+                          </p:cTn>
+                        </p:par>
+                        <p:par>
+                          <p:cTn id="61" fill="hold">
+                            <p:stCondLst>
+                              <p:cond delay="4000"/>
+                            </p:stCondLst>
+                            <p:childTnLst>
+                              <p:par>
+                                <p:cTn id="62" presetID="10" presetClass="entr" presetSubtype="0" fill="hold" nodeType="afterEffect">
+                                  <p:stCondLst>
+                                    <p:cond delay="0"/>
+                                  </p:stCondLst>
+                                  <p:childTnLst>
+                                    <p:set>
+                                      <p:cBhvr>
+                                        <p:cTn id="63" dur="1" fill="hold">
+                                          <p:stCondLst>
+                                            <p:cond delay="0"/>
+                                          </p:stCondLst>
+                                        </p:cTn>
+                                        <p:tgtEl>
+                                          <p:spTgt spid="6"/>
+                                        </p:tgtEl>
+                                        <p:attrNameLst>
+                                          <p:attrName>style.visibility</p:attrName>
+                                        </p:attrNameLst>
+                                      </p:cBhvr>
+                                      <p:to>
+                                        <p:strVal val="visible"/>
+                                      </p:to>
+                                    </p:set>
+                                    <p:animEffect transition="in" filter="fade">
+                                      <p:cBhvr>
+                                        <p:cTn id="64" dur="500"/>
+                                        <p:tgtEl>
+                                          <p:spTgt spid="6"/>
+                                        </p:tgtEl>
+                                      </p:cBhvr>
+                                    </p:animEffect>
+                                  </p:childTnLst>
+                                </p:cTn>
+                              </p:par>
+                            </p:childTnLst>
+                          </p:cTn>
+                        </p:par>
+                        <p:par>
+                          <p:cTn id="65" fill="hold">
+                            <p:stCondLst>
+                              <p:cond delay="4500"/>
+                            </p:stCondLst>
+                            <p:childTnLst>
+                              <p:par>
+                                <p:cTn id="66" presetID="10" presetClass="entr" presetSubtype="0" fill="hold" nodeType="afterEffect">
+                                  <p:stCondLst>
+                                    <p:cond delay="0"/>
+                                  </p:stCondLst>
+                                  <p:childTnLst>
+                                    <p:set>
+                                      <p:cBhvr>
+                                        <p:cTn id="67" dur="1" fill="hold">
+                                          <p:stCondLst>
+                                            <p:cond delay="0"/>
+                                          </p:stCondLst>
+                                        </p:cTn>
+                                        <p:tgtEl>
+                                          <p:spTgt spid="89">
+                                            <p:txEl>
+                                              <p:pRg st="10" end="10"/>
+                                            </p:txEl>
+                                          </p:spTgt>
+                                        </p:tgtEl>
+                                        <p:attrNameLst>
+                                          <p:attrName>style.visibility</p:attrName>
+                                        </p:attrNameLst>
+                                      </p:cBhvr>
+                                      <p:to>
+                                        <p:strVal val="visible"/>
+                                      </p:to>
+                                    </p:set>
+                                    <p:animEffect transition="in" filter="fade">
+                                      <p:cBhvr>
+                                        <p:cTn id="68" dur="750"/>
+                                        <p:tgtEl>
+                                          <p:spTgt spid="89">
+                                            <p:txEl>
+                                              <p:pRg st="10" end="10"/>
+                                            </p:txEl>
+                                          </p:spTgt>
+                                        </p:tgtEl>
+                                      </p:cBhvr>
+                                    </p:animEffect>
+                                  </p:childTnLst>
+                                </p:cTn>
+                              </p:par>
+                              <p:par>
+                                <p:cTn id="69" presetID="10" presetClass="entr" presetSubtype="0" fill="hold" nodeType="withEffect">
+                                  <p:stCondLst>
+                                    <p:cond delay="0"/>
+                                  </p:stCondLst>
+                                  <p:childTnLst>
+                                    <p:set>
+                                      <p:cBhvr>
+                                        <p:cTn id="70" dur="1" fill="hold">
+                                          <p:stCondLst>
+                                            <p:cond delay="0"/>
+                                          </p:stCondLst>
+                                        </p:cTn>
+                                        <p:tgtEl>
+                                          <p:spTgt spid="13"/>
+                                        </p:tgtEl>
+                                        <p:attrNameLst>
+                                          <p:attrName>style.visibility</p:attrName>
+                                        </p:attrNameLst>
+                                      </p:cBhvr>
+                                      <p:to>
+                                        <p:strVal val="visible"/>
+                                      </p:to>
+                                    </p:set>
+                                    <p:animEffect transition="in" filter="fade">
+                                      <p:cBhvr>
+                                        <p:cTn id="71" dur="500"/>
+                                        <p:tgtEl>
+                                          <p:spTgt spid="13"/>
+                                        </p:tgtEl>
+                                      </p:cBhvr>
+                                    </p:animEffect>
+                                  </p:childTnLst>
+                                </p:cTn>
+                              </p:par>
+                            </p:childTnLst>
+                          </p:cTn>
+                        </p:par>
+                        <p:par>
+                          <p:cTn id="72" fill="hold">
+                            <p:stCondLst>
+                              <p:cond delay="5250"/>
+                            </p:stCondLst>
+                            <p:childTnLst>
+                              <p:par>
+                                <p:cTn id="73" presetID="10" presetClass="entr" presetSubtype="0" fill="hold" nodeType="afterEffect">
+                                  <p:stCondLst>
+                                    <p:cond delay="0"/>
+                                  </p:stCondLst>
+                                  <p:childTnLst>
+                                    <p:set>
+                                      <p:cBhvr>
+                                        <p:cTn id="74" dur="1" fill="hold">
+                                          <p:stCondLst>
+                                            <p:cond delay="0"/>
+                                          </p:stCondLst>
+                                        </p:cTn>
+                                        <p:tgtEl>
+                                          <p:spTgt spid="1032"/>
+                                        </p:tgtEl>
+                                        <p:attrNameLst>
+                                          <p:attrName>style.visibility</p:attrName>
+                                        </p:attrNameLst>
+                                      </p:cBhvr>
+                                      <p:to>
+                                        <p:strVal val="visible"/>
+                                      </p:to>
+                                    </p:set>
+                                    <p:animEffect transition="in" filter="fade">
+                                      <p:cBhvr>
+                                        <p:cTn id="75" dur="500"/>
+                                        <p:tgtEl>
+                                          <p:spTgt spid="1032"/>
+                                        </p:tgtEl>
+                                      </p:cBhvr>
+                                    </p:animEffect>
+                                  </p:childTnLst>
+                                </p:cTn>
+                              </p:par>
+                            </p:childTnLst>
+                          </p:cTn>
+                        </p:par>
+                      </p:childTnLst>
+                    </p:cTn>
+                  </p:par>
+                  <p:par>
+                    <p:cTn id="76" fill="hold">
+                      <p:stCondLst>
+                        <p:cond delay="indefinite"/>
+                      </p:stCondLst>
+                      <p:childTnLst>
+                        <p:par>
+                          <p:cTn id="77" fill="hold">
+                            <p:stCondLst>
+                              <p:cond delay="0"/>
+                            </p:stCondLst>
+                            <p:childTnLst>
+                              <p:par>
+                                <p:cTn id="78" presetID="10" presetClass="exit" presetSubtype="0" fill="hold" grpId="1" nodeType="clickEffect">
+                                  <p:stCondLst>
+                                    <p:cond delay="0"/>
+                                  </p:stCondLst>
+                                  <p:childTnLst>
+                                    <p:animEffect transition="out" filter="fade">
+                                      <p:cBhvr>
+                                        <p:cTn id="79" dur="500"/>
+                                        <p:tgtEl>
+                                          <p:spTgt spid="88"/>
+                                        </p:tgtEl>
+                                      </p:cBhvr>
+                                    </p:animEffect>
+                                    <p:set>
+                                      <p:cBhvr>
+                                        <p:cTn id="80" dur="1" fill="hold">
+                                          <p:stCondLst>
+                                            <p:cond delay="499"/>
+                                          </p:stCondLst>
+                                        </p:cTn>
+                                        <p:tgtEl>
+                                          <p:spTgt spid="88"/>
+                                        </p:tgtEl>
+                                        <p:attrNameLst>
+                                          <p:attrName>style.visibility</p:attrName>
+                                        </p:attrNameLst>
+                                      </p:cBhvr>
+                                      <p:to>
+                                        <p:strVal val="hidden"/>
+                                      </p:to>
+                                    </p:set>
+                                  </p:childTnLst>
+                                </p:cTn>
+                              </p:par>
+                              <p:par>
+                                <p:cTn id="81" presetID="10" presetClass="exit" presetSubtype="0" fill="hold" grpId="0" nodeType="withEffect">
+                                  <p:stCondLst>
+                                    <p:cond delay="0"/>
+                                  </p:stCondLst>
+                                  <p:childTnLst>
+                                    <p:animEffect transition="out" filter="fade">
+                                      <p:cBhvr>
+                                        <p:cTn id="82" dur="500"/>
+                                        <p:tgtEl>
+                                          <p:spTgt spid="89">
+                                            <p:txEl>
+                                              <p:pRg st="0" end="0"/>
+                                            </p:txEl>
+                                          </p:spTgt>
+                                        </p:tgtEl>
+                                      </p:cBhvr>
+                                    </p:animEffect>
+                                    <p:set>
+                                      <p:cBhvr>
+                                        <p:cTn id="83" dur="1" fill="hold">
+                                          <p:stCondLst>
+                                            <p:cond delay="499"/>
+                                          </p:stCondLst>
+                                        </p:cTn>
+                                        <p:tgtEl>
+                                          <p:spTgt spid="89">
+                                            <p:txEl>
+                                              <p:pRg st="0" end="0"/>
+                                            </p:txEl>
+                                          </p:spTgt>
+                                        </p:tgtEl>
+                                        <p:attrNameLst>
+                                          <p:attrName>style.visibility</p:attrName>
+                                        </p:attrNameLst>
+                                      </p:cBhvr>
+                                      <p:to>
+                                        <p:strVal val="hidden"/>
+                                      </p:to>
+                                    </p:set>
+                                  </p:childTnLst>
+                                </p:cTn>
+                              </p:par>
+                              <p:par>
+                                <p:cTn id="84" presetID="10" presetClass="exit" presetSubtype="0" fill="hold" grpId="0" nodeType="withEffect">
+                                  <p:stCondLst>
+                                    <p:cond delay="0"/>
+                                  </p:stCondLst>
+                                  <p:childTnLst>
+                                    <p:animEffect transition="out" filter="fade">
+                                      <p:cBhvr>
+                                        <p:cTn id="85" dur="500"/>
+                                        <p:tgtEl>
+                                          <p:spTgt spid="89">
+                                            <p:txEl>
+                                              <p:pRg st="1" end="1"/>
+                                            </p:txEl>
+                                          </p:spTgt>
+                                        </p:tgtEl>
+                                      </p:cBhvr>
+                                    </p:animEffect>
+                                    <p:set>
+                                      <p:cBhvr>
+                                        <p:cTn id="86" dur="1" fill="hold">
+                                          <p:stCondLst>
+                                            <p:cond delay="499"/>
+                                          </p:stCondLst>
+                                        </p:cTn>
+                                        <p:tgtEl>
+                                          <p:spTgt spid="89">
+                                            <p:txEl>
+                                              <p:pRg st="1" end="1"/>
+                                            </p:txEl>
+                                          </p:spTgt>
+                                        </p:tgtEl>
+                                        <p:attrNameLst>
+                                          <p:attrName>style.visibility</p:attrName>
+                                        </p:attrNameLst>
+                                      </p:cBhvr>
+                                      <p:to>
+                                        <p:strVal val="hidden"/>
+                                      </p:to>
+                                    </p:set>
+                                  </p:childTnLst>
+                                </p:cTn>
+                              </p:par>
+                              <p:par>
+                                <p:cTn id="87" presetID="10" presetClass="exit" presetSubtype="0" fill="hold" grpId="0" nodeType="withEffect">
+                                  <p:stCondLst>
+                                    <p:cond delay="0"/>
+                                  </p:stCondLst>
+                                  <p:childTnLst>
+                                    <p:animEffect transition="out" filter="fade">
+                                      <p:cBhvr>
+                                        <p:cTn id="88" dur="500"/>
+                                        <p:tgtEl>
+                                          <p:spTgt spid="89">
+                                            <p:txEl>
+                                              <p:pRg st="2" end="2"/>
+                                            </p:txEl>
+                                          </p:spTgt>
+                                        </p:tgtEl>
+                                      </p:cBhvr>
+                                    </p:animEffect>
+                                    <p:set>
+                                      <p:cBhvr>
+                                        <p:cTn id="89" dur="1" fill="hold">
+                                          <p:stCondLst>
+                                            <p:cond delay="499"/>
+                                          </p:stCondLst>
+                                        </p:cTn>
+                                        <p:tgtEl>
+                                          <p:spTgt spid="89">
+                                            <p:txEl>
+                                              <p:pRg st="2" end="2"/>
+                                            </p:txEl>
+                                          </p:spTgt>
+                                        </p:tgtEl>
+                                        <p:attrNameLst>
+                                          <p:attrName>style.visibility</p:attrName>
+                                        </p:attrNameLst>
+                                      </p:cBhvr>
+                                      <p:to>
+                                        <p:strVal val="hidden"/>
+                                      </p:to>
+                                    </p:set>
+                                  </p:childTnLst>
+                                </p:cTn>
+                              </p:par>
+                              <p:par>
+                                <p:cTn id="90" presetID="10" presetClass="exit" presetSubtype="0" fill="hold" grpId="0" nodeType="withEffect">
+                                  <p:stCondLst>
+                                    <p:cond delay="0"/>
+                                  </p:stCondLst>
+                                  <p:childTnLst>
+                                    <p:animEffect transition="out" filter="fade">
+                                      <p:cBhvr>
+                                        <p:cTn id="91" dur="500"/>
+                                        <p:tgtEl>
+                                          <p:spTgt spid="89">
+                                            <p:txEl>
+                                              <p:pRg st="3" end="3"/>
+                                            </p:txEl>
+                                          </p:spTgt>
+                                        </p:tgtEl>
+                                      </p:cBhvr>
+                                    </p:animEffect>
+                                    <p:set>
+                                      <p:cBhvr>
+                                        <p:cTn id="92" dur="1" fill="hold">
+                                          <p:stCondLst>
+                                            <p:cond delay="499"/>
+                                          </p:stCondLst>
+                                        </p:cTn>
+                                        <p:tgtEl>
+                                          <p:spTgt spid="89">
+                                            <p:txEl>
+                                              <p:pRg st="3" end="3"/>
+                                            </p:txEl>
+                                          </p:spTgt>
+                                        </p:tgtEl>
+                                        <p:attrNameLst>
+                                          <p:attrName>style.visibility</p:attrName>
+                                        </p:attrNameLst>
+                                      </p:cBhvr>
+                                      <p:to>
+                                        <p:strVal val="hidden"/>
+                                      </p:to>
+                                    </p:set>
+                                  </p:childTnLst>
+                                </p:cTn>
+                              </p:par>
+                              <p:par>
+                                <p:cTn id="93" presetID="10" presetClass="exit" presetSubtype="0" fill="hold" grpId="0" nodeType="withEffect">
+                                  <p:stCondLst>
+                                    <p:cond delay="0"/>
+                                  </p:stCondLst>
+                                  <p:childTnLst>
+                                    <p:animEffect transition="out" filter="fade">
+                                      <p:cBhvr>
+                                        <p:cTn id="94" dur="500"/>
+                                        <p:tgtEl>
+                                          <p:spTgt spid="89">
+                                            <p:txEl>
+                                              <p:pRg st="5" end="5"/>
+                                            </p:txEl>
+                                          </p:spTgt>
+                                        </p:tgtEl>
+                                      </p:cBhvr>
+                                    </p:animEffect>
+                                    <p:set>
+                                      <p:cBhvr>
+                                        <p:cTn id="95" dur="1" fill="hold">
+                                          <p:stCondLst>
+                                            <p:cond delay="499"/>
+                                          </p:stCondLst>
+                                        </p:cTn>
+                                        <p:tgtEl>
+                                          <p:spTgt spid="89">
+                                            <p:txEl>
+                                              <p:pRg st="5" end="5"/>
+                                            </p:txEl>
+                                          </p:spTgt>
+                                        </p:tgtEl>
+                                        <p:attrNameLst>
+                                          <p:attrName>style.visibility</p:attrName>
+                                        </p:attrNameLst>
+                                      </p:cBhvr>
+                                      <p:to>
+                                        <p:strVal val="hidden"/>
+                                      </p:to>
+                                    </p:set>
+                                  </p:childTnLst>
+                                </p:cTn>
+                              </p:par>
+                              <p:par>
+                                <p:cTn id="96" presetID="10" presetClass="exit" presetSubtype="0" fill="hold" grpId="0" nodeType="withEffect">
+                                  <p:stCondLst>
+                                    <p:cond delay="0"/>
+                                  </p:stCondLst>
+                                  <p:childTnLst>
+                                    <p:animEffect transition="out" filter="fade">
+                                      <p:cBhvr>
+                                        <p:cTn id="97" dur="500"/>
+                                        <p:tgtEl>
+                                          <p:spTgt spid="89">
+                                            <p:txEl>
+                                              <p:pRg st="6" end="6"/>
+                                            </p:txEl>
+                                          </p:spTgt>
+                                        </p:tgtEl>
+                                      </p:cBhvr>
+                                    </p:animEffect>
+                                    <p:set>
+                                      <p:cBhvr>
+                                        <p:cTn id="98" dur="1" fill="hold">
+                                          <p:stCondLst>
+                                            <p:cond delay="499"/>
+                                          </p:stCondLst>
+                                        </p:cTn>
+                                        <p:tgtEl>
+                                          <p:spTgt spid="89">
+                                            <p:txEl>
+                                              <p:pRg st="6" end="6"/>
+                                            </p:txEl>
+                                          </p:spTgt>
+                                        </p:tgtEl>
+                                        <p:attrNameLst>
+                                          <p:attrName>style.visibility</p:attrName>
+                                        </p:attrNameLst>
+                                      </p:cBhvr>
+                                      <p:to>
+                                        <p:strVal val="hidden"/>
+                                      </p:to>
+                                    </p:set>
+                                  </p:childTnLst>
+                                </p:cTn>
+                              </p:par>
+                              <p:par>
+                                <p:cTn id="99" presetID="10" presetClass="exit" presetSubtype="0" fill="hold" grpId="0" nodeType="withEffect">
+                                  <p:stCondLst>
+                                    <p:cond delay="0"/>
+                                  </p:stCondLst>
+                                  <p:childTnLst>
+                                    <p:animEffect transition="out" filter="fade">
+                                      <p:cBhvr>
+                                        <p:cTn id="100" dur="500"/>
+                                        <p:tgtEl>
+                                          <p:spTgt spid="89">
+                                            <p:txEl>
+                                              <p:pRg st="7" end="7"/>
+                                            </p:txEl>
+                                          </p:spTgt>
+                                        </p:tgtEl>
+                                      </p:cBhvr>
+                                    </p:animEffect>
+                                    <p:set>
+                                      <p:cBhvr>
+                                        <p:cTn id="101" dur="1" fill="hold">
+                                          <p:stCondLst>
+                                            <p:cond delay="499"/>
+                                          </p:stCondLst>
+                                        </p:cTn>
+                                        <p:tgtEl>
+                                          <p:spTgt spid="89">
+                                            <p:txEl>
+                                              <p:pRg st="7" end="7"/>
+                                            </p:txEl>
+                                          </p:spTgt>
+                                        </p:tgtEl>
+                                        <p:attrNameLst>
+                                          <p:attrName>style.visibility</p:attrName>
+                                        </p:attrNameLst>
+                                      </p:cBhvr>
+                                      <p:to>
+                                        <p:strVal val="hidden"/>
+                                      </p:to>
+                                    </p:set>
+                                  </p:childTnLst>
+                                </p:cTn>
+                              </p:par>
+                              <p:par>
+                                <p:cTn id="102" presetID="10" presetClass="exit" presetSubtype="0" fill="hold" grpId="0" nodeType="withEffect">
+                                  <p:stCondLst>
+                                    <p:cond delay="0"/>
+                                  </p:stCondLst>
+                                  <p:childTnLst>
+                                    <p:animEffect transition="out" filter="fade">
+                                      <p:cBhvr>
+                                        <p:cTn id="103" dur="500"/>
+                                        <p:tgtEl>
+                                          <p:spTgt spid="89">
+                                            <p:txEl>
+                                              <p:pRg st="8" end="8"/>
+                                            </p:txEl>
+                                          </p:spTgt>
+                                        </p:tgtEl>
+                                      </p:cBhvr>
+                                    </p:animEffect>
+                                    <p:set>
+                                      <p:cBhvr>
+                                        <p:cTn id="104" dur="1" fill="hold">
+                                          <p:stCondLst>
+                                            <p:cond delay="499"/>
+                                          </p:stCondLst>
+                                        </p:cTn>
+                                        <p:tgtEl>
+                                          <p:spTgt spid="89">
+                                            <p:txEl>
+                                              <p:pRg st="8" end="8"/>
+                                            </p:txEl>
+                                          </p:spTgt>
+                                        </p:tgtEl>
+                                        <p:attrNameLst>
+                                          <p:attrName>style.visibility</p:attrName>
+                                        </p:attrNameLst>
+                                      </p:cBhvr>
+                                      <p:to>
+                                        <p:strVal val="hidden"/>
+                                      </p:to>
+                                    </p:set>
+                                  </p:childTnLst>
+                                </p:cTn>
+                              </p:par>
+                              <p:par>
+                                <p:cTn id="105" presetID="10" presetClass="exit" presetSubtype="0" fill="hold" grpId="0" nodeType="withEffect">
+                                  <p:stCondLst>
+                                    <p:cond delay="0"/>
+                                  </p:stCondLst>
+                                  <p:childTnLst>
+                                    <p:animEffect transition="out" filter="fade">
+                                      <p:cBhvr>
+                                        <p:cTn id="106" dur="500"/>
+                                        <p:tgtEl>
+                                          <p:spTgt spid="89">
+                                            <p:txEl>
+                                              <p:pRg st="9" end="9"/>
+                                            </p:txEl>
+                                          </p:spTgt>
+                                        </p:tgtEl>
+                                      </p:cBhvr>
+                                    </p:animEffect>
+                                    <p:set>
+                                      <p:cBhvr>
+                                        <p:cTn id="107" dur="1" fill="hold">
+                                          <p:stCondLst>
+                                            <p:cond delay="499"/>
+                                          </p:stCondLst>
+                                        </p:cTn>
+                                        <p:tgtEl>
+                                          <p:spTgt spid="89">
+                                            <p:txEl>
+                                              <p:pRg st="9" end="9"/>
+                                            </p:txEl>
+                                          </p:spTgt>
+                                        </p:tgtEl>
+                                        <p:attrNameLst>
+                                          <p:attrName>style.visibility</p:attrName>
+                                        </p:attrNameLst>
+                                      </p:cBhvr>
+                                      <p:to>
+                                        <p:strVal val="hidden"/>
+                                      </p:to>
+                                    </p:set>
+                                  </p:childTnLst>
+                                </p:cTn>
+                              </p:par>
+                              <p:par>
+                                <p:cTn id="108" presetID="10" presetClass="exit" presetSubtype="0" fill="hold" grpId="0" nodeType="withEffect">
+                                  <p:stCondLst>
+                                    <p:cond delay="0"/>
+                                  </p:stCondLst>
+                                  <p:childTnLst>
+                                    <p:animEffect transition="out" filter="fade">
+                                      <p:cBhvr>
+                                        <p:cTn id="109" dur="500"/>
+                                        <p:tgtEl>
+                                          <p:spTgt spid="89">
+                                            <p:txEl>
+                                              <p:pRg st="10" end="10"/>
+                                            </p:txEl>
+                                          </p:spTgt>
+                                        </p:tgtEl>
+                                      </p:cBhvr>
+                                    </p:animEffect>
+                                    <p:set>
+                                      <p:cBhvr>
+                                        <p:cTn id="110" dur="1" fill="hold">
+                                          <p:stCondLst>
+                                            <p:cond delay="499"/>
+                                          </p:stCondLst>
+                                        </p:cTn>
+                                        <p:tgtEl>
+                                          <p:spTgt spid="89">
+                                            <p:txEl>
+                                              <p:pRg st="10" end="10"/>
+                                            </p:txEl>
+                                          </p:spTgt>
+                                        </p:tgtEl>
+                                        <p:attrNameLst>
+                                          <p:attrName>style.visibility</p:attrName>
+                                        </p:attrNameLst>
+                                      </p:cBhvr>
+                                      <p:to>
+                                        <p:strVal val="hidden"/>
+                                      </p:to>
+                                    </p:set>
+                                  </p:childTnLst>
+                                </p:cTn>
+                              </p:par>
+                              <p:par>
+                                <p:cTn id="111" presetID="10" presetClass="exit" presetSubtype="0" fill="hold" nodeType="withEffect">
+                                  <p:stCondLst>
+                                    <p:cond delay="0"/>
+                                  </p:stCondLst>
+                                  <p:childTnLst>
+                                    <p:animEffect transition="out" filter="fade">
+                                      <p:cBhvr>
+                                        <p:cTn id="112" dur="500"/>
+                                        <p:tgtEl>
+                                          <p:spTgt spid="1026"/>
+                                        </p:tgtEl>
+                                      </p:cBhvr>
+                                    </p:animEffect>
+                                    <p:set>
+                                      <p:cBhvr>
+                                        <p:cTn id="113" dur="1" fill="hold">
+                                          <p:stCondLst>
+                                            <p:cond delay="499"/>
+                                          </p:stCondLst>
+                                        </p:cTn>
+                                        <p:tgtEl>
+                                          <p:spTgt spid="1026"/>
+                                        </p:tgtEl>
+                                        <p:attrNameLst>
+                                          <p:attrName>style.visibility</p:attrName>
+                                        </p:attrNameLst>
+                                      </p:cBhvr>
+                                      <p:to>
+                                        <p:strVal val="hidden"/>
+                                      </p:to>
+                                    </p:set>
+                                  </p:childTnLst>
+                                </p:cTn>
+                              </p:par>
+                              <p:par>
+                                <p:cTn id="114" presetID="10" presetClass="exit" presetSubtype="0" fill="hold" nodeType="withEffect">
+                                  <p:stCondLst>
+                                    <p:cond delay="0"/>
+                                  </p:stCondLst>
+                                  <p:childTnLst>
+                                    <p:animEffect transition="out" filter="fade">
+                                      <p:cBhvr>
+                                        <p:cTn id="115" dur="500"/>
+                                        <p:tgtEl>
+                                          <p:spTgt spid="10"/>
+                                        </p:tgtEl>
+                                      </p:cBhvr>
+                                    </p:animEffect>
+                                    <p:set>
+                                      <p:cBhvr>
+                                        <p:cTn id="116" dur="1" fill="hold">
+                                          <p:stCondLst>
+                                            <p:cond delay="499"/>
+                                          </p:stCondLst>
+                                        </p:cTn>
+                                        <p:tgtEl>
+                                          <p:spTgt spid="10"/>
+                                        </p:tgtEl>
+                                        <p:attrNameLst>
+                                          <p:attrName>style.visibility</p:attrName>
+                                        </p:attrNameLst>
+                                      </p:cBhvr>
+                                      <p:to>
+                                        <p:strVal val="hidden"/>
+                                      </p:to>
+                                    </p:set>
+                                  </p:childTnLst>
+                                </p:cTn>
+                              </p:par>
+                              <p:par>
+                                <p:cTn id="117" presetID="10" presetClass="exit" presetSubtype="0" fill="hold" nodeType="withEffect">
+                                  <p:stCondLst>
+                                    <p:cond delay="0"/>
+                                  </p:stCondLst>
+                                  <p:childTnLst>
+                                    <p:animEffect transition="out" filter="fade">
+                                      <p:cBhvr>
+                                        <p:cTn id="118" dur="500"/>
+                                        <p:tgtEl>
+                                          <p:spTgt spid="3"/>
+                                        </p:tgtEl>
+                                      </p:cBhvr>
+                                    </p:animEffect>
+                                    <p:set>
+                                      <p:cBhvr>
+                                        <p:cTn id="119" dur="1" fill="hold">
+                                          <p:stCondLst>
+                                            <p:cond delay="499"/>
+                                          </p:stCondLst>
+                                        </p:cTn>
+                                        <p:tgtEl>
+                                          <p:spTgt spid="3"/>
+                                        </p:tgtEl>
+                                        <p:attrNameLst>
+                                          <p:attrName>style.visibility</p:attrName>
+                                        </p:attrNameLst>
+                                      </p:cBhvr>
+                                      <p:to>
+                                        <p:strVal val="hidden"/>
+                                      </p:to>
+                                    </p:set>
+                                  </p:childTnLst>
+                                </p:cTn>
+                              </p:par>
+                              <p:par>
+                                <p:cTn id="120" presetID="10" presetClass="exit" presetSubtype="0" fill="hold" nodeType="withEffect">
+                                  <p:stCondLst>
+                                    <p:cond delay="0"/>
+                                  </p:stCondLst>
+                                  <p:childTnLst>
+                                    <p:animEffect transition="out" filter="fade">
+                                      <p:cBhvr>
+                                        <p:cTn id="121" dur="500"/>
+                                        <p:tgtEl>
+                                          <p:spTgt spid="8"/>
+                                        </p:tgtEl>
+                                      </p:cBhvr>
+                                    </p:animEffect>
+                                    <p:set>
+                                      <p:cBhvr>
+                                        <p:cTn id="122" dur="1" fill="hold">
+                                          <p:stCondLst>
+                                            <p:cond delay="499"/>
+                                          </p:stCondLst>
+                                        </p:cTn>
+                                        <p:tgtEl>
+                                          <p:spTgt spid="8"/>
+                                        </p:tgtEl>
+                                        <p:attrNameLst>
+                                          <p:attrName>style.visibility</p:attrName>
+                                        </p:attrNameLst>
+                                      </p:cBhvr>
+                                      <p:to>
+                                        <p:strVal val="hidden"/>
+                                      </p:to>
+                                    </p:set>
+                                  </p:childTnLst>
+                                </p:cTn>
+                              </p:par>
+                              <p:par>
+                                <p:cTn id="123" presetID="10" presetClass="exit" presetSubtype="0" fill="hold" nodeType="withEffect">
+                                  <p:stCondLst>
+                                    <p:cond delay="0"/>
+                                  </p:stCondLst>
+                                  <p:childTnLst>
+                                    <p:animEffect transition="out" filter="fade">
+                                      <p:cBhvr>
+                                        <p:cTn id="124" dur="500"/>
+                                        <p:tgtEl>
+                                          <p:spTgt spid="6"/>
+                                        </p:tgtEl>
+                                      </p:cBhvr>
+                                    </p:animEffect>
+                                    <p:set>
+                                      <p:cBhvr>
+                                        <p:cTn id="125" dur="1" fill="hold">
+                                          <p:stCondLst>
+                                            <p:cond delay="499"/>
+                                          </p:stCondLst>
+                                        </p:cTn>
+                                        <p:tgtEl>
+                                          <p:spTgt spid="6"/>
+                                        </p:tgtEl>
+                                        <p:attrNameLst>
+                                          <p:attrName>style.visibility</p:attrName>
+                                        </p:attrNameLst>
+                                      </p:cBhvr>
+                                      <p:to>
+                                        <p:strVal val="hidden"/>
+                                      </p:to>
+                                    </p:set>
+                                  </p:childTnLst>
+                                </p:cTn>
+                              </p:par>
+                              <p:par>
+                                <p:cTn id="126" presetID="10" presetClass="exit" presetSubtype="0" fill="hold" nodeType="withEffect">
+                                  <p:stCondLst>
+                                    <p:cond delay="0"/>
+                                  </p:stCondLst>
+                                  <p:childTnLst>
+                                    <p:animEffect transition="out" filter="fade">
+                                      <p:cBhvr>
+                                        <p:cTn id="127" dur="500"/>
+                                        <p:tgtEl>
+                                          <p:spTgt spid="13"/>
+                                        </p:tgtEl>
+                                      </p:cBhvr>
+                                    </p:animEffect>
+                                    <p:set>
+                                      <p:cBhvr>
+                                        <p:cTn id="128" dur="1" fill="hold">
+                                          <p:stCondLst>
+                                            <p:cond delay="499"/>
+                                          </p:stCondLst>
+                                        </p:cTn>
+                                        <p:tgtEl>
+                                          <p:spTgt spid="13"/>
+                                        </p:tgtEl>
+                                        <p:attrNameLst>
+                                          <p:attrName>style.visibility</p:attrName>
+                                        </p:attrNameLst>
+                                      </p:cBhvr>
+                                      <p:to>
+                                        <p:strVal val="hidden"/>
+                                      </p:to>
+                                    </p:set>
+                                  </p:childTnLst>
+                                </p:cTn>
+                              </p:par>
+                              <p:par>
+                                <p:cTn id="129" presetID="10" presetClass="exit" presetSubtype="0" fill="hold" nodeType="withEffect">
+                                  <p:stCondLst>
+                                    <p:cond delay="0"/>
+                                  </p:stCondLst>
+                                  <p:childTnLst>
+                                    <p:animEffect transition="out" filter="fade">
+                                      <p:cBhvr>
+                                        <p:cTn id="130" dur="500"/>
+                                        <p:tgtEl>
+                                          <p:spTgt spid="1032"/>
+                                        </p:tgtEl>
+                                      </p:cBhvr>
+                                    </p:animEffect>
+                                    <p:set>
+                                      <p:cBhvr>
+                                        <p:cTn id="131" dur="1" fill="hold">
+                                          <p:stCondLst>
+                                            <p:cond delay="499"/>
+                                          </p:stCondLst>
+                                        </p:cTn>
+                                        <p:tgtEl>
+                                          <p:spTgt spid="1032"/>
+                                        </p:tgtEl>
+                                        <p:attrNameLst>
+                                          <p:attrName>style.visibility</p:attrName>
+                                        </p:attrNameLst>
+                                      </p:cBhvr>
+                                      <p:to>
+                                        <p:strVal val="hidden"/>
+                                      </p:to>
+                                    </p:set>
+                                  </p:childTnLst>
+                                </p:cTn>
+                              </p:par>
+                            </p:childTnLst>
+                          </p:cTn>
+                        </p:par>
+                      </p:childTnLst>
+                    </p:cTn>
+                  </p:par>
+                </p:childTnLst>
+              </p:cTn>
+              <p:prevCondLst>
+                <p:cond evt="onPrev" delay="0">
+                  <p:tgtEl>
+                    <p:sldTgt/>
+                  </p:tgtEl>
+                </p:cond>
+              </p:prevCondLst>
+              <p:nextCondLst>
+                <p:cond evt="onNext" delay="0">
+                  <p:tgtEl>
+                    <p:sldTgt/>
+                  </p:tgtEl>
+                </p:cond>
+              </p:nextCondLst>
+            </p:seq>
+          </p:childTnLst>
+        </p:cTn>
+      </p:par>
+    </p:tnLst>
+    <p:bldLst>
+      <p:bldP spid="88" grpId="0"/>
+      <p:bldP spid="88" grpId="1"/>
+      <p:bldP spid="89" grpId="0" build="p"/>
+    </p:bldLst>
+  </p:timing>
 </p:sld>
 </file>
 
@@ -6780,6 +9378,1634 @@
   <p:clrMapOvr>
     <a:masterClrMapping/>
   </p:clrMapOvr>
+  <p:timing>
+    <p:tnLst>
+      <p:par>
+        <p:cTn id="1" dur="indefinite" restart="never" nodeType="tmRoot">
+          <p:childTnLst>
+            <p:seq concurrent="1" nextAc="seek">
+              <p:cTn id="2" dur="indefinite" nodeType="mainSeq">
+                <p:childTnLst>
+                  <p:par>
+                    <p:cTn id="3" fill="hold">
+                      <p:stCondLst>
+                        <p:cond delay="indefinite"/>
+                        <p:cond evt="onBegin" delay="0">
+                          <p:tn val="2"/>
+                        </p:cond>
+                      </p:stCondLst>
+                      <p:childTnLst>
+                        <p:par>
+                          <p:cTn id="4" fill="hold">
+                            <p:stCondLst>
+                              <p:cond delay="0"/>
+                            </p:stCondLst>
+                            <p:childTnLst>
+                              <p:par>
+                                <p:cTn id="5" presetID="10" presetClass="entr" presetSubtype="0" fill="hold" grpId="0" nodeType="afterEffect">
+                                  <p:stCondLst>
+                                    <p:cond delay="0"/>
+                                  </p:stCondLst>
+                                  <p:childTnLst>
+                                    <p:set>
+                                      <p:cBhvr>
+                                        <p:cTn id="6" dur="1" fill="hold">
+                                          <p:stCondLst>
+                                            <p:cond delay="0"/>
+                                          </p:stCondLst>
+                                        </p:cTn>
+                                        <p:tgtEl>
+                                          <p:spTgt spid="91"/>
+                                        </p:tgtEl>
+                                        <p:attrNameLst>
+                                          <p:attrName>style.visibility</p:attrName>
+                                        </p:attrNameLst>
+                                      </p:cBhvr>
+                                      <p:to>
+                                        <p:strVal val="visible"/>
+                                      </p:to>
+                                    </p:set>
+                                    <p:animEffect transition="in" filter="fade">
+                                      <p:cBhvr>
+                                        <p:cTn id="7" dur="500"/>
+                                        <p:tgtEl>
+                                          <p:spTgt spid="91"/>
+                                        </p:tgtEl>
+                                      </p:cBhvr>
+                                    </p:animEffect>
+                                  </p:childTnLst>
+                                </p:cTn>
+                              </p:par>
+                            </p:childTnLst>
+                          </p:cTn>
+                        </p:par>
+                      </p:childTnLst>
+                    </p:cTn>
+                  </p:par>
+                  <p:par>
+                    <p:cTn id="8" fill="hold">
+                      <p:stCondLst>
+                        <p:cond delay="indefinite"/>
+                      </p:stCondLst>
+                      <p:childTnLst>
+                        <p:par>
+                          <p:cTn id="9" fill="hold">
+                            <p:stCondLst>
+                              <p:cond delay="0"/>
+                            </p:stCondLst>
+                            <p:childTnLst>
+                              <p:par>
+                                <p:cTn id="10" presetID="10" presetClass="entr" presetSubtype="0" fill="hold" nodeType="clickEffect">
+                                  <p:stCondLst>
+                                    <p:cond delay="0"/>
+                                  </p:stCondLst>
+                                  <p:childTnLst>
+                                    <p:set>
+                                      <p:cBhvr>
+                                        <p:cTn id="11" dur="1" fill="hold">
+                                          <p:stCondLst>
+                                            <p:cond delay="0"/>
+                                          </p:stCondLst>
+                                        </p:cTn>
+                                        <p:tgtEl>
+                                          <p:spTgt spid="2">
+                                            <p:txEl>
+                                              <p:pRg st="0" end="0"/>
+                                            </p:txEl>
+                                          </p:spTgt>
+                                        </p:tgtEl>
+                                        <p:attrNameLst>
+                                          <p:attrName>style.visibility</p:attrName>
+                                        </p:attrNameLst>
+                                      </p:cBhvr>
+                                      <p:to>
+                                        <p:strVal val="visible"/>
+                                      </p:to>
+                                    </p:set>
+                                    <p:animEffect transition="in" filter="fade">
+                                      <p:cBhvr>
+                                        <p:cTn id="12" dur="500"/>
+                                        <p:tgtEl>
+                                          <p:spTgt spid="2">
+                                            <p:txEl>
+                                              <p:pRg st="0" end="0"/>
+                                            </p:txEl>
+                                          </p:spTgt>
+                                        </p:tgtEl>
+                                      </p:cBhvr>
+                                    </p:animEffect>
+                                  </p:childTnLst>
+                                </p:cTn>
+                              </p:par>
+                            </p:childTnLst>
+                          </p:cTn>
+                        </p:par>
+                        <p:par>
+                          <p:cTn id="13" fill="hold">
+                            <p:stCondLst>
+                              <p:cond delay="500"/>
+                            </p:stCondLst>
+                            <p:childTnLst>
+                              <p:par>
+                                <p:cTn id="14" presetID="10" presetClass="entr" presetSubtype="0" fill="hold" nodeType="afterEffect">
+                                  <p:stCondLst>
+                                    <p:cond delay="0"/>
+                                  </p:stCondLst>
+                                  <p:childTnLst>
+                                    <p:set>
+                                      <p:cBhvr>
+                                        <p:cTn id="15" dur="1" fill="hold">
+                                          <p:stCondLst>
+                                            <p:cond delay="0"/>
+                                          </p:stCondLst>
+                                        </p:cTn>
+                                        <p:tgtEl>
+                                          <p:spTgt spid="2">
+                                            <p:txEl>
+                                              <p:pRg st="1" end="1"/>
+                                            </p:txEl>
+                                          </p:spTgt>
+                                        </p:tgtEl>
+                                        <p:attrNameLst>
+                                          <p:attrName>style.visibility</p:attrName>
+                                        </p:attrNameLst>
+                                      </p:cBhvr>
+                                      <p:to>
+                                        <p:strVal val="visible"/>
+                                      </p:to>
+                                    </p:set>
+                                    <p:animEffect transition="in" filter="fade">
+                                      <p:cBhvr>
+                                        <p:cTn id="16" dur="500"/>
+                                        <p:tgtEl>
+                                          <p:spTgt spid="2">
+                                            <p:txEl>
+                                              <p:pRg st="1" end="1"/>
+                                            </p:txEl>
+                                          </p:spTgt>
+                                        </p:tgtEl>
+                                      </p:cBhvr>
+                                    </p:animEffect>
+                                  </p:childTnLst>
+                                </p:cTn>
+                              </p:par>
+                            </p:childTnLst>
+                          </p:cTn>
+                        </p:par>
+                        <p:par>
+                          <p:cTn id="17" fill="hold">
+                            <p:stCondLst>
+                              <p:cond delay="1000"/>
+                            </p:stCondLst>
+                            <p:childTnLst>
+                              <p:par>
+                                <p:cTn id="18" presetID="10" presetClass="entr" presetSubtype="0" fill="hold" nodeType="afterEffect">
+                                  <p:stCondLst>
+                                    <p:cond delay="0"/>
+                                  </p:stCondLst>
+                                  <p:childTnLst>
+                                    <p:set>
+                                      <p:cBhvr>
+                                        <p:cTn id="19" dur="1" fill="hold">
+                                          <p:stCondLst>
+                                            <p:cond delay="0"/>
+                                          </p:stCondLst>
+                                        </p:cTn>
+                                        <p:tgtEl>
+                                          <p:spTgt spid="2">
+                                            <p:txEl>
+                                              <p:pRg st="2" end="2"/>
+                                            </p:txEl>
+                                          </p:spTgt>
+                                        </p:tgtEl>
+                                        <p:attrNameLst>
+                                          <p:attrName>style.visibility</p:attrName>
+                                        </p:attrNameLst>
+                                      </p:cBhvr>
+                                      <p:to>
+                                        <p:strVal val="visible"/>
+                                      </p:to>
+                                    </p:set>
+                                    <p:animEffect transition="in" filter="fade">
+                                      <p:cBhvr>
+                                        <p:cTn id="20" dur="500"/>
+                                        <p:tgtEl>
+                                          <p:spTgt spid="2">
+                                            <p:txEl>
+                                              <p:pRg st="2" end="2"/>
+                                            </p:txEl>
+                                          </p:spTgt>
+                                        </p:tgtEl>
+                                      </p:cBhvr>
+                                    </p:animEffect>
+                                  </p:childTnLst>
+                                </p:cTn>
+                              </p:par>
+                            </p:childTnLst>
+                          </p:cTn>
+                        </p:par>
+                        <p:par>
+                          <p:cTn id="21" fill="hold">
+                            <p:stCondLst>
+                              <p:cond delay="1500"/>
+                            </p:stCondLst>
+                            <p:childTnLst>
+                              <p:par>
+                                <p:cTn id="22" presetID="10" presetClass="entr" presetSubtype="0" fill="hold" nodeType="afterEffect">
+                                  <p:stCondLst>
+                                    <p:cond delay="0"/>
+                                  </p:stCondLst>
+                                  <p:childTnLst>
+                                    <p:set>
+                                      <p:cBhvr>
+                                        <p:cTn id="23" dur="1" fill="hold">
+                                          <p:stCondLst>
+                                            <p:cond delay="0"/>
+                                          </p:stCondLst>
+                                        </p:cTn>
+                                        <p:tgtEl>
+                                          <p:spTgt spid="2">
+                                            <p:txEl>
+                                              <p:pRg st="3" end="3"/>
+                                            </p:txEl>
+                                          </p:spTgt>
+                                        </p:tgtEl>
+                                        <p:attrNameLst>
+                                          <p:attrName>style.visibility</p:attrName>
+                                        </p:attrNameLst>
+                                      </p:cBhvr>
+                                      <p:to>
+                                        <p:strVal val="visible"/>
+                                      </p:to>
+                                    </p:set>
+                                    <p:animEffect transition="in" filter="fade">
+                                      <p:cBhvr>
+                                        <p:cTn id="24" dur="500"/>
+                                        <p:tgtEl>
+                                          <p:spTgt spid="2">
+                                            <p:txEl>
+                                              <p:pRg st="3" end="3"/>
+                                            </p:txEl>
+                                          </p:spTgt>
+                                        </p:tgtEl>
+                                      </p:cBhvr>
+                                    </p:animEffect>
+                                  </p:childTnLst>
+                                </p:cTn>
+                              </p:par>
+                            </p:childTnLst>
+                          </p:cTn>
+                        </p:par>
+                      </p:childTnLst>
+                    </p:cTn>
+                  </p:par>
+                  <p:par>
+                    <p:cTn id="25" fill="hold">
+                      <p:stCondLst>
+                        <p:cond delay="indefinite"/>
+                      </p:stCondLst>
+                      <p:childTnLst>
+                        <p:par>
+                          <p:cTn id="26" fill="hold">
+                            <p:stCondLst>
+                              <p:cond delay="0"/>
+                            </p:stCondLst>
+                            <p:childTnLst>
+                              <p:par>
+                                <p:cTn id="27" presetID="10" presetClass="entr" presetSubtype="0" fill="hold" nodeType="clickEffect">
+                                  <p:stCondLst>
+                                    <p:cond delay="0"/>
+                                  </p:stCondLst>
+                                  <p:childTnLst>
+                                    <p:set>
+                                      <p:cBhvr>
+                                        <p:cTn id="28" dur="1" fill="hold">
+                                          <p:stCondLst>
+                                            <p:cond delay="0"/>
+                                          </p:stCondLst>
+                                        </p:cTn>
+                                        <p:tgtEl>
+                                          <p:spTgt spid="2">
+                                            <p:txEl>
+                                              <p:pRg st="5" end="5"/>
+                                            </p:txEl>
+                                          </p:spTgt>
+                                        </p:tgtEl>
+                                        <p:attrNameLst>
+                                          <p:attrName>style.visibility</p:attrName>
+                                        </p:attrNameLst>
+                                      </p:cBhvr>
+                                      <p:to>
+                                        <p:strVal val="visible"/>
+                                      </p:to>
+                                    </p:set>
+                                    <p:animEffect transition="in" filter="fade">
+                                      <p:cBhvr>
+                                        <p:cTn id="29" dur="500"/>
+                                        <p:tgtEl>
+                                          <p:spTgt spid="2">
+                                            <p:txEl>
+                                              <p:pRg st="5" end="5"/>
+                                            </p:txEl>
+                                          </p:spTgt>
+                                        </p:tgtEl>
+                                      </p:cBhvr>
+                                    </p:animEffect>
+                                  </p:childTnLst>
+                                </p:cTn>
+                              </p:par>
+                            </p:childTnLst>
+                          </p:cTn>
+                        </p:par>
+                        <p:par>
+                          <p:cTn id="30" fill="hold">
+                            <p:stCondLst>
+                              <p:cond delay="500"/>
+                            </p:stCondLst>
+                            <p:childTnLst>
+                              <p:par>
+                                <p:cTn id="31" presetID="10" presetClass="entr" presetSubtype="0" fill="hold" nodeType="afterEffect">
+                                  <p:stCondLst>
+                                    <p:cond delay="0"/>
+                                  </p:stCondLst>
+                                  <p:childTnLst>
+                                    <p:set>
+                                      <p:cBhvr>
+                                        <p:cTn id="32" dur="1" fill="hold">
+                                          <p:stCondLst>
+                                            <p:cond delay="0"/>
+                                          </p:stCondLst>
+                                        </p:cTn>
+                                        <p:tgtEl>
+                                          <p:spTgt spid="2">
+                                            <p:txEl>
+                                              <p:pRg st="6" end="6"/>
+                                            </p:txEl>
+                                          </p:spTgt>
+                                        </p:tgtEl>
+                                        <p:attrNameLst>
+                                          <p:attrName>style.visibility</p:attrName>
+                                        </p:attrNameLst>
+                                      </p:cBhvr>
+                                      <p:to>
+                                        <p:strVal val="visible"/>
+                                      </p:to>
+                                    </p:set>
+                                    <p:animEffect transition="in" filter="fade">
+                                      <p:cBhvr>
+                                        <p:cTn id="33" dur="750"/>
+                                        <p:tgtEl>
+                                          <p:spTgt spid="2">
+                                            <p:txEl>
+                                              <p:pRg st="6" end="6"/>
+                                            </p:txEl>
+                                          </p:spTgt>
+                                        </p:tgtEl>
+                                      </p:cBhvr>
+                                    </p:animEffect>
+                                  </p:childTnLst>
+                                </p:cTn>
+                              </p:par>
+                              <p:par>
+                                <p:cTn id="34" presetID="10" presetClass="entr" presetSubtype="0" fill="hold" nodeType="withEffect">
+                                  <p:stCondLst>
+                                    <p:cond delay="0"/>
+                                  </p:stCondLst>
+                                  <p:childTnLst>
+                                    <p:set>
+                                      <p:cBhvr>
+                                        <p:cTn id="35" dur="1" fill="hold">
+                                          <p:stCondLst>
+                                            <p:cond delay="0"/>
+                                          </p:stCondLst>
+                                        </p:cTn>
+                                        <p:tgtEl>
+                                          <p:spTgt spid="4"/>
+                                        </p:tgtEl>
+                                        <p:attrNameLst>
+                                          <p:attrName>style.visibility</p:attrName>
+                                        </p:attrNameLst>
+                                      </p:cBhvr>
+                                      <p:to>
+                                        <p:strVal val="visible"/>
+                                      </p:to>
+                                    </p:set>
+                                    <p:animEffect transition="in" filter="fade">
+                                      <p:cBhvr>
+                                        <p:cTn id="36" dur="500"/>
+                                        <p:tgtEl>
+                                          <p:spTgt spid="4"/>
+                                        </p:tgtEl>
+                                      </p:cBhvr>
+                                    </p:animEffect>
+                                  </p:childTnLst>
+                                </p:cTn>
+                              </p:par>
+                            </p:childTnLst>
+                          </p:cTn>
+                        </p:par>
+                        <p:par>
+                          <p:cTn id="37" fill="hold">
+                            <p:stCondLst>
+                              <p:cond delay="1250"/>
+                            </p:stCondLst>
+                            <p:childTnLst>
+                              <p:par>
+                                <p:cTn id="38" presetID="10" presetClass="entr" presetSubtype="0" fill="hold" nodeType="afterEffect">
+                                  <p:stCondLst>
+                                    <p:cond delay="0"/>
+                                  </p:stCondLst>
+                                  <p:childTnLst>
+                                    <p:set>
+                                      <p:cBhvr>
+                                        <p:cTn id="39" dur="1" fill="hold">
+                                          <p:stCondLst>
+                                            <p:cond delay="0"/>
+                                          </p:stCondLst>
+                                        </p:cTn>
+                                        <p:tgtEl>
+                                          <p:spTgt spid="2">
+                                            <p:txEl>
+                                              <p:pRg st="7" end="7"/>
+                                            </p:txEl>
+                                          </p:spTgt>
+                                        </p:tgtEl>
+                                        <p:attrNameLst>
+                                          <p:attrName>style.visibility</p:attrName>
+                                        </p:attrNameLst>
+                                      </p:cBhvr>
+                                      <p:to>
+                                        <p:strVal val="visible"/>
+                                      </p:to>
+                                    </p:set>
+                                    <p:animEffect transition="in" filter="fade">
+                                      <p:cBhvr>
+                                        <p:cTn id="40" dur="750"/>
+                                        <p:tgtEl>
+                                          <p:spTgt spid="2">
+                                            <p:txEl>
+                                              <p:pRg st="7" end="7"/>
+                                            </p:txEl>
+                                          </p:spTgt>
+                                        </p:tgtEl>
+                                      </p:cBhvr>
+                                    </p:animEffect>
+                                  </p:childTnLst>
+                                </p:cTn>
+                              </p:par>
+                            </p:childTnLst>
+                          </p:cTn>
+                        </p:par>
+                        <p:par>
+                          <p:cTn id="41" fill="hold">
+                            <p:stCondLst>
+                              <p:cond delay="2000"/>
+                            </p:stCondLst>
+                            <p:childTnLst>
+                              <p:par>
+                                <p:cTn id="42" presetID="10" presetClass="entr" presetSubtype="0" fill="hold" nodeType="afterEffect">
+                                  <p:stCondLst>
+                                    <p:cond delay="0"/>
+                                  </p:stCondLst>
+                                  <p:childTnLst>
+                                    <p:set>
+                                      <p:cBhvr>
+                                        <p:cTn id="43" dur="1" fill="hold">
+                                          <p:stCondLst>
+                                            <p:cond delay="0"/>
+                                          </p:stCondLst>
+                                        </p:cTn>
+                                        <p:tgtEl>
+                                          <p:spTgt spid="2">
+                                            <p:txEl>
+                                              <p:pRg st="8" end="8"/>
+                                            </p:txEl>
+                                          </p:spTgt>
+                                        </p:tgtEl>
+                                        <p:attrNameLst>
+                                          <p:attrName>style.visibility</p:attrName>
+                                        </p:attrNameLst>
+                                      </p:cBhvr>
+                                      <p:to>
+                                        <p:strVal val="visible"/>
+                                      </p:to>
+                                    </p:set>
+                                    <p:animEffect transition="in" filter="fade">
+                                      <p:cBhvr>
+                                        <p:cTn id="44" dur="750"/>
+                                        <p:tgtEl>
+                                          <p:spTgt spid="2">
+                                            <p:txEl>
+                                              <p:pRg st="8" end="8"/>
+                                            </p:txEl>
+                                          </p:spTgt>
+                                        </p:tgtEl>
+                                      </p:cBhvr>
+                                    </p:animEffect>
+                                  </p:childTnLst>
+                                </p:cTn>
+                              </p:par>
+                              <p:par>
+                                <p:cTn id="45" presetID="10" presetClass="entr" presetSubtype="0" fill="hold" nodeType="withEffect">
+                                  <p:stCondLst>
+                                    <p:cond delay="0"/>
+                                  </p:stCondLst>
+                                  <p:childTnLst>
+                                    <p:set>
+                                      <p:cBhvr>
+                                        <p:cTn id="46" dur="1" fill="hold">
+                                          <p:stCondLst>
+                                            <p:cond delay="0"/>
+                                          </p:stCondLst>
+                                        </p:cTn>
+                                        <p:tgtEl>
+                                          <p:spTgt spid="6"/>
+                                        </p:tgtEl>
+                                        <p:attrNameLst>
+                                          <p:attrName>style.visibility</p:attrName>
+                                        </p:attrNameLst>
+                                      </p:cBhvr>
+                                      <p:to>
+                                        <p:strVal val="visible"/>
+                                      </p:to>
+                                    </p:set>
+                                    <p:animEffect transition="in" filter="fade">
+                                      <p:cBhvr>
+                                        <p:cTn id="47" dur="500"/>
+                                        <p:tgtEl>
+                                          <p:spTgt spid="6"/>
+                                        </p:tgtEl>
+                                      </p:cBhvr>
+                                    </p:animEffect>
+                                  </p:childTnLst>
+                                </p:cTn>
+                              </p:par>
+                            </p:childTnLst>
+                          </p:cTn>
+                        </p:par>
+                        <p:par>
+                          <p:cTn id="48" fill="hold">
+                            <p:stCondLst>
+                              <p:cond delay="2750"/>
+                            </p:stCondLst>
+                            <p:childTnLst>
+                              <p:par>
+                                <p:cTn id="49" presetID="10" presetClass="entr" presetSubtype="0" fill="hold" nodeType="afterEffect">
+                                  <p:stCondLst>
+                                    <p:cond delay="0"/>
+                                  </p:stCondLst>
+                                  <p:childTnLst>
+                                    <p:set>
+                                      <p:cBhvr>
+                                        <p:cTn id="50" dur="1" fill="hold">
+                                          <p:stCondLst>
+                                            <p:cond delay="0"/>
+                                          </p:stCondLst>
+                                        </p:cTn>
+                                        <p:tgtEl>
+                                          <p:spTgt spid="5"/>
+                                        </p:tgtEl>
+                                        <p:attrNameLst>
+                                          <p:attrName>style.visibility</p:attrName>
+                                        </p:attrNameLst>
+                                      </p:cBhvr>
+                                      <p:to>
+                                        <p:strVal val="visible"/>
+                                      </p:to>
+                                    </p:set>
+                                    <p:animEffect transition="in" filter="fade">
+                                      <p:cBhvr>
+                                        <p:cTn id="51" dur="500"/>
+                                        <p:tgtEl>
+                                          <p:spTgt spid="5"/>
+                                        </p:tgtEl>
+                                      </p:cBhvr>
+                                    </p:animEffect>
+                                  </p:childTnLst>
+                                </p:cTn>
+                              </p:par>
+                            </p:childTnLst>
+                          </p:cTn>
+                        </p:par>
+                        <p:par>
+                          <p:cTn id="52" fill="hold">
+                            <p:stCondLst>
+                              <p:cond delay="3250"/>
+                            </p:stCondLst>
+                            <p:childTnLst>
+                              <p:par>
+                                <p:cTn id="53" presetID="10" presetClass="entr" presetSubtype="0" fill="hold" nodeType="afterEffect">
+                                  <p:stCondLst>
+                                    <p:cond delay="0"/>
+                                  </p:stCondLst>
+                                  <p:childTnLst>
+                                    <p:set>
+                                      <p:cBhvr>
+                                        <p:cTn id="54" dur="1" fill="hold">
+                                          <p:stCondLst>
+                                            <p:cond delay="0"/>
+                                          </p:stCondLst>
+                                        </p:cTn>
+                                        <p:tgtEl>
+                                          <p:spTgt spid="2">
+                                            <p:txEl>
+                                              <p:pRg st="9" end="9"/>
+                                            </p:txEl>
+                                          </p:spTgt>
+                                        </p:tgtEl>
+                                        <p:attrNameLst>
+                                          <p:attrName>style.visibility</p:attrName>
+                                        </p:attrNameLst>
+                                      </p:cBhvr>
+                                      <p:to>
+                                        <p:strVal val="visible"/>
+                                      </p:to>
+                                    </p:set>
+                                    <p:animEffect transition="in" filter="fade">
+                                      <p:cBhvr>
+                                        <p:cTn id="55" dur="750"/>
+                                        <p:tgtEl>
+                                          <p:spTgt spid="2">
+                                            <p:txEl>
+                                              <p:pRg st="9" end="9"/>
+                                            </p:txEl>
+                                          </p:spTgt>
+                                        </p:tgtEl>
+                                      </p:cBhvr>
+                                    </p:animEffect>
+                                  </p:childTnLst>
+                                </p:cTn>
+                              </p:par>
+                              <p:par>
+                                <p:cTn id="56" presetID="10" presetClass="entr" presetSubtype="0" fill="hold" nodeType="withEffect">
+                                  <p:stCondLst>
+                                    <p:cond delay="0"/>
+                                  </p:stCondLst>
+                                  <p:childTnLst>
+                                    <p:set>
+                                      <p:cBhvr>
+                                        <p:cTn id="57" dur="1" fill="hold">
+                                          <p:stCondLst>
+                                            <p:cond delay="0"/>
+                                          </p:stCondLst>
+                                        </p:cTn>
+                                        <p:tgtEl>
+                                          <p:spTgt spid="11"/>
+                                        </p:tgtEl>
+                                        <p:attrNameLst>
+                                          <p:attrName>style.visibility</p:attrName>
+                                        </p:attrNameLst>
+                                      </p:cBhvr>
+                                      <p:to>
+                                        <p:strVal val="visible"/>
+                                      </p:to>
+                                    </p:set>
+                                    <p:animEffect transition="in" filter="fade">
+                                      <p:cBhvr>
+                                        <p:cTn id="58" dur="500"/>
+                                        <p:tgtEl>
+                                          <p:spTgt spid="11"/>
+                                        </p:tgtEl>
+                                      </p:cBhvr>
+                                    </p:animEffect>
+                                  </p:childTnLst>
+                                </p:cTn>
+                              </p:par>
+                            </p:childTnLst>
+                          </p:cTn>
+                        </p:par>
+                        <p:par>
+                          <p:cTn id="59" fill="hold">
+                            <p:stCondLst>
+                              <p:cond delay="4000"/>
+                            </p:stCondLst>
+                            <p:childTnLst>
+                              <p:par>
+                                <p:cTn id="60" presetID="10" presetClass="entr" presetSubtype="0" fill="hold" nodeType="afterEffect">
+                                  <p:stCondLst>
+                                    <p:cond delay="0"/>
+                                  </p:stCondLst>
+                                  <p:childTnLst>
+                                    <p:set>
+                                      <p:cBhvr>
+                                        <p:cTn id="61" dur="1" fill="hold">
+                                          <p:stCondLst>
+                                            <p:cond delay="0"/>
+                                          </p:stCondLst>
+                                        </p:cTn>
+                                        <p:tgtEl>
+                                          <p:spTgt spid="14"/>
+                                        </p:tgtEl>
+                                        <p:attrNameLst>
+                                          <p:attrName>style.visibility</p:attrName>
+                                        </p:attrNameLst>
+                                      </p:cBhvr>
+                                      <p:to>
+                                        <p:strVal val="visible"/>
+                                      </p:to>
+                                    </p:set>
+                                    <p:animEffect transition="in" filter="fade">
+                                      <p:cBhvr>
+                                        <p:cTn id="62" dur="500"/>
+                                        <p:tgtEl>
+                                          <p:spTgt spid="14"/>
+                                        </p:tgtEl>
+                                      </p:cBhvr>
+                                    </p:animEffect>
+                                  </p:childTnLst>
+                                </p:cTn>
+                              </p:par>
+                            </p:childTnLst>
+                          </p:cTn>
+                        </p:par>
+                        <p:par>
+                          <p:cTn id="63" fill="hold">
+                            <p:stCondLst>
+                              <p:cond delay="4500"/>
+                            </p:stCondLst>
+                            <p:childTnLst>
+                              <p:par>
+                                <p:cTn id="64" presetID="10" presetClass="entr" presetSubtype="0" fill="hold" nodeType="afterEffect">
+                                  <p:stCondLst>
+                                    <p:cond delay="0"/>
+                                  </p:stCondLst>
+                                  <p:childTnLst>
+                                    <p:set>
+                                      <p:cBhvr>
+                                        <p:cTn id="65" dur="1" fill="hold">
+                                          <p:stCondLst>
+                                            <p:cond delay="0"/>
+                                          </p:stCondLst>
+                                        </p:cTn>
+                                        <p:tgtEl>
+                                          <p:spTgt spid="2">
+                                            <p:txEl>
+                                              <p:pRg st="10" end="10"/>
+                                            </p:txEl>
+                                          </p:spTgt>
+                                        </p:tgtEl>
+                                        <p:attrNameLst>
+                                          <p:attrName>style.visibility</p:attrName>
+                                        </p:attrNameLst>
+                                      </p:cBhvr>
+                                      <p:to>
+                                        <p:strVal val="visible"/>
+                                      </p:to>
+                                    </p:set>
+                                    <p:animEffect transition="in" filter="fade">
+                                      <p:cBhvr>
+                                        <p:cTn id="66" dur="750"/>
+                                        <p:tgtEl>
+                                          <p:spTgt spid="2">
+                                            <p:txEl>
+                                              <p:pRg st="10" end="10"/>
+                                            </p:txEl>
+                                          </p:spTgt>
+                                        </p:tgtEl>
+                                      </p:cBhvr>
+                                    </p:animEffect>
+                                  </p:childTnLst>
+                                </p:cTn>
+                              </p:par>
+                              <p:par>
+                                <p:cTn id="67" presetID="10" presetClass="entr" presetSubtype="0" fill="hold" nodeType="withEffect">
+                                  <p:stCondLst>
+                                    <p:cond delay="0"/>
+                                  </p:stCondLst>
+                                  <p:childTnLst>
+                                    <p:set>
+                                      <p:cBhvr>
+                                        <p:cTn id="68" dur="1" fill="hold">
+                                          <p:stCondLst>
+                                            <p:cond delay="0"/>
+                                          </p:stCondLst>
+                                        </p:cTn>
+                                        <p:tgtEl>
+                                          <p:spTgt spid="9"/>
+                                        </p:tgtEl>
+                                        <p:attrNameLst>
+                                          <p:attrName>style.visibility</p:attrName>
+                                        </p:attrNameLst>
+                                      </p:cBhvr>
+                                      <p:to>
+                                        <p:strVal val="visible"/>
+                                      </p:to>
+                                    </p:set>
+                                    <p:animEffect transition="in" filter="fade">
+                                      <p:cBhvr>
+                                        <p:cTn id="69" dur="500"/>
+                                        <p:tgtEl>
+                                          <p:spTgt spid="9"/>
+                                        </p:tgtEl>
+                                      </p:cBhvr>
+                                    </p:animEffect>
+                                  </p:childTnLst>
+                                </p:cTn>
+                              </p:par>
+                            </p:childTnLst>
+                          </p:cTn>
+                        </p:par>
+                        <p:par>
+                          <p:cTn id="70" fill="hold">
+                            <p:stCondLst>
+                              <p:cond delay="5250"/>
+                            </p:stCondLst>
+                            <p:childTnLst>
+                              <p:par>
+                                <p:cTn id="71" presetID="10" presetClass="entr" presetSubtype="0" fill="hold" nodeType="afterEffect">
+                                  <p:stCondLst>
+                                    <p:cond delay="0"/>
+                                  </p:stCondLst>
+                                  <p:childTnLst>
+                                    <p:set>
+                                      <p:cBhvr>
+                                        <p:cTn id="72" dur="1" fill="hold">
+                                          <p:stCondLst>
+                                            <p:cond delay="0"/>
+                                          </p:stCondLst>
+                                        </p:cTn>
+                                        <p:tgtEl>
+                                          <p:spTgt spid="2050"/>
+                                        </p:tgtEl>
+                                        <p:attrNameLst>
+                                          <p:attrName>style.visibility</p:attrName>
+                                        </p:attrNameLst>
+                                      </p:cBhvr>
+                                      <p:to>
+                                        <p:strVal val="visible"/>
+                                      </p:to>
+                                    </p:set>
+                                    <p:animEffect transition="in" filter="fade">
+                                      <p:cBhvr>
+                                        <p:cTn id="73" dur="500"/>
+                                        <p:tgtEl>
+                                          <p:spTgt spid="2050"/>
+                                        </p:tgtEl>
+                                      </p:cBhvr>
+                                    </p:animEffect>
+                                  </p:childTnLst>
+                                </p:cTn>
+                              </p:par>
+                            </p:childTnLst>
+                          </p:cTn>
+                        </p:par>
+                      </p:childTnLst>
+                    </p:cTn>
+                  </p:par>
+                  <p:par>
+                    <p:cTn id="74" fill="hold">
+                      <p:stCondLst>
+                        <p:cond delay="indefinite"/>
+                      </p:stCondLst>
+                      <p:childTnLst>
+                        <p:par>
+                          <p:cTn id="75" fill="hold">
+                            <p:stCondLst>
+                              <p:cond delay="0"/>
+                            </p:stCondLst>
+                            <p:childTnLst>
+                              <p:par>
+                                <p:cTn id="76" presetID="10" presetClass="exit" presetSubtype="0" fill="hold" grpId="1" nodeType="clickEffect">
+                                  <p:stCondLst>
+                                    <p:cond delay="0"/>
+                                  </p:stCondLst>
+                                  <p:childTnLst>
+                                    <p:animEffect transition="out" filter="fade">
+                                      <p:cBhvr>
+                                        <p:cTn id="77" dur="500"/>
+                                        <p:tgtEl>
+                                          <p:spTgt spid="91"/>
+                                        </p:tgtEl>
+                                      </p:cBhvr>
+                                    </p:animEffect>
+                                    <p:set>
+                                      <p:cBhvr>
+                                        <p:cTn id="78" dur="1" fill="hold">
+                                          <p:stCondLst>
+                                            <p:cond delay="499"/>
+                                          </p:stCondLst>
+                                        </p:cTn>
+                                        <p:tgtEl>
+                                          <p:spTgt spid="91"/>
+                                        </p:tgtEl>
+                                        <p:attrNameLst>
+                                          <p:attrName>style.visibility</p:attrName>
+                                        </p:attrNameLst>
+                                      </p:cBhvr>
+                                      <p:to>
+                                        <p:strVal val="hidden"/>
+                                      </p:to>
+                                    </p:set>
+                                  </p:childTnLst>
+                                </p:cTn>
+                              </p:par>
+                              <p:par>
+                                <p:cTn id="79" presetID="10" presetClass="exit" presetSubtype="0" fill="hold" nodeType="withEffect">
+                                  <p:stCondLst>
+                                    <p:cond delay="0"/>
+                                  </p:stCondLst>
+                                  <p:childTnLst>
+                                    <p:animEffect transition="out" filter="fade">
+                                      <p:cBhvr>
+                                        <p:cTn id="80" dur="500"/>
+                                        <p:tgtEl>
+                                          <p:spTgt spid="2">
+                                            <p:txEl>
+                                              <p:pRg st="0" end="0"/>
+                                            </p:txEl>
+                                          </p:spTgt>
+                                        </p:tgtEl>
+                                      </p:cBhvr>
+                                    </p:animEffect>
+                                    <p:set>
+                                      <p:cBhvr>
+                                        <p:cTn id="81" dur="1" fill="hold">
+                                          <p:stCondLst>
+                                            <p:cond delay="499"/>
+                                          </p:stCondLst>
+                                        </p:cTn>
+                                        <p:tgtEl>
+                                          <p:spTgt spid="2">
+                                            <p:txEl>
+                                              <p:pRg st="0" end="0"/>
+                                            </p:txEl>
+                                          </p:spTgt>
+                                        </p:tgtEl>
+                                        <p:attrNameLst>
+                                          <p:attrName>style.visibility</p:attrName>
+                                        </p:attrNameLst>
+                                      </p:cBhvr>
+                                      <p:to>
+                                        <p:strVal val="hidden"/>
+                                      </p:to>
+                                    </p:set>
+                                  </p:childTnLst>
+                                </p:cTn>
+                              </p:par>
+                              <p:par>
+                                <p:cTn id="82" presetID="10" presetClass="exit" presetSubtype="0" fill="hold" nodeType="withEffect">
+                                  <p:stCondLst>
+                                    <p:cond delay="0"/>
+                                  </p:stCondLst>
+                                  <p:childTnLst>
+                                    <p:animEffect transition="out" filter="fade">
+                                      <p:cBhvr>
+                                        <p:cTn id="83" dur="500"/>
+                                        <p:tgtEl>
+                                          <p:spTgt spid="2">
+                                            <p:txEl>
+                                              <p:pRg st="1" end="1"/>
+                                            </p:txEl>
+                                          </p:spTgt>
+                                        </p:tgtEl>
+                                      </p:cBhvr>
+                                    </p:animEffect>
+                                    <p:set>
+                                      <p:cBhvr>
+                                        <p:cTn id="84" dur="1" fill="hold">
+                                          <p:stCondLst>
+                                            <p:cond delay="499"/>
+                                          </p:stCondLst>
+                                        </p:cTn>
+                                        <p:tgtEl>
+                                          <p:spTgt spid="2">
+                                            <p:txEl>
+                                              <p:pRg st="1" end="1"/>
+                                            </p:txEl>
+                                          </p:spTgt>
+                                        </p:tgtEl>
+                                        <p:attrNameLst>
+                                          <p:attrName>style.visibility</p:attrName>
+                                        </p:attrNameLst>
+                                      </p:cBhvr>
+                                      <p:to>
+                                        <p:strVal val="hidden"/>
+                                      </p:to>
+                                    </p:set>
+                                  </p:childTnLst>
+                                </p:cTn>
+                              </p:par>
+                              <p:par>
+                                <p:cTn id="85" presetID="10" presetClass="exit" presetSubtype="0" fill="hold" nodeType="withEffect">
+                                  <p:stCondLst>
+                                    <p:cond delay="0"/>
+                                  </p:stCondLst>
+                                  <p:childTnLst>
+                                    <p:animEffect transition="out" filter="fade">
+                                      <p:cBhvr>
+                                        <p:cTn id="86" dur="500"/>
+                                        <p:tgtEl>
+                                          <p:spTgt spid="2">
+                                            <p:txEl>
+                                              <p:pRg st="2" end="2"/>
+                                            </p:txEl>
+                                          </p:spTgt>
+                                        </p:tgtEl>
+                                      </p:cBhvr>
+                                    </p:animEffect>
+                                    <p:set>
+                                      <p:cBhvr>
+                                        <p:cTn id="87" dur="1" fill="hold">
+                                          <p:stCondLst>
+                                            <p:cond delay="499"/>
+                                          </p:stCondLst>
+                                        </p:cTn>
+                                        <p:tgtEl>
+                                          <p:spTgt spid="2">
+                                            <p:txEl>
+                                              <p:pRg st="2" end="2"/>
+                                            </p:txEl>
+                                          </p:spTgt>
+                                        </p:tgtEl>
+                                        <p:attrNameLst>
+                                          <p:attrName>style.visibility</p:attrName>
+                                        </p:attrNameLst>
+                                      </p:cBhvr>
+                                      <p:to>
+                                        <p:strVal val="hidden"/>
+                                      </p:to>
+                                    </p:set>
+                                  </p:childTnLst>
+                                </p:cTn>
+                              </p:par>
+                              <p:par>
+                                <p:cTn id="88" presetID="10" presetClass="exit" presetSubtype="0" fill="hold" nodeType="withEffect">
+                                  <p:stCondLst>
+                                    <p:cond delay="0"/>
+                                  </p:stCondLst>
+                                  <p:childTnLst>
+                                    <p:animEffect transition="out" filter="fade">
+                                      <p:cBhvr>
+                                        <p:cTn id="89" dur="500"/>
+                                        <p:tgtEl>
+                                          <p:spTgt spid="2">
+                                            <p:txEl>
+                                              <p:pRg st="3" end="3"/>
+                                            </p:txEl>
+                                          </p:spTgt>
+                                        </p:tgtEl>
+                                      </p:cBhvr>
+                                    </p:animEffect>
+                                    <p:set>
+                                      <p:cBhvr>
+                                        <p:cTn id="90" dur="1" fill="hold">
+                                          <p:stCondLst>
+                                            <p:cond delay="499"/>
+                                          </p:stCondLst>
+                                        </p:cTn>
+                                        <p:tgtEl>
+                                          <p:spTgt spid="2">
+                                            <p:txEl>
+                                              <p:pRg st="3" end="3"/>
+                                            </p:txEl>
+                                          </p:spTgt>
+                                        </p:tgtEl>
+                                        <p:attrNameLst>
+                                          <p:attrName>style.visibility</p:attrName>
+                                        </p:attrNameLst>
+                                      </p:cBhvr>
+                                      <p:to>
+                                        <p:strVal val="hidden"/>
+                                      </p:to>
+                                    </p:set>
+                                  </p:childTnLst>
+                                </p:cTn>
+                              </p:par>
+                              <p:par>
+                                <p:cTn id="91" presetID="10" presetClass="exit" presetSubtype="0" fill="hold" nodeType="withEffect">
+                                  <p:stCondLst>
+                                    <p:cond delay="0"/>
+                                  </p:stCondLst>
+                                  <p:childTnLst>
+                                    <p:animEffect transition="out" filter="fade">
+                                      <p:cBhvr>
+                                        <p:cTn id="92" dur="500"/>
+                                        <p:tgtEl>
+                                          <p:spTgt spid="2">
+                                            <p:txEl>
+                                              <p:pRg st="5" end="5"/>
+                                            </p:txEl>
+                                          </p:spTgt>
+                                        </p:tgtEl>
+                                      </p:cBhvr>
+                                    </p:animEffect>
+                                    <p:set>
+                                      <p:cBhvr>
+                                        <p:cTn id="93" dur="1" fill="hold">
+                                          <p:stCondLst>
+                                            <p:cond delay="499"/>
+                                          </p:stCondLst>
+                                        </p:cTn>
+                                        <p:tgtEl>
+                                          <p:spTgt spid="2">
+                                            <p:txEl>
+                                              <p:pRg st="5" end="5"/>
+                                            </p:txEl>
+                                          </p:spTgt>
+                                        </p:tgtEl>
+                                        <p:attrNameLst>
+                                          <p:attrName>style.visibility</p:attrName>
+                                        </p:attrNameLst>
+                                      </p:cBhvr>
+                                      <p:to>
+                                        <p:strVal val="hidden"/>
+                                      </p:to>
+                                    </p:set>
+                                  </p:childTnLst>
+                                </p:cTn>
+                              </p:par>
+                              <p:par>
+                                <p:cTn id="94" presetID="10" presetClass="exit" presetSubtype="0" fill="hold" nodeType="withEffect">
+                                  <p:stCondLst>
+                                    <p:cond delay="0"/>
+                                  </p:stCondLst>
+                                  <p:childTnLst>
+                                    <p:animEffect transition="out" filter="fade">
+                                      <p:cBhvr>
+                                        <p:cTn id="95" dur="500"/>
+                                        <p:tgtEl>
+                                          <p:spTgt spid="2">
+                                            <p:txEl>
+                                              <p:pRg st="6" end="6"/>
+                                            </p:txEl>
+                                          </p:spTgt>
+                                        </p:tgtEl>
+                                      </p:cBhvr>
+                                    </p:animEffect>
+                                    <p:set>
+                                      <p:cBhvr>
+                                        <p:cTn id="96" dur="1" fill="hold">
+                                          <p:stCondLst>
+                                            <p:cond delay="499"/>
+                                          </p:stCondLst>
+                                        </p:cTn>
+                                        <p:tgtEl>
+                                          <p:spTgt spid="2">
+                                            <p:txEl>
+                                              <p:pRg st="6" end="6"/>
+                                            </p:txEl>
+                                          </p:spTgt>
+                                        </p:tgtEl>
+                                        <p:attrNameLst>
+                                          <p:attrName>style.visibility</p:attrName>
+                                        </p:attrNameLst>
+                                      </p:cBhvr>
+                                      <p:to>
+                                        <p:strVal val="hidden"/>
+                                      </p:to>
+                                    </p:set>
+                                  </p:childTnLst>
+                                </p:cTn>
+                              </p:par>
+                              <p:par>
+                                <p:cTn id="97" presetID="10" presetClass="exit" presetSubtype="0" fill="hold" nodeType="withEffect">
+                                  <p:stCondLst>
+                                    <p:cond delay="0"/>
+                                  </p:stCondLst>
+                                  <p:childTnLst>
+                                    <p:animEffect transition="out" filter="fade">
+                                      <p:cBhvr>
+                                        <p:cTn id="98" dur="500"/>
+                                        <p:tgtEl>
+                                          <p:spTgt spid="2">
+                                            <p:txEl>
+                                              <p:pRg st="7" end="7"/>
+                                            </p:txEl>
+                                          </p:spTgt>
+                                        </p:tgtEl>
+                                      </p:cBhvr>
+                                    </p:animEffect>
+                                    <p:set>
+                                      <p:cBhvr>
+                                        <p:cTn id="99" dur="1" fill="hold">
+                                          <p:stCondLst>
+                                            <p:cond delay="499"/>
+                                          </p:stCondLst>
+                                        </p:cTn>
+                                        <p:tgtEl>
+                                          <p:spTgt spid="2">
+                                            <p:txEl>
+                                              <p:pRg st="7" end="7"/>
+                                            </p:txEl>
+                                          </p:spTgt>
+                                        </p:tgtEl>
+                                        <p:attrNameLst>
+                                          <p:attrName>style.visibility</p:attrName>
+                                        </p:attrNameLst>
+                                      </p:cBhvr>
+                                      <p:to>
+                                        <p:strVal val="hidden"/>
+                                      </p:to>
+                                    </p:set>
+                                  </p:childTnLst>
+                                </p:cTn>
+                              </p:par>
+                              <p:par>
+                                <p:cTn id="100" presetID="10" presetClass="exit" presetSubtype="0" fill="hold" nodeType="withEffect">
+                                  <p:stCondLst>
+                                    <p:cond delay="0"/>
+                                  </p:stCondLst>
+                                  <p:childTnLst>
+                                    <p:animEffect transition="out" filter="fade">
+                                      <p:cBhvr>
+                                        <p:cTn id="101" dur="500"/>
+                                        <p:tgtEl>
+                                          <p:spTgt spid="2">
+                                            <p:txEl>
+                                              <p:pRg st="8" end="8"/>
+                                            </p:txEl>
+                                          </p:spTgt>
+                                        </p:tgtEl>
+                                      </p:cBhvr>
+                                    </p:animEffect>
+                                    <p:set>
+                                      <p:cBhvr>
+                                        <p:cTn id="102" dur="1" fill="hold">
+                                          <p:stCondLst>
+                                            <p:cond delay="499"/>
+                                          </p:stCondLst>
+                                        </p:cTn>
+                                        <p:tgtEl>
+                                          <p:spTgt spid="2">
+                                            <p:txEl>
+                                              <p:pRg st="8" end="8"/>
+                                            </p:txEl>
+                                          </p:spTgt>
+                                        </p:tgtEl>
+                                        <p:attrNameLst>
+                                          <p:attrName>style.visibility</p:attrName>
+                                        </p:attrNameLst>
+                                      </p:cBhvr>
+                                      <p:to>
+                                        <p:strVal val="hidden"/>
+                                      </p:to>
+                                    </p:set>
+                                  </p:childTnLst>
+                                </p:cTn>
+                              </p:par>
+                              <p:par>
+                                <p:cTn id="103" presetID="10" presetClass="exit" presetSubtype="0" fill="hold" nodeType="withEffect">
+                                  <p:stCondLst>
+                                    <p:cond delay="0"/>
+                                  </p:stCondLst>
+                                  <p:childTnLst>
+                                    <p:animEffect transition="out" filter="fade">
+                                      <p:cBhvr>
+                                        <p:cTn id="104" dur="500"/>
+                                        <p:tgtEl>
+                                          <p:spTgt spid="2">
+                                            <p:txEl>
+                                              <p:pRg st="9" end="9"/>
+                                            </p:txEl>
+                                          </p:spTgt>
+                                        </p:tgtEl>
+                                      </p:cBhvr>
+                                    </p:animEffect>
+                                    <p:set>
+                                      <p:cBhvr>
+                                        <p:cTn id="105" dur="1" fill="hold">
+                                          <p:stCondLst>
+                                            <p:cond delay="499"/>
+                                          </p:stCondLst>
+                                        </p:cTn>
+                                        <p:tgtEl>
+                                          <p:spTgt spid="2">
+                                            <p:txEl>
+                                              <p:pRg st="9" end="9"/>
+                                            </p:txEl>
+                                          </p:spTgt>
+                                        </p:tgtEl>
+                                        <p:attrNameLst>
+                                          <p:attrName>style.visibility</p:attrName>
+                                        </p:attrNameLst>
+                                      </p:cBhvr>
+                                      <p:to>
+                                        <p:strVal val="hidden"/>
+                                      </p:to>
+                                    </p:set>
+                                  </p:childTnLst>
+                                </p:cTn>
+                              </p:par>
+                              <p:par>
+                                <p:cTn id="106" presetID="10" presetClass="exit" presetSubtype="0" fill="hold" nodeType="withEffect">
+                                  <p:stCondLst>
+                                    <p:cond delay="0"/>
+                                  </p:stCondLst>
+                                  <p:childTnLst>
+                                    <p:animEffect transition="out" filter="fade">
+                                      <p:cBhvr>
+                                        <p:cTn id="107" dur="500"/>
+                                        <p:tgtEl>
+                                          <p:spTgt spid="2">
+                                            <p:txEl>
+                                              <p:pRg st="10" end="10"/>
+                                            </p:txEl>
+                                          </p:spTgt>
+                                        </p:tgtEl>
+                                      </p:cBhvr>
+                                    </p:animEffect>
+                                    <p:set>
+                                      <p:cBhvr>
+                                        <p:cTn id="108" dur="1" fill="hold">
+                                          <p:stCondLst>
+                                            <p:cond delay="499"/>
+                                          </p:stCondLst>
+                                        </p:cTn>
+                                        <p:tgtEl>
+                                          <p:spTgt spid="2">
+                                            <p:txEl>
+                                              <p:pRg st="10" end="10"/>
+                                            </p:txEl>
+                                          </p:spTgt>
+                                        </p:tgtEl>
+                                        <p:attrNameLst>
+                                          <p:attrName>style.visibility</p:attrName>
+                                        </p:attrNameLst>
+                                      </p:cBhvr>
+                                      <p:to>
+                                        <p:strVal val="hidden"/>
+                                      </p:to>
+                                    </p:set>
+                                  </p:childTnLst>
+                                </p:cTn>
+                              </p:par>
+                              <p:par>
+                                <p:cTn id="109" presetID="10" presetClass="exit" presetSubtype="0" fill="hold" nodeType="withEffect">
+                                  <p:stCondLst>
+                                    <p:cond delay="0"/>
+                                  </p:stCondLst>
+                                  <p:childTnLst>
+                                    <p:animEffect transition="out" filter="fade">
+                                      <p:cBhvr>
+                                        <p:cTn id="110" dur="500"/>
+                                        <p:tgtEl>
+                                          <p:spTgt spid="4"/>
+                                        </p:tgtEl>
+                                      </p:cBhvr>
+                                    </p:animEffect>
+                                    <p:set>
+                                      <p:cBhvr>
+                                        <p:cTn id="111" dur="1" fill="hold">
+                                          <p:stCondLst>
+                                            <p:cond delay="499"/>
+                                          </p:stCondLst>
+                                        </p:cTn>
+                                        <p:tgtEl>
+                                          <p:spTgt spid="4"/>
+                                        </p:tgtEl>
+                                        <p:attrNameLst>
+                                          <p:attrName>style.visibility</p:attrName>
+                                        </p:attrNameLst>
+                                      </p:cBhvr>
+                                      <p:to>
+                                        <p:strVal val="hidden"/>
+                                      </p:to>
+                                    </p:set>
+                                  </p:childTnLst>
+                                </p:cTn>
+                              </p:par>
+                              <p:par>
+                                <p:cTn id="112" presetID="10" presetClass="exit" presetSubtype="0" fill="hold" nodeType="withEffect">
+                                  <p:stCondLst>
+                                    <p:cond delay="0"/>
+                                  </p:stCondLst>
+                                  <p:childTnLst>
+                                    <p:animEffect transition="out" filter="fade">
+                                      <p:cBhvr>
+                                        <p:cTn id="113" dur="500"/>
+                                        <p:tgtEl>
+                                          <p:spTgt spid="6"/>
+                                        </p:tgtEl>
+                                      </p:cBhvr>
+                                    </p:animEffect>
+                                    <p:set>
+                                      <p:cBhvr>
+                                        <p:cTn id="114" dur="1" fill="hold">
+                                          <p:stCondLst>
+                                            <p:cond delay="499"/>
+                                          </p:stCondLst>
+                                        </p:cTn>
+                                        <p:tgtEl>
+                                          <p:spTgt spid="6"/>
+                                        </p:tgtEl>
+                                        <p:attrNameLst>
+                                          <p:attrName>style.visibility</p:attrName>
+                                        </p:attrNameLst>
+                                      </p:cBhvr>
+                                      <p:to>
+                                        <p:strVal val="hidden"/>
+                                      </p:to>
+                                    </p:set>
+                                  </p:childTnLst>
+                                </p:cTn>
+                              </p:par>
+                              <p:par>
+                                <p:cTn id="115" presetID="10" presetClass="exit" presetSubtype="0" fill="hold" nodeType="withEffect">
+                                  <p:stCondLst>
+                                    <p:cond delay="0"/>
+                                  </p:stCondLst>
+                                  <p:childTnLst>
+                                    <p:animEffect transition="out" filter="fade">
+                                      <p:cBhvr>
+                                        <p:cTn id="116" dur="500"/>
+                                        <p:tgtEl>
+                                          <p:spTgt spid="5"/>
+                                        </p:tgtEl>
+                                      </p:cBhvr>
+                                    </p:animEffect>
+                                    <p:set>
+                                      <p:cBhvr>
+                                        <p:cTn id="117" dur="1" fill="hold">
+                                          <p:stCondLst>
+                                            <p:cond delay="499"/>
+                                          </p:stCondLst>
+                                        </p:cTn>
+                                        <p:tgtEl>
+                                          <p:spTgt spid="5"/>
+                                        </p:tgtEl>
+                                        <p:attrNameLst>
+                                          <p:attrName>style.visibility</p:attrName>
+                                        </p:attrNameLst>
+                                      </p:cBhvr>
+                                      <p:to>
+                                        <p:strVal val="hidden"/>
+                                      </p:to>
+                                    </p:set>
+                                  </p:childTnLst>
+                                </p:cTn>
+                              </p:par>
+                              <p:par>
+                                <p:cTn id="118" presetID="10" presetClass="exit" presetSubtype="0" fill="hold" nodeType="withEffect">
+                                  <p:stCondLst>
+                                    <p:cond delay="0"/>
+                                  </p:stCondLst>
+                                  <p:childTnLst>
+                                    <p:animEffect transition="out" filter="fade">
+                                      <p:cBhvr>
+                                        <p:cTn id="119" dur="500"/>
+                                        <p:tgtEl>
+                                          <p:spTgt spid="11"/>
+                                        </p:tgtEl>
+                                      </p:cBhvr>
+                                    </p:animEffect>
+                                    <p:set>
+                                      <p:cBhvr>
+                                        <p:cTn id="120" dur="1" fill="hold">
+                                          <p:stCondLst>
+                                            <p:cond delay="499"/>
+                                          </p:stCondLst>
+                                        </p:cTn>
+                                        <p:tgtEl>
+                                          <p:spTgt spid="11"/>
+                                        </p:tgtEl>
+                                        <p:attrNameLst>
+                                          <p:attrName>style.visibility</p:attrName>
+                                        </p:attrNameLst>
+                                      </p:cBhvr>
+                                      <p:to>
+                                        <p:strVal val="hidden"/>
+                                      </p:to>
+                                    </p:set>
+                                  </p:childTnLst>
+                                </p:cTn>
+                              </p:par>
+                              <p:par>
+                                <p:cTn id="121" presetID="10" presetClass="exit" presetSubtype="0" fill="hold" nodeType="withEffect">
+                                  <p:stCondLst>
+                                    <p:cond delay="0"/>
+                                  </p:stCondLst>
+                                  <p:childTnLst>
+                                    <p:animEffect transition="out" filter="fade">
+                                      <p:cBhvr>
+                                        <p:cTn id="122" dur="500"/>
+                                        <p:tgtEl>
+                                          <p:spTgt spid="14"/>
+                                        </p:tgtEl>
+                                      </p:cBhvr>
+                                    </p:animEffect>
+                                    <p:set>
+                                      <p:cBhvr>
+                                        <p:cTn id="123" dur="1" fill="hold">
+                                          <p:stCondLst>
+                                            <p:cond delay="499"/>
+                                          </p:stCondLst>
+                                        </p:cTn>
+                                        <p:tgtEl>
+                                          <p:spTgt spid="14"/>
+                                        </p:tgtEl>
+                                        <p:attrNameLst>
+                                          <p:attrName>style.visibility</p:attrName>
+                                        </p:attrNameLst>
+                                      </p:cBhvr>
+                                      <p:to>
+                                        <p:strVal val="hidden"/>
+                                      </p:to>
+                                    </p:set>
+                                  </p:childTnLst>
+                                </p:cTn>
+                              </p:par>
+                              <p:par>
+                                <p:cTn id="124" presetID="10" presetClass="exit" presetSubtype="0" fill="hold" nodeType="withEffect">
+                                  <p:stCondLst>
+                                    <p:cond delay="0"/>
+                                  </p:stCondLst>
+                                  <p:childTnLst>
+                                    <p:animEffect transition="out" filter="fade">
+                                      <p:cBhvr>
+                                        <p:cTn id="125" dur="500"/>
+                                        <p:tgtEl>
+                                          <p:spTgt spid="9"/>
+                                        </p:tgtEl>
+                                      </p:cBhvr>
+                                    </p:animEffect>
+                                    <p:set>
+                                      <p:cBhvr>
+                                        <p:cTn id="126" dur="1" fill="hold">
+                                          <p:stCondLst>
+                                            <p:cond delay="499"/>
+                                          </p:stCondLst>
+                                        </p:cTn>
+                                        <p:tgtEl>
+                                          <p:spTgt spid="9"/>
+                                        </p:tgtEl>
+                                        <p:attrNameLst>
+                                          <p:attrName>style.visibility</p:attrName>
+                                        </p:attrNameLst>
+                                      </p:cBhvr>
+                                      <p:to>
+                                        <p:strVal val="hidden"/>
+                                      </p:to>
+                                    </p:set>
+                                  </p:childTnLst>
+                                </p:cTn>
+                              </p:par>
+                              <p:par>
+                                <p:cTn id="127" presetID="10" presetClass="exit" presetSubtype="0" fill="hold" nodeType="withEffect">
+                                  <p:stCondLst>
+                                    <p:cond delay="0"/>
+                                  </p:stCondLst>
+                                  <p:childTnLst>
+                                    <p:animEffect transition="out" filter="fade">
+                                      <p:cBhvr>
+                                        <p:cTn id="128" dur="500"/>
+                                        <p:tgtEl>
+                                          <p:spTgt spid="2050"/>
+                                        </p:tgtEl>
+                                      </p:cBhvr>
+                                    </p:animEffect>
+                                    <p:set>
+                                      <p:cBhvr>
+                                        <p:cTn id="129" dur="1" fill="hold">
+                                          <p:stCondLst>
+                                            <p:cond delay="499"/>
+                                          </p:stCondLst>
+                                        </p:cTn>
+                                        <p:tgtEl>
+                                          <p:spTgt spid="2050"/>
+                                        </p:tgtEl>
+                                        <p:attrNameLst>
+                                          <p:attrName>style.visibility</p:attrName>
+                                        </p:attrNameLst>
+                                      </p:cBhvr>
+                                      <p:to>
+                                        <p:strVal val="hidden"/>
+                                      </p:to>
+                                    </p:set>
+                                  </p:childTnLst>
+                                </p:cTn>
+                              </p:par>
+                            </p:childTnLst>
+                          </p:cTn>
+                        </p:par>
+                      </p:childTnLst>
+                    </p:cTn>
+                  </p:par>
+                </p:childTnLst>
+              </p:cTn>
+              <p:prevCondLst>
+                <p:cond evt="onPrev" delay="0">
+                  <p:tgtEl>
+                    <p:sldTgt/>
+                  </p:tgtEl>
+                </p:cond>
+              </p:prevCondLst>
+              <p:nextCondLst>
+                <p:cond evt="onNext" delay="0">
+                  <p:tgtEl>
+                    <p:sldTgt/>
+                  </p:tgtEl>
+                </p:cond>
+              </p:nextCondLst>
+            </p:seq>
+          </p:childTnLst>
+        </p:cTn>
+      </p:par>
+    </p:tnLst>
+    <p:bldLst>
+      <p:bldP spid="91" grpId="0"/>
+      <p:bldP spid="91" grpId="1"/>
+    </p:bldLst>
+  </p:timing>
 </p:sld>
 </file>
 
@@ -7040,7 +11266,7 @@
         </p:nvSpPr>
         <p:spPr>
           <a:xfrm>
-            <a:off x="3745578" y="1851865"/>
+            <a:off x="3745578" y="1865465"/>
             <a:ext cx="3569622" cy="4247093"/>
           </a:xfrm>
           <a:prstGeom prst="rect">
@@ -8026,36 +12252,6 @@
               <a:latin typeface="Aptos"/>
             </a:endParaRPr>
           </a:p>
-          <a:p>
-            <a:pPr>
-              <a:spcBef>
-                <a:spcPts val="1001"/>
-              </a:spcBef>
-              <a:buFont typeface="Wingdings" panose="05000000000000000000" pitchFamily="2" charset="2"/>
-              <a:buChar char="ü"/>
-            </a:pPr>
-            <a:endParaRPr lang="it-IT" sz="2600" spc="-1" dirty="0">
-              <a:solidFill>
-                <a:schemeClr val="tx1"/>
-              </a:solidFill>
-              <a:latin typeface="Aptos"/>
-            </a:endParaRPr>
-          </a:p>
-          <a:p>
-            <a:pPr>
-              <a:spcBef>
-                <a:spcPts val="1001"/>
-              </a:spcBef>
-              <a:buFont typeface="Wingdings" panose="05000000000000000000" pitchFamily="2" charset="2"/>
-              <a:buChar char="ü"/>
-            </a:pPr>
-            <a:endParaRPr lang="it-IT" sz="2600" spc="-1" dirty="0">
-              <a:solidFill>
-                <a:schemeClr val="tx1"/>
-              </a:solidFill>
-              <a:latin typeface="Aptos"/>
-            </a:endParaRPr>
-          </a:p>
         </p:txBody>
       </p:sp>
     </p:spTree>
@@ -8063,6 +12259,1263 @@
   <p:clrMapOvr>
     <a:masterClrMapping/>
   </p:clrMapOvr>
+  <p:timing>
+    <p:tnLst>
+      <p:par>
+        <p:cTn id="1" dur="indefinite" restart="never" nodeType="tmRoot">
+          <p:childTnLst>
+            <p:seq concurrent="1" nextAc="seek">
+              <p:cTn id="2" dur="indefinite" nodeType="mainSeq">
+                <p:childTnLst>
+                  <p:par>
+                    <p:cTn id="3" fill="hold">
+                      <p:stCondLst>
+                        <p:cond delay="indefinite"/>
+                        <p:cond evt="onBegin" delay="0">
+                          <p:tn val="2"/>
+                        </p:cond>
+                      </p:stCondLst>
+                      <p:childTnLst>
+                        <p:par>
+                          <p:cTn id="4" fill="hold">
+                            <p:stCondLst>
+                              <p:cond delay="0"/>
+                            </p:stCondLst>
+                            <p:childTnLst>
+                              <p:par>
+                                <p:cTn id="5" presetID="10" presetClass="entr" presetSubtype="0" fill="hold" grpId="0" nodeType="withEffect">
+                                  <p:stCondLst>
+                                    <p:cond delay="0"/>
+                                  </p:stCondLst>
+                                  <p:childTnLst>
+                                    <p:set>
+                                      <p:cBhvr>
+                                        <p:cTn id="6" dur="1" fill="hold">
+                                          <p:stCondLst>
+                                            <p:cond delay="0"/>
+                                          </p:stCondLst>
+                                        </p:cTn>
+                                        <p:tgtEl>
+                                          <p:spTgt spid="94"/>
+                                        </p:tgtEl>
+                                        <p:attrNameLst>
+                                          <p:attrName>style.visibility</p:attrName>
+                                        </p:attrNameLst>
+                                      </p:cBhvr>
+                                      <p:to>
+                                        <p:strVal val="visible"/>
+                                      </p:to>
+                                    </p:set>
+                                    <p:animEffect transition="in" filter="fade">
+                                      <p:cBhvr>
+                                        <p:cTn id="7" dur="500"/>
+                                        <p:tgtEl>
+                                          <p:spTgt spid="94"/>
+                                        </p:tgtEl>
+                                      </p:cBhvr>
+                                    </p:animEffect>
+                                  </p:childTnLst>
+                                </p:cTn>
+                              </p:par>
+                            </p:childTnLst>
+                          </p:cTn>
+                        </p:par>
+                        <p:par>
+                          <p:cTn id="8" fill="hold">
+                            <p:stCondLst>
+                              <p:cond delay="500"/>
+                            </p:stCondLst>
+                            <p:childTnLst>
+                              <p:par>
+                                <p:cTn id="9" presetID="10" presetClass="entr" presetSubtype="0" fill="hold" nodeType="afterEffect">
+                                  <p:stCondLst>
+                                    <p:cond delay="0"/>
+                                  </p:stCondLst>
+                                  <p:childTnLst>
+                                    <p:set>
+                                      <p:cBhvr>
+                                        <p:cTn id="10" dur="1" fill="hold">
+                                          <p:stCondLst>
+                                            <p:cond delay="0"/>
+                                          </p:stCondLst>
+                                        </p:cTn>
+                                        <p:tgtEl>
+                                          <p:spTgt spid="2">
+                                            <p:txEl>
+                                              <p:pRg st="0" end="0"/>
+                                            </p:txEl>
+                                          </p:spTgt>
+                                        </p:tgtEl>
+                                        <p:attrNameLst>
+                                          <p:attrName>style.visibility</p:attrName>
+                                        </p:attrNameLst>
+                                      </p:cBhvr>
+                                      <p:to>
+                                        <p:strVal val="visible"/>
+                                      </p:to>
+                                    </p:set>
+                                    <p:animEffect transition="in" filter="fade">
+                                      <p:cBhvr>
+                                        <p:cTn id="11" dur="750"/>
+                                        <p:tgtEl>
+                                          <p:spTgt spid="2">
+                                            <p:txEl>
+                                              <p:pRg st="0" end="0"/>
+                                            </p:txEl>
+                                          </p:spTgt>
+                                        </p:tgtEl>
+                                      </p:cBhvr>
+                                    </p:animEffect>
+                                  </p:childTnLst>
+                                </p:cTn>
+                              </p:par>
+                              <p:par>
+                                <p:cTn id="12" presetID="10" presetClass="entr" presetSubtype="0" fill="hold" nodeType="withEffect">
+                                  <p:stCondLst>
+                                    <p:cond delay="0"/>
+                                  </p:stCondLst>
+                                  <p:childTnLst>
+                                    <p:set>
+                                      <p:cBhvr>
+                                        <p:cTn id="13" dur="1" fill="hold">
+                                          <p:stCondLst>
+                                            <p:cond delay="0"/>
+                                          </p:stCondLst>
+                                        </p:cTn>
+                                        <p:tgtEl>
+                                          <p:spTgt spid="3">
+                                            <p:txEl>
+                                              <p:pRg st="0" end="0"/>
+                                            </p:txEl>
+                                          </p:spTgt>
+                                        </p:tgtEl>
+                                        <p:attrNameLst>
+                                          <p:attrName>style.visibility</p:attrName>
+                                        </p:attrNameLst>
+                                      </p:cBhvr>
+                                      <p:to>
+                                        <p:strVal val="visible"/>
+                                      </p:to>
+                                    </p:set>
+                                    <p:animEffect transition="in" filter="fade">
+                                      <p:cBhvr>
+                                        <p:cTn id="14" dur="750"/>
+                                        <p:tgtEl>
+                                          <p:spTgt spid="3">
+                                            <p:txEl>
+                                              <p:pRg st="0" end="0"/>
+                                            </p:txEl>
+                                          </p:spTgt>
+                                        </p:tgtEl>
+                                      </p:cBhvr>
+                                    </p:animEffect>
+                                  </p:childTnLst>
+                                </p:cTn>
+                              </p:par>
+                            </p:childTnLst>
+                          </p:cTn>
+                        </p:par>
+                        <p:par>
+                          <p:cTn id="15" fill="hold">
+                            <p:stCondLst>
+                              <p:cond delay="1250"/>
+                            </p:stCondLst>
+                            <p:childTnLst>
+                              <p:par>
+                                <p:cTn id="16" presetID="10" presetClass="entr" presetSubtype="0" fill="hold" nodeType="afterEffect">
+                                  <p:stCondLst>
+                                    <p:cond delay="0"/>
+                                  </p:stCondLst>
+                                  <p:childTnLst>
+                                    <p:set>
+                                      <p:cBhvr>
+                                        <p:cTn id="17" dur="1" fill="hold">
+                                          <p:stCondLst>
+                                            <p:cond delay="0"/>
+                                          </p:stCondLst>
+                                        </p:cTn>
+                                        <p:tgtEl>
+                                          <p:spTgt spid="2">
+                                            <p:txEl>
+                                              <p:pRg st="1" end="1"/>
+                                            </p:txEl>
+                                          </p:spTgt>
+                                        </p:tgtEl>
+                                        <p:attrNameLst>
+                                          <p:attrName>style.visibility</p:attrName>
+                                        </p:attrNameLst>
+                                      </p:cBhvr>
+                                      <p:to>
+                                        <p:strVal val="visible"/>
+                                      </p:to>
+                                    </p:set>
+                                    <p:animEffect transition="in" filter="fade">
+                                      <p:cBhvr>
+                                        <p:cTn id="18" dur="750"/>
+                                        <p:tgtEl>
+                                          <p:spTgt spid="2">
+                                            <p:txEl>
+                                              <p:pRg st="1" end="1"/>
+                                            </p:txEl>
+                                          </p:spTgt>
+                                        </p:tgtEl>
+                                      </p:cBhvr>
+                                    </p:animEffect>
+                                  </p:childTnLst>
+                                </p:cTn>
+                              </p:par>
+                            </p:childTnLst>
+                          </p:cTn>
+                        </p:par>
+                        <p:par>
+                          <p:cTn id="19" fill="hold">
+                            <p:stCondLst>
+                              <p:cond delay="2000"/>
+                            </p:stCondLst>
+                            <p:childTnLst>
+                              <p:par>
+                                <p:cTn id="20" presetID="10" presetClass="entr" presetSubtype="0" fill="hold" nodeType="afterEffect">
+                                  <p:stCondLst>
+                                    <p:cond delay="0"/>
+                                  </p:stCondLst>
+                                  <p:childTnLst>
+                                    <p:set>
+                                      <p:cBhvr>
+                                        <p:cTn id="21" dur="1" fill="hold">
+                                          <p:stCondLst>
+                                            <p:cond delay="0"/>
+                                          </p:stCondLst>
+                                        </p:cTn>
+                                        <p:tgtEl>
+                                          <p:spTgt spid="3">
+                                            <p:txEl>
+                                              <p:pRg st="1" end="1"/>
+                                            </p:txEl>
+                                          </p:spTgt>
+                                        </p:tgtEl>
+                                        <p:attrNameLst>
+                                          <p:attrName>style.visibility</p:attrName>
+                                        </p:attrNameLst>
+                                      </p:cBhvr>
+                                      <p:to>
+                                        <p:strVal val="visible"/>
+                                      </p:to>
+                                    </p:set>
+                                    <p:animEffect transition="in" filter="fade">
+                                      <p:cBhvr>
+                                        <p:cTn id="22" dur="750"/>
+                                        <p:tgtEl>
+                                          <p:spTgt spid="3">
+                                            <p:txEl>
+                                              <p:pRg st="1" end="1"/>
+                                            </p:txEl>
+                                          </p:spTgt>
+                                        </p:tgtEl>
+                                      </p:cBhvr>
+                                    </p:animEffect>
+                                  </p:childTnLst>
+                                </p:cTn>
+                              </p:par>
+                            </p:childTnLst>
+                          </p:cTn>
+                        </p:par>
+                        <p:par>
+                          <p:cTn id="23" fill="hold">
+                            <p:stCondLst>
+                              <p:cond delay="2750"/>
+                            </p:stCondLst>
+                            <p:childTnLst>
+                              <p:par>
+                                <p:cTn id="24" presetID="10" presetClass="entr" presetSubtype="0" fill="hold" nodeType="afterEffect">
+                                  <p:stCondLst>
+                                    <p:cond delay="0"/>
+                                  </p:stCondLst>
+                                  <p:childTnLst>
+                                    <p:set>
+                                      <p:cBhvr>
+                                        <p:cTn id="25" dur="1" fill="hold">
+                                          <p:stCondLst>
+                                            <p:cond delay="0"/>
+                                          </p:stCondLst>
+                                        </p:cTn>
+                                        <p:tgtEl>
+                                          <p:spTgt spid="2">
+                                            <p:txEl>
+                                              <p:pRg st="2" end="2"/>
+                                            </p:txEl>
+                                          </p:spTgt>
+                                        </p:tgtEl>
+                                        <p:attrNameLst>
+                                          <p:attrName>style.visibility</p:attrName>
+                                        </p:attrNameLst>
+                                      </p:cBhvr>
+                                      <p:to>
+                                        <p:strVal val="visible"/>
+                                      </p:to>
+                                    </p:set>
+                                    <p:animEffect transition="in" filter="fade">
+                                      <p:cBhvr>
+                                        <p:cTn id="26" dur="750"/>
+                                        <p:tgtEl>
+                                          <p:spTgt spid="2">
+                                            <p:txEl>
+                                              <p:pRg st="2" end="2"/>
+                                            </p:txEl>
+                                          </p:spTgt>
+                                        </p:tgtEl>
+                                      </p:cBhvr>
+                                    </p:animEffect>
+                                  </p:childTnLst>
+                                </p:cTn>
+                              </p:par>
+                            </p:childTnLst>
+                          </p:cTn>
+                        </p:par>
+                        <p:par>
+                          <p:cTn id="27" fill="hold">
+                            <p:stCondLst>
+                              <p:cond delay="3500"/>
+                            </p:stCondLst>
+                            <p:childTnLst>
+                              <p:par>
+                                <p:cTn id="28" presetID="10" presetClass="entr" presetSubtype="0" fill="hold" nodeType="afterEffect">
+                                  <p:stCondLst>
+                                    <p:cond delay="0"/>
+                                  </p:stCondLst>
+                                  <p:childTnLst>
+                                    <p:set>
+                                      <p:cBhvr>
+                                        <p:cTn id="29" dur="1" fill="hold">
+                                          <p:stCondLst>
+                                            <p:cond delay="0"/>
+                                          </p:stCondLst>
+                                        </p:cTn>
+                                        <p:tgtEl>
+                                          <p:spTgt spid="2">
+                                            <p:txEl>
+                                              <p:pRg st="3" end="3"/>
+                                            </p:txEl>
+                                          </p:spTgt>
+                                        </p:tgtEl>
+                                        <p:attrNameLst>
+                                          <p:attrName>style.visibility</p:attrName>
+                                        </p:attrNameLst>
+                                      </p:cBhvr>
+                                      <p:to>
+                                        <p:strVal val="visible"/>
+                                      </p:to>
+                                    </p:set>
+                                    <p:animEffect transition="in" filter="fade">
+                                      <p:cBhvr>
+                                        <p:cTn id="30" dur="750"/>
+                                        <p:tgtEl>
+                                          <p:spTgt spid="2">
+                                            <p:txEl>
+                                              <p:pRg st="3" end="3"/>
+                                            </p:txEl>
+                                          </p:spTgt>
+                                        </p:tgtEl>
+                                      </p:cBhvr>
+                                    </p:animEffect>
+                                  </p:childTnLst>
+                                </p:cTn>
+                              </p:par>
+                              <p:par>
+                                <p:cTn id="31" presetID="10" presetClass="entr" presetSubtype="0" fill="hold" nodeType="withEffect">
+                                  <p:stCondLst>
+                                    <p:cond delay="0"/>
+                                  </p:stCondLst>
+                                  <p:childTnLst>
+                                    <p:set>
+                                      <p:cBhvr>
+                                        <p:cTn id="32" dur="1" fill="hold">
+                                          <p:stCondLst>
+                                            <p:cond delay="0"/>
+                                          </p:stCondLst>
+                                        </p:cTn>
+                                        <p:tgtEl>
+                                          <p:spTgt spid="3">
+                                            <p:txEl>
+                                              <p:pRg st="2" end="2"/>
+                                            </p:txEl>
+                                          </p:spTgt>
+                                        </p:tgtEl>
+                                        <p:attrNameLst>
+                                          <p:attrName>style.visibility</p:attrName>
+                                        </p:attrNameLst>
+                                      </p:cBhvr>
+                                      <p:to>
+                                        <p:strVal val="visible"/>
+                                      </p:to>
+                                    </p:set>
+                                    <p:animEffect transition="in" filter="fade">
+                                      <p:cBhvr>
+                                        <p:cTn id="33" dur="750"/>
+                                        <p:tgtEl>
+                                          <p:spTgt spid="3">
+                                            <p:txEl>
+                                              <p:pRg st="2" end="2"/>
+                                            </p:txEl>
+                                          </p:spTgt>
+                                        </p:tgtEl>
+                                      </p:cBhvr>
+                                    </p:animEffect>
+                                  </p:childTnLst>
+                                </p:cTn>
+                              </p:par>
+                            </p:childTnLst>
+                          </p:cTn>
+                        </p:par>
+                        <p:par>
+                          <p:cTn id="34" fill="hold">
+                            <p:stCondLst>
+                              <p:cond delay="4250"/>
+                            </p:stCondLst>
+                            <p:childTnLst>
+                              <p:par>
+                                <p:cTn id="35" presetID="10" presetClass="entr" presetSubtype="0" fill="hold" nodeType="afterEffect">
+                                  <p:stCondLst>
+                                    <p:cond delay="0"/>
+                                  </p:stCondLst>
+                                  <p:childTnLst>
+                                    <p:set>
+                                      <p:cBhvr>
+                                        <p:cTn id="36" dur="1" fill="hold">
+                                          <p:stCondLst>
+                                            <p:cond delay="0"/>
+                                          </p:stCondLst>
+                                        </p:cTn>
+                                        <p:tgtEl>
+                                          <p:spTgt spid="3">
+                                            <p:txEl>
+                                              <p:pRg st="3" end="3"/>
+                                            </p:txEl>
+                                          </p:spTgt>
+                                        </p:tgtEl>
+                                        <p:attrNameLst>
+                                          <p:attrName>style.visibility</p:attrName>
+                                        </p:attrNameLst>
+                                      </p:cBhvr>
+                                      <p:to>
+                                        <p:strVal val="visible"/>
+                                      </p:to>
+                                    </p:set>
+                                    <p:animEffect transition="in" filter="fade">
+                                      <p:cBhvr>
+                                        <p:cTn id="37" dur="750"/>
+                                        <p:tgtEl>
+                                          <p:spTgt spid="3">
+                                            <p:txEl>
+                                              <p:pRg st="3" end="3"/>
+                                            </p:txEl>
+                                          </p:spTgt>
+                                        </p:tgtEl>
+                                      </p:cBhvr>
+                                    </p:animEffect>
+                                  </p:childTnLst>
+                                </p:cTn>
+                              </p:par>
+                            </p:childTnLst>
+                          </p:cTn>
+                        </p:par>
+                        <p:par>
+                          <p:cTn id="38" fill="hold">
+                            <p:stCondLst>
+                              <p:cond delay="5000"/>
+                            </p:stCondLst>
+                            <p:childTnLst>
+                              <p:par>
+                                <p:cTn id="39" presetID="10" presetClass="entr" presetSubtype="0" fill="hold" nodeType="afterEffect">
+                                  <p:stCondLst>
+                                    <p:cond delay="0"/>
+                                  </p:stCondLst>
+                                  <p:childTnLst>
+                                    <p:set>
+                                      <p:cBhvr>
+                                        <p:cTn id="40" dur="1" fill="hold">
+                                          <p:stCondLst>
+                                            <p:cond delay="0"/>
+                                          </p:stCondLst>
+                                        </p:cTn>
+                                        <p:tgtEl>
+                                          <p:spTgt spid="2">
+                                            <p:txEl>
+                                              <p:pRg st="4" end="4"/>
+                                            </p:txEl>
+                                          </p:spTgt>
+                                        </p:tgtEl>
+                                        <p:attrNameLst>
+                                          <p:attrName>style.visibility</p:attrName>
+                                        </p:attrNameLst>
+                                      </p:cBhvr>
+                                      <p:to>
+                                        <p:strVal val="visible"/>
+                                      </p:to>
+                                    </p:set>
+                                    <p:animEffect transition="in" filter="fade">
+                                      <p:cBhvr>
+                                        <p:cTn id="41" dur="750"/>
+                                        <p:tgtEl>
+                                          <p:spTgt spid="2">
+                                            <p:txEl>
+                                              <p:pRg st="4" end="4"/>
+                                            </p:txEl>
+                                          </p:spTgt>
+                                        </p:tgtEl>
+                                      </p:cBhvr>
+                                    </p:animEffect>
+                                  </p:childTnLst>
+                                </p:cTn>
+                              </p:par>
+                            </p:childTnLst>
+                          </p:cTn>
+                        </p:par>
+                        <p:par>
+                          <p:cTn id="42" fill="hold">
+                            <p:stCondLst>
+                              <p:cond delay="5750"/>
+                            </p:stCondLst>
+                            <p:childTnLst>
+                              <p:par>
+                                <p:cTn id="43" presetID="10" presetClass="entr" presetSubtype="0" fill="hold" nodeType="afterEffect">
+                                  <p:stCondLst>
+                                    <p:cond delay="0"/>
+                                  </p:stCondLst>
+                                  <p:childTnLst>
+                                    <p:set>
+                                      <p:cBhvr>
+                                        <p:cTn id="44" dur="1" fill="hold">
+                                          <p:stCondLst>
+                                            <p:cond delay="0"/>
+                                          </p:stCondLst>
+                                        </p:cTn>
+                                        <p:tgtEl>
+                                          <p:spTgt spid="2">
+                                            <p:txEl>
+                                              <p:pRg st="5" end="5"/>
+                                            </p:txEl>
+                                          </p:spTgt>
+                                        </p:tgtEl>
+                                        <p:attrNameLst>
+                                          <p:attrName>style.visibility</p:attrName>
+                                        </p:attrNameLst>
+                                      </p:cBhvr>
+                                      <p:to>
+                                        <p:strVal val="visible"/>
+                                      </p:to>
+                                    </p:set>
+                                    <p:animEffect transition="in" filter="fade">
+                                      <p:cBhvr>
+                                        <p:cTn id="45" dur="750"/>
+                                        <p:tgtEl>
+                                          <p:spTgt spid="2">
+                                            <p:txEl>
+                                              <p:pRg st="5" end="5"/>
+                                            </p:txEl>
+                                          </p:spTgt>
+                                        </p:tgtEl>
+                                      </p:cBhvr>
+                                    </p:animEffect>
+                                  </p:childTnLst>
+                                </p:cTn>
+                              </p:par>
+                            </p:childTnLst>
+                          </p:cTn>
+                        </p:par>
+                        <p:par>
+                          <p:cTn id="46" fill="hold">
+                            <p:stCondLst>
+                              <p:cond delay="6500"/>
+                            </p:stCondLst>
+                            <p:childTnLst>
+                              <p:par>
+                                <p:cTn id="47" presetID="10" presetClass="entr" presetSubtype="0" fill="hold" nodeType="afterEffect">
+                                  <p:stCondLst>
+                                    <p:cond delay="0"/>
+                                  </p:stCondLst>
+                                  <p:childTnLst>
+                                    <p:set>
+                                      <p:cBhvr>
+                                        <p:cTn id="48" dur="1" fill="hold">
+                                          <p:stCondLst>
+                                            <p:cond delay="0"/>
+                                          </p:stCondLst>
+                                        </p:cTn>
+                                        <p:tgtEl>
+                                          <p:spTgt spid="2">
+                                            <p:txEl>
+                                              <p:pRg st="6" end="6"/>
+                                            </p:txEl>
+                                          </p:spTgt>
+                                        </p:tgtEl>
+                                        <p:attrNameLst>
+                                          <p:attrName>style.visibility</p:attrName>
+                                        </p:attrNameLst>
+                                      </p:cBhvr>
+                                      <p:to>
+                                        <p:strVal val="visible"/>
+                                      </p:to>
+                                    </p:set>
+                                    <p:animEffect transition="in" filter="fade">
+                                      <p:cBhvr>
+                                        <p:cTn id="49" dur="750"/>
+                                        <p:tgtEl>
+                                          <p:spTgt spid="2">
+                                            <p:txEl>
+                                              <p:pRg st="6" end="6"/>
+                                            </p:txEl>
+                                          </p:spTgt>
+                                        </p:tgtEl>
+                                      </p:cBhvr>
+                                    </p:animEffect>
+                                  </p:childTnLst>
+                                </p:cTn>
+                              </p:par>
+                              <p:par>
+                                <p:cTn id="50" presetID="10" presetClass="entr" presetSubtype="0" fill="hold" nodeType="withEffect">
+                                  <p:stCondLst>
+                                    <p:cond delay="0"/>
+                                  </p:stCondLst>
+                                  <p:childTnLst>
+                                    <p:set>
+                                      <p:cBhvr>
+                                        <p:cTn id="51" dur="1" fill="hold">
+                                          <p:stCondLst>
+                                            <p:cond delay="0"/>
+                                          </p:stCondLst>
+                                        </p:cTn>
+                                        <p:tgtEl>
+                                          <p:spTgt spid="3">
+                                            <p:txEl>
+                                              <p:pRg st="4" end="4"/>
+                                            </p:txEl>
+                                          </p:spTgt>
+                                        </p:tgtEl>
+                                        <p:attrNameLst>
+                                          <p:attrName>style.visibility</p:attrName>
+                                        </p:attrNameLst>
+                                      </p:cBhvr>
+                                      <p:to>
+                                        <p:strVal val="visible"/>
+                                      </p:to>
+                                    </p:set>
+                                    <p:animEffect transition="in" filter="fade">
+                                      <p:cBhvr>
+                                        <p:cTn id="52" dur="750"/>
+                                        <p:tgtEl>
+                                          <p:spTgt spid="3">
+                                            <p:txEl>
+                                              <p:pRg st="4" end="4"/>
+                                            </p:txEl>
+                                          </p:spTgt>
+                                        </p:tgtEl>
+                                      </p:cBhvr>
+                                    </p:animEffect>
+                                  </p:childTnLst>
+                                </p:cTn>
+                              </p:par>
+                            </p:childTnLst>
+                          </p:cTn>
+                        </p:par>
+                      </p:childTnLst>
+                    </p:cTn>
+                  </p:par>
+                  <p:par>
+                    <p:cTn id="53" fill="hold">
+                      <p:stCondLst>
+                        <p:cond delay="indefinite"/>
+                      </p:stCondLst>
+                      <p:childTnLst>
+                        <p:par>
+                          <p:cTn id="54" fill="hold">
+                            <p:stCondLst>
+                              <p:cond delay="0"/>
+                            </p:stCondLst>
+                            <p:childTnLst>
+                              <p:par>
+                                <p:cTn id="55" presetID="10" presetClass="exit" presetSubtype="0" fill="hold" grpId="1" nodeType="clickEffect">
+                                  <p:stCondLst>
+                                    <p:cond delay="0"/>
+                                  </p:stCondLst>
+                                  <p:childTnLst>
+                                    <p:animEffect transition="out" filter="fade">
+                                      <p:cBhvr>
+                                        <p:cTn id="56" dur="500"/>
+                                        <p:tgtEl>
+                                          <p:spTgt spid="94"/>
+                                        </p:tgtEl>
+                                      </p:cBhvr>
+                                    </p:animEffect>
+                                    <p:set>
+                                      <p:cBhvr>
+                                        <p:cTn id="57" dur="1" fill="hold">
+                                          <p:stCondLst>
+                                            <p:cond delay="499"/>
+                                          </p:stCondLst>
+                                        </p:cTn>
+                                        <p:tgtEl>
+                                          <p:spTgt spid="94"/>
+                                        </p:tgtEl>
+                                        <p:attrNameLst>
+                                          <p:attrName>style.visibility</p:attrName>
+                                        </p:attrNameLst>
+                                      </p:cBhvr>
+                                      <p:to>
+                                        <p:strVal val="hidden"/>
+                                      </p:to>
+                                    </p:set>
+                                  </p:childTnLst>
+                                </p:cTn>
+                              </p:par>
+                              <p:par>
+                                <p:cTn id="58" presetID="10" presetClass="exit" presetSubtype="0" fill="hold" nodeType="withEffect">
+                                  <p:stCondLst>
+                                    <p:cond delay="0"/>
+                                  </p:stCondLst>
+                                  <p:childTnLst>
+                                    <p:animEffect transition="out" filter="fade">
+                                      <p:cBhvr>
+                                        <p:cTn id="59" dur="500"/>
+                                        <p:tgtEl>
+                                          <p:spTgt spid="2">
+                                            <p:txEl>
+                                              <p:pRg st="0" end="0"/>
+                                            </p:txEl>
+                                          </p:spTgt>
+                                        </p:tgtEl>
+                                      </p:cBhvr>
+                                    </p:animEffect>
+                                    <p:set>
+                                      <p:cBhvr>
+                                        <p:cTn id="60" dur="1" fill="hold">
+                                          <p:stCondLst>
+                                            <p:cond delay="499"/>
+                                          </p:stCondLst>
+                                        </p:cTn>
+                                        <p:tgtEl>
+                                          <p:spTgt spid="2">
+                                            <p:txEl>
+                                              <p:pRg st="0" end="0"/>
+                                            </p:txEl>
+                                          </p:spTgt>
+                                        </p:tgtEl>
+                                        <p:attrNameLst>
+                                          <p:attrName>style.visibility</p:attrName>
+                                        </p:attrNameLst>
+                                      </p:cBhvr>
+                                      <p:to>
+                                        <p:strVal val="hidden"/>
+                                      </p:to>
+                                    </p:set>
+                                  </p:childTnLst>
+                                </p:cTn>
+                              </p:par>
+                              <p:par>
+                                <p:cTn id="61" presetID="10" presetClass="exit" presetSubtype="0" fill="hold" nodeType="withEffect">
+                                  <p:stCondLst>
+                                    <p:cond delay="0"/>
+                                  </p:stCondLst>
+                                  <p:childTnLst>
+                                    <p:animEffect transition="out" filter="fade">
+                                      <p:cBhvr>
+                                        <p:cTn id="62" dur="500"/>
+                                        <p:tgtEl>
+                                          <p:spTgt spid="2">
+                                            <p:txEl>
+                                              <p:pRg st="1" end="1"/>
+                                            </p:txEl>
+                                          </p:spTgt>
+                                        </p:tgtEl>
+                                      </p:cBhvr>
+                                    </p:animEffect>
+                                    <p:set>
+                                      <p:cBhvr>
+                                        <p:cTn id="63" dur="1" fill="hold">
+                                          <p:stCondLst>
+                                            <p:cond delay="499"/>
+                                          </p:stCondLst>
+                                        </p:cTn>
+                                        <p:tgtEl>
+                                          <p:spTgt spid="2">
+                                            <p:txEl>
+                                              <p:pRg st="1" end="1"/>
+                                            </p:txEl>
+                                          </p:spTgt>
+                                        </p:tgtEl>
+                                        <p:attrNameLst>
+                                          <p:attrName>style.visibility</p:attrName>
+                                        </p:attrNameLst>
+                                      </p:cBhvr>
+                                      <p:to>
+                                        <p:strVal val="hidden"/>
+                                      </p:to>
+                                    </p:set>
+                                  </p:childTnLst>
+                                </p:cTn>
+                              </p:par>
+                              <p:par>
+                                <p:cTn id="64" presetID="10" presetClass="exit" presetSubtype="0" fill="hold" nodeType="withEffect">
+                                  <p:stCondLst>
+                                    <p:cond delay="0"/>
+                                  </p:stCondLst>
+                                  <p:childTnLst>
+                                    <p:animEffect transition="out" filter="fade">
+                                      <p:cBhvr>
+                                        <p:cTn id="65" dur="500"/>
+                                        <p:tgtEl>
+                                          <p:spTgt spid="2">
+                                            <p:txEl>
+                                              <p:pRg st="2" end="2"/>
+                                            </p:txEl>
+                                          </p:spTgt>
+                                        </p:tgtEl>
+                                      </p:cBhvr>
+                                    </p:animEffect>
+                                    <p:set>
+                                      <p:cBhvr>
+                                        <p:cTn id="66" dur="1" fill="hold">
+                                          <p:stCondLst>
+                                            <p:cond delay="499"/>
+                                          </p:stCondLst>
+                                        </p:cTn>
+                                        <p:tgtEl>
+                                          <p:spTgt spid="2">
+                                            <p:txEl>
+                                              <p:pRg st="2" end="2"/>
+                                            </p:txEl>
+                                          </p:spTgt>
+                                        </p:tgtEl>
+                                        <p:attrNameLst>
+                                          <p:attrName>style.visibility</p:attrName>
+                                        </p:attrNameLst>
+                                      </p:cBhvr>
+                                      <p:to>
+                                        <p:strVal val="hidden"/>
+                                      </p:to>
+                                    </p:set>
+                                  </p:childTnLst>
+                                </p:cTn>
+                              </p:par>
+                              <p:par>
+                                <p:cTn id="67" presetID="10" presetClass="exit" presetSubtype="0" fill="hold" nodeType="withEffect">
+                                  <p:stCondLst>
+                                    <p:cond delay="0"/>
+                                  </p:stCondLst>
+                                  <p:childTnLst>
+                                    <p:animEffect transition="out" filter="fade">
+                                      <p:cBhvr>
+                                        <p:cTn id="68" dur="500"/>
+                                        <p:tgtEl>
+                                          <p:spTgt spid="2">
+                                            <p:txEl>
+                                              <p:pRg st="3" end="3"/>
+                                            </p:txEl>
+                                          </p:spTgt>
+                                        </p:tgtEl>
+                                      </p:cBhvr>
+                                    </p:animEffect>
+                                    <p:set>
+                                      <p:cBhvr>
+                                        <p:cTn id="69" dur="1" fill="hold">
+                                          <p:stCondLst>
+                                            <p:cond delay="499"/>
+                                          </p:stCondLst>
+                                        </p:cTn>
+                                        <p:tgtEl>
+                                          <p:spTgt spid="2">
+                                            <p:txEl>
+                                              <p:pRg st="3" end="3"/>
+                                            </p:txEl>
+                                          </p:spTgt>
+                                        </p:tgtEl>
+                                        <p:attrNameLst>
+                                          <p:attrName>style.visibility</p:attrName>
+                                        </p:attrNameLst>
+                                      </p:cBhvr>
+                                      <p:to>
+                                        <p:strVal val="hidden"/>
+                                      </p:to>
+                                    </p:set>
+                                  </p:childTnLst>
+                                </p:cTn>
+                              </p:par>
+                              <p:par>
+                                <p:cTn id="70" presetID="10" presetClass="exit" presetSubtype="0" fill="hold" nodeType="withEffect">
+                                  <p:stCondLst>
+                                    <p:cond delay="0"/>
+                                  </p:stCondLst>
+                                  <p:childTnLst>
+                                    <p:animEffect transition="out" filter="fade">
+                                      <p:cBhvr>
+                                        <p:cTn id="71" dur="500"/>
+                                        <p:tgtEl>
+                                          <p:spTgt spid="2">
+                                            <p:txEl>
+                                              <p:pRg st="4" end="4"/>
+                                            </p:txEl>
+                                          </p:spTgt>
+                                        </p:tgtEl>
+                                      </p:cBhvr>
+                                    </p:animEffect>
+                                    <p:set>
+                                      <p:cBhvr>
+                                        <p:cTn id="72" dur="1" fill="hold">
+                                          <p:stCondLst>
+                                            <p:cond delay="499"/>
+                                          </p:stCondLst>
+                                        </p:cTn>
+                                        <p:tgtEl>
+                                          <p:spTgt spid="2">
+                                            <p:txEl>
+                                              <p:pRg st="4" end="4"/>
+                                            </p:txEl>
+                                          </p:spTgt>
+                                        </p:tgtEl>
+                                        <p:attrNameLst>
+                                          <p:attrName>style.visibility</p:attrName>
+                                        </p:attrNameLst>
+                                      </p:cBhvr>
+                                      <p:to>
+                                        <p:strVal val="hidden"/>
+                                      </p:to>
+                                    </p:set>
+                                  </p:childTnLst>
+                                </p:cTn>
+                              </p:par>
+                              <p:par>
+                                <p:cTn id="73" presetID="10" presetClass="exit" presetSubtype="0" fill="hold" nodeType="withEffect">
+                                  <p:stCondLst>
+                                    <p:cond delay="0"/>
+                                  </p:stCondLst>
+                                  <p:childTnLst>
+                                    <p:animEffect transition="out" filter="fade">
+                                      <p:cBhvr>
+                                        <p:cTn id="74" dur="500"/>
+                                        <p:tgtEl>
+                                          <p:spTgt spid="2">
+                                            <p:txEl>
+                                              <p:pRg st="5" end="5"/>
+                                            </p:txEl>
+                                          </p:spTgt>
+                                        </p:tgtEl>
+                                      </p:cBhvr>
+                                    </p:animEffect>
+                                    <p:set>
+                                      <p:cBhvr>
+                                        <p:cTn id="75" dur="1" fill="hold">
+                                          <p:stCondLst>
+                                            <p:cond delay="499"/>
+                                          </p:stCondLst>
+                                        </p:cTn>
+                                        <p:tgtEl>
+                                          <p:spTgt spid="2">
+                                            <p:txEl>
+                                              <p:pRg st="5" end="5"/>
+                                            </p:txEl>
+                                          </p:spTgt>
+                                        </p:tgtEl>
+                                        <p:attrNameLst>
+                                          <p:attrName>style.visibility</p:attrName>
+                                        </p:attrNameLst>
+                                      </p:cBhvr>
+                                      <p:to>
+                                        <p:strVal val="hidden"/>
+                                      </p:to>
+                                    </p:set>
+                                  </p:childTnLst>
+                                </p:cTn>
+                              </p:par>
+                              <p:par>
+                                <p:cTn id="76" presetID="10" presetClass="exit" presetSubtype="0" fill="hold" nodeType="withEffect">
+                                  <p:stCondLst>
+                                    <p:cond delay="0"/>
+                                  </p:stCondLst>
+                                  <p:childTnLst>
+                                    <p:animEffect transition="out" filter="fade">
+                                      <p:cBhvr>
+                                        <p:cTn id="77" dur="500"/>
+                                        <p:tgtEl>
+                                          <p:spTgt spid="2">
+                                            <p:txEl>
+                                              <p:pRg st="6" end="6"/>
+                                            </p:txEl>
+                                          </p:spTgt>
+                                        </p:tgtEl>
+                                      </p:cBhvr>
+                                    </p:animEffect>
+                                    <p:set>
+                                      <p:cBhvr>
+                                        <p:cTn id="78" dur="1" fill="hold">
+                                          <p:stCondLst>
+                                            <p:cond delay="499"/>
+                                          </p:stCondLst>
+                                        </p:cTn>
+                                        <p:tgtEl>
+                                          <p:spTgt spid="2">
+                                            <p:txEl>
+                                              <p:pRg st="6" end="6"/>
+                                            </p:txEl>
+                                          </p:spTgt>
+                                        </p:tgtEl>
+                                        <p:attrNameLst>
+                                          <p:attrName>style.visibility</p:attrName>
+                                        </p:attrNameLst>
+                                      </p:cBhvr>
+                                      <p:to>
+                                        <p:strVal val="hidden"/>
+                                      </p:to>
+                                    </p:set>
+                                  </p:childTnLst>
+                                </p:cTn>
+                              </p:par>
+                              <p:par>
+                                <p:cTn id="79" presetID="10" presetClass="exit" presetSubtype="0" fill="hold" grpId="0" nodeType="withEffect">
+                                  <p:stCondLst>
+                                    <p:cond delay="0"/>
+                                  </p:stCondLst>
+                                  <p:childTnLst>
+                                    <p:animEffect transition="out" filter="fade">
+                                      <p:cBhvr>
+                                        <p:cTn id="80" dur="500"/>
+                                        <p:tgtEl>
+                                          <p:spTgt spid="3">
+                                            <p:txEl>
+                                              <p:pRg st="0" end="0"/>
+                                            </p:txEl>
+                                          </p:spTgt>
+                                        </p:tgtEl>
+                                      </p:cBhvr>
+                                    </p:animEffect>
+                                    <p:set>
+                                      <p:cBhvr>
+                                        <p:cTn id="81" dur="1" fill="hold">
+                                          <p:stCondLst>
+                                            <p:cond delay="499"/>
+                                          </p:stCondLst>
+                                        </p:cTn>
+                                        <p:tgtEl>
+                                          <p:spTgt spid="3">
+                                            <p:txEl>
+                                              <p:pRg st="0" end="0"/>
+                                            </p:txEl>
+                                          </p:spTgt>
+                                        </p:tgtEl>
+                                        <p:attrNameLst>
+                                          <p:attrName>style.visibility</p:attrName>
+                                        </p:attrNameLst>
+                                      </p:cBhvr>
+                                      <p:to>
+                                        <p:strVal val="hidden"/>
+                                      </p:to>
+                                    </p:set>
+                                  </p:childTnLst>
+                                </p:cTn>
+                              </p:par>
+                              <p:par>
+                                <p:cTn id="82" presetID="10" presetClass="exit" presetSubtype="0" fill="hold" grpId="0" nodeType="withEffect">
+                                  <p:stCondLst>
+                                    <p:cond delay="0"/>
+                                  </p:stCondLst>
+                                  <p:childTnLst>
+                                    <p:animEffect transition="out" filter="fade">
+                                      <p:cBhvr>
+                                        <p:cTn id="83" dur="500"/>
+                                        <p:tgtEl>
+                                          <p:spTgt spid="3">
+                                            <p:txEl>
+                                              <p:pRg st="1" end="1"/>
+                                            </p:txEl>
+                                          </p:spTgt>
+                                        </p:tgtEl>
+                                      </p:cBhvr>
+                                    </p:animEffect>
+                                    <p:set>
+                                      <p:cBhvr>
+                                        <p:cTn id="84" dur="1" fill="hold">
+                                          <p:stCondLst>
+                                            <p:cond delay="499"/>
+                                          </p:stCondLst>
+                                        </p:cTn>
+                                        <p:tgtEl>
+                                          <p:spTgt spid="3">
+                                            <p:txEl>
+                                              <p:pRg st="1" end="1"/>
+                                            </p:txEl>
+                                          </p:spTgt>
+                                        </p:tgtEl>
+                                        <p:attrNameLst>
+                                          <p:attrName>style.visibility</p:attrName>
+                                        </p:attrNameLst>
+                                      </p:cBhvr>
+                                      <p:to>
+                                        <p:strVal val="hidden"/>
+                                      </p:to>
+                                    </p:set>
+                                  </p:childTnLst>
+                                </p:cTn>
+                              </p:par>
+                              <p:par>
+                                <p:cTn id="85" presetID="10" presetClass="exit" presetSubtype="0" fill="hold" grpId="0" nodeType="withEffect">
+                                  <p:stCondLst>
+                                    <p:cond delay="0"/>
+                                  </p:stCondLst>
+                                  <p:childTnLst>
+                                    <p:animEffect transition="out" filter="fade">
+                                      <p:cBhvr>
+                                        <p:cTn id="86" dur="500"/>
+                                        <p:tgtEl>
+                                          <p:spTgt spid="3">
+                                            <p:txEl>
+                                              <p:pRg st="2" end="2"/>
+                                            </p:txEl>
+                                          </p:spTgt>
+                                        </p:tgtEl>
+                                      </p:cBhvr>
+                                    </p:animEffect>
+                                    <p:set>
+                                      <p:cBhvr>
+                                        <p:cTn id="87" dur="1" fill="hold">
+                                          <p:stCondLst>
+                                            <p:cond delay="499"/>
+                                          </p:stCondLst>
+                                        </p:cTn>
+                                        <p:tgtEl>
+                                          <p:spTgt spid="3">
+                                            <p:txEl>
+                                              <p:pRg st="2" end="2"/>
+                                            </p:txEl>
+                                          </p:spTgt>
+                                        </p:tgtEl>
+                                        <p:attrNameLst>
+                                          <p:attrName>style.visibility</p:attrName>
+                                        </p:attrNameLst>
+                                      </p:cBhvr>
+                                      <p:to>
+                                        <p:strVal val="hidden"/>
+                                      </p:to>
+                                    </p:set>
+                                  </p:childTnLst>
+                                </p:cTn>
+                              </p:par>
+                              <p:par>
+                                <p:cTn id="88" presetID="10" presetClass="exit" presetSubtype="0" fill="hold" grpId="0" nodeType="withEffect">
+                                  <p:stCondLst>
+                                    <p:cond delay="0"/>
+                                  </p:stCondLst>
+                                  <p:childTnLst>
+                                    <p:animEffect transition="out" filter="fade">
+                                      <p:cBhvr>
+                                        <p:cTn id="89" dur="500"/>
+                                        <p:tgtEl>
+                                          <p:spTgt spid="3">
+                                            <p:txEl>
+                                              <p:pRg st="3" end="3"/>
+                                            </p:txEl>
+                                          </p:spTgt>
+                                        </p:tgtEl>
+                                      </p:cBhvr>
+                                    </p:animEffect>
+                                    <p:set>
+                                      <p:cBhvr>
+                                        <p:cTn id="90" dur="1" fill="hold">
+                                          <p:stCondLst>
+                                            <p:cond delay="499"/>
+                                          </p:stCondLst>
+                                        </p:cTn>
+                                        <p:tgtEl>
+                                          <p:spTgt spid="3">
+                                            <p:txEl>
+                                              <p:pRg st="3" end="3"/>
+                                            </p:txEl>
+                                          </p:spTgt>
+                                        </p:tgtEl>
+                                        <p:attrNameLst>
+                                          <p:attrName>style.visibility</p:attrName>
+                                        </p:attrNameLst>
+                                      </p:cBhvr>
+                                      <p:to>
+                                        <p:strVal val="hidden"/>
+                                      </p:to>
+                                    </p:set>
+                                  </p:childTnLst>
+                                </p:cTn>
+                              </p:par>
+                              <p:par>
+                                <p:cTn id="91" presetID="10" presetClass="exit" presetSubtype="0" fill="hold" grpId="0" nodeType="withEffect">
+                                  <p:stCondLst>
+                                    <p:cond delay="0"/>
+                                  </p:stCondLst>
+                                  <p:childTnLst>
+                                    <p:animEffect transition="out" filter="fade">
+                                      <p:cBhvr>
+                                        <p:cTn id="92" dur="500"/>
+                                        <p:tgtEl>
+                                          <p:spTgt spid="3">
+                                            <p:txEl>
+                                              <p:pRg st="4" end="4"/>
+                                            </p:txEl>
+                                          </p:spTgt>
+                                        </p:tgtEl>
+                                      </p:cBhvr>
+                                    </p:animEffect>
+                                    <p:set>
+                                      <p:cBhvr>
+                                        <p:cTn id="93" dur="1" fill="hold">
+                                          <p:stCondLst>
+                                            <p:cond delay="499"/>
+                                          </p:stCondLst>
+                                        </p:cTn>
+                                        <p:tgtEl>
+                                          <p:spTgt spid="3">
+                                            <p:txEl>
+                                              <p:pRg st="4" end="4"/>
+                                            </p:txEl>
+                                          </p:spTgt>
+                                        </p:tgtEl>
+                                        <p:attrNameLst>
+                                          <p:attrName>style.visibility</p:attrName>
+                                        </p:attrNameLst>
+                                      </p:cBhvr>
+                                      <p:to>
+                                        <p:strVal val="hidden"/>
+                                      </p:to>
+                                    </p:set>
+                                  </p:childTnLst>
+                                </p:cTn>
+                              </p:par>
+                            </p:childTnLst>
+                          </p:cTn>
+                        </p:par>
+                      </p:childTnLst>
+                    </p:cTn>
+                  </p:par>
+                </p:childTnLst>
+              </p:cTn>
+              <p:prevCondLst>
+                <p:cond evt="onPrev" delay="0">
+                  <p:tgtEl>
+                    <p:sldTgt/>
+                  </p:tgtEl>
+                </p:cond>
+              </p:prevCondLst>
+              <p:nextCondLst>
+                <p:cond evt="onNext" delay="0">
+                  <p:tgtEl>
+                    <p:sldTgt/>
+                  </p:tgtEl>
+                </p:cond>
+              </p:nextCondLst>
+            </p:seq>
+          </p:childTnLst>
+        </p:cTn>
+      </p:par>
+    </p:tnLst>
+    <p:bldLst>
+      <p:bldP spid="94" grpId="0"/>
+      <p:bldP spid="94" grpId="1"/>
+      <p:bldP spid="3" grpId="0" uiExpand="1" build="allAtOnce"/>
+    </p:bldLst>
+  </p:timing>
 </p:sld>
 </file>
 
@@ -8312,6 +13765,434 @@
   <p:clrMapOvr>
     <a:masterClrMapping/>
   </p:clrMapOvr>
+  <p:timing>
+    <p:tnLst>
+      <p:par>
+        <p:cTn id="1" dur="indefinite" restart="never" nodeType="tmRoot">
+          <p:childTnLst>
+            <p:seq concurrent="1" nextAc="seek">
+              <p:cTn id="2" dur="indefinite" nodeType="mainSeq">
+                <p:childTnLst>
+                  <p:par>
+                    <p:cTn id="3" fill="hold">
+                      <p:stCondLst>
+                        <p:cond delay="indefinite"/>
+                        <p:cond evt="onBegin" delay="0">
+                          <p:tn val="2"/>
+                        </p:cond>
+                      </p:stCondLst>
+                      <p:childTnLst>
+                        <p:par>
+                          <p:cTn id="4" fill="hold">
+                            <p:stCondLst>
+                              <p:cond delay="0"/>
+                            </p:stCondLst>
+                            <p:childTnLst>
+                              <p:par>
+                                <p:cTn id="5" presetID="10" presetClass="entr" presetSubtype="0" fill="hold" grpId="0" nodeType="withEffect">
+                                  <p:stCondLst>
+                                    <p:cond delay="0"/>
+                                  </p:stCondLst>
+                                  <p:childTnLst>
+                                    <p:set>
+                                      <p:cBhvr>
+                                        <p:cTn id="6" dur="1" fill="hold">
+                                          <p:stCondLst>
+                                            <p:cond delay="0"/>
+                                          </p:stCondLst>
+                                        </p:cTn>
+                                        <p:tgtEl>
+                                          <p:spTgt spid="99"/>
+                                        </p:tgtEl>
+                                        <p:attrNameLst>
+                                          <p:attrName>style.visibility</p:attrName>
+                                        </p:attrNameLst>
+                                      </p:cBhvr>
+                                      <p:to>
+                                        <p:strVal val="visible"/>
+                                      </p:to>
+                                    </p:set>
+                                    <p:animEffect transition="in" filter="fade">
+                                      <p:cBhvr>
+                                        <p:cTn id="7" dur="500"/>
+                                        <p:tgtEl>
+                                          <p:spTgt spid="99"/>
+                                        </p:tgtEl>
+                                      </p:cBhvr>
+                                    </p:animEffect>
+                                  </p:childTnLst>
+                                </p:cTn>
+                              </p:par>
+                            </p:childTnLst>
+                          </p:cTn>
+                        </p:par>
+                        <p:par>
+                          <p:cTn id="8" fill="hold">
+                            <p:stCondLst>
+                              <p:cond delay="500"/>
+                            </p:stCondLst>
+                            <p:childTnLst>
+                              <p:par>
+                                <p:cTn id="9" presetID="10" presetClass="entr" presetSubtype="0" fill="hold" nodeType="afterEffect">
+                                  <p:stCondLst>
+                                    <p:cond delay="0"/>
+                                  </p:stCondLst>
+                                  <p:childTnLst>
+                                    <p:set>
+                                      <p:cBhvr>
+                                        <p:cTn id="10" dur="1" fill="hold">
+                                          <p:stCondLst>
+                                            <p:cond delay="0"/>
+                                          </p:stCondLst>
+                                        </p:cTn>
+                                        <p:tgtEl>
+                                          <p:spTgt spid="100">
+                                            <p:txEl>
+                                              <p:pRg st="0" end="0"/>
+                                            </p:txEl>
+                                          </p:spTgt>
+                                        </p:tgtEl>
+                                        <p:attrNameLst>
+                                          <p:attrName>style.visibility</p:attrName>
+                                        </p:attrNameLst>
+                                      </p:cBhvr>
+                                      <p:to>
+                                        <p:strVal val="visible"/>
+                                      </p:to>
+                                    </p:set>
+                                    <p:animEffect transition="in" filter="fade">
+                                      <p:cBhvr>
+                                        <p:cTn id="11" dur="750"/>
+                                        <p:tgtEl>
+                                          <p:spTgt spid="100">
+                                            <p:txEl>
+                                              <p:pRg st="0" end="0"/>
+                                            </p:txEl>
+                                          </p:spTgt>
+                                        </p:tgtEl>
+                                      </p:cBhvr>
+                                    </p:animEffect>
+                                  </p:childTnLst>
+                                </p:cTn>
+                              </p:par>
+                            </p:childTnLst>
+                          </p:cTn>
+                        </p:par>
+                        <p:par>
+                          <p:cTn id="12" fill="hold">
+                            <p:stCondLst>
+                              <p:cond delay="1250"/>
+                            </p:stCondLst>
+                            <p:childTnLst>
+                              <p:par>
+                                <p:cTn id="13" presetID="10" presetClass="entr" presetSubtype="0" fill="hold" nodeType="afterEffect">
+                                  <p:stCondLst>
+                                    <p:cond delay="0"/>
+                                  </p:stCondLst>
+                                  <p:childTnLst>
+                                    <p:set>
+                                      <p:cBhvr>
+                                        <p:cTn id="14" dur="1" fill="hold">
+                                          <p:stCondLst>
+                                            <p:cond delay="0"/>
+                                          </p:stCondLst>
+                                        </p:cTn>
+                                        <p:tgtEl>
+                                          <p:spTgt spid="100">
+                                            <p:txEl>
+                                              <p:pRg st="1" end="1"/>
+                                            </p:txEl>
+                                          </p:spTgt>
+                                        </p:tgtEl>
+                                        <p:attrNameLst>
+                                          <p:attrName>style.visibility</p:attrName>
+                                        </p:attrNameLst>
+                                      </p:cBhvr>
+                                      <p:to>
+                                        <p:strVal val="visible"/>
+                                      </p:to>
+                                    </p:set>
+                                    <p:animEffect transition="in" filter="fade">
+                                      <p:cBhvr>
+                                        <p:cTn id="15" dur="750"/>
+                                        <p:tgtEl>
+                                          <p:spTgt spid="100">
+                                            <p:txEl>
+                                              <p:pRg st="1" end="1"/>
+                                            </p:txEl>
+                                          </p:spTgt>
+                                        </p:tgtEl>
+                                      </p:cBhvr>
+                                    </p:animEffect>
+                                  </p:childTnLst>
+                                </p:cTn>
+                              </p:par>
+                            </p:childTnLst>
+                          </p:cTn>
+                        </p:par>
+                        <p:par>
+                          <p:cTn id="16" fill="hold">
+                            <p:stCondLst>
+                              <p:cond delay="2000"/>
+                            </p:stCondLst>
+                            <p:childTnLst>
+                              <p:par>
+                                <p:cTn id="17" presetID="10" presetClass="entr" presetSubtype="0" fill="hold" nodeType="afterEffect">
+                                  <p:stCondLst>
+                                    <p:cond delay="0"/>
+                                  </p:stCondLst>
+                                  <p:childTnLst>
+                                    <p:set>
+                                      <p:cBhvr>
+                                        <p:cTn id="18" dur="1" fill="hold">
+                                          <p:stCondLst>
+                                            <p:cond delay="0"/>
+                                          </p:stCondLst>
+                                        </p:cTn>
+                                        <p:tgtEl>
+                                          <p:spTgt spid="100">
+                                            <p:txEl>
+                                              <p:pRg st="2" end="2"/>
+                                            </p:txEl>
+                                          </p:spTgt>
+                                        </p:tgtEl>
+                                        <p:attrNameLst>
+                                          <p:attrName>style.visibility</p:attrName>
+                                        </p:attrNameLst>
+                                      </p:cBhvr>
+                                      <p:to>
+                                        <p:strVal val="visible"/>
+                                      </p:to>
+                                    </p:set>
+                                    <p:animEffect transition="in" filter="fade">
+                                      <p:cBhvr>
+                                        <p:cTn id="19" dur="750"/>
+                                        <p:tgtEl>
+                                          <p:spTgt spid="100">
+                                            <p:txEl>
+                                              <p:pRg st="2" end="2"/>
+                                            </p:txEl>
+                                          </p:spTgt>
+                                        </p:tgtEl>
+                                      </p:cBhvr>
+                                    </p:animEffect>
+                                  </p:childTnLst>
+                                </p:cTn>
+                              </p:par>
+                            </p:childTnLst>
+                          </p:cTn>
+                        </p:par>
+                      </p:childTnLst>
+                    </p:cTn>
+                  </p:par>
+                  <p:par>
+                    <p:cTn id="20" fill="hold">
+                      <p:stCondLst>
+                        <p:cond delay="indefinite"/>
+                      </p:stCondLst>
+                      <p:childTnLst>
+                        <p:par>
+                          <p:cTn id="21" fill="hold">
+                            <p:stCondLst>
+                              <p:cond delay="0"/>
+                            </p:stCondLst>
+                            <p:childTnLst>
+                              <p:par>
+                                <p:cTn id="22" presetID="10" presetClass="exit" presetSubtype="0" fill="hold" grpId="1" nodeType="clickEffect">
+                                  <p:stCondLst>
+                                    <p:cond delay="0"/>
+                                  </p:stCondLst>
+                                  <p:childTnLst>
+                                    <p:animEffect transition="out" filter="fade">
+                                      <p:cBhvr>
+                                        <p:cTn id="23" dur="500"/>
+                                        <p:tgtEl>
+                                          <p:spTgt spid="99"/>
+                                        </p:tgtEl>
+                                      </p:cBhvr>
+                                    </p:animEffect>
+                                    <p:set>
+                                      <p:cBhvr>
+                                        <p:cTn id="24" dur="1" fill="hold">
+                                          <p:stCondLst>
+                                            <p:cond delay="499"/>
+                                          </p:stCondLst>
+                                        </p:cTn>
+                                        <p:tgtEl>
+                                          <p:spTgt spid="99"/>
+                                        </p:tgtEl>
+                                        <p:attrNameLst>
+                                          <p:attrName>style.visibility</p:attrName>
+                                        </p:attrNameLst>
+                                      </p:cBhvr>
+                                      <p:to>
+                                        <p:strVal val="hidden"/>
+                                      </p:to>
+                                    </p:set>
+                                  </p:childTnLst>
+                                </p:cTn>
+                              </p:par>
+                              <p:par>
+                                <p:cTn id="25" presetID="10" presetClass="exit" presetSubtype="0" fill="hold" nodeType="withEffect">
+                                  <p:stCondLst>
+                                    <p:cond delay="0"/>
+                                  </p:stCondLst>
+                                  <p:childTnLst>
+                                    <p:animEffect transition="out" filter="fade">
+                                      <p:cBhvr>
+                                        <p:cTn id="26" dur="500"/>
+                                        <p:tgtEl>
+                                          <p:spTgt spid="100">
+                                            <p:txEl>
+                                              <p:pRg st="0" end="0"/>
+                                            </p:txEl>
+                                          </p:spTgt>
+                                        </p:tgtEl>
+                                      </p:cBhvr>
+                                    </p:animEffect>
+                                    <p:set>
+                                      <p:cBhvr>
+                                        <p:cTn id="27" dur="1" fill="hold">
+                                          <p:stCondLst>
+                                            <p:cond delay="499"/>
+                                          </p:stCondLst>
+                                        </p:cTn>
+                                        <p:tgtEl>
+                                          <p:spTgt spid="100">
+                                            <p:txEl>
+                                              <p:pRg st="0" end="0"/>
+                                            </p:txEl>
+                                          </p:spTgt>
+                                        </p:tgtEl>
+                                        <p:attrNameLst>
+                                          <p:attrName>style.visibility</p:attrName>
+                                        </p:attrNameLst>
+                                      </p:cBhvr>
+                                      <p:to>
+                                        <p:strVal val="hidden"/>
+                                      </p:to>
+                                    </p:set>
+                                  </p:childTnLst>
+                                </p:cTn>
+                              </p:par>
+                              <p:par>
+                                <p:cTn id="28" presetID="10" presetClass="exit" presetSubtype="0" fill="hold" nodeType="withEffect">
+                                  <p:stCondLst>
+                                    <p:cond delay="0"/>
+                                  </p:stCondLst>
+                                  <p:childTnLst>
+                                    <p:animEffect transition="out" filter="fade">
+                                      <p:cBhvr>
+                                        <p:cTn id="29" dur="500"/>
+                                        <p:tgtEl>
+                                          <p:spTgt spid="100">
+                                            <p:txEl>
+                                              <p:pRg st="1" end="1"/>
+                                            </p:txEl>
+                                          </p:spTgt>
+                                        </p:tgtEl>
+                                      </p:cBhvr>
+                                    </p:animEffect>
+                                    <p:set>
+                                      <p:cBhvr>
+                                        <p:cTn id="30" dur="1" fill="hold">
+                                          <p:stCondLst>
+                                            <p:cond delay="499"/>
+                                          </p:stCondLst>
+                                        </p:cTn>
+                                        <p:tgtEl>
+                                          <p:spTgt spid="100">
+                                            <p:txEl>
+                                              <p:pRg st="1" end="1"/>
+                                            </p:txEl>
+                                          </p:spTgt>
+                                        </p:tgtEl>
+                                        <p:attrNameLst>
+                                          <p:attrName>style.visibility</p:attrName>
+                                        </p:attrNameLst>
+                                      </p:cBhvr>
+                                      <p:to>
+                                        <p:strVal val="hidden"/>
+                                      </p:to>
+                                    </p:set>
+                                  </p:childTnLst>
+                                </p:cTn>
+                              </p:par>
+                              <p:par>
+                                <p:cTn id="31" presetID="10" presetClass="exit" presetSubtype="0" fill="hold" nodeType="withEffect">
+                                  <p:stCondLst>
+                                    <p:cond delay="0"/>
+                                  </p:stCondLst>
+                                  <p:childTnLst>
+                                    <p:animEffect transition="out" filter="fade">
+                                      <p:cBhvr>
+                                        <p:cTn id="32" dur="500"/>
+                                        <p:tgtEl>
+                                          <p:spTgt spid="100">
+                                            <p:txEl>
+                                              <p:pRg st="2" end="2"/>
+                                            </p:txEl>
+                                          </p:spTgt>
+                                        </p:tgtEl>
+                                      </p:cBhvr>
+                                    </p:animEffect>
+                                    <p:set>
+                                      <p:cBhvr>
+                                        <p:cTn id="33" dur="1" fill="hold">
+                                          <p:stCondLst>
+                                            <p:cond delay="499"/>
+                                          </p:stCondLst>
+                                        </p:cTn>
+                                        <p:tgtEl>
+                                          <p:spTgt spid="100">
+                                            <p:txEl>
+                                              <p:pRg st="2" end="2"/>
+                                            </p:txEl>
+                                          </p:spTgt>
+                                        </p:tgtEl>
+                                        <p:attrNameLst>
+                                          <p:attrName>style.visibility</p:attrName>
+                                        </p:attrNameLst>
+                                      </p:cBhvr>
+                                      <p:to>
+                                        <p:strVal val="hidden"/>
+                                      </p:to>
+                                    </p:set>
+                                  </p:childTnLst>
+                                </p:cTn>
+                              </p:par>
+                            </p:childTnLst>
+                          </p:cTn>
+                        </p:par>
+                      </p:childTnLst>
+                    </p:cTn>
+                  </p:par>
+                </p:childTnLst>
+              </p:cTn>
+              <p:prevCondLst>
+                <p:cond evt="onPrev" delay="0">
+                  <p:tgtEl>
+                    <p:sldTgt/>
+                  </p:tgtEl>
+                </p:cond>
+              </p:prevCondLst>
+              <p:nextCondLst>
+                <p:cond evt="onNext" delay="0">
+                  <p:tgtEl>
+                    <p:sldTgt/>
+                  </p:tgtEl>
+                </p:cond>
+              </p:nextCondLst>
+            </p:seq>
+          </p:childTnLst>
+        </p:cTn>
+      </p:par>
+    </p:tnLst>
+    <p:bldLst>
+      <p:bldP spid="99" grpId="0"/>
+      <p:bldP spid="99" grpId="1"/>
+    </p:bldLst>
+  </p:timing>
 </p:sld>
 </file>
 

--- a/iot_pres.pptx
+++ b/iot_pres.pptx
@@ -4158,13 +4158,13 @@
   <p:clrMapOvr>
     <a:masterClrMapping/>
   </p:clrMapOvr>
-  <mc:AlternateContent xmlns:mc="http://schemas.openxmlformats.org/markup-compatibility/2006">
-    <mc:Choice xmlns:p14="http://schemas.microsoft.com/office/powerpoint/2010/main" Requires="p14">
+  <mc:AlternateContent xmlns:mc="http://schemas.openxmlformats.org/markup-compatibility/2006" xmlns:p14="http://schemas.microsoft.com/office/powerpoint/2010/main">
+    <mc:Choice Requires="p14">
       <p:transition spd="slow" p14:dur="2500" advClick="0">
         <p14:reveal/>
       </p:transition>
     </mc:Choice>
-    <mc:Fallback>
+    <mc:Fallback xmlns="">
       <p:transition spd="slow" advClick="0">
         <p:fade/>
       </p:transition>
@@ -5219,13 +5219,13 @@
   <p:clrMapOvr>
     <a:masterClrMapping/>
   </p:clrMapOvr>
-  <mc:AlternateContent xmlns:mc="http://schemas.openxmlformats.org/markup-compatibility/2006">
-    <mc:Choice xmlns:p14="http://schemas.microsoft.com/office/powerpoint/2010/main" Requires="p14">
+  <mc:AlternateContent xmlns:mc="http://schemas.openxmlformats.org/markup-compatibility/2006" xmlns:p14="http://schemas.microsoft.com/office/powerpoint/2010/main">
+    <mc:Choice Requires="p14">
       <p:transition spd="med" p14:dur="700" advClick="0">
         <p:fade/>
       </p:transition>
     </mc:Choice>
-    <mc:Fallback>
+    <mc:Fallback xmlns="">
       <p:transition spd="med" advClick="0">
         <p:fade/>
       </p:transition>
@@ -11083,7 +11083,7 @@
                 </a:solidFill>
                 <a:latin typeface="Aptos Display"/>
               </a:rPr>
-              <a:t>HOW IT WORKS?</a:t>
+              <a:t>HOW DOES IT WORK?</a:t>
             </a:r>
             <a:endParaRPr lang="it-IT" sz="4000" b="1" strike="noStrike" spc="-1" dirty="0">
               <a:solidFill>
@@ -12254,6 +12254,439 @@
           </a:p>
         </p:txBody>
       </p:sp>
+      <p:pic>
+        <p:nvPicPr>
+          <p:cNvPr id="16" name="Picture 2" descr="WiFi LoRa 32(V3) – Heltec Automation">
+            <a:extLst>
+              <a:ext uri="{FF2B5EF4-FFF2-40B4-BE49-F238E27FC236}">
+                <a16:creationId xmlns:a16="http://schemas.microsoft.com/office/drawing/2014/main" id="{8EE8F73B-096A-190C-EEF7-6A4FCD142B24}"/>
+              </a:ext>
+            </a:extLst>
+          </p:cNvPr>
+          <p:cNvPicPr>
+            <a:picLocks noChangeAspect="1" noChangeArrowheads="1"/>
+          </p:cNvPicPr>
+          <p:nvPr/>
+        </p:nvPicPr>
+        <p:blipFill>
+          <a:blip r:embed="rId3" cstate="print">
+            <a:extLst>
+              <a:ext uri="{28A0092B-C50C-407E-A947-70E740481C1C}">
+                <a14:useLocalDpi xmlns:a14="http://schemas.microsoft.com/office/drawing/2010/main" val="0"/>
+              </a:ext>
+            </a:extLst>
+          </a:blip>
+          <a:srcRect/>
+          <a:stretch>
+            <a:fillRect/>
+          </a:stretch>
+        </p:blipFill>
+        <p:spPr bwMode="auto">
+          <a:xfrm rot="5400000">
+            <a:off x="2116171" y="3475226"/>
+            <a:ext cx="1144539" cy="1144539"/>
+          </a:xfrm>
+          <a:prstGeom prst="rect">
+            <a:avLst/>
+          </a:prstGeom>
+          <a:noFill/>
+          <a:extLst>
+            <a:ext uri="{909E8E84-426E-40DD-AFC4-6F175D3DCCD1}">
+              <a14:hiddenFill xmlns:a14="http://schemas.microsoft.com/office/drawing/2010/main">
+                <a:solidFill>
+                  <a:srgbClr val="FFFFFF"/>
+                </a:solidFill>
+              </a14:hiddenFill>
+            </a:ext>
+          </a:extLst>
+        </p:spPr>
+      </p:pic>
+      <p:cxnSp>
+        <p:nvCxnSpPr>
+          <p:cNvPr id="17" name="Connettore 2 16">
+            <a:extLst>
+              <a:ext uri="{FF2B5EF4-FFF2-40B4-BE49-F238E27FC236}">
+                <a16:creationId xmlns:a16="http://schemas.microsoft.com/office/drawing/2014/main" id="{2499020F-1ED3-94BB-1E9C-89175B3F2472}"/>
+              </a:ext>
+            </a:extLst>
+          </p:cNvPr>
+          <p:cNvCxnSpPr>
+            <a:cxnSpLocks/>
+          </p:cNvCxnSpPr>
+          <p:nvPr/>
+        </p:nvCxnSpPr>
+        <p:spPr>
+          <a:xfrm>
+            <a:off x="1565825" y="3206561"/>
+            <a:ext cx="591429" cy="537328"/>
+          </a:xfrm>
+          <a:prstGeom prst="straightConnector1">
+            <a:avLst/>
+          </a:prstGeom>
+          <a:ln w="38100" cap="flat" cmpd="sng" algn="ctr">
+            <a:solidFill>
+              <a:schemeClr val="bg1"/>
+            </a:solidFill>
+            <a:prstDash val="solid"/>
+            <a:round/>
+            <a:headEnd type="arrow" w="med" len="med"/>
+            <a:tailEnd type="arrow" w="med" len="med"/>
+          </a:ln>
+        </p:spPr>
+        <p:style>
+          <a:lnRef idx="0">
+            <a:scrgbClr r="0" g="0" b="0"/>
+          </a:lnRef>
+          <a:fillRef idx="0">
+            <a:scrgbClr r="0" g="0" b="0"/>
+          </a:fillRef>
+          <a:effectRef idx="0">
+            <a:scrgbClr r="0" g="0" b="0"/>
+          </a:effectRef>
+          <a:fontRef idx="minor">
+            <a:schemeClr val="tx1"/>
+          </a:fontRef>
+        </p:style>
+      </p:cxnSp>
+      <p:cxnSp>
+        <p:nvCxnSpPr>
+          <p:cNvPr id="18" name="Connettore 2 17">
+            <a:extLst>
+              <a:ext uri="{FF2B5EF4-FFF2-40B4-BE49-F238E27FC236}">
+                <a16:creationId xmlns:a16="http://schemas.microsoft.com/office/drawing/2014/main" id="{A0A6D1DC-9815-D9B9-E537-89921BA79161}"/>
+              </a:ext>
+            </a:extLst>
+          </p:cNvPr>
+          <p:cNvCxnSpPr>
+            <a:cxnSpLocks/>
+          </p:cNvCxnSpPr>
+          <p:nvPr/>
+        </p:nvCxnSpPr>
+        <p:spPr>
+          <a:xfrm flipH="1">
+            <a:off x="1394665" y="2013481"/>
+            <a:ext cx="530846" cy="604743"/>
+          </a:xfrm>
+          <a:prstGeom prst="straightConnector1">
+            <a:avLst/>
+          </a:prstGeom>
+          <a:ln w="38100" cap="flat" cmpd="sng" algn="ctr">
+            <a:solidFill>
+              <a:schemeClr val="bg1"/>
+            </a:solidFill>
+            <a:prstDash val="solid"/>
+            <a:round/>
+            <a:headEnd type="arrow" w="med" len="med"/>
+            <a:tailEnd type="arrow" w="med" len="med"/>
+          </a:ln>
+        </p:spPr>
+        <p:style>
+          <a:lnRef idx="0">
+            <a:scrgbClr r="0" g="0" b="0"/>
+          </a:lnRef>
+          <a:fillRef idx="0">
+            <a:scrgbClr r="0" g="0" b="0"/>
+          </a:fillRef>
+          <a:effectRef idx="0">
+            <a:scrgbClr r="0" g="0" b="0"/>
+          </a:effectRef>
+          <a:fontRef idx="minor">
+            <a:schemeClr val="tx1"/>
+          </a:fontRef>
+        </p:style>
+      </p:cxnSp>
+      <p:cxnSp>
+        <p:nvCxnSpPr>
+          <p:cNvPr id="19" name="Connettore 2 18">
+            <a:extLst>
+              <a:ext uri="{FF2B5EF4-FFF2-40B4-BE49-F238E27FC236}">
+                <a16:creationId xmlns:a16="http://schemas.microsoft.com/office/drawing/2014/main" id="{563775E3-F0B1-23B9-2E1E-6D13841DE266}"/>
+              </a:ext>
+            </a:extLst>
+          </p:cNvPr>
+          <p:cNvCxnSpPr>
+            <a:cxnSpLocks/>
+          </p:cNvCxnSpPr>
+          <p:nvPr/>
+        </p:nvCxnSpPr>
+        <p:spPr>
+          <a:xfrm flipH="1">
+            <a:off x="1457858" y="4315352"/>
+            <a:ext cx="699396" cy="434788"/>
+          </a:xfrm>
+          <a:prstGeom prst="straightConnector1">
+            <a:avLst/>
+          </a:prstGeom>
+          <a:ln w="38100" cap="flat" cmpd="sng" algn="ctr">
+            <a:solidFill>
+              <a:schemeClr val="bg1"/>
+            </a:solidFill>
+            <a:prstDash val="solid"/>
+            <a:round/>
+            <a:headEnd type="arrow" w="med" len="med"/>
+            <a:tailEnd type="arrow" w="med" len="med"/>
+          </a:ln>
+        </p:spPr>
+        <p:style>
+          <a:lnRef idx="0">
+            <a:scrgbClr r="0" g="0" b="0"/>
+          </a:lnRef>
+          <a:fillRef idx="0">
+            <a:scrgbClr r="0" g="0" b="0"/>
+          </a:fillRef>
+          <a:effectRef idx="0">
+            <a:scrgbClr r="0" g="0" b="0"/>
+          </a:effectRef>
+          <a:fontRef idx="minor">
+            <a:schemeClr val="tx1"/>
+          </a:fontRef>
+        </p:style>
+      </p:cxnSp>
+      <p:pic>
+        <p:nvPicPr>
+          <p:cNvPr id="20" name="Picture 2" descr="nube png con ai generato. 26774129 PNG">
+            <a:extLst>
+              <a:ext uri="{FF2B5EF4-FFF2-40B4-BE49-F238E27FC236}">
+                <a16:creationId xmlns:a16="http://schemas.microsoft.com/office/drawing/2014/main" id="{C60AC93D-D2E9-FA7C-0633-22A153B94D7C}"/>
+              </a:ext>
+            </a:extLst>
+          </p:cNvPr>
+          <p:cNvPicPr>
+            <a:picLocks noChangeAspect="1" noChangeArrowheads="1"/>
+          </p:cNvPicPr>
+          <p:nvPr/>
+        </p:nvPicPr>
+        <p:blipFill>
+          <a:blip r:embed="rId4" cstate="print">
+            <a:extLst>
+              <a:ext uri="{28A0092B-C50C-407E-A947-70E740481C1C}">
+                <a14:useLocalDpi xmlns:a14="http://schemas.microsoft.com/office/drawing/2010/main" val="0"/>
+              </a:ext>
+            </a:extLst>
+          </a:blip>
+          <a:srcRect/>
+          <a:stretch>
+            <a:fillRect/>
+          </a:stretch>
+        </p:blipFill>
+        <p:spPr bwMode="auto">
+          <a:xfrm>
+            <a:off x="1481123" y="1088156"/>
+            <a:ext cx="1270096" cy="792320"/>
+          </a:xfrm>
+          <a:prstGeom prst="rect">
+            <a:avLst/>
+          </a:prstGeom>
+          <a:noFill/>
+          <a:extLst>
+            <a:ext uri="{909E8E84-426E-40DD-AFC4-6F175D3DCCD1}">
+              <a14:hiddenFill xmlns:a14="http://schemas.microsoft.com/office/drawing/2010/main">
+                <a:solidFill>
+                  <a:srgbClr val="FFFFFF"/>
+                </a:solidFill>
+              </a14:hiddenFill>
+            </a:ext>
+          </a:extLst>
+        </p:spPr>
+      </p:pic>
+      <p:pic>
+        <p:nvPicPr>
+          <p:cNvPr id="21" name="Immagine 20" descr="Immagine che contiene interno, arredo, miniatura, casa per bambole&#10;&#10;Descrizione generata automaticamente">
+            <a:extLst>
+              <a:ext uri="{FF2B5EF4-FFF2-40B4-BE49-F238E27FC236}">
+                <a16:creationId xmlns:a16="http://schemas.microsoft.com/office/drawing/2014/main" id="{CC35A2ED-3FFA-AF02-E4CB-544D6A59E3F4}"/>
+              </a:ext>
+            </a:extLst>
+          </p:cNvPr>
+          <p:cNvPicPr>
+            <a:picLocks noChangeAspect="1"/>
+          </p:cNvPicPr>
+          <p:nvPr/>
+        </p:nvPicPr>
+        <p:blipFill>
+          <a:blip r:embed="rId5" cstate="print">
+            <a:extLst>
+              <a:ext uri="{28A0092B-C50C-407E-A947-70E740481C1C}">
+                <a14:useLocalDpi xmlns:a14="http://schemas.microsoft.com/office/drawing/2010/main" val="0"/>
+              </a:ext>
+            </a:extLst>
+          </a:blip>
+          <a:stretch>
+            <a:fillRect/>
+          </a:stretch>
+        </p:blipFill>
+        <p:spPr>
+          <a:xfrm>
+            <a:off x="188518" y="4532746"/>
+            <a:ext cx="1239836" cy="1239836"/>
+          </a:xfrm>
+          <a:prstGeom prst="rect">
+            <a:avLst/>
+          </a:prstGeom>
+        </p:spPr>
+      </p:pic>
+      <p:cxnSp>
+        <p:nvCxnSpPr>
+          <p:cNvPr id="22" name="Connettore 2 21">
+            <a:extLst>
+              <a:ext uri="{FF2B5EF4-FFF2-40B4-BE49-F238E27FC236}">
+                <a16:creationId xmlns:a16="http://schemas.microsoft.com/office/drawing/2014/main" id="{70532E5C-ACCF-A021-0CE4-2BA81F0082DE}"/>
+              </a:ext>
+            </a:extLst>
+          </p:cNvPr>
+          <p:cNvCxnSpPr>
+            <a:cxnSpLocks/>
+          </p:cNvCxnSpPr>
+          <p:nvPr/>
+        </p:nvCxnSpPr>
+        <p:spPr>
+          <a:xfrm>
+            <a:off x="867180" y="3438621"/>
+            <a:ext cx="0" cy="979323"/>
+          </a:xfrm>
+          <a:prstGeom prst="straightConnector1">
+            <a:avLst/>
+          </a:prstGeom>
+          <a:ln w="38100" cap="flat" cmpd="sng" algn="ctr">
+            <a:solidFill>
+              <a:schemeClr val="bg1"/>
+            </a:solidFill>
+            <a:prstDash val="solid"/>
+            <a:round/>
+            <a:headEnd type="arrow" w="med" len="med"/>
+            <a:tailEnd type="arrow" w="med" len="med"/>
+          </a:ln>
+        </p:spPr>
+        <p:style>
+          <a:lnRef idx="0">
+            <a:scrgbClr r="0" g="0" b="0"/>
+          </a:lnRef>
+          <a:fillRef idx="0">
+            <a:scrgbClr r="0" g="0" b="0"/>
+          </a:fillRef>
+          <a:effectRef idx="0">
+            <a:scrgbClr r="0" g="0" b="0"/>
+          </a:effectRef>
+          <a:fontRef idx="minor">
+            <a:schemeClr val="tx1"/>
+          </a:fontRef>
+        </p:style>
+      </p:cxnSp>
+      <p:grpSp>
+        <p:nvGrpSpPr>
+          <p:cNvPr id="23" name="Gruppo 22">
+            <a:extLst>
+              <a:ext uri="{FF2B5EF4-FFF2-40B4-BE49-F238E27FC236}">
+                <a16:creationId xmlns:a16="http://schemas.microsoft.com/office/drawing/2014/main" id="{DF0CD480-063A-775C-E1B3-DF3BC9CE22A7}"/>
+              </a:ext>
+            </a:extLst>
+          </p:cNvPr>
+          <p:cNvGrpSpPr/>
+          <p:nvPr/>
+        </p:nvGrpSpPr>
+        <p:grpSpPr>
+          <a:xfrm>
+            <a:off x="134131" y="2311117"/>
+            <a:ext cx="1415703" cy="1310421"/>
+            <a:chOff x="134131" y="2311117"/>
+            <a:chExt cx="1415703" cy="1310421"/>
+          </a:xfrm>
+        </p:grpSpPr>
+        <p:pic>
+          <p:nvPicPr>
+            <p:cNvPr id="24" name="Picture 2" descr="WiFi LoRa 32(V3) – Heltec Automation">
+              <a:extLst>
+                <a:ext uri="{FF2B5EF4-FFF2-40B4-BE49-F238E27FC236}">
+                  <a16:creationId xmlns:a16="http://schemas.microsoft.com/office/drawing/2014/main" id="{3DFD86F6-8563-37AE-6A6D-14788256A632}"/>
+                </a:ext>
+              </a:extLst>
+            </p:cNvPr>
+            <p:cNvPicPr>
+              <a:picLocks noChangeAspect="1" noChangeArrowheads="1"/>
+            </p:cNvPicPr>
+            <p:nvPr/>
+          </p:nvPicPr>
+          <p:blipFill>
+            <a:blip r:embed="rId6" cstate="print">
+              <a:extLst>
+                <a:ext uri="{28A0092B-C50C-407E-A947-70E740481C1C}">
+                  <a14:useLocalDpi xmlns:a14="http://schemas.microsoft.com/office/drawing/2010/main" val="0"/>
+                </a:ext>
+              </a:extLst>
+            </a:blip>
+            <a:srcRect/>
+            <a:stretch>
+              <a:fillRect/>
+            </a:stretch>
+          </p:blipFill>
+          <p:spPr bwMode="auto">
+            <a:xfrm rot="5400000">
+              <a:off x="279745" y="2351449"/>
+              <a:ext cx="1270089" cy="1270089"/>
+            </a:xfrm>
+            <a:prstGeom prst="rect">
+              <a:avLst/>
+            </a:prstGeom>
+            <a:noFill/>
+            <a:extLst>
+              <a:ext uri="{909E8E84-426E-40DD-AFC4-6F175D3DCCD1}">
+                <a14:hiddenFill xmlns:a14="http://schemas.microsoft.com/office/drawing/2010/main">
+                  <a:solidFill>
+                    <a:srgbClr val="FFFFFF"/>
+                  </a:solidFill>
+                </a14:hiddenFill>
+              </a:ext>
+            </a:extLst>
+          </p:spPr>
+        </p:pic>
+        <p:pic>
+          <p:nvPicPr>
+            <p:cNvPr id="25" name="Picture 2" descr="d'oro re corona icona 22506245 PNG">
+              <a:extLst>
+                <a:ext uri="{FF2B5EF4-FFF2-40B4-BE49-F238E27FC236}">
+                  <a16:creationId xmlns:a16="http://schemas.microsoft.com/office/drawing/2014/main" id="{E28475A5-1F9D-D6E3-3B61-EFDE094B085F}"/>
+                </a:ext>
+              </a:extLst>
+            </p:cNvPr>
+            <p:cNvPicPr>
+              <a:picLocks noChangeAspect="1" noChangeArrowheads="1"/>
+            </p:cNvPicPr>
+            <p:nvPr/>
+          </p:nvPicPr>
+          <p:blipFill>
+            <a:blip r:embed="rId7" cstate="print">
+              <a:extLst>
+                <a:ext uri="{28A0092B-C50C-407E-A947-70E740481C1C}">
+                  <a14:useLocalDpi xmlns:a14="http://schemas.microsoft.com/office/drawing/2010/main" val="0"/>
+                </a:ext>
+              </a:extLst>
+            </a:blip>
+            <a:srcRect/>
+            <a:stretch>
+              <a:fillRect/>
+            </a:stretch>
+          </p:blipFill>
+          <p:spPr bwMode="auto">
+            <a:xfrm rot="20491418">
+              <a:off x="134131" y="2311117"/>
+              <a:ext cx="825345" cy="662196"/>
+            </a:xfrm>
+            <a:prstGeom prst="rect">
+              <a:avLst/>
+            </a:prstGeom>
+            <a:noFill/>
+            <a:extLst>
+              <a:ext uri="{909E8E84-426E-40DD-AFC4-6F175D3DCCD1}">
+                <a14:hiddenFill xmlns:a14="http://schemas.microsoft.com/office/drawing/2010/main">
+                  <a:solidFill>
+                    <a:srgbClr val="FFFFFF"/>
+                  </a:solidFill>
+                </a14:hiddenFill>
+              </a:ext>
+            </a:extLst>
+          </p:spPr>
+        </p:pic>
+      </p:grpSp>
     </p:spTree>
   </p:cSld>
   <p:clrMapOvr>
@@ -13471,6 +13904,356 @@
                                               <p:pRg st="4" end="4"/>
                                             </p:txEl>
                                           </p:spTgt>
+                                        </p:tgtEl>
+                                        <p:attrNameLst>
+                                          <p:attrName>style.visibility</p:attrName>
+                                        </p:attrNameLst>
+                                      </p:cBhvr>
+                                      <p:to>
+                                        <p:strVal val="hidden"/>
+                                      </p:to>
+                                    </p:set>
+                                  </p:childTnLst>
+                                </p:cTn>
+                              </p:par>
+                              <p:par>
+                                <p:cTn id="94" presetID="10" presetClass="entr" presetSubtype="0" fill="hold" nodeType="withEffect">
+                                  <p:stCondLst>
+                                    <p:cond delay="0"/>
+                                  </p:stCondLst>
+                                  <p:childTnLst>
+                                    <p:set>
+                                      <p:cBhvr>
+                                        <p:cTn id="95" dur="1" fill="hold">
+                                          <p:stCondLst>
+                                            <p:cond delay="0"/>
+                                          </p:stCondLst>
+                                        </p:cTn>
+                                        <p:tgtEl>
+                                          <p:spTgt spid="16"/>
+                                        </p:tgtEl>
+                                        <p:attrNameLst>
+                                          <p:attrName>style.visibility</p:attrName>
+                                        </p:attrNameLst>
+                                      </p:cBhvr>
+                                      <p:to>
+                                        <p:strVal val="visible"/>
+                                      </p:to>
+                                    </p:set>
+                                    <p:animEffect transition="in" filter="fade">
+                                      <p:cBhvr>
+                                        <p:cTn id="96" dur="500"/>
+                                        <p:tgtEl>
+                                          <p:spTgt spid="16"/>
+                                        </p:tgtEl>
+                                      </p:cBhvr>
+                                    </p:animEffect>
+                                  </p:childTnLst>
+                                </p:cTn>
+                              </p:par>
+                              <p:par>
+                                <p:cTn id="97" presetID="10" presetClass="exit" presetSubtype="0" fill="hold" nodeType="withEffect">
+                                  <p:stCondLst>
+                                    <p:cond delay="0"/>
+                                  </p:stCondLst>
+                                  <p:childTnLst>
+                                    <p:animEffect transition="out" filter="fade">
+                                      <p:cBhvr>
+                                        <p:cTn id="98" dur="500"/>
+                                        <p:tgtEl>
+                                          <p:spTgt spid="16"/>
+                                        </p:tgtEl>
+                                      </p:cBhvr>
+                                    </p:animEffect>
+                                    <p:set>
+                                      <p:cBhvr>
+                                        <p:cTn id="99" dur="1" fill="hold">
+                                          <p:stCondLst>
+                                            <p:cond delay="499"/>
+                                          </p:stCondLst>
+                                        </p:cTn>
+                                        <p:tgtEl>
+                                          <p:spTgt spid="16"/>
+                                        </p:tgtEl>
+                                        <p:attrNameLst>
+                                          <p:attrName>style.visibility</p:attrName>
+                                        </p:attrNameLst>
+                                      </p:cBhvr>
+                                      <p:to>
+                                        <p:strVal val="hidden"/>
+                                      </p:to>
+                                    </p:set>
+                                  </p:childTnLst>
+                                </p:cTn>
+                              </p:par>
+                              <p:par>
+                                <p:cTn id="100" presetID="10" presetClass="entr" presetSubtype="0" fill="hold" nodeType="withEffect">
+                                  <p:stCondLst>
+                                    <p:cond delay="0"/>
+                                  </p:stCondLst>
+                                  <p:childTnLst>
+                                    <p:set>
+                                      <p:cBhvr>
+                                        <p:cTn id="101" dur="1" fill="hold">
+                                          <p:stCondLst>
+                                            <p:cond delay="0"/>
+                                          </p:stCondLst>
+                                        </p:cTn>
+                                        <p:tgtEl>
+                                          <p:spTgt spid="17"/>
+                                        </p:tgtEl>
+                                        <p:attrNameLst>
+                                          <p:attrName>style.visibility</p:attrName>
+                                        </p:attrNameLst>
+                                      </p:cBhvr>
+                                      <p:to>
+                                        <p:strVal val="visible"/>
+                                      </p:to>
+                                    </p:set>
+                                    <p:animEffect transition="in" filter="fade">
+                                      <p:cBhvr>
+                                        <p:cTn id="102" dur="500"/>
+                                        <p:tgtEl>
+                                          <p:spTgt spid="17"/>
+                                        </p:tgtEl>
+                                      </p:cBhvr>
+                                    </p:animEffect>
+                                  </p:childTnLst>
+                                </p:cTn>
+                              </p:par>
+                              <p:par>
+                                <p:cTn id="103" presetID="10" presetClass="exit" presetSubtype="0" fill="hold" nodeType="withEffect">
+                                  <p:stCondLst>
+                                    <p:cond delay="0"/>
+                                  </p:stCondLst>
+                                  <p:childTnLst>
+                                    <p:animEffect transition="out" filter="fade">
+                                      <p:cBhvr>
+                                        <p:cTn id="104" dur="500"/>
+                                        <p:tgtEl>
+                                          <p:spTgt spid="17"/>
+                                        </p:tgtEl>
+                                      </p:cBhvr>
+                                    </p:animEffect>
+                                    <p:set>
+                                      <p:cBhvr>
+                                        <p:cTn id="105" dur="1" fill="hold">
+                                          <p:stCondLst>
+                                            <p:cond delay="499"/>
+                                          </p:stCondLst>
+                                        </p:cTn>
+                                        <p:tgtEl>
+                                          <p:spTgt spid="17"/>
+                                        </p:tgtEl>
+                                        <p:attrNameLst>
+                                          <p:attrName>style.visibility</p:attrName>
+                                        </p:attrNameLst>
+                                      </p:cBhvr>
+                                      <p:to>
+                                        <p:strVal val="hidden"/>
+                                      </p:to>
+                                    </p:set>
+                                  </p:childTnLst>
+                                </p:cTn>
+                              </p:par>
+                              <p:par>
+                                <p:cTn id="106" presetID="10" presetClass="entr" presetSubtype="0" fill="hold" nodeType="withEffect">
+                                  <p:stCondLst>
+                                    <p:cond delay="0"/>
+                                  </p:stCondLst>
+                                  <p:childTnLst>
+                                    <p:set>
+                                      <p:cBhvr>
+                                        <p:cTn id="107" dur="1" fill="hold">
+                                          <p:stCondLst>
+                                            <p:cond delay="0"/>
+                                          </p:stCondLst>
+                                        </p:cTn>
+                                        <p:tgtEl>
+                                          <p:spTgt spid="18"/>
+                                        </p:tgtEl>
+                                        <p:attrNameLst>
+                                          <p:attrName>style.visibility</p:attrName>
+                                        </p:attrNameLst>
+                                      </p:cBhvr>
+                                      <p:to>
+                                        <p:strVal val="visible"/>
+                                      </p:to>
+                                    </p:set>
+                                    <p:animEffect transition="in" filter="fade">
+                                      <p:cBhvr>
+                                        <p:cTn id="108" dur="500"/>
+                                        <p:tgtEl>
+                                          <p:spTgt spid="18"/>
+                                        </p:tgtEl>
+                                      </p:cBhvr>
+                                    </p:animEffect>
+                                  </p:childTnLst>
+                                </p:cTn>
+                              </p:par>
+                              <p:par>
+                                <p:cTn id="109" presetID="10" presetClass="exit" presetSubtype="0" fill="hold" nodeType="withEffect">
+                                  <p:stCondLst>
+                                    <p:cond delay="0"/>
+                                  </p:stCondLst>
+                                  <p:childTnLst>
+                                    <p:animEffect transition="out" filter="fade">
+                                      <p:cBhvr>
+                                        <p:cTn id="110" dur="500"/>
+                                        <p:tgtEl>
+                                          <p:spTgt spid="18"/>
+                                        </p:tgtEl>
+                                      </p:cBhvr>
+                                    </p:animEffect>
+                                    <p:set>
+                                      <p:cBhvr>
+                                        <p:cTn id="111" dur="1" fill="hold">
+                                          <p:stCondLst>
+                                            <p:cond delay="499"/>
+                                          </p:stCondLst>
+                                        </p:cTn>
+                                        <p:tgtEl>
+                                          <p:spTgt spid="18"/>
+                                        </p:tgtEl>
+                                        <p:attrNameLst>
+                                          <p:attrName>style.visibility</p:attrName>
+                                        </p:attrNameLst>
+                                      </p:cBhvr>
+                                      <p:to>
+                                        <p:strVal val="hidden"/>
+                                      </p:to>
+                                    </p:set>
+                                  </p:childTnLst>
+                                </p:cTn>
+                              </p:par>
+                              <p:par>
+                                <p:cTn id="112" presetID="10" presetClass="entr" presetSubtype="0" fill="hold" nodeType="withEffect">
+                                  <p:stCondLst>
+                                    <p:cond delay="0"/>
+                                  </p:stCondLst>
+                                  <p:childTnLst>
+                                    <p:set>
+                                      <p:cBhvr>
+                                        <p:cTn id="113" dur="1" fill="hold">
+                                          <p:stCondLst>
+                                            <p:cond delay="0"/>
+                                          </p:stCondLst>
+                                        </p:cTn>
+                                        <p:tgtEl>
+                                          <p:spTgt spid="19"/>
+                                        </p:tgtEl>
+                                        <p:attrNameLst>
+                                          <p:attrName>style.visibility</p:attrName>
+                                        </p:attrNameLst>
+                                      </p:cBhvr>
+                                      <p:to>
+                                        <p:strVal val="visible"/>
+                                      </p:to>
+                                    </p:set>
+                                    <p:animEffect transition="in" filter="fade">
+                                      <p:cBhvr>
+                                        <p:cTn id="114" dur="500"/>
+                                        <p:tgtEl>
+                                          <p:spTgt spid="19"/>
+                                        </p:tgtEl>
+                                      </p:cBhvr>
+                                    </p:animEffect>
+                                  </p:childTnLst>
+                                </p:cTn>
+                              </p:par>
+                              <p:par>
+                                <p:cTn id="115" presetID="10" presetClass="exit" presetSubtype="0" fill="hold" nodeType="withEffect">
+                                  <p:stCondLst>
+                                    <p:cond delay="0"/>
+                                  </p:stCondLst>
+                                  <p:childTnLst>
+                                    <p:animEffect transition="out" filter="fade">
+                                      <p:cBhvr>
+                                        <p:cTn id="116" dur="500"/>
+                                        <p:tgtEl>
+                                          <p:spTgt spid="19"/>
+                                        </p:tgtEl>
+                                      </p:cBhvr>
+                                    </p:animEffect>
+                                    <p:set>
+                                      <p:cBhvr>
+                                        <p:cTn id="117" dur="1" fill="hold">
+                                          <p:stCondLst>
+                                            <p:cond delay="499"/>
+                                          </p:stCondLst>
+                                        </p:cTn>
+                                        <p:tgtEl>
+                                          <p:spTgt spid="19"/>
+                                        </p:tgtEl>
+                                        <p:attrNameLst>
+                                          <p:attrName>style.visibility</p:attrName>
+                                        </p:attrNameLst>
+                                      </p:cBhvr>
+                                      <p:to>
+                                        <p:strVal val="hidden"/>
+                                      </p:to>
+                                    </p:set>
+                                  </p:childTnLst>
+                                </p:cTn>
+                              </p:par>
+                              <p:par>
+                                <p:cTn id="118" presetID="10" presetClass="entr" presetSubtype="0" fill="hold" nodeType="withEffect">
+                                  <p:stCondLst>
+                                    <p:cond delay="0"/>
+                                  </p:stCondLst>
+                                  <p:childTnLst>
+                                    <p:set>
+                                      <p:cBhvr>
+                                        <p:cTn id="119" dur="1" fill="hold">
+                                          <p:stCondLst>
+                                            <p:cond delay="0"/>
+                                          </p:stCondLst>
+                                        </p:cTn>
+                                        <p:tgtEl>
+                                          <p:spTgt spid="22"/>
+                                        </p:tgtEl>
+                                        <p:attrNameLst>
+                                          <p:attrName>style.visibility</p:attrName>
+                                        </p:attrNameLst>
+                                      </p:cBhvr>
+                                      <p:to>
+                                        <p:strVal val="visible"/>
+                                      </p:to>
+                                    </p:set>
+                                    <p:animEffect transition="in" filter="fade">
+                                      <p:cBhvr>
+                                        <p:cTn id="120" dur="500"/>
+                                        <p:tgtEl>
+                                          <p:spTgt spid="22"/>
+                                        </p:tgtEl>
+                                      </p:cBhvr>
+                                    </p:animEffect>
+                                  </p:childTnLst>
+                                </p:cTn>
+                              </p:par>
+                              <p:par>
+                                <p:cTn id="121" presetID="10" presetClass="exit" presetSubtype="0" fill="hold" nodeType="withEffect">
+                                  <p:stCondLst>
+                                    <p:cond delay="0"/>
+                                  </p:stCondLst>
+                                  <p:childTnLst>
+                                    <p:animEffect transition="out" filter="fade">
+                                      <p:cBhvr>
+                                        <p:cTn id="122" dur="500"/>
+                                        <p:tgtEl>
+                                          <p:spTgt spid="22"/>
+                                        </p:tgtEl>
+                                      </p:cBhvr>
+                                    </p:animEffect>
+                                    <p:set>
+                                      <p:cBhvr>
+                                        <p:cTn id="123" dur="1" fill="hold">
+                                          <p:stCondLst>
+                                            <p:cond delay="499"/>
+                                          </p:stCondLst>
+                                        </p:cTn>
+                                        <p:tgtEl>
+                                          <p:spTgt spid="22"/>
                                         </p:tgtEl>
                                         <p:attrNameLst>
                                           <p:attrName>style.visibility</p:attrName>
@@ -14199,42 +14982,42 @@
 <file path=ppt/theme/theme1.xml><?xml version="1.0" encoding="utf-8"?>
 <a:theme xmlns:a="http://schemas.openxmlformats.org/drawingml/2006/main" name="Cornice">
   <a:themeElements>
-    <a:clrScheme name="Cornice">
+    <a:clrScheme name="Blu verde">
       <a:dk1>
-        <a:srgbClr val="000000"/>
+        <a:sysClr val="windowText" lastClr="000000"/>
       </a:dk1>
       <a:lt1>
-        <a:srgbClr val="FFFFFF"/>
+        <a:sysClr val="window" lastClr="FFFFFF"/>
       </a:lt1>
       <a:dk2>
-        <a:srgbClr val="545454"/>
+        <a:srgbClr val="373545"/>
       </a:dk2>
       <a:lt2>
-        <a:srgbClr val="BFBFBF"/>
+        <a:srgbClr val="CEDBE6"/>
       </a:lt2>
       <a:accent1>
-        <a:srgbClr val="40BAD2"/>
+        <a:srgbClr val="3494BA"/>
       </a:accent1>
       <a:accent2>
-        <a:srgbClr val="FAB900"/>
+        <a:srgbClr val="58B6C0"/>
       </a:accent2>
       <a:accent3>
-        <a:srgbClr val="90BB23"/>
+        <a:srgbClr val="75BDA7"/>
       </a:accent3>
       <a:accent4>
-        <a:srgbClr val="EE7008"/>
+        <a:srgbClr val="7A8C8E"/>
       </a:accent4>
       <a:accent5>
-        <a:srgbClr val="1AB39F"/>
+        <a:srgbClr val="84ACB6"/>
       </a:accent5>
       <a:accent6>
-        <a:srgbClr val="D5393D"/>
+        <a:srgbClr val="2683C6"/>
       </a:accent6>
       <a:hlink>
-        <a:srgbClr val="90BB23"/>
+        <a:srgbClr val="6B9F25"/>
       </a:hlink>
       <a:folHlink>
-        <a:srgbClr val="EE7008"/>
+        <a:srgbClr val="9F6715"/>
       </a:folHlink>
     </a:clrScheme>
     <a:fontScheme name="Cornice">

--- a/iot_pres.pptx
+++ b/iot_pres.pptx
@@ -4,6 +4,9 @@
   <p:sldMasterIdLst>
     <p:sldMasterId id="2147483674" r:id="rId1"/>
   </p:sldMasterIdLst>
+  <p:notesMasterIdLst>
+    <p:notesMasterId r:id="rId8"/>
+  </p:notesMasterIdLst>
   <p:sldIdLst>
     <p:sldId id="256" r:id="rId2"/>
     <p:sldId id="257" r:id="rId3"/>
@@ -115,6 +118,439 @@
     </p:ext>
   </p:extLst>
 </p:presentation>
+</file>
+
+<file path=ppt/notesMasters/notesMaster1.xml><?xml version="1.0" encoding="utf-8"?>
+<p:notesMaster xmlns:a="http://schemas.openxmlformats.org/drawingml/2006/main" xmlns:r="http://schemas.openxmlformats.org/officeDocument/2006/relationships" xmlns:p="http://schemas.openxmlformats.org/presentationml/2006/main">
+  <p:cSld>
+    <p:bg>
+      <p:bgRef idx="1001">
+        <a:schemeClr val="bg1"/>
+      </p:bgRef>
+    </p:bg>
+    <p:spTree>
+      <p:nvGrpSpPr>
+        <p:cNvPr id="1" name=""/>
+        <p:cNvGrpSpPr/>
+        <p:nvPr/>
+      </p:nvGrpSpPr>
+      <p:grpSpPr>
+        <a:xfrm>
+          <a:off x="0" y="0"/>
+          <a:ext cx="0" cy="0"/>
+          <a:chOff x="0" y="0"/>
+          <a:chExt cx="0" cy="0"/>
+        </a:xfrm>
+      </p:grpSpPr>
+      <p:sp>
+        <p:nvSpPr>
+          <p:cNvPr id="2" name="Segnaposto intestazione 1"/>
+          <p:cNvSpPr>
+            <a:spLocks noGrp="1"/>
+          </p:cNvSpPr>
+          <p:nvPr>
+            <p:ph type="hdr" sz="quarter"/>
+          </p:nvPr>
+        </p:nvSpPr>
+        <p:spPr>
+          <a:xfrm>
+            <a:off x="0" y="0"/>
+            <a:ext cx="3276600" cy="536575"/>
+          </a:xfrm>
+          <a:prstGeom prst="rect">
+            <a:avLst/>
+          </a:prstGeom>
+        </p:spPr>
+        <p:txBody>
+          <a:bodyPr vert="horz" lIns="91440" tIns="45720" rIns="91440" bIns="45720" rtlCol="0"/>
+          <a:lstStyle>
+            <a:lvl1pPr algn="l">
+              <a:defRPr sz="1200"/>
+            </a:lvl1pPr>
+          </a:lstStyle>
+          <a:p>
+            <a:endParaRPr lang="it-IT"/>
+          </a:p>
+        </p:txBody>
+      </p:sp>
+      <p:sp>
+        <p:nvSpPr>
+          <p:cNvPr id="3" name="Segnaposto data 2"/>
+          <p:cNvSpPr>
+            <a:spLocks noGrp="1"/>
+          </p:cNvSpPr>
+          <p:nvPr>
+            <p:ph type="dt" idx="1"/>
+          </p:nvPr>
+        </p:nvSpPr>
+        <p:spPr>
+          <a:xfrm>
+            <a:off x="4281488" y="0"/>
+            <a:ext cx="3276600" cy="536575"/>
+          </a:xfrm>
+          <a:prstGeom prst="rect">
+            <a:avLst/>
+          </a:prstGeom>
+        </p:spPr>
+        <p:txBody>
+          <a:bodyPr vert="horz" lIns="91440" tIns="45720" rIns="91440" bIns="45720" rtlCol="0"/>
+          <a:lstStyle>
+            <a:lvl1pPr algn="r">
+              <a:defRPr sz="1200"/>
+            </a:lvl1pPr>
+          </a:lstStyle>
+          <a:p>
+            <a:fld id="{11ED7AE1-6EB5-43E1-B919-EECA9973DD12}" type="datetimeFigureOut">
+              <a:rPr lang="it-IT" smtClean="0"/>
+              <a:t>11/04/2024</a:t>
+            </a:fld>
+            <a:endParaRPr lang="it-IT"/>
+          </a:p>
+        </p:txBody>
+      </p:sp>
+      <p:sp>
+        <p:nvSpPr>
+          <p:cNvPr id="4" name="Segnaposto immagine diapositiva 3"/>
+          <p:cNvSpPr>
+            <a:spLocks noGrp="1" noRot="1" noChangeAspect="1"/>
+          </p:cNvSpPr>
+          <p:nvPr>
+            <p:ph type="sldImg" idx="2"/>
+          </p:nvPr>
+        </p:nvSpPr>
+        <p:spPr>
+          <a:xfrm>
+            <a:off x="573088" y="1336675"/>
+            <a:ext cx="6413500" cy="3608388"/>
+          </a:xfrm>
+          <a:prstGeom prst="rect">
+            <a:avLst/>
+          </a:prstGeom>
+          <a:noFill/>
+          <a:ln w="12700">
+            <a:solidFill>
+              <a:prstClr val="black"/>
+            </a:solidFill>
+          </a:ln>
+        </p:spPr>
+        <p:txBody>
+          <a:bodyPr vert="horz" lIns="91440" tIns="45720" rIns="91440" bIns="45720" rtlCol="0" anchor="ctr"/>
+          <a:lstStyle/>
+          <a:p>
+            <a:endParaRPr lang="it-IT"/>
+          </a:p>
+        </p:txBody>
+      </p:sp>
+      <p:sp>
+        <p:nvSpPr>
+          <p:cNvPr id="5" name="Segnaposto note 4"/>
+          <p:cNvSpPr>
+            <a:spLocks noGrp="1"/>
+          </p:cNvSpPr>
+          <p:nvPr>
+            <p:ph type="body" sz="quarter" idx="3"/>
+          </p:nvPr>
+        </p:nvSpPr>
+        <p:spPr>
+          <a:xfrm>
+            <a:off x="755650" y="5145088"/>
+            <a:ext cx="6048375" cy="4210050"/>
+          </a:xfrm>
+          <a:prstGeom prst="rect">
+            <a:avLst/>
+          </a:prstGeom>
+        </p:spPr>
+        <p:txBody>
+          <a:bodyPr vert="horz" lIns="91440" tIns="45720" rIns="91440" bIns="45720" rtlCol="0"/>
+          <a:lstStyle/>
+          <a:p>
+            <a:pPr lvl="0"/>
+            <a:r>
+              <a:rPr lang="it-IT"/>
+              <a:t>Fare clic per modificare gli stili del testo dello schema</a:t>
+            </a:r>
+          </a:p>
+          <a:p>
+            <a:pPr lvl="1"/>
+            <a:r>
+              <a:rPr lang="it-IT"/>
+              <a:t>Secondo livello</a:t>
+            </a:r>
+          </a:p>
+          <a:p>
+            <a:pPr lvl="2"/>
+            <a:r>
+              <a:rPr lang="it-IT"/>
+              <a:t>Terzo livello</a:t>
+            </a:r>
+          </a:p>
+          <a:p>
+            <a:pPr lvl="3"/>
+            <a:r>
+              <a:rPr lang="it-IT"/>
+              <a:t>Quarto livello</a:t>
+            </a:r>
+          </a:p>
+          <a:p>
+            <a:pPr lvl="4"/>
+            <a:r>
+              <a:rPr lang="it-IT"/>
+              <a:t>Quinto livello</a:t>
+            </a:r>
+          </a:p>
+        </p:txBody>
+      </p:sp>
+      <p:sp>
+        <p:nvSpPr>
+          <p:cNvPr id="6" name="Segnaposto piè di pagina 5"/>
+          <p:cNvSpPr>
+            <a:spLocks noGrp="1"/>
+          </p:cNvSpPr>
+          <p:nvPr>
+            <p:ph type="ftr" sz="quarter" idx="4"/>
+          </p:nvPr>
+        </p:nvSpPr>
+        <p:spPr>
+          <a:xfrm>
+            <a:off x="0" y="10155238"/>
+            <a:ext cx="3276600" cy="536575"/>
+          </a:xfrm>
+          <a:prstGeom prst="rect">
+            <a:avLst/>
+          </a:prstGeom>
+        </p:spPr>
+        <p:txBody>
+          <a:bodyPr vert="horz" lIns="91440" tIns="45720" rIns="91440" bIns="45720" rtlCol="0" anchor="b"/>
+          <a:lstStyle>
+            <a:lvl1pPr algn="l">
+              <a:defRPr sz="1200"/>
+            </a:lvl1pPr>
+          </a:lstStyle>
+          <a:p>
+            <a:endParaRPr lang="it-IT"/>
+          </a:p>
+        </p:txBody>
+      </p:sp>
+      <p:sp>
+        <p:nvSpPr>
+          <p:cNvPr id="7" name="Segnaposto numero diapositiva 6"/>
+          <p:cNvSpPr>
+            <a:spLocks noGrp="1"/>
+          </p:cNvSpPr>
+          <p:nvPr>
+            <p:ph type="sldNum" sz="quarter" idx="5"/>
+          </p:nvPr>
+        </p:nvSpPr>
+        <p:spPr>
+          <a:xfrm>
+            <a:off x="4281488" y="10155238"/>
+            <a:ext cx="3276600" cy="536575"/>
+          </a:xfrm>
+          <a:prstGeom prst="rect">
+            <a:avLst/>
+          </a:prstGeom>
+        </p:spPr>
+        <p:txBody>
+          <a:bodyPr vert="horz" lIns="91440" tIns="45720" rIns="91440" bIns="45720" rtlCol="0" anchor="b"/>
+          <a:lstStyle>
+            <a:lvl1pPr algn="r">
+              <a:defRPr sz="1200"/>
+            </a:lvl1pPr>
+          </a:lstStyle>
+          <a:p>
+            <a:fld id="{A7507D56-05C5-4E4B-A557-35FA47AC6532}" type="slidenum">
+              <a:rPr lang="it-IT" smtClean="0"/>
+              <a:t>‹N›</a:t>
+            </a:fld>
+            <a:endParaRPr lang="it-IT"/>
+          </a:p>
+        </p:txBody>
+      </p:sp>
+    </p:spTree>
+    <p:extLst>
+      <p:ext uri="{BB962C8B-B14F-4D97-AF65-F5344CB8AC3E}">
+        <p14:creationId xmlns:p14="http://schemas.microsoft.com/office/powerpoint/2010/main" val="2399949741"/>
+      </p:ext>
+    </p:extLst>
+  </p:cSld>
+  <p:clrMap bg1="lt1" tx1="dk1" bg2="lt2" tx2="dk2" accent1="accent1" accent2="accent2" accent3="accent3" accent4="accent4" accent5="accent5" accent6="accent6" hlink="hlink" folHlink="folHlink"/>
+  <p:notesStyle>
+    <a:lvl1pPr marL="0" algn="l" defTabSz="914400" rtl="0" eaLnBrk="1" latinLnBrk="0" hangingPunct="1">
+      <a:defRPr sz="1200" kern="1200">
+        <a:solidFill>
+          <a:schemeClr val="tx1"/>
+        </a:solidFill>
+        <a:latin typeface="+mn-lt"/>
+        <a:ea typeface="+mn-ea"/>
+        <a:cs typeface="+mn-cs"/>
+      </a:defRPr>
+    </a:lvl1pPr>
+    <a:lvl2pPr marL="457200" algn="l" defTabSz="914400" rtl="0" eaLnBrk="1" latinLnBrk="0" hangingPunct="1">
+      <a:defRPr sz="1200" kern="1200">
+        <a:solidFill>
+          <a:schemeClr val="tx1"/>
+        </a:solidFill>
+        <a:latin typeface="+mn-lt"/>
+        <a:ea typeface="+mn-ea"/>
+        <a:cs typeface="+mn-cs"/>
+      </a:defRPr>
+    </a:lvl2pPr>
+    <a:lvl3pPr marL="914400" algn="l" defTabSz="914400" rtl="0" eaLnBrk="1" latinLnBrk="0" hangingPunct="1">
+      <a:defRPr sz="1200" kern="1200">
+        <a:solidFill>
+          <a:schemeClr val="tx1"/>
+        </a:solidFill>
+        <a:latin typeface="+mn-lt"/>
+        <a:ea typeface="+mn-ea"/>
+        <a:cs typeface="+mn-cs"/>
+      </a:defRPr>
+    </a:lvl3pPr>
+    <a:lvl4pPr marL="1371600" algn="l" defTabSz="914400" rtl="0" eaLnBrk="1" latinLnBrk="0" hangingPunct="1">
+      <a:defRPr sz="1200" kern="1200">
+        <a:solidFill>
+          <a:schemeClr val="tx1"/>
+        </a:solidFill>
+        <a:latin typeface="+mn-lt"/>
+        <a:ea typeface="+mn-ea"/>
+        <a:cs typeface="+mn-cs"/>
+      </a:defRPr>
+    </a:lvl4pPr>
+    <a:lvl5pPr marL="1828800" algn="l" defTabSz="914400" rtl="0" eaLnBrk="1" latinLnBrk="0" hangingPunct="1">
+      <a:defRPr sz="1200" kern="1200">
+        <a:solidFill>
+          <a:schemeClr val="tx1"/>
+        </a:solidFill>
+        <a:latin typeface="+mn-lt"/>
+        <a:ea typeface="+mn-ea"/>
+        <a:cs typeface="+mn-cs"/>
+      </a:defRPr>
+    </a:lvl5pPr>
+    <a:lvl6pPr marL="2286000" algn="l" defTabSz="914400" rtl="0" eaLnBrk="1" latinLnBrk="0" hangingPunct="1">
+      <a:defRPr sz="1200" kern="1200">
+        <a:solidFill>
+          <a:schemeClr val="tx1"/>
+        </a:solidFill>
+        <a:latin typeface="+mn-lt"/>
+        <a:ea typeface="+mn-ea"/>
+        <a:cs typeface="+mn-cs"/>
+      </a:defRPr>
+    </a:lvl6pPr>
+    <a:lvl7pPr marL="2743200" algn="l" defTabSz="914400" rtl="0" eaLnBrk="1" latinLnBrk="0" hangingPunct="1">
+      <a:defRPr sz="1200" kern="1200">
+        <a:solidFill>
+          <a:schemeClr val="tx1"/>
+        </a:solidFill>
+        <a:latin typeface="+mn-lt"/>
+        <a:ea typeface="+mn-ea"/>
+        <a:cs typeface="+mn-cs"/>
+      </a:defRPr>
+    </a:lvl7pPr>
+    <a:lvl8pPr marL="3200400" algn="l" defTabSz="914400" rtl="0" eaLnBrk="1" latinLnBrk="0" hangingPunct="1">
+      <a:defRPr sz="1200" kern="1200">
+        <a:solidFill>
+          <a:schemeClr val="tx1"/>
+        </a:solidFill>
+        <a:latin typeface="+mn-lt"/>
+        <a:ea typeface="+mn-ea"/>
+        <a:cs typeface="+mn-cs"/>
+      </a:defRPr>
+    </a:lvl8pPr>
+    <a:lvl9pPr marL="3657600" algn="l" defTabSz="914400" rtl="0" eaLnBrk="1" latinLnBrk="0" hangingPunct="1">
+      <a:defRPr sz="1200" kern="1200">
+        <a:solidFill>
+          <a:schemeClr val="tx1"/>
+        </a:solidFill>
+        <a:latin typeface="+mn-lt"/>
+        <a:ea typeface="+mn-ea"/>
+        <a:cs typeface="+mn-cs"/>
+      </a:defRPr>
+    </a:lvl9pPr>
+  </p:notesStyle>
+</p:notesMaster>
+</file>
+
+<file path=ppt/notesSlides/notesSlide1.xml><?xml version="1.0" encoding="utf-8"?>
+<p:notes xmlns:a="http://schemas.openxmlformats.org/drawingml/2006/main" xmlns:r="http://schemas.openxmlformats.org/officeDocument/2006/relationships" xmlns:p="http://schemas.openxmlformats.org/presentationml/2006/main">
+  <p:cSld>
+    <p:spTree>
+      <p:nvGrpSpPr>
+        <p:cNvPr id="1" name=""/>
+        <p:cNvGrpSpPr/>
+        <p:nvPr/>
+      </p:nvGrpSpPr>
+      <p:grpSpPr>
+        <a:xfrm>
+          <a:off x="0" y="0"/>
+          <a:ext cx="0" cy="0"/>
+          <a:chOff x="0" y="0"/>
+          <a:chExt cx="0" cy="0"/>
+        </a:xfrm>
+      </p:grpSpPr>
+      <p:sp>
+        <p:nvSpPr>
+          <p:cNvPr id="2" name="Segnaposto immagine diapositiva 1"/>
+          <p:cNvSpPr>
+            <a:spLocks noGrp="1" noRot="1" noChangeAspect="1"/>
+          </p:cNvSpPr>
+          <p:nvPr>
+            <p:ph type="sldImg"/>
+          </p:nvPr>
+        </p:nvSpPr>
+        <p:spPr/>
+      </p:sp>
+      <p:sp>
+        <p:nvSpPr>
+          <p:cNvPr id="3" name="Segnaposto note 2"/>
+          <p:cNvSpPr>
+            <a:spLocks noGrp="1"/>
+          </p:cNvSpPr>
+          <p:nvPr>
+            <p:ph type="body" idx="1"/>
+          </p:nvPr>
+        </p:nvSpPr>
+        <p:spPr/>
+        <p:txBody>
+          <a:bodyPr/>
+          <a:lstStyle/>
+          <a:p>
+            <a:endParaRPr lang="it-IT" dirty="0"/>
+          </a:p>
+        </p:txBody>
+      </p:sp>
+      <p:sp>
+        <p:nvSpPr>
+          <p:cNvPr id="4" name="Segnaposto numero diapositiva 3"/>
+          <p:cNvSpPr>
+            <a:spLocks noGrp="1"/>
+          </p:cNvSpPr>
+          <p:nvPr>
+            <p:ph type="sldNum" sz="quarter" idx="5"/>
+          </p:nvPr>
+        </p:nvSpPr>
+        <p:spPr/>
+        <p:txBody>
+          <a:bodyPr/>
+          <a:lstStyle/>
+          <a:p>
+            <a:fld id="{A7507D56-05C5-4E4B-A557-35FA47AC6532}" type="slidenum">
+              <a:rPr lang="it-IT" smtClean="0"/>
+              <a:t>5</a:t>
+            </a:fld>
+            <a:endParaRPr lang="it-IT"/>
+          </a:p>
+        </p:txBody>
+      </p:sp>
+    </p:spTree>
+    <p:extLst>
+      <p:ext uri="{BB962C8B-B14F-4D97-AF65-F5344CB8AC3E}">
+        <p14:creationId xmlns:p14="http://schemas.microsoft.com/office/powerpoint/2010/main" val="2608643158"/>
+      </p:ext>
+    </p:extLst>
+  </p:cSld>
+  <p:clrMapOvr>
+    <a:masterClrMapping/>
+  </p:clrMapOvr>
+</p:notes>
 </file>
 
 <file path=ppt/slideLayouts/slideLayout1.xml><?xml version="1.0" encoding="utf-8"?>
@@ -11015,7 +11451,7 @@
     <p:bg>
       <p:bgPr>
         <a:blipFill dpi="0" rotWithShape="1">
-          <a:blip r:embed="rId2">
+          <a:blip r:embed="rId3">
             <a:alphaModFix amt="50000"/>
             <a:lum/>
           </a:blip>
@@ -12269,7 +12705,7 @@
           <p:nvPr/>
         </p:nvPicPr>
         <p:blipFill>
-          <a:blip r:embed="rId3" cstate="print">
+          <a:blip r:embed="rId4" cstate="print">
             <a:extLst>
               <a:ext uri="{28A0092B-C50C-407E-A947-70E740481C1C}">
                 <a14:useLocalDpi xmlns:a14="http://schemas.microsoft.com/office/drawing/2010/main" val="0"/>
@@ -12457,7 +12893,7 @@
           <p:nvPr/>
         </p:nvPicPr>
         <p:blipFill>
-          <a:blip r:embed="rId4" cstate="print">
+          <a:blip r:embed="rId5" cstate="print">
             <a:extLst>
               <a:ext uri="{28A0092B-C50C-407E-A947-70E740481C1C}">
                 <a14:useLocalDpi xmlns:a14="http://schemas.microsoft.com/office/drawing/2010/main" val="0"/>
@@ -12504,7 +12940,7 @@
           <p:nvPr/>
         </p:nvPicPr>
         <p:blipFill>
-          <a:blip r:embed="rId5" cstate="print">
+          <a:blip r:embed="rId6" cstate="print">
             <a:extLst>
               <a:ext uri="{28A0092B-C50C-407E-A947-70E740481C1C}">
                 <a14:useLocalDpi xmlns:a14="http://schemas.microsoft.com/office/drawing/2010/main" val="0"/>
@@ -12607,7 +13043,7 @@
             <p:nvPr/>
           </p:nvPicPr>
           <p:blipFill>
-            <a:blip r:embed="rId6" cstate="print">
+            <a:blip r:embed="rId7" cstate="print">
               <a:extLst>
                 <a:ext uri="{28A0092B-C50C-407E-A947-70E740481C1C}">
                   <a14:useLocalDpi xmlns:a14="http://schemas.microsoft.com/office/drawing/2010/main" val="0"/>
@@ -12654,7 +13090,7 @@
             <p:nvPr/>
           </p:nvPicPr>
           <p:blipFill>
-            <a:blip r:embed="rId7" cstate="print">
+            <a:blip r:embed="rId8" cstate="print">
               <a:extLst>
                 <a:ext uri="{28A0092B-C50C-407E-A947-70E740481C1C}">
                   <a14:useLocalDpi xmlns:a14="http://schemas.microsoft.com/office/drawing/2010/main" val="0"/>
@@ -12816,6 +13252,41 @@
                                           </p:stCondLst>
                                         </p:cTn>
                                         <p:tgtEl>
+                                          <p:spTgt spid="23"/>
+                                        </p:tgtEl>
+                                        <p:attrNameLst>
+                                          <p:attrName>style.visibility</p:attrName>
+                                        </p:attrNameLst>
+                                      </p:cBhvr>
+                                      <p:to>
+                                        <p:strVal val="visible"/>
+                                      </p:to>
+                                    </p:set>
+                                    <p:animEffect transition="in" filter="fade">
+                                      <p:cBhvr>
+                                        <p:cTn id="14" dur="750"/>
+                                        <p:tgtEl>
+                                          <p:spTgt spid="23"/>
+                                        </p:tgtEl>
+                                      </p:cBhvr>
+                                    </p:animEffect>
+                                  </p:childTnLst>
+                                </p:cTn>
+                              </p:par>
+                              <p:par>
+                                <p:cTn id="15" presetID="10" presetClass="entr" presetSubtype="0" fill="hold" nodeType="withEffect">
+                                  <p:stCondLst>
+                                    <p:cond delay="0"/>
+                                  </p:stCondLst>
+                                  <p:childTnLst>
+                                    <p:set>
+                                      <p:cBhvr>
+                                        <p:cTn id="16" dur="1" fill="hold">
+                                          <p:stCondLst>
+                                            <p:cond delay="0"/>
+                                          </p:stCondLst>
+                                        </p:cTn>
+                                        <p:tgtEl>
                                           <p:spTgt spid="3">
                                             <p:txEl>
                                               <p:pRg st="0" end="0"/>
@@ -12832,13 +13303,48 @@
                                     </p:set>
                                     <p:animEffect transition="in" filter="fade">
                                       <p:cBhvr>
-                                        <p:cTn id="14" dur="750"/>
+                                        <p:cTn id="17" dur="750"/>
                                         <p:tgtEl>
                                           <p:spTgt spid="3">
                                             <p:txEl>
                                               <p:pRg st="0" end="0"/>
                                             </p:txEl>
                                           </p:spTgt>
+                                        </p:tgtEl>
+                                      </p:cBhvr>
+                                    </p:animEffect>
+                                  </p:childTnLst>
+                                </p:cTn>
+                              </p:par>
+                              <p:par>
+                                <p:cTn id="18" presetID="10" presetClass="entr" presetSubtype="0" fill="hold" nodeType="withEffect">
+                                  <p:stCondLst>
+                                    <p:cond delay="0"/>
+                                  </p:stCondLst>
+                                  <p:childTnLst>
+                                    <p:set>
+                                      <p:cBhvr>
+                                        <p:cTn id="19" dur="1" fill="hold">
+                                          <p:stCondLst>
+                                            <p:cond delay="0"/>
+                                          </p:stCondLst>
+                                        </p:cTn>
+                                        <p:tgtEl>
+                                          <p:spTgt spid="16"/>
+                                        </p:tgtEl>
+                                        <p:attrNameLst>
+                                          <p:attrName>style.visibility</p:attrName>
+                                        </p:attrNameLst>
+                                      </p:cBhvr>
+                                      <p:to>
+                                        <p:strVal val="visible"/>
+                                      </p:to>
+                                    </p:set>
+                                    <p:animEffect transition="in" filter="fade">
+                                      <p:cBhvr>
+                                        <p:cTn id="20" dur="750"/>
+                                        <p:tgtEl>
+                                          <p:spTgt spid="16"/>
                                         </p:tgtEl>
                                       </p:cBhvr>
                                     </p:animEffect>
@@ -12849,20 +13355,20 @@
                           </p:cTn>
                         </p:par>
                         <p:par>
-                          <p:cTn id="15" fill="hold">
+                          <p:cTn id="21" fill="hold">
                             <p:stCondLst>
                               <p:cond delay="1250"/>
                             </p:stCondLst>
                             <p:childTnLst>
                               <p:par>
-                                <p:cTn id="16" presetID="10" presetClass="entr" presetSubtype="0" fill="hold" nodeType="afterEffect">
+                                <p:cTn id="22" presetID="10" presetClass="entr" presetSubtype="0" fill="hold" nodeType="afterEffect">
                                   <p:stCondLst>
                                     <p:cond delay="0"/>
                                   </p:stCondLst>
                                   <p:childTnLst>
                                     <p:set>
                                       <p:cBhvr>
-                                        <p:cTn id="17" dur="1" fill="hold">
+                                        <p:cTn id="23" dur="1" fill="hold">
                                           <p:stCondLst>
                                             <p:cond delay="0"/>
                                           </p:stCondLst>
@@ -12884,7 +13390,7 @@
                                     </p:set>
                                     <p:animEffect transition="in" filter="fade">
                                       <p:cBhvr>
-                                        <p:cTn id="18" dur="750"/>
+                                        <p:cTn id="24" dur="750"/>
                                         <p:tgtEl>
                                           <p:spTgt spid="2">
                                             <p:txEl>
@@ -12901,20 +13407,20 @@
                           </p:cTn>
                         </p:par>
                         <p:par>
-                          <p:cTn id="19" fill="hold">
+                          <p:cTn id="25" fill="hold">
                             <p:stCondLst>
                               <p:cond delay="2000"/>
                             </p:stCondLst>
                             <p:childTnLst>
                               <p:par>
-                                <p:cTn id="20" presetID="10" presetClass="entr" presetSubtype="0" fill="hold" nodeType="afterEffect">
+                                <p:cTn id="26" presetID="10" presetClass="entr" presetSubtype="0" fill="hold" nodeType="afterEffect">
                                   <p:stCondLst>
                                     <p:cond delay="0"/>
                                   </p:stCondLst>
                                   <p:childTnLst>
                                     <p:set>
                                       <p:cBhvr>
-                                        <p:cTn id="21" dur="1" fill="hold">
+                                        <p:cTn id="27" dur="1" fill="hold">
                                           <p:stCondLst>
                                             <p:cond delay="0"/>
                                           </p:stCondLst>
@@ -12936,7 +13442,7 @@
                                     </p:set>
                                     <p:animEffect transition="in" filter="fade">
                                       <p:cBhvr>
-                                        <p:cTn id="22" dur="750"/>
+                                        <p:cTn id="28" dur="750"/>
                                         <p:tgtEl>
                                           <p:spTgt spid="3">
                                             <p:txEl>
@@ -12953,20 +13459,20 @@
                           </p:cTn>
                         </p:par>
                         <p:par>
-                          <p:cTn id="23" fill="hold">
+                          <p:cTn id="29" fill="hold">
                             <p:stCondLst>
                               <p:cond delay="2750"/>
                             </p:stCondLst>
                             <p:childTnLst>
                               <p:par>
-                                <p:cTn id="24" presetID="10" presetClass="entr" presetSubtype="0" fill="hold" nodeType="afterEffect">
+                                <p:cTn id="30" presetID="10" presetClass="entr" presetSubtype="0" fill="hold" nodeType="afterEffect">
                                   <p:stCondLst>
                                     <p:cond delay="0"/>
                                   </p:stCondLst>
                                   <p:childTnLst>
                                     <p:set>
                                       <p:cBhvr>
-                                        <p:cTn id="25" dur="1" fill="hold">
+                                        <p:cTn id="31" dur="1" fill="hold">
                                           <p:stCondLst>
                                             <p:cond delay="0"/>
                                           </p:stCondLst>
@@ -12988,13 +13494,48 @@
                                     </p:set>
                                     <p:animEffect transition="in" filter="fade">
                                       <p:cBhvr>
-                                        <p:cTn id="26" dur="750"/>
+                                        <p:cTn id="32" dur="750"/>
                                         <p:tgtEl>
                                           <p:spTgt spid="2">
                                             <p:txEl>
                                               <p:pRg st="2" end="2"/>
                                             </p:txEl>
                                           </p:spTgt>
+                                        </p:tgtEl>
+                                      </p:cBhvr>
+                                    </p:animEffect>
+                                  </p:childTnLst>
+                                </p:cTn>
+                              </p:par>
+                              <p:par>
+                                <p:cTn id="33" presetID="10" presetClass="entr" presetSubtype="0" fill="hold" nodeType="withEffect">
+                                  <p:stCondLst>
+                                    <p:cond delay="0"/>
+                                  </p:stCondLst>
+                                  <p:childTnLst>
+                                    <p:set>
+                                      <p:cBhvr>
+                                        <p:cTn id="34" dur="1" fill="hold">
+                                          <p:stCondLst>
+                                            <p:cond delay="0"/>
+                                          </p:stCondLst>
+                                        </p:cTn>
+                                        <p:tgtEl>
+                                          <p:spTgt spid="17"/>
+                                        </p:tgtEl>
+                                        <p:attrNameLst>
+                                          <p:attrName>style.visibility</p:attrName>
+                                        </p:attrNameLst>
+                                      </p:cBhvr>
+                                      <p:to>
+                                        <p:strVal val="visible"/>
+                                      </p:to>
+                                    </p:set>
+                                    <p:animEffect transition="in" filter="fade">
+                                      <p:cBhvr>
+                                        <p:cTn id="35" dur="500"/>
+                                        <p:tgtEl>
+                                          <p:spTgt spid="17"/>
                                         </p:tgtEl>
                                       </p:cBhvr>
                                     </p:animEffect>
@@ -13005,20 +13546,20 @@
                           </p:cTn>
                         </p:par>
                         <p:par>
-                          <p:cTn id="27" fill="hold">
+                          <p:cTn id="36" fill="hold">
                             <p:stCondLst>
                               <p:cond delay="3500"/>
                             </p:stCondLst>
                             <p:childTnLst>
                               <p:par>
-                                <p:cTn id="28" presetID="10" presetClass="entr" presetSubtype="0" fill="hold" nodeType="afterEffect">
+                                <p:cTn id="37" presetID="10" presetClass="entr" presetSubtype="0" fill="hold" nodeType="afterEffect">
                                   <p:stCondLst>
                                     <p:cond delay="0"/>
                                   </p:stCondLst>
                                   <p:childTnLst>
                                     <p:set>
                                       <p:cBhvr>
-                                        <p:cTn id="29" dur="1" fill="hold">
+                                        <p:cTn id="38" dur="1" fill="hold">
                                           <p:stCondLst>
                                             <p:cond delay="0"/>
                                           </p:stCondLst>
@@ -13040,7 +13581,7 @@
                                     </p:set>
                                     <p:animEffect transition="in" filter="fade">
                                       <p:cBhvr>
-                                        <p:cTn id="30" dur="750"/>
+                                        <p:cTn id="39" dur="750"/>
                                         <p:tgtEl>
                                           <p:spTgt spid="2">
                                             <p:txEl>
@@ -13054,14 +13595,14 @@
                                 </p:cTn>
                               </p:par>
                               <p:par>
-                                <p:cTn id="31" presetID="10" presetClass="entr" presetSubtype="0" fill="hold" nodeType="withEffect">
+                                <p:cTn id="40" presetID="10" presetClass="entr" presetSubtype="0" fill="hold" nodeType="withEffect">
                                   <p:stCondLst>
                                     <p:cond delay="0"/>
                                   </p:stCondLst>
                                   <p:childTnLst>
                                     <p:set>
                                       <p:cBhvr>
-                                        <p:cTn id="32" dur="1" fill="hold">
+                                        <p:cTn id="41" dur="1" fill="hold">
                                           <p:stCondLst>
                                             <p:cond delay="0"/>
                                           </p:stCondLst>
@@ -13083,13 +13624,118 @@
                                     </p:set>
                                     <p:animEffect transition="in" filter="fade">
                                       <p:cBhvr>
-                                        <p:cTn id="33" dur="750"/>
+                                        <p:cTn id="42" dur="750"/>
                                         <p:tgtEl>
                                           <p:spTgt spid="3">
                                             <p:txEl>
                                               <p:pRg st="2" end="2"/>
                                             </p:txEl>
                                           </p:spTgt>
+                                        </p:tgtEl>
+                                      </p:cBhvr>
+                                    </p:animEffect>
+                                  </p:childTnLst>
+                                </p:cTn>
+                              </p:par>
+                              <p:par>
+                                <p:cTn id="43" presetID="10" presetClass="entr" presetSubtype="0" fill="hold" nodeType="withEffect">
+                                  <p:stCondLst>
+                                    <p:cond delay="0"/>
+                                  </p:stCondLst>
+                                  <p:childTnLst>
+                                    <p:set>
+                                      <p:cBhvr>
+                                        <p:cTn id="44" dur="1" fill="hold">
+                                          <p:stCondLst>
+                                            <p:cond delay="0"/>
+                                          </p:stCondLst>
+                                        </p:cTn>
+                                        <p:tgtEl>
+                                          <p:spTgt spid="22"/>
+                                        </p:tgtEl>
+                                        <p:attrNameLst>
+                                          <p:attrName>style.visibility</p:attrName>
+                                        </p:attrNameLst>
+                                      </p:cBhvr>
+                                      <p:to>
+                                        <p:strVal val="visible"/>
+                                      </p:to>
+                                    </p:set>
+                                    <p:animEffect transition="in" filter="fade">
+                                      <p:cBhvr>
+                                        <p:cTn id="45" dur="750"/>
+                                        <p:tgtEl>
+                                          <p:spTgt spid="22"/>
+                                        </p:tgtEl>
+                                      </p:cBhvr>
+                                    </p:animEffect>
+                                  </p:childTnLst>
+                                </p:cTn>
+                              </p:par>
+                              <p:par>
+                                <p:cTn id="46" presetID="10" presetClass="entr" presetSubtype="0" fill="hold" nodeType="withEffect">
+                                  <p:stCondLst>
+                                    <p:cond delay="0"/>
+                                  </p:stCondLst>
+                                  <p:childTnLst>
+                                    <p:set>
+                                      <p:cBhvr>
+                                        <p:cTn id="47" dur="1" fill="hold">
+                                          <p:stCondLst>
+                                            <p:cond delay="0"/>
+                                          </p:stCondLst>
+                                        </p:cTn>
+                                        <p:tgtEl>
+                                          <p:spTgt spid="19"/>
+                                        </p:tgtEl>
+                                        <p:attrNameLst>
+                                          <p:attrName>style.visibility</p:attrName>
+                                        </p:attrNameLst>
+                                      </p:cBhvr>
+                                      <p:to>
+                                        <p:strVal val="visible"/>
+                                      </p:to>
+                                    </p:set>
+                                    <p:animEffect transition="in" filter="fade">
+                                      <p:cBhvr>
+                                        <p:cTn id="48" dur="750"/>
+                                        <p:tgtEl>
+                                          <p:spTgt spid="19"/>
+                                        </p:tgtEl>
+                                      </p:cBhvr>
+                                    </p:animEffect>
+                                  </p:childTnLst>
+                                </p:cTn>
+                              </p:par>
+                              <p:par>
+                                <p:cTn id="49" presetID="10" presetClass="entr" presetSubtype="0" fill="hold" nodeType="withEffect">
+                                  <p:stCondLst>
+                                    <p:cond delay="0"/>
+                                  </p:stCondLst>
+                                  <p:childTnLst>
+                                    <p:set>
+                                      <p:cBhvr>
+                                        <p:cTn id="50" dur="1" fill="hold">
+                                          <p:stCondLst>
+                                            <p:cond delay="0"/>
+                                          </p:stCondLst>
+                                        </p:cTn>
+                                        <p:tgtEl>
+                                          <p:spTgt spid="21"/>
+                                        </p:tgtEl>
+                                        <p:attrNameLst>
+                                          <p:attrName>style.visibility</p:attrName>
+                                        </p:attrNameLst>
+                                      </p:cBhvr>
+                                      <p:to>
+                                        <p:strVal val="visible"/>
+                                      </p:to>
+                                    </p:set>
+                                    <p:animEffect transition="in" filter="fade">
+                                      <p:cBhvr>
+                                        <p:cTn id="51" dur="750"/>
+                                        <p:tgtEl>
+                                          <p:spTgt spid="21"/>
                                         </p:tgtEl>
                                       </p:cBhvr>
                                     </p:animEffect>
@@ -13100,20 +13746,20 @@
                           </p:cTn>
                         </p:par>
                         <p:par>
-                          <p:cTn id="34" fill="hold">
+                          <p:cTn id="52" fill="hold">
                             <p:stCondLst>
                               <p:cond delay="4250"/>
                             </p:stCondLst>
                             <p:childTnLst>
                               <p:par>
-                                <p:cTn id="35" presetID="10" presetClass="entr" presetSubtype="0" fill="hold" nodeType="afterEffect">
+                                <p:cTn id="53" presetID="10" presetClass="entr" presetSubtype="0" fill="hold" nodeType="afterEffect">
                                   <p:stCondLst>
                                     <p:cond delay="0"/>
                                   </p:stCondLst>
                                   <p:childTnLst>
                                     <p:set>
                                       <p:cBhvr>
-                                        <p:cTn id="36" dur="1" fill="hold">
+                                        <p:cTn id="54" dur="1" fill="hold">
                                           <p:stCondLst>
                                             <p:cond delay="0"/>
                                           </p:stCondLst>
@@ -13135,7 +13781,7 @@
                                     </p:set>
                                     <p:animEffect transition="in" filter="fade">
                                       <p:cBhvr>
-                                        <p:cTn id="37" dur="750"/>
+                                        <p:cTn id="55" dur="750"/>
                                         <p:tgtEl>
                                           <p:spTgt spid="3">
                                             <p:txEl>
@@ -13152,20 +13798,20 @@
                           </p:cTn>
                         </p:par>
                         <p:par>
-                          <p:cTn id="38" fill="hold">
+                          <p:cTn id="56" fill="hold">
                             <p:stCondLst>
                               <p:cond delay="5000"/>
                             </p:stCondLst>
                             <p:childTnLst>
                               <p:par>
-                                <p:cTn id="39" presetID="10" presetClass="entr" presetSubtype="0" fill="hold" nodeType="afterEffect">
+                                <p:cTn id="57" presetID="10" presetClass="entr" presetSubtype="0" fill="hold" nodeType="afterEffect">
                                   <p:stCondLst>
                                     <p:cond delay="0"/>
                                   </p:stCondLst>
                                   <p:childTnLst>
                                     <p:set>
                                       <p:cBhvr>
-                                        <p:cTn id="40" dur="1" fill="hold">
+                                        <p:cTn id="58" dur="1" fill="hold">
                                           <p:stCondLst>
                                             <p:cond delay="0"/>
                                           </p:stCondLst>
@@ -13187,7 +13833,7 @@
                                     </p:set>
                                     <p:animEffect transition="in" filter="fade">
                                       <p:cBhvr>
-                                        <p:cTn id="41" dur="750"/>
+                                        <p:cTn id="59" dur="750"/>
                                         <p:tgtEl>
                                           <p:spTgt spid="2">
                                             <p:txEl>
@@ -13204,20 +13850,20 @@
                           </p:cTn>
                         </p:par>
                         <p:par>
-                          <p:cTn id="42" fill="hold">
+                          <p:cTn id="60" fill="hold">
                             <p:stCondLst>
                               <p:cond delay="5750"/>
                             </p:stCondLst>
                             <p:childTnLst>
                               <p:par>
-                                <p:cTn id="43" presetID="10" presetClass="entr" presetSubtype="0" fill="hold" nodeType="afterEffect">
+                                <p:cTn id="61" presetID="10" presetClass="entr" presetSubtype="0" fill="hold" nodeType="afterEffect">
                                   <p:stCondLst>
                                     <p:cond delay="0"/>
                                   </p:stCondLst>
                                   <p:childTnLst>
                                     <p:set>
                                       <p:cBhvr>
-                                        <p:cTn id="44" dur="1" fill="hold">
+                                        <p:cTn id="62" dur="1" fill="hold">
                                           <p:stCondLst>
                                             <p:cond delay="0"/>
                                           </p:stCondLst>
@@ -13239,7 +13885,7 @@
                                     </p:set>
                                     <p:animEffect transition="in" filter="fade">
                                       <p:cBhvr>
-                                        <p:cTn id="45" dur="750"/>
+                                        <p:cTn id="63" dur="750"/>
                                         <p:tgtEl>
                                           <p:spTgt spid="2">
                                             <p:txEl>
@@ -13256,20 +13902,20 @@
                           </p:cTn>
                         </p:par>
                         <p:par>
-                          <p:cTn id="46" fill="hold">
+                          <p:cTn id="64" fill="hold">
                             <p:stCondLst>
                               <p:cond delay="6500"/>
                             </p:stCondLst>
                             <p:childTnLst>
                               <p:par>
-                                <p:cTn id="47" presetID="10" presetClass="entr" presetSubtype="0" fill="hold" nodeType="afterEffect">
+                                <p:cTn id="65" presetID="10" presetClass="entr" presetSubtype="0" fill="hold" nodeType="afterEffect">
                                   <p:stCondLst>
                                     <p:cond delay="0"/>
                                   </p:stCondLst>
                                   <p:childTnLst>
                                     <p:set>
                                       <p:cBhvr>
-                                        <p:cTn id="48" dur="1" fill="hold">
+                                        <p:cTn id="66" dur="1" fill="hold">
                                           <p:stCondLst>
                                             <p:cond delay="0"/>
                                           </p:stCondLst>
@@ -13291,7 +13937,7 @@
                                     </p:set>
                                     <p:animEffect transition="in" filter="fade">
                                       <p:cBhvr>
-                                        <p:cTn id="49" dur="750"/>
+                                        <p:cTn id="67" dur="750"/>
                                         <p:tgtEl>
                                           <p:spTgt spid="2">
                                             <p:txEl>
@@ -13305,14 +13951,84 @@
                                 </p:cTn>
                               </p:par>
                               <p:par>
-                                <p:cTn id="50" presetID="10" presetClass="entr" presetSubtype="0" fill="hold" nodeType="withEffect">
+                                <p:cTn id="68" presetID="10" presetClass="entr" presetSubtype="0" fill="hold" nodeType="withEffect">
                                   <p:stCondLst>
                                     <p:cond delay="0"/>
                                   </p:stCondLst>
                                   <p:childTnLst>
                                     <p:set>
                                       <p:cBhvr>
-                                        <p:cTn id="51" dur="1" fill="hold">
+                                        <p:cTn id="69" dur="1" fill="hold">
+                                          <p:stCondLst>
+                                            <p:cond delay="0"/>
+                                          </p:stCondLst>
+                                        </p:cTn>
+                                        <p:tgtEl>
+                                          <p:spTgt spid="18"/>
+                                        </p:tgtEl>
+                                        <p:attrNameLst>
+                                          <p:attrName>style.visibility</p:attrName>
+                                        </p:attrNameLst>
+                                      </p:cBhvr>
+                                      <p:to>
+                                        <p:strVal val="visible"/>
+                                      </p:to>
+                                    </p:set>
+                                    <p:animEffect transition="in" filter="fade">
+                                      <p:cBhvr>
+                                        <p:cTn id="70" dur="500"/>
+                                        <p:tgtEl>
+                                          <p:spTgt spid="18"/>
+                                        </p:tgtEl>
+                                      </p:cBhvr>
+                                    </p:animEffect>
+                                  </p:childTnLst>
+                                </p:cTn>
+                              </p:par>
+                              <p:par>
+                                <p:cTn id="71" presetID="10" presetClass="entr" presetSubtype="0" fill="hold" nodeType="withEffect">
+                                  <p:stCondLst>
+                                    <p:cond delay="500"/>
+                                  </p:stCondLst>
+                                  <p:childTnLst>
+                                    <p:set>
+                                      <p:cBhvr>
+                                        <p:cTn id="72" dur="1" fill="hold">
+                                          <p:stCondLst>
+                                            <p:cond delay="0"/>
+                                          </p:stCondLst>
+                                        </p:cTn>
+                                        <p:tgtEl>
+                                          <p:spTgt spid="20"/>
+                                        </p:tgtEl>
+                                        <p:attrNameLst>
+                                          <p:attrName>style.visibility</p:attrName>
+                                        </p:attrNameLst>
+                                      </p:cBhvr>
+                                      <p:to>
+                                        <p:strVal val="visible"/>
+                                      </p:to>
+                                    </p:set>
+                                    <p:animEffect transition="in" filter="fade">
+                                      <p:cBhvr>
+                                        <p:cTn id="73" dur="500"/>
+                                        <p:tgtEl>
+                                          <p:spTgt spid="20"/>
+                                        </p:tgtEl>
+                                      </p:cBhvr>
+                                    </p:animEffect>
+                                  </p:childTnLst>
+                                </p:cTn>
+                              </p:par>
+                              <p:par>
+                                <p:cTn id="74" presetID="10" presetClass="entr" presetSubtype="0" fill="hold" nodeType="withEffect">
+                                  <p:stCondLst>
+                                    <p:cond delay="0"/>
+                                  </p:stCondLst>
+                                  <p:childTnLst>
+                                    <p:set>
+                                      <p:cBhvr>
+                                        <p:cTn id="75" dur="1" fill="hold">
                                           <p:stCondLst>
                                             <p:cond delay="0"/>
                                           </p:stCondLst>
@@ -13334,7 +14050,7 @@
                                     </p:set>
                                     <p:animEffect transition="in" filter="fade">
                                       <p:cBhvr>
-                                        <p:cTn id="52" dur="750"/>
+                                        <p:cTn id="76" dur="750"/>
                                         <p:tgtEl>
                                           <p:spTgt spid="3">
                                             <p:txEl>
@@ -13354,26 +14070,26 @@
                     </p:cTn>
                   </p:par>
                   <p:par>
-                    <p:cTn id="53" fill="hold">
+                    <p:cTn id="77" fill="hold">
                       <p:stCondLst>
                         <p:cond delay="indefinite"/>
                       </p:stCondLst>
                       <p:childTnLst>
                         <p:par>
-                          <p:cTn id="54" fill="hold">
+                          <p:cTn id="78" fill="hold">
                             <p:stCondLst>
                               <p:cond delay="0"/>
                             </p:stCondLst>
                             <p:childTnLst>
                               <p:par>
-                                <p:cTn id="55" presetID="10" presetClass="exit" presetSubtype="0" fill="hold" grpId="1" nodeType="clickEffect">
+                                <p:cTn id="79" presetID="10" presetClass="exit" presetSubtype="0" fill="hold" grpId="1" nodeType="clickEffect">
                                   <p:stCondLst>
                                     <p:cond delay="0"/>
                                   </p:stCondLst>
                                   <p:childTnLst>
                                     <p:animEffect transition="out" filter="fade">
                                       <p:cBhvr>
-                                        <p:cTn id="56" dur="500"/>
+                                        <p:cTn id="80" dur="500"/>
                                         <p:tgtEl>
                                           <p:spTgt spid="94"/>
                                         </p:tgtEl>
@@ -13381,7 +14097,7 @@
                                     </p:animEffect>
                                     <p:set>
                                       <p:cBhvr>
-                                        <p:cTn id="57" dur="1" fill="hold">
+                                        <p:cTn id="81" dur="1" fill="hold">
                                           <p:stCondLst>
                                             <p:cond delay="499"/>
                                           </p:stCondLst>
@@ -13401,14 +14117,14 @@
                                 </p:cTn>
                               </p:par>
                               <p:par>
-                                <p:cTn id="58" presetID="10" presetClass="exit" presetSubtype="0" fill="hold" nodeType="withEffect">
+                                <p:cTn id="82" presetID="10" presetClass="exit" presetSubtype="0" fill="hold" nodeType="withEffect">
                                   <p:stCondLst>
                                     <p:cond delay="0"/>
                                   </p:stCondLst>
                                   <p:childTnLst>
                                     <p:animEffect transition="out" filter="fade">
                                       <p:cBhvr>
-                                        <p:cTn id="59" dur="500"/>
+                                        <p:cTn id="83" dur="500"/>
                                         <p:tgtEl>
                                           <p:spTgt spid="2">
                                             <p:txEl>
@@ -13420,7 +14136,7 @@
                                     </p:animEffect>
                                     <p:set>
                                       <p:cBhvr>
-                                        <p:cTn id="60" dur="1" fill="hold">
+                                        <p:cTn id="84" dur="1" fill="hold">
                                           <p:stCondLst>
                                             <p:cond delay="499"/>
                                           </p:stCondLst>
@@ -13444,14 +14160,14 @@
                                 </p:cTn>
                               </p:par>
                               <p:par>
-                                <p:cTn id="61" presetID="10" presetClass="exit" presetSubtype="0" fill="hold" nodeType="withEffect">
+                                <p:cTn id="85" presetID="10" presetClass="exit" presetSubtype="0" fill="hold" nodeType="withEffect">
                                   <p:stCondLst>
                                     <p:cond delay="0"/>
                                   </p:stCondLst>
                                   <p:childTnLst>
                                     <p:animEffect transition="out" filter="fade">
                                       <p:cBhvr>
-                                        <p:cTn id="62" dur="500"/>
+                                        <p:cTn id="86" dur="500"/>
                                         <p:tgtEl>
                                           <p:spTgt spid="2">
                                             <p:txEl>
@@ -13463,7 +14179,7 @@
                                     </p:animEffect>
                                     <p:set>
                                       <p:cBhvr>
-                                        <p:cTn id="63" dur="1" fill="hold">
+                                        <p:cTn id="87" dur="1" fill="hold">
                                           <p:stCondLst>
                                             <p:cond delay="499"/>
                                           </p:stCondLst>
@@ -13487,14 +14203,14 @@
                                 </p:cTn>
                               </p:par>
                               <p:par>
-                                <p:cTn id="64" presetID="10" presetClass="exit" presetSubtype="0" fill="hold" nodeType="withEffect">
+                                <p:cTn id="88" presetID="10" presetClass="exit" presetSubtype="0" fill="hold" nodeType="withEffect">
                                   <p:stCondLst>
                                     <p:cond delay="0"/>
                                   </p:stCondLst>
                                   <p:childTnLst>
                                     <p:animEffect transition="out" filter="fade">
                                       <p:cBhvr>
-                                        <p:cTn id="65" dur="500"/>
+                                        <p:cTn id="89" dur="500"/>
                                         <p:tgtEl>
                                           <p:spTgt spid="2">
                                             <p:txEl>
@@ -13506,7 +14222,7 @@
                                     </p:animEffect>
                                     <p:set>
                                       <p:cBhvr>
-                                        <p:cTn id="66" dur="1" fill="hold">
+                                        <p:cTn id="90" dur="1" fill="hold">
                                           <p:stCondLst>
                                             <p:cond delay="499"/>
                                           </p:stCondLst>
@@ -13530,14 +14246,14 @@
                                 </p:cTn>
                               </p:par>
                               <p:par>
-                                <p:cTn id="67" presetID="10" presetClass="exit" presetSubtype="0" fill="hold" nodeType="withEffect">
+                                <p:cTn id="91" presetID="10" presetClass="exit" presetSubtype="0" fill="hold" nodeType="withEffect">
                                   <p:stCondLst>
                                     <p:cond delay="0"/>
                                   </p:stCondLst>
                                   <p:childTnLst>
                                     <p:animEffect transition="out" filter="fade">
                                       <p:cBhvr>
-                                        <p:cTn id="68" dur="500"/>
+                                        <p:cTn id="92" dur="500"/>
                                         <p:tgtEl>
                                           <p:spTgt spid="2">
                                             <p:txEl>
@@ -13549,7 +14265,7 @@
                                     </p:animEffect>
                                     <p:set>
                                       <p:cBhvr>
-                                        <p:cTn id="69" dur="1" fill="hold">
+                                        <p:cTn id="93" dur="1" fill="hold">
                                           <p:stCondLst>
                                             <p:cond delay="499"/>
                                           </p:stCondLst>
@@ -13573,14 +14289,14 @@
                                 </p:cTn>
                               </p:par>
                               <p:par>
-                                <p:cTn id="70" presetID="10" presetClass="exit" presetSubtype="0" fill="hold" nodeType="withEffect">
+                                <p:cTn id="94" presetID="10" presetClass="exit" presetSubtype="0" fill="hold" nodeType="withEffect">
                                   <p:stCondLst>
                                     <p:cond delay="0"/>
                                   </p:stCondLst>
                                   <p:childTnLst>
                                     <p:animEffect transition="out" filter="fade">
                                       <p:cBhvr>
-                                        <p:cTn id="71" dur="500"/>
+                                        <p:cTn id="95" dur="500"/>
                                         <p:tgtEl>
                                           <p:spTgt spid="2">
                                             <p:txEl>
@@ -13592,7 +14308,7 @@
                                     </p:animEffect>
                                     <p:set>
                                       <p:cBhvr>
-                                        <p:cTn id="72" dur="1" fill="hold">
+                                        <p:cTn id="96" dur="1" fill="hold">
                                           <p:stCondLst>
                                             <p:cond delay="499"/>
                                           </p:stCondLst>
@@ -13612,342 +14328,6 @@
                                         <p:strVal val="hidden"/>
                                       </p:to>
                                     </p:set>
-                                  </p:childTnLst>
-                                </p:cTn>
-                              </p:par>
-                              <p:par>
-                                <p:cTn id="73" presetID="10" presetClass="exit" presetSubtype="0" fill="hold" nodeType="withEffect">
-                                  <p:stCondLst>
-                                    <p:cond delay="0"/>
-                                  </p:stCondLst>
-                                  <p:childTnLst>
-                                    <p:animEffect transition="out" filter="fade">
-                                      <p:cBhvr>
-                                        <p:cTn id="74" dur="500"/>
-                                        <p:tgtEl>
-                                          <p:spTgt spid="2">
-                                            <p:txEl>
-                                              <p:pRg st="5" end="5"/>
-                                            </p:txEl>
-                                          </p:spTgt>
-                                        </p:tgtEl>
-                                      </p:cBhvr>
-                                    </p:animEffect>
-                                    <p:set>
-                                      <p:cBhvr>
-                                        <p:cTn id="75" dur="1" fill="hold">
-                                          <p:stCondLst>
-                                            <p:cond delay="499"/>
-                                          </p:stCondLst>
-                                        </p:cTn>
-                                        <p:tgtEl>
-                                          <p:spTgt spid="2">
-                                            <p:txEl>
-                                              <p:pRg st="5" end="5"/>
-                                            </p:txEl>
-                                          </p:spTgt>
-                                        </p:tgtEl>
-                                        <p:attrNameLst>
-                                          <p:attrName>style.visibility</p:attrName>
-                                        </p:attrNameLst>
-                                      </p:cBhvr>
-                                      <p:to>
-                                        <p:strVal val="hidden"/>
-                                      </p:to>
-                                    </p:set>
-                                  </p:childTnLst>
-                                </p:cTn>
-                              </p:par>
-                              <p:par>
-                                <p:cTn id="76" presetID="10" presetClass="exit" presetSubtype="0" fill="hold" nodeType="withEffect">
-                                  <p:stCondLst>
-                                    <p:cond delay="0"/>
-                                  </p:stCondLst>
-                                  <p:childTnLst>
-                                    <p:animEffect transition="out" filter="fade">
-                                      <p:cBhvr>
-                                        <p:cTn id="77" dur="500"/>
-                                        <p:tgtEl>
-                                          <p:spTgt spid="2">
-                                            <p:txEl>
-                                              <p:pRg st="6" end="6"/>
-                                            </p:txEl>
-                                          </p:spTgt>
-                                        </p:tgtEl>
-                                      </p:cBhvr>
-                                    </p:animEffect>
-                                    <p:set>
-                                      <p:cBhvr>
-                                        <p:cTn id="78" dur="1" fill="hold">
-                                          <p:stCondLst>
-                                            <p:cond delay="499"/>
-                                          </p:stCondLst>
-                                        </p:cTn>
-                                        <p:tgtEl>
-                                          <p:spTgt spid="2">
-                                            <p:txEl>
-                                              <p:pRg st="6" end="6"/>
-                                            </p:txEl>
-                                          </p:spTgt>
-                                        </p:tgtEl>
-                                        <p:attrNameLst>
-                                          <p:attrName>style.visibility</p:attrName>
-                                        </p:attrNameLst>
-                                      </p:cBhvr>
-                                      <p:to>
-                                        <p:strVal val="hidden"/>
-                                      </p:to>
-                                    </p:set>
-                                  </p:childTnLst>
-                                </p:cTn>
-                              </p:par>
-                              <p:par>
-                                <p:cTn id="79" presetID="10" presetClass="exit" presetSubtype="0" fill="hold" grpId="0" nodeType="withEffect">
-                                  <p:stCondLst>
-                                    <p:cond delay="0"/>
-                                  </p:stCondLst>
-                                  <p:childTnLst>
-                                    <p:animEffect transition="out" filter="fade">
-                                      <p:cBhvr>
-                                        <p:cTn id="80" dur="500"/>
-                                        <p:tgtEl>
-                                          <p:spTgt spid="3">
-                                            <p:txEl>
-                                              <p:pRg st="0" end="0"/>
-                                            </p:txEl>
-                                          </p:spTgt>
-                                        </p:tgtEl>
-                                      </p:cBhvr>
-                                    </p:animEffect>
-                                    <p:set>
-                                      <p:cBhvr>
-                                        <p:cTn id="81" dur="1" fill="hold">
-                                          <p:stCondLst>
-                                            <p:cond delay="499"/>
-                                          </p:stCondLst>
-                                        </p:cTn>
-                                        <p:tgtEl>
-                                          <p:spTgt spid="3">
-                                            <p:txEl>
-                                              <p:pRg st="0" end="0"/>
-                                            </p:txEl>
-                                          </p:spTgt>
-                                        </p:tgtEl>
-                                        <p:attrNameLst>
-                                          <p:attrName>style.visibility</p:attrName>
-                                        </p:attrNameLst>
-                                      </p:cBhvr>
-                                      <p:to>
-                                        <p:strVal val="hidden"/>
-                                      </p:to>
-                                    </p:set>
-                                  </p:childTnLst>
-                                </p:cTn>
-                              </p:par>
-                              <p:par>
-                                <p:cTn id="82" presetID="10" presetClass="exit" presetSubtype="0" fill="hold" grpId="0" nodeType="withEffect">
-                                  <p:stCondLst>
-                                    <p:cond delay="0"/>
-                                  </p:stCondLst>
-                                  <p:childTnLst>
-                                    <p:animEffect transition="out" filter="fade">
-                                      <p:cBhvr>
-                                        <p:cTn id="83" dur="500"/>
-                                        <p:tgtEl>
-                                          <p:spTgt spid="3">
-                                            <p:txEl>
-                                              <p:pRg st="1" end="1"/>
-                                            </p:txEl>
-                                          </p:spTgt>
-                                        </p:tgtEl>
-                                      </p:cBhvr>
-                                    </p:animEffect>
-                                    <p:set>
-                                      <p:cBhvr>
-                                        <p:cTn id="84" dur="1" fill="hold">
-                                          <p:stCondLst>
-                                            <p:cond delay="499"/>
-                                          </p:stCondLst>
-                                        </p:cTn>
-                                        <p:tgtEl>
-                                          <p:spTgt spid="3">
-                                            <p:txEl>
-                                              <p:pRg st="1" end="1"/>
-                                            </p:txEl>
-                                          </p:spTgt>
-                                        </p:tgtEl>
-                                        <p:attrNameLst>
-                                          <p:attrName>style.visibility</p:attrName>
-                                        </p:attrNameLst>
-                                      </p:cBhvr>
-                                      <p:to>
-                                        <p:strVal val="hidden"/>
-                                      </p:to>
-                                    </p:set>
-                                  </p:childTnLst>
-                                </p:cTn>
-                              </p:par>
-                              <p:par>
-                                <p:cTn id="85" presetID="10" presetClass="exit" presetSubtype="0" fill="hold" grpId="0" nodeType="withEffect">
-                                  <p:stCondLst>
-                                    <p:cond delay="0"/>
-                                  </p:stCondLst>
-                                  <p:childTnLst>
-                                    <p:animEffect transition="out" filter="fade">
-                                      <p:cBhvr>
-                                        <p:cTn id="86" dur="500"/>
-                                        <p:tgtEl>
-                                          <p:spTgt spid="3">
-                                            <p:txEl>
-                                              <p:pRg st="2" end="2"/>
-                                            </p:txEl>
-                                          </p:spTgt>
-                                        </p:tgtEl>
-                                      </p:cBhvr>
-                                    </p:animEffect>
-                                    <p:set>
-                                      <p:cBhvr>
-                                        <p:cTn id="87" dur="1" fill="hold">
-                                          <p:stCondLst>
-                                            <p:cond delay="499"/>
-                                          </p:stCondLst>
-                                        </p:cTn>
-                                        <p:tgtEl>
-                                          <p:spTgt spid="3">
-                                            <p:txEl>
-                                              <p:pRg st="2" end="2"/>
-                                            </p:txEl>
-                                          </p:spTgt>
-                                        </p:tgtEl>
-                                        <p:attrNameLst>
-                                          <p:attrName>style.visibility</p:attrName>
-                                        </p:attrNameLst>
-                                      </p:cBhvr>
-                                      <p:to>
-                                        <p:strVal val="hidden"/>
-                                      </p:to>
-                                    </p:set>
-                                  </p:childTnLst>
-                                </p:cTn>
-                              </p:par>
-                              <p:par>
-                                <p:cTn id="88" presetID="10" presetClass="exit" presetSubtype="0" fill="hold" grpId="0" nodeType="withEffect">
-                                  <p:stCondLst>
-                                    <p:cond delay="0"/>
-                                  </p:stCondLst>
-                                  <p:childTnLst>
-                                    <p:animEffect transition="out" filter="fade">
-                                      <p:cBhvr>
-                                        <p:cTn id="89" dur="500"/>
-                                        <p:tgtEl>
-                                          <p:spTgt spid="3">
-                                            <p:txEl>
-                                              <p:pRg st="3" end="3"/>
-                                            </p:txEl>
-                                          </p:spTgt>
-                                        </p:tgtEl>
-                                      </p:cBhvr>
-                                    </p:animEffect>
-                                    <p:set>
-                                      <p:cBhvr>
-                                        <p:cTn id="90" dur="1" fill="hold">
-                                          <p:stCondLst>
-                                            <p:cond delay="499"/>
-                                          </p:stCondLst>
-                                        </p:cTn>
-                                        <p:tgtEl>
-                                          <p:spTgt spid="3">
-                                            <p:txEl>
-                                              <p:pRg st="3" end="3"/>
-                                            </p:txEl>
-                                          </p:spTgt>
-                                        </p:tgtEl>
-                                        <p:attrNameLst>
-                                          <p:attrName>style.visibility</p:attrName>
-                                        </p:attrNameLst>
-                                      </p:cBhvr>
-                                      <p:to>
-                                        <p:strVal val="hidden"/>
-                                      </p:to>
-                                    </p:set>
-                                  </p:childTnLst>
-                                </p:cTn>
-                              </p:par>
-                              <p:par>
-                                <p:cTn id="91" presetID="10" presetClass="exit" presetSubtype="0" fill="hold" grpId="0" nodeType="withEffect">
-                                  <p:stCondLst>
-                                    <p:cond delay="0"/>
-                                  </p:stCondLst>
-                                  <p:childTnLst>
-                                    <p:animEffect transition="out" filter="fade">
-                                      <p:cBhvr>
-                                        <p:cTn id="92" dur="500"/>
-                                        <p:tgtEl>
-                                          <p:spTgt spid="3">
-                                            <p:txEl>
-                                              <p:pRg st="4" end="4"/>
-                                            </p:txEl>
-                                          </p:spTgt>
-                                        </p:tgtEl>
-                                      </p:cBhvr>
-                                    </p:animEffect>
-                                    <p:set>
-                                      <p:cBhvr>
-                                        <p:cTn id="93" dur="1" fill="hold">
-                                          <p:stCondLst>
-                                            <p:cond delay="499"/>
-                                          </p:stCondLst>
-                                        </p:cTn>
-                                        <p:tgtEl>
-                                          <p:spTgt spid="3">
-                                            <p:txEl>
-                                              <p:pRg st="4" end="4"/>
-                                            </p:txEl>
-                                          </p:spTgt>
-                                        </p:tgtEl>
-                                        <p:attrNameLst>
-                                          <p:attrName>style.visibility</p:attrName>
-                                        </p:attrNameLst>
-                                      </p:cBhvr>
-                                      <p:to>
-                                        <p:strVal val="hidden"/>
-                                      </p:to>
-                                    </p:set>
-                                  </p:childTnLst>
-                                </p:cTn>
-                              </p:par>
-                              <p:par>
-                                <p:cTn id="94" presetID="10" presetClass="entr" presetSubtype="0" fill="hold" nodeType="withEffect">
-                                  <p:stCondLst>
-                                    <p:cond delay="0"/>
-                                  </p:stCondLst>
-                                  <p:childTnLst>
-                                    <p:set>
-                                      <p:cBhvr>
-                                        <p:cTn id="95" dur="1" fill="hold">
-                                          <p:stCondLst>
-                                            <p:cond delay="0"/>
-                                          </p:stCondLst>
-                                        </p:cTn>
-                                        <p:tgtEl>
-                                          <p:spTgt spid="16"/>
-                                        </p:tgtEl>
-                                        <p:attrNameLst>
-                                          <p:attrName>style.visibility</p:attrName>
-                                        </p:attrNameLst>
-                                      </p:cBhvr>
-                                      <p:to>
-                                        <p:strVal val="visible"/>
-                                      </p:to>
-                                    </p:set>
-                                    <p:animEffect transition="in" filter="fade">
-                                      <p:cBhvr>
-                                        <p:cTn id="96" dur="500"/>
-                                        <p:tgtEl>
-                                          <p:spTgt spid="16"/>
-                                        </p:tgtEl>
-                                      </p:cBhvr>
-                                    </p:animEffect>
                                   </p:childTnLst>
                                 </p:cTn>
                               </p:par>
@@ -13961,7 +14341,11 @@
                                       <p:cBhvr>
                                         <p:cTn id="98" dur="500"/>
                                         <p:tgtEl>
-                                          <p:spTgt spid="16"/>
+                                          <p:spTgt spid="2">
+                                            <p:txEl>
+                                              <p:pRg st="5" end="5"/>
+                                            </p:txEl>
+                                          </p:spTgt>
                                         </p:tgtEl>
                                       </p:cBhvr>
                                     </p:animEffect>
@@ -13973,7 +14357,11 @@
                                           </p:stCondLst>
                                         </p:cTn>
                                         <p:tgtEl>
-                                          <p:spTgt spid="16"/>
+                                          <p:spTgt spid="2">
+                                            <p:txEl>
+                                              <p:pRg st="5" end="5"/>
+                                            </p:txEl>
+                                          </p:spTgt>
                                         </p:tgtEl>
                                         <p:attrNameLst>
                                           <p:attrName>style.visibility</p:attrName>
@@ -13987,63 +14375,36 @@
                                 </p:cTn>
                               </p:par>
                               <p:par>
-                                <p:cTn id="100" presetID="10" presetClass="entr" presetSubtype="0" fill="hold" nodeType="withEffect">
-                                  <p:stCondLst>
-                                    <p:cond delay="0"/>
-                                  </p:stCondLst>
-                                  <p:childTnLst>
-                                    <p:set>
-                                      <p:cBhvr>
-                                        <p:cTn id="101" dur="1" fill="hold">
-                                          <p:stCondLst>
-                                            <p:cond delay="0"/>
-                                          </p:stCondLst>
-                                        </p:cTn>
-                                        <p:tgtEl>
-                                          <p:spTgt spid="17"/>
-                                        </p:tgtEl>
-                                        <p:attrNameLst>
-                                          <p:attrName>style.visibility</p:attrName>
-                                        </p:attrNameLst>
-                                      </p:cBhvr>
-                                      <p:to>
-                                        <p:strVal val="visible"/>
-                                      </p:to>
-                                    </p:set>
-                                    <p:animEffect transition="in" filter="fade">
-                                      <p:cBhvr>
-                                        <p:cTn id="102" dur="500"/>
-                                        <p:tgtEl>
-                                          <p:spTgt spid="17"/>
-                                        </p:tgtEl>
-                                      </p:cBhvr>
-                                    </p:animEffect>
-                                  </p:childTnLst>
-                                </p:cTn>
-                              </p:par>
-                              <p:par>
-                                <p:cTn id="103" presetID="10" presetClass="exit" presetSubtype="0" fill="hold" nodeType="withEffect">
+                                <p:cTn id="100" presetID="10" presetClass="exit" presetSubtype="0" fill="hold" nodeType="withEffect">
                                   <p:stCondLst>
                                     <p:cond delay="0"/>
                                   </p:stCondLst>
                                   <p:childTnLst>
                                     <p:animEffect transition="out" filter="fade">
                                       <p:cBhvr>
-                                        <p:cTn id="104" dur="500"/>
-                                        <p:tgtEl>
-                                          <p:spTgt spid="17"/>
+                                        <p:cTn id="101" dur="500"/>
+                                        <p:tgtEl>
+                                          <p:spTgt spid="2">
+                                            <p:txEl>
+                                              <p:pRg st="6" end="6"/>
+                                            </p:txEl>
+                                          </p:spTgt>
                                         </p:tgtEl>
                                       </p:cBhvr>
                                     </p:animEffect>
                                     <p:set>
                                       <p:cBhvr>
-                                        <p:cTn id="105" dur="1" fill="hold">
+                                        <p:cTn id="102" dur="1" fill="hold">
                                           <p:stCondLst>
                                             <p:cond delay="499"/>
                                           </p:stCondLst>
                                         </p:cTn>
                                         <p:tgtEl>
-                                          <p:spTgt spid="17"/>
+                                          <p:spTgt spid="2">
+                                            <p:txEl>
+                                              <p:pRg st="6" end="6"/>
+                                            </p:txEl>
+                                          </p:spTgt>
                                         </p:tgtEl>
                                         <p:attrNameLst>
                                           <p:attrName>style.visibility</p:attrName>
@@ -14057,63 +14418,36 @@
                                 </p:cTn>
                               </p:par>
                               <p:par>
-                                <p:cTn id="106" presetID="10" presetClass="entr" presetSubtype="0" fill="hold" nodeType="withEffect">
-                                  <p:stCondLst>
-                                    <p:cond delay="0"/>
-                                  </p:stCondLst>
-                                  <p:childTnLst>
-                                    <p:set>
-                                      <p:cBhvr>
-                                        <p:cTn id="107" dur="1" fill="hold">
-                                          <p:stCondLst>
-                                            <p:cond delay="0"/>
-                                          </p:stCondLst>
-                                        </p:cTn>
-                                        <p:tgtEl>
-                                          <p:spTgt spid="18"/>
-                                        </p:tgtEl>
-                                        <p:attrNameLst>
-                                          <p:attrName>style.visibility</p:attrName>
-                                        </p:attrNameLst>
-                                      </p:cBhvr>
-                                      <p:to>
-                                        <p:strVal val="visible"/>
-                                      </p:to>
-                                    </p:set>
-                                    <p:animEffect transition="in" filter="fade">
-                                      <p:cBhvr>
-                                        <p:cTn id="108" dur="500"/>
-                                        <p:tgtEl>
-                                          <p:spTgt spid="18"/>
-                                        </p:tgtEl>
-                                      </p:cBhvr>
-                                    </p:animEffect>
-                                  </p:childTnLst>
-                                </p:cTn>
-                              </p:par>
-                              <p:par>
-                                <p:cTn id="109" presetID="10" presetClass="exit" presetSubtype="0" fill="hold" nodeType="withEffect">
+                                <p:cTn id="103" presetID="10" presetClass="exit" presetSubtype="0" fill="hold" grpId="0" nodeType="withEffect">
                                   <p:stCondLst>
                                     <p:cond delay="0"/>
                                   </p:stCondLst>
                                   <p:childTnLst>
                                     <p:animEffect transition="out" filter="fade">
                                       <p:cBhvr>
-                                        <p:cTn id="110" dur="500"/>
-                                        <p:tgtEl>
-                                          <p:spTgt spid="18"/>
+                                        <p:cTn id="104" dur="500"/>
+                                        <p:tgtEl>
+                                          <p:spTgt spid="3">
+                                            <p:txEl>
+                                              <p:pRg st="0" end="0"/>
+                                            </p:txEl>
+                                          </p:spTgt>
                                         </p:tgtEl>
                                       </p:cBhvr>
                                     </p:animEffect>
                                     <p:set>
                                       <p:cBhvr>
-                                        <p:cTn id="111" dur="1" fill="hold">
+                                        <p:cTn id="105" dur="1" fill="hold">
                                           <p:stCondLst>
                                             <p:cond delay="499"/>
                                           </p:stCondLst>
                                         </p:cTn>
                                         <p:tgtEl>
-                                          <p:spTgt spid="18"/>
+                                          <p:spTgt spid="3">
+                                            <p:txEl>
+                                              <p:pRg st="0" end="0"/>
+                                            </p:txEl>
+                                          </p:spTgt>
                                         </p:tgtEl>
                                         <p:attrNameLst>
                                           <p:attrName>style.visibility</p:attrName>
@@ -14127,63 +14461,36 @@
                                 </p:cTn>
                               </p:par>
                               <p:par>
-                                <p:cTn id="112" presetID="10" presetClass="entr" presetSubtype="0" fill="hold" nodeType="withEffect">
-                                  <p:stCondLst>
-                                    <p:cond delay="0"/>
-                                  </p:stCondLst>
-                                  <p:childTnLst>
-                                    <p:set>
-                                      <p:cBhvr>
-                                        <p:cTn id="113" dur="1" fill="hold">
-                                          <p:stCondLst>
-                                            <p:cond delay="0"/>
-                                          </p:stCondLst>
-                                        </p:cTn>
-                                        <p:tgtEl>
-                                          <p:spTgt spid="19"/>
-                                        </p:tgtEl>
-                                        <p:attrNameLst>
-                                          <p:attrName>style.visibility</p:attrName>
-                                        </p:attrNameLst>
-                                      </p:cBhvr>
-                                      <p:to>
-                                        <p:strVal val="visible"/>
-                                      </p:to>
-                                    </p:set>
-                                    <p:animEffect transition="in" filter="fade">
-                                      <p:cBhvr>
-                                        <p:cTn id="114" dur="500"/>
-                                        <p:tgtEl>
-                                          <p:spTgt spid="19"/>
-                                        </p:tgtEl>
-                                      </p:cBhvr>
-                                    </p:animEffect>
-                                  </p:childTnLst>
-                                </p:cTn>
-                              </p:par>
-                              <p:par>
-                                <p:cTn id="115" presetID="10" presetClass="exit" presetSubtype="0" fill="hold" nodeType="withEffect">
+                                <p:cTn id="106" presetID="10" presetClass="exit" presetSubtype="0" fill="hold" grpId="0" nodeType="withEffect">
                                   <p:stCondLst>
                                     <p:cond delay="0"/>
                                   </p:stCondLst>
                                   <p:childTnLst>
                                     <p:animEffect transition="out" filter="fade">
                                       <p:cBhvr>
-                                        <p:cTn id="116" dur="500"/>
-                                        <p:tgtEl>
-                                          <p:spTgt spid="19"/>
+                                        <p:cTn id="107" dur="500"/>
+                                        <p:tgtEl>
+                                          <p:spTgt spid="3">
+                                            <p:txEl>
+                                              <p:pRg st="1" end="1"/>
+                                            </p:txEl>
+                                          </p:spTgt>
                                         </p:tgtEl>
                                       </p:cBhvr>
                                     </p:animEffect>
                                     <p:set>
                                       <p:cBhvr>
-                                        <p:cTn id="117" dur="1" fill="hold">
+                                        <p:cTn id="108" dur="1" fill="hold">
                                           <p:stCondLst>
                                             <p:cond delay="499"/>
                                           </p:stCondLst>
                                         </p:cTn>
                                         <p:tgtEl>
-                                          <p:spTgt spid="19"/>
+                                          <p:spTgt spid="3">
+                                            <p:txEl>
+                                              <p:pRg st="1" end="1"/>
+                                            </p:txEl>
+                                          </p:spTgt>
                                         </p:tgtEl>
                                         <p:attrNameLst>
                                           <p:attrName>style.visibility</p:attrName>
@@ -14197,37 +14504,166 @@
                                 </p:cTn>
                               </p:par>
                               <p:par>
-                                <p:cTn id="118" presetID="10" presetClass="entr" presetSubtype="0" fill="hold" nodeType="withEffect">
+                                <p:cTn id="109" presetID="10" presetClass="exit" presetSubtype="0" fill="hold" grpId="0" nodeType="withEffect">
                                   <p:stCondLst>
                                     <p:cond delay="0"/>
                                   </p:stCondLst>
                                   <p:childTnLst>
+                                    <p:animEffect transition="out" filter="fade">
+                                      <p:cBhvr>
+                                        <p:cTn id="110" dur="500"/>
+                                        <p:tgtEl>
+                                          <p:spTgt spid="3">
+                                            <p:txEl>
+                                              <p:pRg st="2" end="2"/>
+                                            </p:txEl>
+                                          </p:spTgt>
+                                        </p:tgtEl>
+                                      </p:cBhvr>
+                                    </p:animEffect>
                                     <p:set>
                                       <p:cBhvr>
-                                        <p:cTn id="119" dur="1" fill="hold">
+                                        <p:cTn id="111" dur="1" fill="hold">
                                           <p:stCondLst>
-                                            <p:cond delay="0"/>
+                                            <p:cond delay="499"/>
                                           </p:stCondLst>
                                         </p:cTn>
                                         <p:tgtEl>
-                                          <p:spTgt spid="22"/>
+                                          <p:spTgt spid="3">
+                                            <p:txEl>
+                                              <p:pRg st="2" end="2"/>
+                                            </p:txEl>
+                                          </p:spTgt>
                                         </p:tgtEl>
                                         <p:attrNameLst>
                                           <p:attrName>style.visibility</p:attrName>
                                         </p:attrNameLst>
                                       </p:cBhvr>
                                       <p:to>
-                                        <p:strVal val="visible"/>
+                                        <p:strVal val="hidden"/>
                                       </p:to>
                                     </p:set>
-                                    <p:animEffect transition="in" filter="fade">
-                                      <p:cBhvr>
-                                        <p:cTn id="120" dur="500"/>
-                                        <p:tgtEl>
-                                          <p:spTgt spid="22"/>
+                                  </p:childTnLst>
+                                </p:cTn>
+                              </p:par>
+                              <p:par>
+                                <p:cTn id="112" presetID="10" presetClass="exit" presetSubtype="0" fill="hold" grpId="0" nodeType="withEffect">
+                                  <p:stCondLst>
+                                    <p:cond delay="0"/>
+                                  </p:stCondLst>
+                                  <p:childTnLst>
+                                    <p:animEffect transition="out" filter="fade">
+                                      <p:cBhvr>
+                                        <p:cTn id="113" dur="500"/>
+                                        <p:tgtEl>
+                                          <p:spTgt spid="3">
+                                            <p:txEl>
+                                              <p:pRg st="3" end="3"/>
+                                            </p:txEl>
+                                          </p:spTgt>
                                         </p:tgtEl>
                                       </p:cBhvr>
                                     </p:animEffect>
+                                    <p:set>
+                                      <p:cBhvr>
+                                        <p:cTn id="114" dur="1" fill="hold">
+                                          <p:stCondLst>
+                                            <p:cond delay="499"/>
+                                          </p:stCondLst>
+                                        </p:cTn>
+                                        <p:tgtEl>
+                                          <p:spTgt spid="3">
+                                            <p:txEl>
+                                              <p:pRg st="3" end="3"/>
+                                            </p:txEl>
+                                          </p:spTgt>
+                                        </p:tgtEl>
+                                        <p:attrNameLst>
+                                          <p:attrName>style.visibility</p:attrName>
+                                        </p:attrNameLst>
+                                      </p:cBhvr>
+                                      <p:to>
+                                        <p:strVal val="hidden"/>
+                                      </p:to>
+                                    </p:set>
+                                  </p:childTnLst>
+                                </p:cTn>
+                              </p:par>
+                              <p:par>
+                                <p:cTn id="115" presetID="10" presetClass="exit" presetSubtype="0" fill="hold" grpId="0" nodeType="withEffect">
+                                  <p:stCondLst>
+                                    <p:cond delay="0"/>
+                                  </p:stCondLst>
+                                  <p:childTnLst>
+                                    <p:animEffect transition="out" filter="fade">
+                                      <p:cBhvr>
+                                        <p:cTn id="116" dur="500"/>
+                                        <p:tgtEl>
+                                          <p:spTgt spid="3">
+                                            <p:txEl>
+                                              <p:pRg st="4" end="4"/>
+                                            </p:txEl>
+                                          </p:spTgt>
+                                        </p:tgtEl>
+                                      </p:cBhvr>
+                                    </p:animEffect>
+                                    <p:set>
+                                      <p:cBhvr>
+                                        <p:cTn id="117" dur="1" fill="hold">
+                                          <p:stCondLst>
+                                            <p:cond delay="499"/>
+                                          </p:stCondLst>
+                                        </p:cTn>
+                                        <p:tgtEl>
+                                          <p:spTgt spid="3">
+                                            <p:txEl>
+                                              <p:pRg st="4" end="4"/>
+                                            </p:txEl>
+                                          </p:spTgt>
+                                        </p:tgtEl>
+                                        <p:attrNameLst>
+                                          <p:attrName>style.visibility</p:attrName>
+                                        </p:attrNameLst>
+                                      </p:cBhvr>
+                                      <p:to>
+                                        <p:strVal val="hidden"/>
+                                      </p:to>
+                                    </p:set>
+                                  </p:childTnLst>
+                                </p:cTn>
+                              </p:par>
+                              <p:par>
+                                <p:cTn id="118" presetID="10" presetClass="exit" presetSubtype="0" fill="hold" nodeType="withEffect">
+                                  <p:stCondLst>
+                                    <p:cond delay="0"/>
+                                  </p:stCondLst>
+                                  <p:childTnLst>
+                                    <p:animEffect transition="out" filter="fade">
+                                      <p:cBhvr>
+                                        <p:cTn id="119" dur="500"/>
+                                        <p:tgtEl>
+                                          <p:spTgt spid="16"/>
+                                        </p:tgtEl>
+                                      </p:cBhvr>
+                                    </p:animEffect>
+                                    <p:set>
+                                      <p:cBhvr>
+                                        <p:cTn id="120" dur="1" fill="hold">
+                                          <p:stCondLst>
+                                            <p:cond delay="499"/>
+                                          </p:stCondLst>
+                                        </p:cTn>
+                                        <p:tgtEl>
+                                          <p:spTgt spid="16"/>
+                                        </p:tgtEl>
+                                        <p:attrNameLst>
+                                          <p:attrName>style.visibility</p:attrName>
+                                        </p:attrNameLst>
+                                      </p:cBhvr>
+                                      <p:to>
+                                        <p:strVal val="hidden"/>
+                                      </p:to>
+                                    </p:set>
                                   </p:childTnLst>
                                 </p:cTn>
                               </p:par>
@@ -14241,7 +14677,7 @@
                                       <p:cBhvr>
                                         <p:cTn id="122" dur="500"/>
                                         <p:tgtEl>
-                                          <p:spTgt spid="22"/>
+                                          <p:spTgt spid="17"/>
                                         </p:tgtEl>
                                       </p:cBhvr>
                                     </p:animEffect>
@@ -14253,7 +14689,217 @@
                                           </p:stCondLst>
                                         </p:cTn>
                                         <p:tgtEl>
+                                          <p:spTgt spid="17"/>
+                                        </p:tgtEl>
+                                        <p:attrNameLst>
+                                          <p:attrName>style.visibility</p:attrName>
+                                        </p:attrNameLst>
+                                      </p:cBhvr>
+                                      <p:to>
+                                        <p:strVal val="hidden"/>
+                                      </p:to>
+                                    </p:set>
+                                  </p:childTnLst>
+                                </p:cTn>
+                              </p:par>
+                              <p:par>
+                                <p:cTn id="124" presetID="10" presetClass="exit" presetSubtype="0" fill="hold" nodeType="withEffect">
+                                  <p:stCondLst>
+                                    <p:cond delay="0"/>
+                                  </p:stCondLst>
+                                  <p:childTnLst>
+                                    <p:animEffect transition="out" filter="fade">
+                                      <p:cBhvr>
+                                        <p:cTn id="125" dur="500"/>
+                                        <p:tgtEl>
                                           <p:spTgt spid="22"/>
+                                        </p:tgtEl>
+                                      </p:cBhvr>
+                                    </p:animEffect>
+                                    <p:set>
+                                      <p:cBhvr>
+                                        <p:cTn id="126" dur="1" fill="hold">
+                                          <p:stCondLst>
+                                            <p:cond delay="499"/>
+                                          </p:stCondLst>
+                                        </p:cTn>
+                                        <p:tgtEl>
+                                          <p:spTgt spid="22"/>
+                                        </p:tgtEl>
+                                        <p:attrNameLst>
+                                          <p:attrName>style.visibility</p:attrName>
+                                        </p:attrNameLst>
+                                      </p:cBhvr>
+                                      <p:to>
+                                        <p:strVal val="hidden"/>
+                                      </p:to>
+                                    </p:set>
+                                  </p:childTnLst>
+                                </p:cTn>
+                              </p:par>
+                              <p:par>
+                                <p:cTn id="127" presetID="10" presetClass="exit" presetSubtype="0" fill="hold" nodeType="withEffect">
+                                  <p:stCondLst>
+                                    <p:cond delay="0"/>
+                                  </p:stCondLst>
+                                  <p:childTnLst>
+                                    <p:animEffect transition="out" filter="fade">
+                                      <p:cBhvr>
+                                        <p:cTn id="128" dur="500"/>
+                                        <p:tgtEl>
+                                          <p:spTgt spid="19"/>
+                                        </p:tgtEl>
+                                      </p:cBhvr>
+                                    </p:animEffect>
+                                    <p:set>
+                                      <p:cBhvr>
+                                        <p:cTn id="129" dur="1" fill="hold">
+                                          <p:stCondLst>
+                                            <p:cond delay="499"/>
+                                          </p:stCondLst>
+                                        </p:cTn>
+                                        <p:tgtEl>
+                                          <p:spTgt spid="19"/>
+                                        </p:tgtEl>
+                                        <p:attrNameLst>
+                                          <p:attrName>style.visibility</p:attrName>
+                                        </p:attrNameLst>
+                                      </p:cBhvr>
+                                      <p:to>
+                                        <p:strVal val="hidden"/>
+                                      </p:to>
+                                    </p:set>
+                                  </p:childTnLst>
+                                </p:cTn>
+                              </p:par>
+                              <p:par>
+                                <p:cTn id="130" presetID="10" presetClass="exit" presetSubtype="0" fill="hold" nodeType="withEffect">
+                                  <p:stCondLst>
+                                    <p:cond delay="0"/>
+                                  </p:stCondLst>
+                                  <p:childTnLst>
+                                    <p:animEffect transition="out" filter="fade">
+                                      <p:cBhvr>
+                                        <p:cTn id="131" dur="500"/>
+                                        <p:tgtEl>
+                                          <p:spTgt spid="18"/>
+                                        </p:tgtEl>
+                                      </p:cBhvr>
+                                    </p:animEffect>
+                                    <p:set>
+                                      <p:cBhvr>
+                                        <p:cTn id="132" dur="1" fill="hold">
+                                          <p:stCondLst>
+                                            <p:cond delay="499"/>
+                                          </p:stCondLst>
+                                        </p:cTn>
+                                        <p:tgtEl>
+                                          <p:spTgt spid="18"/>
+                                        </p:tgtEl>
+                                        <p:attrNameLst>
+                                          <p:attrName>style.visibility</p:attrName>
+                                        </p:attrNameLst>
+                                      </p:cBhvr>
+                                      <p:to>
+                                        <p:strVal val="hidden"/>
+                                      </p:to>
+                                    </p:set>
+                                  </p:childTnLst>
+                                </p:cTn>
+                              </p:par>
+                              <p:par>
+                                <p:cTn id="133" presetID="10" presetClass="exit" presetSubtype="0" fill="hold" nodeType="withEffect">
+                                  <p:stCondLst>
+                                    <p:cond delay="0"/>
+                                  </p:stCondLst>
+                                  <p:childTnLst>
+                                    <p:animEffect transition="out" filter="fade">
+                                      <p:cBhvr>
+                                        <p:cTn id="134" dur="500"/>
+                                        <p:tgtEl>
+                                          <p:spTgt spid="20"/>
+                                        </p:tgtEl>
+                                      </p:cBhvr>
+                                    </p:animEffect>
+                                    <p:set>
+                                      <p:cBhvr>
+                                        <p:cTn id="135" dur="1" fill="hold">
+                                          <p:stCondLst>
+                                            <p:cond delay="499"/>
+                                          </p:stCondLst>
+                                        </p:cTn>
+                                        <p:tgtEl>
+                                          <p:spTgt spid="20"/>
+                                        </p:tgtEl>
+                                        <p:attrNameLst>
+                                          <p:attrName>style.visibility</p:attrName>
+                                        </p:attrNameLst>
+                                      </p:cBhvr>
+                                      <p:to>
+                                        <p:strVal val="hidden"/>
+                                      </p:to>
+                                    </p:set>
+                                  </p:childTnLst>
+                                </p:cTn>
+                              </p:par>
+                              <p:par>
+                                <p:cTn id="136" presetID="10" presetClass="exit" presetSubtype="0" fill="hold" nodeType="withEffect">
+                                  <p:stCondLst>
+                                    <p:cond delay="0"/>
+                                  </p:stCondLst>
+                                  <p:childTnLst>
+                                    <p:animEffect transition="out" filter="fade">
+                                      <p:cBhvr>
+                                        <p:cTn id="137" dur="500"/>
+                                        <p:tgtEl>
+                                          <p:spTgt spid="23"/>
+                                        </p:tgtEl>
+                                      </p:cBhvr>
+                                    </p:animEffect>
+                                    <p:set>
+                                      <p:cBhvr>
+                                        <p:cTn id="138" dur="1" fill="hold">
+                                          <p:stCondLst>
+                                            <p:cond delay="499"/>
+                                          </p:stCondLst>
+                                        </p:cTn>
+                                        <p:tgtEl>
+                                          <p:spTgt spid="23"/>
+                                        </p:tgtEl>
+                                        <p:attrNameLst>
+                                          <p:attrName>style.visibility</p:attrName>
+                                        </p:attrNameLst>
+                                      </p:cBhvr>
+                                      <p:to>
+                                        <p:strVal val="hidden"/>
+                                      </p:to>
+                                    </p:set>
+                                  </p:childTnLst>
+                                </p:cTn>
+                              </p:par>
+                              <p:par>
+                                <p:cTn id="139" presetID="10" presetClass="exit" presetSubtype="0" fill="hold" nodeType="withEffect">
+                                  <p:stCondLst>
+                                    <p:cond delay="0"/>
+                                  </p:stCondLst>
+                                  <p:childTnLst>
+                                    <p:animEffect transition="out" filter="fade">
+                                      <p:cBhvr>
+                                        <p:cTn id="140" dur="500"/>
+                                        <p:tgtEl>
+                                          <p:spTgt spid="21"/>
+                                        </p:tgtEl>
+                                      </p:cBhvr>
+                                    </p:animEffect>
+                                    <p:set>
+                                      <p:cBhvr>
+                                        <p:cTn id="141" dur="1" fill="hold">
+                                          <p:stCondLst>
+                                            <p:cond delay="499"/>
+                                          </p:stCondLst>
+                                        </p:cTn>
+                                        <p:tgtEl>
+                                          <p:spTgt spid="21"/>
                                         </p:tgtEl>
                                         <p:attrNameLst>
                                           <p:attrName>style.visibility</p:attrName>
@@ -14296,7 +14942,7 @@
     <p:bldLst>
       <p:bldP spid="94" grpId="0"/>
       <p:bldP spid="94" grpId="1"/>
-      <p:bldP spid="3" grpId="0" uiExpand="1" build="allAtOnce"/>
+      <p:bldP spid="3" grpId="0" build="allAtOnce"/>
     </p:bldLst>
   </p:timing>
 </p:sld>
@@ -15208,4 +15854,319 @@
     </a:ext>
   </a:extLst>
 </a:theme>
+</file>
+
+<file path=ppt/theme/theme2.xml><?xml version="1.0" encoding="utf-8"?>
+<a:theme xmlns:a="http://schemas.openxmlformats.org/drawingml/2006/main" name="Tema di Office">
+  <a:themeElements>
+    <a:clrScheme name="Office">
+      <a:dk1>
+        <a:sysClr val="windowText" lastClr="000000"/>
+      </a:dk1>
+      <a:lt1>
+        <a:sysClr val="window" lastClr="FFFFFF"/>
+      </a:lt1>
+      <a:dk2>
+        <a:srgbClr val="0E2841"/>
+      </a:dk2>
+      <a:lt2>
+        <a:srgbClr val="E8E8E8"/>
+      </a:lt2>
+      <a:accent1>
+        <a:srgbClr val="156082"/>
+      </a:accent1>
+      <a:accent2>
+        <a:srgbClr val="E97132"/>
+      </a:accent2>
+      <a:accent3>
+        <a:srgbClr val="196B24"/>
+      </a:accent3>
+      <a:accent4>
+        <a:srgbClr val="0F9ED5"/>
+      </a:accent4>
+      <a:accent5>
+        <a:srgbClr val="A02B93"/>
+      </a:accent5>
+      <a:accent6>
+        <a:srgbClr val="4EA72E"/>
+      </a:accent6>
+      <a:hlink>
+        <a:srgbClr val="467886"/>
+      </a:hlink>
+      <a:folHlink>
+        <a:srgbClr val="96607D"/>
+      </a:folHlink>
+    </a:clrScheme>
+    <a:fontScheme name="Office">
+      <a:majorFont>
+        <a:latin typeface="Aptos Display" panose="02110004020202020204"/>
+        <a:ea typeface=""/>
+        <a:cs typeface=""/>
+        <a:font script="Jpan" typeface="游ゴシック Light"/>
+        <a:font script="Hang" typeface="맑은 고딕"/>
+        <a:font script="Hans" typeface="等线 Light"/>
+        <a:font script="Hant" typeface="新細明體"/>
+        <a:font script="Arab" typeface="Times New Roman"/>
+        <a:font script="Hebr" typeface="Times New Roman"/>
+        <a:font script="Thai" typeface="Angsana New"/>
+        <a:font script="Ethi" typeface="Nyala"/>
+        <a:font script="Beng" typeface="Vrinda"/>
+        <a:font script="Gujr" typeface="Shruti"/>
+        <a:font script="Khmr" typeface="MoolBoran"/>
+        <a:font script="Knda" typeface="Tunga"/>
+        <a:font script="Guru" typeface="Raavi"/>
+        <a:font script="Cans" typeface="Euphemia"/>
+        <a:font script="Cher" typeface="Plantagenet Cherokee"/>
+        <a:font script="Yiii" typeface="Microsoft Yi Baiti"/>
+        <a:font script="Tibt" typeface="Microsoft Himalaya"/>
+        <a:font script="Thaa" typeface="MV Boli"/>
+        <a:font script="Deva" typeface="Mangal"/>
+        <a:font script="Telu" typeface="Gautami"/>
+        <a:font script="Taml" typeface="Latha"/>
+        <a:font script="Syrc" typeface="Estrangelo Edessa"/>
+        <a:font script="Orya" typeface="Kalinga"/>
+        <a:font script="Mlym" typeface="Kartika"/>
+        <a:font script="Laoo" typeface="DokChampa"/>
+        <a:font script="Sinh" typeface="Iskoola Pota"/>
+        <a:font script="Mong" typeface="Mongolian Baiti"/>
+        <a:font script="Viet" typeface="Times New Roman"/>
+        <a:font script="Uigh" typeface="Microsoft Uighur"/>
+        <a:font script="Geor" typeface="Sylfaen"/>
+        <a:font script="Armn" typeface="Arial"/>
+        <a:font script="Bugi" typeface="Leelawadee UI"/>
+        <a:font script="Bopo" typeface="Microsoft JhengHei"/>
+        <a:font script="Java" typeface="Javanese Text"/>
+        <a:font script="Lisu" typeface="Segoe UI"/>
+        <a:font script="Mymr" typeface="Myanmar Text"/>
+        <a:font script="Nkoo" typeface="Ebrima"/>
+        <a:font script="Olck" typeface="Nirmala UI"/>
+        <a:font script="Osma" typeface="Ebrima"/>
+        <a:font script="Phag" typeface="Phagspa"/>
+        <a:font script="Syrn" typeface="Estrangelo Edessa"/>
+        <a:font script="Syrj" typeface="Estrangelo Edessa"/>
+        <a:font script="Syre" typeface="Estrangelo Edessa"/>
+        <a:font script="Sora" typeface="Nirmala UI"/>
+        <a:font script="Tale" typeface="Microsoft Tai Le"/>
+        <a:font script="Talu" typeface="Microsoft New Tai Lue"/>
+        <a:font script="Tfng" typeface="Ebrima"/>
+      </a:majorFont>
+      <a:minorFont>
+        <a:latin typeface="Aptos" panose="02110004020202020204"/>
+        <a:ea typeface=""/>
+        <a:cs typeface=""/>
+        <a:font script="Jpan" typeface="游ゴシック"/>
+        <a:font script="Hang" typeface="맑은 고딕"/>
+        <a:font script="Hans" typeface="等线"/>
+        <a:font script="Hant" typeface="新細明體"/>
+        <a:font script="Arab" typeface="Arial"/>
+        <a:font script="Hebr" typeface="Arial"/>
+        <a:font script="Thai" typeface="Cordia New"/>
+        <a:font script="Ethi" typeface="Nyala"/>
+        <a:font script="Beng" typeface="Vrinda"/>
+        <a:font script="Gujr" typeface="Shruti"/>
+        <a:font script="Khmr" typeface="DaunPenh"/>
+        <a:font script="Knda" typeface="Tunga"/>
+        <a:font script="Guru" typeface="Raavi"/>
+        <a:font script="Cans" typeface="Euphemia"/>
+        <a:font script="Cher" typeface="Plantagenet Cherokee"/>
+        <a:font script="Yiii" typeface="Microsoft Yi Baiti"/>
+        <a:font script="Tibt" typeface="Microsoft Himalaya"/>
+        <a:font script="Thaa" typeface="MV Boli"/>
+        <a:font script="Deva" typeface="Mangal"/>
+        <a:font script="Telu" typeface="Gautami"/>
+        <a:font script="Taml" typeface="Latha"/>
+        <a:font script="Syrc" typeface="Estrangelo Edessa"/>
+        <a:font script="Orya" typeface="Kalinga"/>
+        <a:font script="Mlym" typeface="Kartika"/>
+        <a:font script="Laoo" typeface="DokChampa"/>
+        <a:font script="Sinh" typeface="Iskoola Pota"/>
+        <a:font script="Mong" typeface="Mongolian Baiti"/>
+        <a:font script="Viet" typeface="Arial"/>
+        <a:font script="Uigh" typeface="Microsoft Uighur"/>
+        <a:font script="Geor" typeface="Sylfaen"/>
+        <a:font script="Armn" typeface="Arial"/>
+        <a:font script="Bugi" typeface="Leelawadee UI"/>
+        <a:font script="Bopo" typeface="Microsoft JhengHei"/>
+        <a:font script="Java" typeface="Javanese Text"/>
+        <a:font script="Lisu" typeface="Segoe UI"/>
+        <a:font script="Mymr" typeface="Myanmar Text"/>
+        <a:font script="Nkoo" typeface="Ebrima"/>
+        <a:font script="Olck" typeface="Nirmala UI"/>
+        <a:font script="Osma" typeface="Ebrima"/>
+        <a:font script="Phag" typeface="Phagspa"/>
+        <a:font script="Syrn" typeface="Estrangelo Edessa"/>
+        <a:font script="Syrj" typeface="Estrangelo Edessa"/>
+        <a:font script="Syre" typeface="Estrangelo Edessa"/>
+        <a:font script="Sora" typeface="Nirmala UI"/>
+        <a:font script="Tale" typeface="Microsoft Tai Le"/>
+        <a:font script="Talu" typeface="Microsoft New Tai Lue"/>
+        <a:font script="Tfng" typeface="Ebrima"/>
+      </a:minorFont>
+    </a:fontScheme>
+    <a:fmtScheme name="Office">
+      <a:fillStyleLst>
+        <a:solidFill>
+          <a:schemeClr val="phClr"/>
+        </a:solidFill>
+        <a:gradFill rotWithShape="1">
+          <a:gsLst>
+            <a:gs pos="0">
+              <a:schemeClr val="phClr">
+                <a:lumMod val="110000"/>
+                <a:satMod val="105000"/>
+                <a:tint val="67000"/>
+              </a:schemeClr>
+            </a:gs>
+            <a:gs pos="50000">
+              <a:schemeClr val="phClr">
+                <a:lumMod val="105000"/>
+                <a:satMod val="103000"/>
+                <a:tint val="73000"/>
+              </a:schemeClr>
+            </a:gs>
+            <a:gs pos="100000">
+              <a:schemeClr val="phClr">
+                <a:lumMod val="105000"/>
+                <a:satMod val="109000"/>
+                <a:tint val="81000"/>
+              </a:schemeClr>
+            </a:gs>
+          </a:gsLst>
+          <a:lin ang="5400000" scaled="0"/>
+        </a:gradFill>
+        <a:gradFill rotWithShape="1">
+          <a:gsLst>
+            <a:gs pos="0">
+              <a:schemeClr val="phClr">
+                <a:satMod val="103000"/>
+                <a:lumMod val="102000"/>
+                <a:tint val="94000"/>
+              </a:schemeClr>
+            </a:gs>
+            <a:gs pos="50000">
+              <a:schemeClr val="phClr">
+                <a:satMod val="110000"/>
+                <a:lumMod val="100000"/>
+                <a:shade val="100000"/>
+              </a:schemeClr>
+            </a:gs>
+            <a:gs pos="100000">
+              <a:schemeClr val="phClr">
+                <a:lumMod val="99000"/>
+                <a:satMod val="120000"/>
+                <a:shade val="78000"/>
+              </a:schemeClr>
+            </a:gs>
+          </a:gsLst>
+          <a:lin ang="5400000" scaled="0"/>
+        </a:gradFill>
+      </a:fillStyleLst>
+      <a:lnStyleLst>
+        <a:ln w="12700" cap="flat" cmpd="sng" algn="ctr">
+          <a:solidFill>
+            <a:schemeClr val="phClr"/>
+          </a:solidFill>
+          <a:prstDash val="solid"/>
+          <a:miter lim="800000"/>
+        </a:ln>
+        <a:ln w="19050" cap="flat" cmpd="sng" algn="ctr">
+          <a:solidFill>
+            <a:schemeClr val="phClr"/>
+          </a:solidFill>
+          <a:prstDash val="solid"/>
+          <a:miter lim="800000"/>
+        </a:ln>
+        <a:ln w="25400" cap="flat" cmpd="sng" algn="ctr">
+          <a:solidFill>
+            <a:schemeClr val="phClr"/>
+          </a:solidFill>
+          <a:prstDash val="solid"/>
+          <a:miter lim="800000"/>
+        </a:ln>
+      </a:lnStyleLst>
+      <a:effectStyleLst>
+        <a:effectStyle>
+          <a:effectLst/>
+        </a:effectStyle>
+        <a:effectStyle>
+          <a:effectLst/>
+        </a:effectStyle>
+        <a:effectStyle>
+          <a:effectLst>
+            <a:outerShdw blurRad="57150" dist="19050" dir="5400000" algn="ctr" rotWithShape="0">
+              <a:srgbClr val="000000">
+                <a:alpha val="63000"/>
+              </a:srgbClr>
+            </a:outerShdw>
+          </a:effectLst>
+        </a:effectStyle>
+      </a:effectStyleLst>
+      <a:bgFillStyleLst>
+        <a:solidFill>
+          <a:schemeClr val="phClr"/>
+        </a:solidFill>
+        <a:solidFill>
+          <a:schemeClr val="phClr">
+            <a:tint val="95000"/>
+            <a:satMod val="170000"/>
+          </a:schemeClr>
+        </a:solidFill>
+        <a:gradFill rotWithShape="1">
+          <a:gsLst>
+            <a:gs pos="0">
+              <a:schemeClr val="phClr">
+                <a:tint val="93000"/>
+                <a:satMod val="150000"/>
+                <a:shade val="98000"/>
+                <a:lumMod val="102000"/>
+              </a:schemeClr>
+            </a:gs>
+            <a:gs pos="50000">
+              <a:schemeClr val="phClr">
+                <a:tint val="98000"/>
+                <a:satMod val="130000"/>
+                <a:shade val="90000"/>
+                <a:lumMod val="103000"/>
+              </a:schemeClr>
+            </a:gs>
+            <a:gs pos="100000">
+              <a:schemeClr val="phClr">
+                <a:shade val="63000"/>
+                <a:satMod val="120000"/>
+              </a:schemeClr>
+            </a:gs>
+          </a:gsLst>
+          <a:lin ang="5400000" scaled="0"/>
+        </a:gradFill>
+      </a:bgFillStyleLst>
+    </a:fmtScheme>
+  </a:themeElements>
+  <a:objectDefaults>
+    <a:lnDef>
+      <a:spPr/>
+      <a:bodyPr/>
+      <a:lstStyle/>
+      <a:style>
+        <a:lnRef idx="2">
+          <a:schemeClr val="accent1"/>
+        </a:lnRef>
+        <a:fillRef idx="0">
+          <a:schemeClr val="accent1"/>
+        </a:fillRef>
+        <a:effectRef idx="1">
+          <a:schemeClr val="accent1"/>
+        </a:effectRef>
+        <a:fontRef idx="minor">
+          <a:schemeClr val="tx1"/>
+        </a:fontRef>
+      </a:style>
+    </a:lnDef>
+  </a:objectDefaults>
+  <a:extraClrSchemeLst/>
+  <a:extLst>
+    <a:ext uri="{05A4C25C-085E-4340-85A3-A5531E510DB2}">
+      <thm15:themeFamily xmlns:thm15="http://schemas.microsoft.com/office/thememl/2012/main" name="Office Theme" id="{2E142A2C-CD16-42D6-873A-C26D2A0506FA}" vid="{1BDDFF52-6CD6-40A5-AB3C-68EB2F1E4D0A}"/>
+    </a:ext>
+  </a:extLst>
+</a:theme>
 </file>
--- a/iot_pres.pptx
+++ b/iot_pres.pptx
@@ -5072,7 +5072,7 @@
         </p:nvSpPr>
         <p:spPr>
           <a:xfrm>
-            <a:off x="3695700" y="447675"/>
+            <a:off x="3667419" y="628586"/>
             <a:ext cx="8686800" cy="1310450"/>
           </a:xfrm>
           <a:prstGeom prst="rect">
@@ -5125,7 +5125,7 @@
         </p:nvSpPr>
         <p:spPr>
           <a:xfrm>
-            <a:off x="3857625" y="2043752"/>
+            <a:off x="3829344" y="2232283"/>
             <a:ext cx="7041284" cy="3571957"/>
           </a:xfrm>
           <a:prstGeom prst="rect">
@@ -6189,7 +6189,7 @@
         </p:nvSpPr>
         <p:spPr>
           <a:xfrm>
-            <a:off x="4413153" y="352418"/>
+            <a:off x="4413153" y="494658"/>
             <a:ext cx="5257800" cy="1025670"/>
           </a:xfrm>
           <a:prstGeom prst="rect">
@@ -6242,7 +6242,7 @@
         </p:nvSpPr>
         <p:spPr>
           <a:xfrm>
-            <a:off x="4413153" y="1493199"/>
+            <a:off x="4413153" y="1655759"/>
             <a:ext cx="5257800" cy="4464256"/>
           </a:xfrm>
           <a:prstGeom prst="rect">
@@ -8736,7 +8736,7 @@
         </p:nvSpPr>
         <p:spPr>
           <a:xfrm>
-            <a:off x="4313144" y="294893"/>
+            <a:off x="4313144" y="335533"/>
             <a:ext cx="8834582" cy="1325563"/>
           </a:xfrm>
           <a:prstGeom prst="rect">
@@ -8849,7 +8849,7 @@
         </p:nvSpPr>
         <p:spPr>
           <a:xfrm>
-            <a:off x="4303908" y="1465489"/>
+            <a:off x="4303908" y="1516289"/>
             <a:ext cx="5257800" cy="4658220"/>
           </a:xfrm>
           <a:prstGeom prst="rect">
@@ -11489,7 +11489,7 @@
         </p:nvSpPr>
         <p:spPr>
           <a:xfrm>
-            <a:off x="3745578" y="158753"/>
+            <a:off x="3745578" y="311153"/>
             <a:ext cx="6499052" cy="1325563"/>
           </a:xfrm>
           <a:prstGeom prst="rect">
@@ -11702,7 +11702,7 @@
         </p:nvSpPr>
         <p:spPr>
           <a:xfrm>
-            <a:off x="3745578" y="1865465"/>
+            <a:off x="3745578" y="2017865"/>
             <a:ext cx="3569622" cy="4247093"/>
           </a:xfrm>
           <a:prstGeom prst="rect">
@@ -12219,7 +12219,7 @@
         </p:nvSpPr>
         <p:spPr>
           <a:xfrm>
-            <a:off x="7759084" y="1867532"/>
+            <a:off x="7759084" y="2030092"/>
             <a:ext cx="4021584" cy="4247093"/>
           </a:xfrm>
           <a:prstGeom prst="rect">
@@ -14992,7 +14992,7 @@
         </p:nvSpPr>
         <p:spPr>
           <a:xfrm>
-            <a:off x="4036291" y="272762"/>
+            <a:off x="4036291" y="354042"/>
             <a:ext cx="5948218" cy="1325563"/>
           </a:xfrm>
           <a:prstGeom prst="rect">
@@ -15045,7 +15045,7 @@
         </p:nvSpPr>
         <p:spPr>
           <a:xfrm>
-            <a:off x="4036291" y="1733262"/>
+            <a:off x="4036291" y="1987262"/>
             <a:ext cx="5754254" cy="4351338"/>
           </a:xfrm>
           <a:prstGeom prst="rect">
@@ -15186,6 +15186,51 @@
               </a:rPr>
               <a:t> (led)</a:t>
             </a:r>
+          </a:p>
+          <a:p>
+            <a:pPr>
+              <a:lnSpc>
+                <a:spcPct val="90000"/>
+              </a:lnSpc>
+              <a:spcBef>
+                <a:spcPts val="1001"/>
+              </a:spcBef>
+              <a:buFont typeface="Wingdings" panose="05000000000000000000" pitchFamily="2" charset="2"/>
+              <a:buChar char="ü"/>
+            </a:pPr>
+            <a:r>
+              <a:rPr lang="it-IT" sz="2800" spc="-1" dirty="0" err="1">
+                <a:solidFill>
+                  <a:srgbClr val="000000"/>
+                </a:solidFill>
+                <a:latin typeface="Aptos"/>
+              </a:rPr>
+              <a:t>Possible</a:t>
+            </a:r>
+            <a:r>
+              <a:rPr lang="it-IT" sz="2800" spc="-1" dirty="0">
+                <a:solidFill>
+                  <a:srgbClr val="000000"/>
+                </a:solidFill>
+                <a:latin typeface="Aptos"/>
+              </a:rPr>
+              <a:t> information from </a:t>
+            </a:r>
+            <a:r>
+              <a:rPr lang="it-IT" sz="2800" b="1" spc="-1" dirty="0">
+                <a:solidFill>
+                  <a:srgbClr val="000000"/>
+                </a:solidFill>
+                <a:latin typeface="Aptos"/>
+              </a:rPr>
+              <a:t>cloud</a:t>
+            </a:r>
+            <a:endParaRPr lang="it-IT" sz="2800" b="1" strike="noStrike" spc="-1" dirty="0">
+              <a:solidFill>
+                <a:srgbClr val="000000"/>
+              </a:solidFill>
+              <a:latin typeface="Aptos"/>
+            </a:endParaRPr>
           </a:p>
         </p:txBody>
       </p:sp>
@@ -15411,30 +15456,82 @@
                             </p:childTnLst>
                           </p:cTn>
                         </p:par>
+                        <p:par>
+                          <p:cTn id="20" fill="hold">
+                            <p:stCondLst>
+                              <p:cond delay="2750"/>
+                            </p:stCondLst>
+                            <p:childTnLst>
+                              <p:par>
+                                <p:cTn id="21" presetID="10" presetClass="entr" presetSubtype="0" fill="hold" nodeType="afterEffect">
+                                  <p:stCondLst>
+                                    <p:cond delay="0"/>
+                                  </p:stCondLst>
+                                  <p:childTnLst>
+                                    <p:set>
+                                      <p:cBhvr>
+                                        <p:cTn id="22" dur="1" fill="hold">
+                                          <p:stCondLst>
+                                            <p:cond delay="0"/>
+                                          </p:stCondLst>
+                                        </p:cTn>
+                                        <p:tgtEl>
+                                          <p:spTgt spid="100">
+                                            <p:txEl>
+                                              <p:pRg st="3" end="3"/>
+                                            </p:txEl>
+                                          </p:spTgt>
+                                        </p:tgtEl>
+                                        <p:attrNameLst>
+                                          <p:attrName>style.visibility</p:attrName>
+                                        </p:attrNameLst>
+                                      </p:cBhvr>
+                                      <p:to>
+                                        <p:strVal val="visible"/>
+                                      </p:to>
+                                    </p:set>
+                                    <p:animEffect transition="in" filter="fade">
+                                      <p:cBhvr>
+                                        <p:cTn id="23" dur="750"/>
+                                        <p:tgtEl>
+                                          <p:spTgt spid="100">
+                                            <p:txEl>
+                                              <p:pRg st="3" end="3"/>
+                                            </p:txEl>
+                                          </p:spTgt>
+                                        </p:tgtEl>
+                                      </p:cBhvr>
+                                    </p:animEffect>
+                                  </p:childTnLst>
+                                </p:cTn>
+                              </p:par>
+                            </p:childTnLst>
+                          </p:cTn>
+                        </p:par>
                       </p:childTnLst>
                     </p:cTn>
                   </p:par>
                   <p:par>
-                    <p:cTn id="20" fill="hold">
+                    <p:cTn id="24" fill="hold">
                       <p:stCondLst>
                         <p:cond delay="indefinite"/>
                       </p:stCondLst>
                       <p:childTnLst>
                         <p:par>
-                          <p:cTn id="21" fill="hold">
+                          <p:cTn id="25" fill="hold">
                             <p:stCondLst>
                               <p:cond delay="0"/>
                             </p:stCondLst>
                             <p:childTnLst>
                               <p:par>
-                                <p:cTn id="22" presetID="10" presetClass="exit" presetSubtype="0" fill="hold" grpId="1" nodeType="clickEffect">
+                                <p:cTn id="26" presetID="10" presetClass="exit" presetSubtype="0" fill="hold" grpId="1" nodeType="clickEffect">
                                   <p:stCondLst>
                                     <p:cond delay="0"/>
                                   </p:stCondLst>
                                   <p:childTnLst>
                                     <p:animEffect transition="out" filter="fade">
                                       <p:cBhvr>
-                                        <p:cTn id="23" dur="500"/>
+                                        <p:cTn id="27" dur="500"/>
                                         <p:tgtEl>
                                           <p:spTgt spid="99"/>
                                         </p:tgtEl>
@@ -15442,7 +15539,7 @@
                                     </p:animEffect>
                                     <p:set>
                                       <p:cBhvr>
-                                        <p:cTn id="24" dur="1" fill="hold">
+                                        <p:cTn id="28" dur="1" fill="hold">
                                           <p:stCondLst>
                                             <p:cond delay="499"/>
                                           </p:stCondLst>
@@ -15462,14 +15559,14 @@
                                 </p:cTn>
                               </p:par>
                               <p:par>
-                                <p:cTn id="25" presetID="10" presetClass="exit" presetSubtype="0" fill="hold" nodeType="withEffect">
+                                <p:cTn id="29" presetID="10" presetClass="exit" presetSubtype="0" fill="hold" nodeType="withEffect">
                                   <p:stCondLst>
                                     <p:cond delay="0"/>
                                   </p:stCondLst>
                                   <p:childTnLst>
                                     <p:animEffect transition="out" filter="fade">
                                       <p:cBhvr>
-                                        <p:cTn id="26" dur="500"/>
+                                        <p:cTn id="30" dur="500"/>
                                         <p:tgtEl>
                                           <p:spTgt spid="100">
                                             <p:txEl>
@@ -15481,7 +15578,7 @@
                                     </p:animEffect>
                                     <p:set>
                                       <p:cBhvr>
-                                        <p:cTn id="27" dur="1" fill="hold">
+                                        <p:cTn id="31" dur="1" fill="hold">
                                           <p:stCondLst>
                                             <p:cond delay="499"/>
                                           </p:stCondLst>
@@ -15505,14 +15602,14 @@
                                 </p:cTn>
                               </p:par>
                               <p:par>
-                                <p:cTn id="28" presetID="10" presetClass="exit" presetSubtype="0" fill="hold" nodeType="withEffect">
+                                <p:cTn id="32" presetID="10" presetClass="exit" presetSubtype="0" fill="hold" nodeType="withEffect">
                                   <p:stCondLst>
                                     <p:cond delay="0"/>
                                   </p:stCondLst>
                                   <p:childTnLst>
                                     <p:animEffect transition="out" filter="fade">
                                       <p:cBhvr>
-                                        <p:cTn id="29" dur="500"/>
+                                        <p:cTn id="33" dur="500"/>
                                         <p:tgtEl>
                                           <p:spTgt spid="100">
                                             <p:txEl>
@@ -15524,7 +15621,7 @@
                                     </p:animEffect>
                                     <p:set>
                                       <p:cBhvr>
-                                        <p:cTn id="30" dur="1" fill="hold">
+                                        <p:cTn id="34" dur="1" fill="hold">
                                           <p:stCondLst>
                                             <p:cond delay="499"/>
                                           </p:stCondLst>
@@ -15548,14 +15645,14 @@
                                 </p:cTn>
                               </p:par>
                               <p:par>
-                                <p:cTn id="31" presetID="10" presetClass="exit" presetSubtype="0" fill="hold" nodeType="withEffect">
+                                <p:cTn id="35" presetID="10" presetClass="exit" presetSubtype="0" fill="hold" nodeType="withEffect">
                                   <p:stCondLst>
                                     <p:cond delay="0"/>
                                   </p:stCondLst>
                                   <p:childTnLst>
                                     <p:animEffect transition="out" filter="fade">
                                       <p:cBhvr>
-                                        <p:cTn id="32" dur="500"/>
+                                        <p:cTn id="36" dur="500"/>
                                         <p:tgtEl>
                                           <p:spTgt spid="100">
                                             <p:txEl>
@@ -15567,7 +15664,7 @@
                                     </p:animEffect>
                                     <p:set>
                                       <p:cBhvr>
-                                        <p:cTn id="33" dur="1" fill="hold">
+                                        <p:cTn id="37" dur="1" fill="hold">
                                           <p:stCondLst>
                                             <p:cond delay="499"/>
                                           </p:stCondLst>
@@ -15576,6 +15673,49 @@
                                           <p:spTgt spid="100">
                                             <p:txEl>
                                               <p:pRg st="2" end="2"/>
+                                            </p:txEl>
+                                          </p:spTgt>
+                                        </p:tgtEl>
+                                        <p:attrNameLst>
+                                          <p:attrName>style.visibility</p:attrName>
+                                        </p:attrNameLst>
+                                      </p:cBhvr>
+                                      <p:to>
+                                        <p:strVal val="hidden"/>
+                                      </p:to>
+                                    </p:set>
+                                  </p:childTnLst>
+                                </p:cTn>
+                              </p:par>
+                              <p:par>
+                                <p:cTn id="38" presetID="10" presetClass="exit" presetSubtype="0" fill="hold" nodeType="withEffect">
+                                  <p:stCondLst>
+                                    <p:cond delay="0"/>
+                                  </p:stCondLst>
+                                  <p:childTnLst>
+                                    <p:animEffect transition="out" filter="fade">
+                                      <p:cBhvr>
+                                        <p:cTn id="39" dur="500"/>
+                                        <p:tgtEl>
+                                          <p:spTgt spid="100">
+                                            <p:txEl>
+                                              <p:pRg st="3" end="3"/>
+                                            </p:txEl>
+                                          </p:spTgt>
+                                        </p:tgtEl>
+                                      </p:cBhvr>
+                                    </p:animEffect>
+                                    <p:set>
+                                      <p:cBhvr>
+                                        <p:cTn id="40" dur="1" fill="hold">
+                                          <p:stCondLst>
+                                            <p:cond delay="499"/>
+                                          </p:stCondLst>
+                                        </p:cTn>
+                                        <p:tgtEl>
+                                          <p:spTgt spid="100">
+                                            <p:txEl>
+                                              <p:pRg st="3" end="3"/>
                                             </p:txEl>
                                           </p:spTgt>
                                         </p:tgtEl>

--- a/iot_pres.pptx
+++ b/iot_pres.pptx
@@ -13123,6 +13123,41 @@
           </p:spPr>
         </p:pic>
       </p:grpSp>
+      <p:sp>
+        <p:nvSpPr>
+          <p:cNvPr id="5" name="CasellaDiTesto 4">
+            <a:extLst>
+              <a:ext uri="{FF2B5EF4-FFF2-40B4-BE49-F238E27FC236}">
+                <a16:creationId xmlns:a16="http://schemas.microsoft.com/office/drawing/2014/main" id="{B20D5A19-F940-080B-6300-AF52A8A3C29E}"/>
+              </a:ext>
+            </a:extLst>
+          </p:cNvPr>
+          <p:cNvSpPr txBox="1"/>
+          <p:nvPr/>
+        </p:nvSpPr>
+        <p:spPr>
+          <a:xfrm>
+            <a:off x="4014216" y="5431536"/>
+            <a:ext cx="5121051" cy="369332"/>
+          </a:xfrm>
+          <a:prstGeom prst="rect">
+            <a:avLst/>
+          </a:prstGeom>
+          <a:noFill/>
+        </p:spPr>
+        <p:txBody>
+          <a:bodyPr wrap="square" rtlCol="0">
+            <a:spAutoFit/>
+          </a:bodyPr>
+          <a:lstStyle/>
+          <a:p>
+            <a:r>
+              <a:rPr lang="it-IT" dirty="0"/>
+              <a:t>DFOPJGBDLFKBMNJODIFKIBN</a:t>
+            </a:r>
+          </a:p>
+        </p:txBody>
+      </p:sp>
     </p:spTree>
   </p:cSld>
   <p:clrMapOvr>
@@ -14066,30 +14101,74 @@
                             </p:childTnLst>
                           </p:cTn>
                         </p:par>
+                        <p:par>
+                          <p:cTn id="77" fill="hold">
+                            <p:stCondLst>
+                              <p:cond delay="7500"/>
+                            </p:stCondLst>
+                            <p:childTnLst>
+                              <p:par>
+                                <p:cTn id="78" presetID="10" presetClass="entr" presetSubtype="0" fill="hold" grpId="0" nodeType="afterEffect">
+                                  <p:stCondLst>
+                                    <p:cond delay="0"/>
+                                  </p:stCondLst>
+                                  <p:childTnLst>
+                                    <p:set>
+                                      <p:cBhvr>
+                                        <p:cTn id="79" dur="1" fill="hold">
+                                          <p:stCondLst>
+                                            <p:cond delay="0"/>
+                                          </p:stCondLst>
+                                        </p:cTn>
+                                        <p:tgtEl>
+                                          <p:spTgt spid="5"/>
+                                        </p:tgtEl>
+                                        <p:attrNameLst>
+                                          <p:attrName>style.visibility</p:attrName>
+                                        </p:attrNameLst>
+                                      </p:cBhvr>
+                                      <p:to>
+                                        <p:strVal val="visible"/>
+                                      </p:to>
+                                    </p:set>
+                                    <p:animEffect transition="in" filter="fade">
+                                      <p:cBhvr>
+                                        <p:cTn id="80" dur="500"/>
+                                        <p:tgtEl>
+                                          <p:spTgt spid="5"/>
+                                        </p:tgtEl>
+                                      </p:cBhvr>
+                                    </p:animEffect>
+                                  </p:childTnLst>
+                                </p:cTn>
+                              </p:par>
+                            </p:childTnLst>
+                          </p:cTn>
+                        </p:par>
                       </p:childTnLst>
                     </p:cTn>
                   </p:par>
                   <p:par>
-                    <p:cTn id="77" fill="hold">
+                    <p:cTn id="81" fill="hold">
                       <p:stCondLst>
                         <p:cond delay="indefinite"/>
                       </p:stCondLst>
                       <p:childTnLst>
                         <p:par>
-                          <p:cTn id="78" fill="hold">
+                          <p:cTn id="82" fill="hold">
                             <p:stCondLst>
                               <p:cond delay="0"/>
                             </p:stCondLst>
                             <p:childTnLst>
                               <p:par>
-                                <p:cTn id="79" presetID="10" presetClass="exit" presetSubtype="0" fill="hold" grpId="1" nodeType="clickEffect">
+                                <p:cTn id="83" presetID="10" presetClass="exit" presetSubtype="0" fill="hold" grpId="1" nodeType="clickEffect">
                                   <p:stCondLst>
                                     <p:cond delay="0"/>
                                   </p:stCondLst>
                                   <p:childTnLst>
                                     <p:animEffect transition="out" filter="fade">
                                       <p:cBhvr>
-                                        <p:cTn id="80" dur="500"/>
+                                        <p:cTn id="84" dur="500"/>
                                         <p:tgtEl>
                                           <p:spTgt spid="94"/>
                                         </p:tgtEl>
@@ -14097,7 +14176,7 @@
                                     </p:animEffect>
                                     <p:set>
                                       <p:cBhvr>
-                                        <p:cTn id="81" dur="1" fill="hold">
+                                        <p:cTn id="85" dur="1" fill="hold">
                                           <p:stCondLst>
                                             <p:cond delay="499"/>
                                           </p:stCondLst>
@@ -14117,14 +14196,14 @@
                                 </p:cTn>
                               </p:par>
                               <p:par>
-                                <p:cTn id="82" presetID="10" presetClass="exit" presetSubtype="0" fill="hold" nodeType="withEffect">
+                                <p:cTn id="86" presetID="10" presetClass="exit" presetSubtype="0" fill="hold" nodeType="withEffect">
                                   <p:stCondLst>
                                     <p:cond delay="0"/>
                                   </p:stCondLst>
                                   <p:childTnLst>
                                     <p:animEffect transition="out" filter="fade">
                                       <p:cBhvr>
-                                        <p:cTn id="83" dur="500"/>
+                                        <p:cTn id="87" dur="500"/>
                                         <p:tgtEl>
                                           <p:spTgt spid="2">
                                             <p:txEl>
@@ -14136,7 +14215,7 @@
                                     </p:animEffect>
                                     <p:set>
                                       <p:cBhvr>
-                                        <p:cTn id="84" dur="1" fill="hold">
+                                        <p:cTn id="88" dur="1" fill="hold">
                                           <p:stCondLst>
                                             <p:cond delay="499"/>
                                           </p:stCondLst>
@@ -14160,14 +14239,14 @@
                                 </p:cTn>
                               </p:par>
                               <p:par>
-                                <p:cTn id="85" presetID="10" presetClass="exit" presetSubtype="0" fill="hold" nodeType="withEffect">
+                                <p:cTn id="89" presetID="10" presetClass="exit" presetSubtype="0" fill="hold" nodeType="withEffect">
                                   <p:stCondLst>
                                     <p:cond delay="0"/>
                                   </p:stCondLst>
                                   <p:childTnLst>
                                     <p:animEffect transition="out" filter="fade">
                                       <p:cBhvr>
-                                        <p:cTn id="86" dur="500"/>
+                                        <p:cTn id="90" dur="500"/>
                                         <p:tgtEl>
                                           <p:spTgt spid="2">
                                             <p:txEl>
@@ -14179,7 +14258,7 @@
                                     </p:animEffect>
                                     <p:set>
                                       <p:cBhvr>
-                                        <p:cTn id="87" dur="1" fill="hold">
+                                        <p:cTn id="91" dur="1" fill="hold">
                                           <p:stCondLst>
                                             <p:cond delay="499"/>
                                           </p:stCondLst>
@@ -14203,14 +14282,14 @@
                                 </p:cTn>
                               </p:par>
                               <p:par>
-                                <p:cTn id="88" presetID="10" presetClass="exit" presetSubtype="0" fill="hold" nodeType="withEffect">
+                                <p:cTn id="92" presetID="10" presetClass="exit" presetSubtype="0" fill="hold" nodeType="withEffect">
                                   <p:stCondLst>
                                     <p:cond delay="0"/>
                                   </p:stCondLst>
                                   <p:childTnLst>
                                     <p:animEffect transition="out" filter="fade">
                                       <p:cBhvr>
-                                        <p:cTn id="89" dur="500"/>
+                                        <p:cTn id="93" dur="500"/>
                                         <p:tgtEl>
                                           <p:spTgt spid="2">
                                             <p:txEl>
@@ -14222,7 +14301,7 @@
                                     </p:animEffect>
                                     <p:set>
                                       <p:cBhvr>
-                                        <p:cTn id="90" dur="1" fill="hold">
+                                        <p:cTn id="94" dur="1" fill="hold">
                                           <p:stCondLst>
                                             <p:cond delay="499"/>
                                           </p:stCondLst>
@@ -14246,14 +14325,14 @@
                                 </p:cTn>
                               </p:par>
                               <p:par>
-                                <p:cTn id="91" presetID="10" presetClass="exit" presetSubtype="0" fill="hold" nodeType="withEffect">
+                                <p:cTn id="95" presetID="10" presetClass="exit" presetSubtype="0" fill="hold" nodeType="withEffect">
                                   <p:stCondLst>
                                     <p:cond delay="0"/>
                                   </p:stCondLst>
                                   <p:childTnLst>
                                     <p:animEffect transition="out" filter="fade">
                                       <p:cBhvr>
-                                        <p:cTn id="92" dur="500"/>
+                                        <p:cTn id="96" dur="500"/>
                                         <p:tgtEl>
                                           <p:spTgt spid="2">
                                             <p:txEl>
@@ -14265,7 +14344,7 @@
                                     </p:animEffect>
                                     <p:set>
                                       <p:cBhvr>
-                                        <p:cTn id="93" dur="1" fill="hold">
+                                        <p:cTn id="97" dur="1" fill="hold">
                                           <p:stCondLst>
                                             <p:cond delay="499"/>
                                           </p:stCondLst>
@@ -14289,14 +14368,14 @@
                                 </p:cTn>
                               </p:par>
                               <p:par>
-                                <p:cTn id="94" presetID="10" presetClass="exit" presetSubtype="0" fill="hold" nodeType="withEffect">
+                                <p:cTn id="98" presetID="10" presetClass="exit" presetSubtype="0" fill="hold" nodeType="withEffect">
                                   <p:stCondLst>
                                     <p:cond delay="0"/>
                                   </p:stCondLst>
                                   <p:childTnLst>
                                     <p:animEffect transition="out" filter="fade">
                                       <p:cBhvr>
-                                        <p:cTn id="95" dur="500"/>
+                                        <p:cTn id="99" dur="500"/>
                                         <p:tgtEl>
                                           <p:spTgt spid="2">
                                             <p:txEl>
@@ -14308,7 +14387,7 @@
                                     </p:animEffect>
                                     <p:set>
                                       <p:cBhvr>
-                                        <p:cTn id="96" dur="1" fill="hold">
+                                        <p:cTn id="100" dur="1" fill="hold">
                                           <p:stCondLst>
                                             <p:cond delay="499"/>
                                           </p:stCondLst>
@@ -14332,14 +14411,14 @@
                                 </p:cTn>
                               </p:par>
                               <p:par>
-                                <p:cTn id="97" presetID="10" presetClass="exit" presetSubtype="0" fill="hold" nodeType="withEffect">
+                                <p:cTn id="101" presetID="10" presetClass="exit" presetSubtype="0" fill="hold" nodeType="withEffect">
                                   <p:stCondLst>
                                     <p:cond delay="0"/>
                                   </p:stCondLst>
                                   <p:childTnLst>
                                     <p:animEffect transition="out" filter="fade">
                                       <p:cBhvr>
-                                        <p:cTn id="98" dur="500"/>
+                                        <p:cTn id="102" dur="500"/>
                                         <p:tgtEl>
                                           <p:spTgt spid="2">
                                             <p:txEl>
@@ -14351,7 +14430,7 @@
                                     </p:animEffect>
                                     <p:set>
                                       <p:cBhvr>
-                                        <p:cTn id="99" dur="1" fill="hold">
+                                        <p:cTn id="103" dur="1" fill="hold">
                                           <p:stCondLst>
                                             <p:cond delay="499"/>
                                           </p:stCondLst>
@@ -14375,14 +14454,14 @@
                                 </p:cTn>
                               </p:par>
                               <p:par>
-                                <p:cTn id="100" presetID="10" presetClass="exit" presetSubtype="0" fill="hold" nodeType="withEffect">
+                                <p:cTn id="104" presetID="10" presetClass="exit" presetSubtype="0" fill="hold" nodeType="withEffect">
                                   <p:stCondLst>
                                     <p:cond delay="0"/>
                                   </p:stCondLst>
                                   <p:childTnLst>
                                     <p:animEffect transition="out" filter="fade">
                                       <p:cBhvr>
-                                        <p:cTn id="101" dur="500"/>
+                                        <p:cTn id="105" dur="500"/>
                                         <p:tgtEl>
                                           <p:spTgt spid="2">
                                             <p:txEl>
@@ -14394,7 +14473,7 @@
                                     </p:animEffect>
                                     <p:set>
                                       <p:cBhvr>
-                                        <p:cTn id="102" dur="1" fill="hold">
+                                        <p:cTn id="106" dur="1" fill="hold">
                                           <p:stCondLst>
                                             <p:cond delay="499"/>
                                           </p:stCondLst>
@@ -14418,14 +14497,14 @@
                                 </p:cTn>
                               </p:par>
                               <p:par>
-                                <p:cTn id="103" presetID="10" presetClass="exit" presetSubtype="0" fill="hold" grpId="0" nodeType="withEffect">
+                                <p:cTn id="107" presetID="10" presetClass="exit" presetSubtype="0" fill="hold" grpId="0" nodeType="withEffect">
                                   <p:stCondLst>
                                     <p:cond delay="0"/>
                                   </p:stCondLst>
                                   <p:childTnLst>
                                     <p:animEffect transition="out" filter="fade">
                                       <p:cBhvr>
-                                        <p:cTn id="104" dur="500"/>
+                                        <p:cTn id="108" dur="500"/>
                                         <p:tgtEl>
                                           <p:spTgt spid="3">
                                             <p:txEl>
@@ -14437,7 +14516,7 @@
                                     </p:animEffect>
                                     <p:set>
                                       <p:cBhvr>
-                                        <p:cTn id="105" dur="1" fill="hold">
+                                        <p:cTn id="109" dur="1" fill="hold">
                                           <p:stCondLst>
                                             <p:cond delay="499"/>
                                           </p:stCondLst>
@@ -14461,14 +14540,14 @@
                                 </p:cTn>
                               </p:par>
                               <p:par>
-                                <p:cTn id="106" presetID="10" presetClass="exit" presetSubtype="0" fill="hold" grpId="0" nodeType="withEffect">
+                                <p:cTn id="110" presetID="10" presetClass="exit" presetSubtype="0" fill="hold" grpId="0" nodeType="withEffect">
                                   <p:stCondLst>
                                     <p:cond delay="0"/>
                                   </p:stCondLst>
                                   <p:childTnLst>
                                     <p:animEffect transition="out" filter="fade">
                                       <p:cBhvr>
-                                        <p:cTn id="107" dur="500"/>
+                                        <p:cTn id="111" dur="500"/>
                                         <p:tgtEl>
                                           <p:spTgt spid="3">
                                             <p:txEl>
@@ -14480,7 +14559,7 @@
                                     </p:animEffect>
                                     <p:set>
                                       <p:cBhvr>
-                                        <p:cTn id="108" dur="1" fill="hold">
+                                        <p:cTn id="112" dur="1" fill="hold">
                                           <p:stCondLst>
                                             <p:cond delay="499"/>
                                           </p:stCondLst>
@@ -14504,14 +14583,14 @@
                                 </p:cTn>
                               </p:par>
                               <p:par>
-                                <p:cTn id="109" presetID="10" presetClass="exit" presetSubtype="0" fill="hold" grpId="0" nodeType="withEffect">
+                                <p:cTn id="113" presetID="10" presetClass="exit" presetSubtype="0" fill="hold" grpId="0" nodeType="withEffect">
                                   <p:stCondLst>
                                     <p:cond delay="0"/>
                                   </p:stCondLst>
                                   <p:childTnLst>
                                     <p:animEffect transition="out" filter="fade">
                                       <p:cBhvr>
-                                        <p:cTn id="110" dur="500"/>
+                                        <p:cTn id="114" dur="500"/>
                                         <p:tgtEl>
                                           <p:spTgt spid="3">
                                             <p:txEl>
@@ -14523,7 +14602,7 @@
                                     </p:animEffect>
                                     <p:set>
                                       <p:cBhvr>
-                                        <p:cTn id="111" dur="1" fill="hold">
+                                        <p:cTn id="115" dur="1" fill="hold">
                                           <p:stCondLst>
                                             <p:cond delay="499"/>
                                           </p:stCondLst>
@@ -14547,14 +14626,14 @@
                                 </p:cTn>
                               </p:par>
                               <p:par>
-                                <p:cTn id="112" presetID="10" presetClass="exit" presetSubtype="0" fill="hold" grpId="0" nodeType="withEffect">
+                                <p:cTn id="116" presetID="10" presetClass="exit" presetSubtype="0" fill="hold" grpId="0" nodeType="withEffect">
                                   <p:stCondLst>
                                     <p:cond delay="0"/>
                                   </p:stCondLst>
                                   <p:childTnLst>
                                     <p:animEffect transition="out" filter="fade">
                                       <p:cBhvr>
-                                        <p:cTn id="113" dur="500"/>
+                                        <p:cTn id="117" dur="500"/>
                                         <p:tgtEl>
                                           <p:spTgt spid="3">
                                             <p:txEl>
@@ -14566,7 +14645,7 @@
                                     </p:animEffect>
                                     <p:set>
                                       <p:cBhvr>
-                                        <p:cTn id="114" dur="1" fill="hold">
+                                        <p:cTn id="118" dur="1" fill="hold">
                                           <p:stCondLst>
                                             <p:cond delay="499"/>
                                           </p:stCondLst>
@@ -14590,14 +14669,14 @@
                                 </p:cTn>
                               </p:par>
                               <p:par>
-                                <p:cTn id="115" presetID="10" presetClass="exit" presetSubtype="0" fill="hold" grpId="0" nodeType="withEffect">
+                                <p:cTn id="119" presetID="10" presetClass="exit" presetSubtype="0" fill="hold" grpId="0" nodeType="withEffect">
                                   <p:stCondLst>
                                     <p:cond delay="0"/>
                                   </p:stCondLst>
                                   <p:childTnLst>
                                     <p:animEffect transition="out" filter="fade">
                                       <p:cBhvr>
-                                        <p:cTn id="116" dur="500"/>
+                                        <p:cTn id="120" dur="500"/>
                                         <p:tgtEl>
                                           <p:spTgt spid="3">
                                             <p:txEl>
@@ -14609,7 +14688,7 @@
                                     </p:animEffect>
                                     <p:set>
                                       <p:cBhvr>
-                                        <p:cTn id="117" dur="1" fill="hold">
+                                        <p:cTn id="121" dur="1" fill="hold">
                                           <p:stCondLst>
                                             <p:cond delay="499"/>
                                           </p:stCondLst>
@@ -14633,14 +14712,14 @@
                                 </p:cTn>
                               </p:par>
                               <p:par>
-                                <p:cTn id="118" presetID="10" presetClass="exit" presetSubtype="0" fill="hold" nodeType="withEffect">
+                                <p:cTn id="122" presetID="10" presetClass="exit" presetSubtype="0" fill="hold" nodeType="withEffect">
                                   <p:stCondLst>
                                     <p:cond delay="0"/>
                                   </p:stCondLst>
                                   <p:childTnLst>
                                     <p:animEffect transition="out" filter="fade">
                                       <p:cBhvr>
-                                        <p:cTn id="119" dur="500"/>
+                                        <p:cTn id="123" dur="500"/>
                                         <p:tgtEl>
                                           <p:spTgt spid="16"/>
                                         </p:tgtEl>
@@ -14648,7 +14727,7 @@
                                     </p:animEffect>
                                     <p:set>
                                       <p:cBhvr>
-                                        <p:cTn id="120" dur="1" fill="hold">
+                                        <p:cTn id="124" dur="1" fill="hold">
                                           <p:stCondLst>
                                             <p:cond delay="499"/>
                                           </p:stCondLst>
@@ -14668,14 +14747,14 @@
                                 </p:cTn>
                               </p:par>
                               <p:par>
-                                <p:cTn id="121" presetID="10" presetClass="exit" presetSubtype="0" fill="hold" nodeType="withEffect">
+                                <p:cTn id="125" presetID="10" presetClass="exit" presetSubtype="0" fill="hold" nodeType="withEffect">
                                   <p:stCondLst>
                                     <p:cond delay="0"/>
                                   </p:stCondLst>
                                   <p:childTnLst>
                                     <p:animEffect transition="out" filter="fade">
                                       <p:cBhvr>
-                                        <p:cTn id="122" dur="500"/>
+                                        <p:cTn id="126" dur="500"/>
                                         <p:tgtEl>
                                           <p:spTgt spid="17"/>
                                         </p:tgtEl>
@@ -14683,7 +14762,7 @@
                                     </p:animEffect>
                                     <p:set>
                                       <p:cBhvr>
-                                        <p:cTn id="123" dur="1" fill="hold">
+                                        <p:cTn id="127" dur="1" fill="hold">
                                           <p:stCondLst>
                                             <p:cond delay="499"/>
                                           </p:stCondLst>
@@ -14703,14 +14782,14 @@
                                 </p:cTn>
                               </p:par>
                               <p:par>
-                                <p:cTn id="124" presetID="10" presetClass="exit" presetSubtype="0" fill="hold" nodeType="withEffect">
+                                <p:cTn id="128" presetID="10" presetClass="exit" presetSubtype="0" fill="hold" nodeType="withEffect">
                                   <p:stCondLst>
                                     <p:cond delay="0"/>
                                   </p:stCondLst>
                                   <p:childTnLst>
                                     <p:animEffect transition="out" filter="fade">
                                       <p:cBhvr>
-                                        <p:cTn id="125" dur="500"/>
+                                        <p:cTn id="129" dur="500"/>
                                         <p:tgtEl>
                                           <p:spTgt spid="22"/>
                                         </p:tgtEl>
@@ -14718,7 +14797,7 @@
                                     </p:animEffect>
                                     <p:set>
                                       <p:cBhvr>
-                                        <p:cTn id="126" dur="1" fill="hold">
+                                        <p:cTn id="130" dur="1" fill="hold">
                                           <p:stCondLst>
                                             <p:cond delay="499"/>
                                           </p:stCondLst>
@@ -14738,14 +14817,14 @@
                                 </p:cTn>
                               </p:par>
                               <p:par>
-                                <p:cTn id="127" presetID="10" presetClass="exit" presetSubtype="0" fill="hold" nodeType="withEffect">
+                                <p:cTn id="131" presetID="10" presetClass="exit" presetSubtype="0" fill="hold" nodeType="withEffect">
                                   <p:stCondLst>
                                     <p:cond delay="0"/>
                                   </p:stCondLst>
                                   <p:childTnLst>
                                     <p:animEffect transition="out" filter="fade">
                                       <p:cBhvr>
-                                        <p:cTn id="128" dur="500"/>
+                                        <p:cTn id="132" dur="500"/>
                                         <p:tgtEl>
                                           <p:spTgt spid="19"/>
                                         </p:tgtEl>
@@ -14753,7 +14832,7 @@
                                     </p:animEffect>
                                     <p:set>
                                       <p:cBhvr>
-                                        <p:cTn id="129" dur="1" fill="hold">
+                                        <p:cTn id="133" dur="1" fill="hold">
                                           <p:stCondLst>
                                             <p:cond delay="499"/>
                                           </p:stCondLst>
@@ -14773,14 +14852,14 @@
                                 </p:cTn>
                               </p:par>
                               <p:par>
-                                <p:cTn id="130" presetID="10" presetClass="exit" presetSubtype="0" fill="hold" nodeType="withEffect">
+                                <p:cTn id="134" presetID="10" presetClass="exit" presetSubtype="0" fill="hold" nodeType="withEffect">
                                   <p:stCondLst>
                                     <p:cond delay="0"/>
                                   </p:stCondLst>
                                   <p:childTnLst>
                                     <p:animEffect transition="out" filter="fade">
                                       <p:cBhvr>
-                                        <p:cTn id="131" dur="500"/>
+                                        <p:cTn id="135" dur="500"/>
                                         <p:tgtEl>
                                           <p:spTgt spid="18"/>
                                         </p:tgtEl>
@@ -14788,7 +14867,7 @@
                                     </p:animEffect>
                                     <p:set>
                                       <p:cBhvr>
-                                        <p:cTn id="132" dur="1" fill="hold">
+                                        <p:cTn id="136" dur="1" fill="hold">
                                           <p:stCondLst>
                                             <p:cond delay="499"/>
                                           </p:stCondLst>
@@ -14808,14 +14887,14 @@
                                 </p:cTn>
                               </p:par>
                               <p:par>
-                                <p:cTn id="133" presetID="10" presetClass="exit" presetSubtype="0" fill="hold" nodeType="withEffect">
+                                <p:cTn id="137" presetID="10" presetClass="exit" presetSubtype="0" fill="hold" nodeType="withEffect">
                                   <p:stCondLst>
                                     <p:cond delay="0"/>
                                   </p:stCondLst>
                                   <p:childTnLst>
                                     <p:animEffect transition="out" filter="fade">
                                       <p:cBhvr>
-                                        <p:cTn id="134" dur="500"/>
+                                        <p:cTn id="138" dur="500"/>
                                         <p:tgtEl>
                                           <p:spTgt spid="20"/>
                                         </p:tgtEl>
@@ -14823,7 +14902,7 @@
                                     </p:animEffect>
                                     <p:set>
                                       <p:cBhvr>
-                                        <p:cTn id="135" dur="1" fill="hold">
+                                        <p:cTn id="139" dur="1" fill="hold">
                                           <p:stCondLst>
                                             <p:cond delay="499"/>
                                           </p:stCondLst>
@@ -14843,14 +14922,14 @@
                                 </p:cTn>
                               </p:par>
                               <p:par>
-                                <p:cTn id="136" presetID="10" presetClass="exit" presetSubtype="0" fill="hold" nodeType="withEffect">
+                                <p:cTn id="140" presetID="10" presetClass="exit" presetSubtype="0" fill="hold" nodeType="withEffect">
                                   <p:stCondLst>
                                     <p:cond delay="0"/>
                                   </p:stCondLst>
                                   <p:childTnLst>
                                     <p:animEffect transition="out" filter="fade">
                                       <p:cBhvr>
-                                        <p:cTn id="137" dur="500"/>
+                                        <p:cTn id="141" dur="500"/>
                                         <p:tgtEl>
                                           <p:spTgt spid="23"/>
                                         </p:tgtEl>
@@ -14858,7 +14937,7 @@
                                     </p:animEffect>
                                     <p:set>
                                       <p:cBhvr>
-                                        <p:cTn id="138" dur="1" fill="hold">
+                                        <p:cTn id="142" dur="1" fill="hold">
                                           <p:stCondLst>
                                             <p:cond delay="499"/>
                                           </p:stCondLst>
@@ -14878,14 +14957,14 @@
                                 </p:cTn>
                               </p:par>
                               <p:par>
-                                <p:cTn id="139" presetID="10" presetClass="exit" presetSubtype="0" fill="hold" nodeType="withEffect">
+                                <p:cTn id="143" presetID="10" presetClass="exit" presetSubtype="0" fill="hold" nodeType="withEffect">
                                   <p:stCondLst>
                                     <p:cond delay="0"/>
                                   </p:stCondLst>
                                   <p:childTnLst>
                                     <p:animEffect transition="out" filter="fade">
                                       <p:cBhvr>
-                                        <p:cTn id="140" dur="500"/>
+                                        <p:cTn id="144" dur="500"/>
                                         <p:tgtEl>
                                           <p:spTgt spid="21"/>
                                         </p:tgtEl>
@@ -14893,13 +14972,48 @@
                                     </p:animEffect>
                                     <p:set>
                                       <p:cBhvr>
-                                        <p:cTn id="141" dur="1" fill="hold">
+                                        <p:cTn id="145" dur="1" fill="hold">
                                           <p:stCondLst>
                                             <p:cond delay="499"/>
                                           </p:stCondLst>
                                         </p:cTn>
                                         <p:tgtEl>
                                           <p:spTgt spid="21"/>
+                                        </p:tgtEl>
+                                        <p:attrNameLst>
+                                          <p:attrName>style.visibility</p:attrName>
+                                        </p:attrNameLst>
+                                      </p:cBhvr>
+                                      <p:to>
+                                        <p:strVal val="hidden"/>
+                                      </p:to>
+                                    </p:set>
+                                  </p:childTnLst>
+                                </p:cTn>
+                              </p:par>
+                              <p:par>
+                                <p:cTn id="146" presetID="10" presetClass="exit" presetSubtype="0" fill="hold" grpId="1" nodeType="withEffect">
+                                  <p:stCondLst>
+                                    <p:cond delay="0"/>
+                                  </p:stCondLst>
+                                  <p:childTnLst>
+                                    <p:animEffect transition="out" filter="fade">
+                                      <p:cBhvr>
+                                        <p:cTn id="147" dur="500"/>
+                                        <p:tgtEl>
+                                          <p:spTgt spid="5"/>
+                                        </p:tgtEl>
+                                      </p:cBhvr>
+                                    </p:animEffect>
+                                    <p:set>
+                                      <p:cBhvr>
+                                        <p:cTn id="148" dur="1" fill="hold">
+                                          <p:stCondLst>
+                                            <p:cond delay="499"/>
+                                          </p:stCondLst>
+                                        </p:cTn>
+                                        <p:tgtEl>
+                                          <p:spTgt spid="5"/>
                                         </p:tgtEl>
                                         <p:attrNameLst>
                                           <p:attrName>style.visibility</p:attrName>
@@ -14943,6 +15057,8 @@
       <p:bldP spid="94" grpId="0"/>
       <p:bldP spid="94" grpId="1"/>
       <p:bldP spid="3" grpId="0" build="allAtOnce"/>
+      <p:bldP spid="5" grpId="0"/>
+      <p:bldP spid="5" grpId="1"/>
     </p:bldLst>
   </p:timing>
 </p:sld>

--- a/iot_pres.pptx
+++ b/iot_pres.pptx
@@ -13137,7 +13137,7 @@
         </p:nvSpPr>
         <p:spPr>
           <a:xfrm>
-            <a:off x="4014216" y="5431536"/>
+            <a:off x="5239542" y="5500895"/>
             <a:ext cx="5121051" cy="369332"/>
           </a:xfrm>
           <a:prstGeom prst="rect">
@@ -13151,9 +13151,56 @@
           </a:bodyPr>
           <a:lstStyle/>
           <a:p>
+            <a:pPr marL="285750" indent="-285750">
+              <a:buClr>
+                <a:schemeClr val="accent6"/>
+              </a:buClr>
+              <a:buFont typeface="Wingdings" panose="05000000000000000000" pitchFamily="2" charset="2"/>
+              <a:buChar char="ü"/>
+            </a:pPr>
+            <a:r>
+              <a:rPr lang="it-IT" dirty="0" err="1"/>
+              <a:t>Both</a:t>
+            </a:r>
             <a:r>
               <a:rPr lang="it-IT" dirty="0"/>
-              <a:t>DFOPJGBDLFKBMNJODIFKIBN</a:t>
+              <a:t> </a:t>
+            </a:r>
+            <a:r>
+              <a:rPr lang="it-IT" dirty="0" err="1"/>
+              <a:t>have</a:t>
+            </a:r>
+            <a:r>
+              <a:rPr lang="it-IT" dirty="0"/>
+              <a:t> </a:t>
+            </a:r>
+            <a:r>
+              <a:rPr lang="it-IT" dirty="0" err="1"/>
+              <a:t>most</a:t>
+            </a:r>
+            <a:r>
+              <a:rPr lang="it-IT" dirty="0"/>
+              <a:t> of </a:t>
+            </a:r>
+            <a:r>
+              <a:rPr lang="it-IT" dirty="0" err="1"/>
+              <a:t>their</a:t>
+            </a:r>
+            <a:r>
+              <a:rPr lang="it-IT" dirty="0"/>
+              <a:t> work from </a:t>
+            </a:r>
+            <a:r>
+              <a:rPr lang="it-IT" b="1" dirty="0"/>
+              <a:t>8am</a:t>
+            </a:r>
+            <a:r>
+              <a:rPr lang="it-IT" dirty="0"/>
+              <a:t> to </a:t>
+            </a:r>
+            <a:r>
+              <a:rPr lang="it-IT" b="1" dirty="0"/>
+              <a:t>8pm</a:t>
             </a:r>
           </a:p>
         </p:txBody>

--- a/iot_pres.pptx
+++ b/iot_pres.pptx
@@ -15209,7 +15209,7 @@
         <p:spPr>
           <a:xfrm>
             <a:off x="4036291" y="1987262"/>
-            <a:ext cx="5754254" cy="4351338"/>
+            <a:ext cx="5754254" cy="3942198"/>
           </a:xfrm>
           <a:prstGeom prst="rect">
             <a:avLst/>
@@ -15347,7 +15347,25 @@
                 </a:solidFill>
                 <a:latin typeface="Aptos"/>
               </a:rPr>
-              <a:t> (led)</a:t>
+              <a:t> (</a:t>
+            </a:r>
+            <a:r>
+              <a:rPr lang="it-IT" sz="2800" b="0" strike="noStrike" spc="-1" dirty="0" err="1">
+                <a:solidFill>
+                  <a:srgbClr val="000000"/>
+                </a:solidFill>
+                <a:latin typeface="Aptos"/>
+              </a:rPr>
+              <a:t>leds</a:t>
+            </a:r>
+            <a:r>
+              <a:rPr lang="it-IT" sz="2800" b="0" strike="noStrike" spc="-1" dirty="0">
+                <a:solidFill>
+                  <a:srgbClr val="000000"/>
+                </a:solidFill>
+                <a:latin typeface="Aptos"/>
+              </a:rPr>
+              <a:t>)</a:t>
             </a:r>
           </a:p>
           <a:p>
@@ -15362,31 +15380,58 @@
               <a:buChar char="ü"/>
             </a:pPr>
             <a:r>
-              <a:rPr lang="it-IT" sz="2800" spc="-1" dirty="0" err="1">
+              <a:rPr lang="it-IT" sz="2800" strike="noStrike" spc="-1" dirty="0">
                 <a:solidFill>
                   <a:srgbClr val="000000"/>
                 </a:solidFill>
                 <a:latin typeface="Aptos"/>
               </a:rPr>
-              <a:t>Possible</a:t>
-            </a:r>
-            <a:r>
-              <a:rPr lang="it-IT" sz="2800" spc="-1" dirty="0">
+              <a:t>Information </a:t>
+            </a:r>
+            <a:r>
+              <a:rPr lang="it-IT" sz="2800" strike="noStrike" spc="-1" dirty="0" err="1">
                 <a:solidFill>
                   <a:srgbClr val="000000"/>
                 </a:solidFill>
                 <a:latin typeface="Aptos"/>
               </a:rPr>
-              <a:t> information from </a:t>
-            </a:r>
-            <a:r>
-              <a:rPr lang="it-IT" sz="2800" b="1" spc="-1" dirty="0">
+              <a:t>available</a:t>
+            </a:r>
+            <a:r>
+              <a:rPr lang="it-IT" sz="2800" strike="noStrike" spc="-1" dirty="0">
                 <a:solidFill>
                   <a:srgbClr val="000000"/>
                 </a:solidFill>
                 <a:latin typeface="Aptos"/>
               </a:rPr>
-              <a:t>cloud</a:t>
+              <a:t> on </a:t>
+            </a:r>
+            <a:r>
+              <a:rPr lang="it-IT" sz="2800" b="1" strike="noStrike" spc="-1" dirty="0">
+                <a:solidFill>
+                  <a:srgbClr val="000000"/>
+                </a:solidFill>
+                <a:latin typeface="Aptos"/>
+              </a:rPr>
+              <a:t>remote terminal</a:t>
+            </a:r>
+            <a:r>
+              <a:rPr lang="it-IT" sz="2800" strike="noStrike" spc="-1" dirty="0">
+                <a:solidFill>
+                  <a:srgbClr val="000000"/>
+                </a:solidFill>
+                <a:latin typeface="Aptos"/>
+              </a:rPr>
+              <a:t> </a:t>
+            </a:r>
+            <a:r>
+              <a:rPr lang="it-IT" sz="2800" strike="noStrike" spc="-1">
+                <a:solidFill>
+                  <a:srgbClr val="000000"/>
+                </a:solidFill>
+                <a:latin typeface="Aptos"/>
+              </a:rPr>
+              <a:t>(cloud)</a:t>
             </a:r>
             <a:endParaRPr lang="it-IT" sz="2800" b="1" strike="noStrike" spc="-1" dirty="0">
               <a:solidFill>
